--- a/DS6306 Group Project 1.pptx
+++ b/DS6306 Group Project 1.pptx
@@ -158,7 +158,7 @@
 <file path=ppt/revisionInfo.xml><?xml version="1.0" encoding="utf-8"?>
 <p1510:revInfo xmlns:a="http://schemas.openxmlformats.org/drawingml/2006/main" xmlns:r="http://schemas.openxmlformats.org/officeDocument/2006/relationships" xmlns:p1510="http://schemas.microsoft.com/office/powerpoint/2015/10/main">
   <p1510:revLst>
-    <p1510:client id="{61374EC2-74A0-4B7E-A59A-1715CE5DD16C}" v="104" dt="2020-02-20T20:04:20.896"/>
+    <p1510:client id="{61374EC2-74A0-4B7E-A59A-1715CE5DD16C}" v="143" dt="2020-02-21T03:40:18.749"/>
   </p1510:revLst>
 </p1510:revInfo>
 </file>
@@ -168,12 +168,12 @@
   <pc:docChgLst>
     <pc:chgData name="Thad Schwebke" userId="8a3b078b179e4a90" providerId="LiveId" clId="{61374EC2-74A0-4B7E-A59A-1715CE5DD16C}"/>
     <pc:docChg chg="custSel addSld modSld sldOrd">
-      <pc:chgData name="Thad Schwebke" userId="8a3b078b179e4a90" providerId="LiveId" clId="{61374EC2-74A0-4B7E-A59A-1715CE5DD16C}" dt="2020-02-20T20:04:20.896" v="317" actId="14100"/>
+      <pc:chgData name="Thad Schwebke" userId="8a3b078b179e4a90" providerId="LiveId" clId="{61374EC2-74A0-4B7E-A59A-1715CE5DD16C}" dt="2020-02-21T03:40:18.747" v="608" actId="1076"/>
       <pc:docMkLst>
         <pc:docMk/>
       </pc:docMkLst>
       <pc:sldChg chg="addSp delSp modSp add">
-        <pc:chgData name="Thad Schwebke" userId="8a3b078b179e4a90" providerId="LiveId" clId="{61374EC2-74A0-4B7E-A59A-1715CE5DD16C}" dt="2020-02-20T19:52:06.950" v="184" actId="1076"/>
+        <pc:chgData name="Thad Schwebke" userId="8a3b078b179e4a90" providerId="LiveId" clId="{61374EC2-74A0-4B7E-A59A-1715CE5DD16C}" dt="2020-02-21T03:22:56.605" v="555" actId="1076"/>
         <pc:sldMkLst>
           <pc:docMk/>
           <pc:sldMk cId="3849262026" sldId="261"/>
@@ -194,6 +194,14 @@
             <ac:spMk id="3" creationId="{6891D4FA-95B5-434E-9A49-0EB803F21D5B}"/>
           </ac:spMkLst>
         </pc:spChg>
+        <pc:spChg chg="add mod">
+          <ac:chgData name="Thad Schwebke" userId="8a3b078b179e4a90" providerId="LiveId" clId="{61374EC2-74A0-4B7E-A59A-1715CE5DD16C}" dt="2020-02-21T03:22:56.605" v="555" actId="1076"/>
+          <ac:spMkLst>
+            <pc:docMk/>
+            <pc:sldMk cId="3849262026" sldId="261"/>
+            <ac:spMk id="5" creationId="{FD335EB1-3900-4747-9EEA-41A3AF0CFA02}"/>
+          </ac:spMkLst>
+        </pc:spChg>
         <pc:picChg chg="add del">
           <ac:chgData name="Thad Schwebke" userId="8a3b078b179e4a90" providerId="LiveId" clId="{61374EC2-74A0-4B7E-A59A-1715CE5DD16C}" dt="2020-02-20T19:50:38.395" v="172"/>
           <ac:picMkLst>
@@ -203,7 +211,7 @@
           </ac:picMkLst>
         </pc:picChg>
         <pc:picChg chg="add mod">
-          <ac:chgData name="Thad Schwebke" userId="8a3b078b179e4a90" providerId="LiveId" clId="{61374EC2-74A0-4B7E-A59A-1715CE5DD16C}" dt="2020-02-20T19:52:06.950" v="184" actId="1076"/>
+          <ac:chgData name="Thad Schwebke" userId="8a3b078b179e4a90" providerId="LiveId" clId="{61374EC2-74A0-4B7E-A59A-1715CE5DD16C}" dt="2020-02-21T03:09:10.904" v="318" actId="1076"/>
           <ac:picMkLst>
             <pc:docMk/>
             <pc:sldMk cId="3849262026" sldId="261"/>
@@ -220,7 +228,7 @@
         </pc:picChg>
       </pc:sldChg>
       <pc:sldChg chg="addSp delSp modSp add">
-        <pc:chgData name="Thad Schwebke" userId="8a3b078b179e4a90" providerId="LiveId" clId="{61374EC2-74A0-4B7E-A59A-1715CE5DD16C}" dt="2020-02-20T19:53:50.087" v="194" actId="1076"/>
+        <pc:chgData name="Thad Schwebke" userId="8a3b078b179e4a90" providerId="LiveId" clId="{61374EC2-74A0-4B7E-A59A-1715CE5DD16C}" dt="2020-02-21T03:15:59.378" v="426" actId="1076"/>
         <pc:sldMkLst>
           <pc:docMk/>
           <pc:sldMk cId="2460916010" sldId="262"/>
@@ -233,12 +241,52 @@
             <ac:spMk id="2" creationId="{6FE82648-CE36-4A2B-B3C3-9EBD346029FA}"/>
           </ac:spMkLst>
         </pc:spChg>
+        <pc:spChg chg="add del mod">
+          <ac:chgData name="Thad Schwebke" userId="8a3b078b179e4a90" providerId="LiveId" clId="{61374EC2-74A0-4B7E-A59A-1715CE5DD16C}" dt="2020-02-21T03:13:11.622" v="336" actId="478"/>
+          <ac:spMkLst>
+            <pc:docMk/>
+            <pc:sldMk cId="2460916010" sldId="262"/>
+            <ac:spMk id="3" creationId="{79F601A8-7436-4B0E-BFDD-83ABA6D9DF8F}"/>
+          </ac:spMkLst>
+        </pc:spChg>
         <pc:spChg chg="del">
           <ac:chgData name="Thad Schwebke" userId="8a3b078b179e4a90" providerId="LiveId" clId="{61374EC2-74A0-4B7E-A59A-1715CE5DD16C}" dt="2020-02-20T19:52:55.269" v="185" actId="478"/>
           <ac:spMkLst>
             <pc:docMk/>
             <pc:sldMk cId="2460916010" sldId="262"/>
             <ac:spMk id="3" creationId="{F77C66F3-455E-43B8-91AC-5BA43D05E23D}"/>
+          </ac:spMkLst>
+        </pc:spChg>
+        <pc:spChg chg="add del mod">
+          <ac:chgData name="Thad Schwebke" userId="8a3b078b179e4a90" providerId="LiveId" clId="{61374EC2-74A0-4B7E-A59A-1715CE5DD16C}" dt="2020-02-21T03:12:29.683" v="333" actId="478"/>
+          <ac:spMkLst>
+            <pc:docMk/>
+            <pc:sldMk cId="2460916010" sldId="262"/>
+            <ac:spMk id="7" creationId="{772AA0AE-ED91-4756-879B-CA129422E89E}"/>
+          </ac:spMkLst>
+        </pc:spChg>
+        <pc:spChg chg="add del mod">
+          <ac:chgData name="Thad Schwebke" userId="8a3b078b179e4a90" providerId="LiveId" clId="{61374EC2-74A0-4B7E-A59A-1715CE5DD16C}" dt="2020-02-21T03:13:12.579" v="337" actId="478"/>
+          <ac:spMkLst>
+            <pc:docMk/>
+            <pc:sldMk cId="2460916010" sldId="262"/>
+            <ac:spMk id="8" creationId="{0EBF7CEC-20DD-4AA2-9A31-0846D189D05C}"/>
+          </ac:spMkLst>
+        </pc:spChg>
+        <pc:spChg chg="add mod">
+          <ac:chgData name="Thad Schwebke" userId="8a3b078b179e4a90" providerId="LiveId" clId="{61374EC2-74A0-4B7E-A59A-1715CE5DD16C}" dt="2020-02-21T03:13:39.022" v="390" actId="14100"/>
+          <ac:spMkLst>
+            <pc:docMk/>
+            <pc:sldMk cId="2460916010" sldId="262"/>
+            <ac:spMk id="9" creationId="{9DAB8808-38A7-46F2-B73D-F269E6BEEAC4}"/>
+          </ac:spMkLst>
+        </pc:spChg>
+        <pc:spChg chg="add mod">
+          <ac:chgData name="Thad Schwebke" userId="8a3b078b179e4a90" providerId="LiveId" clId="{61374EC2-74A0-4B7E-A59A-1715CE5DD16C}" dt="2020-02-21T03:15:59.378" v="426" actId="1076"/>
+          <ac:spMkLst>
+            <pc:docMk/>
+            <pc:sldMk cId="2460916010" sldId="262"/>
+            <ac:spMk id="10" creationId="{A973A35B-416D-479B-8384-685CCE1BDDDC}"/>
           </ac:spMkLst>
         </pc:spChg>
         <pc:picChg chg="add mod">
@@ -250,16 +298,24 @@
           </ac:picMkLst>
         </pc:picChg>
         <pc:picChg chg="add mod">
-          <ac:chgData name="Thad Schwebke" userId="8a3b078b179e4a90" providerId="LiveId" clId="{61374EC2-74A0-4B7E-A59A-1715CE5DD16C}" dt="2020-02-20T19:53:50.087" v="194" actId="1076"/>
+          <ac:chgData name="Thad Schwebke" userId="8a3b078b179e4a90" providerId="LiveId" clId="{61374EC2-74A0-4B7E-A59A-1715CE5DD16C}" dt="2020-02-21T03:11:40.565" v="319" actId="1076"/>
           <ac:picMkLst>
             <pc:docMk/>
             <pc:sldMk cId="2460916010" sldId="262"/>
             <ac:picMk id="5" creationId="{EEC5FDBD-EA7A-4924-8D84-94C46331C6D1}"/>
           </ac:picMkLst>
         </pc:picChg>
+        <pc:picChg chg="add mod">
+          <ac:chgData name="Thad Schwebke" userId="8a3b078b179e4a90" providerId="LiveId" clId="{61374EC2-74A0-4B7E-A59A-1715CE5DD16C}" dt="2020-02-21T03:11:46.304" v="321" actId="1076"/>
+          <ac:picMkLst>
+            <pc:docMk/>
+            <pc:sldMk cId="2460916010" sldId="262"/>
+            <ac:picMk id="6" creationId="{99CA9CC8-D41E-4EC2-9AD9-88EAA1C3F8F8}"/>
+          </ac:picMkLst>
+        </pc:picChg>
       </pc:sldChg>
       <pc:sldChg chg="addSp delSp modSp add">
-        <pc:chgData name="Thad Schwebke" userId="8a3b078b179e4a90" providerId="LiveId" clId="{61374EC2-74A0-4B7E-A59A-1715CE5DD16C}" dt="2020-02-20T19:56:08.121" v="218" actId="1076"/>
+        <pc:chgData name="Thad Schwebke" userId="8a3b078b179e4a90" providerId="LiveId" clId="{61374EC2-74A0-4B7E-A59A-1715CE5DD16C}" dt="2020-02-21T03:18:51.458" v="479" actId="478"/>
         <pc:sldMkLst>
           <pc:docMk/>
           <pc:sldMk cId="1524816342" sldId="263"/>
@@ -280,6 +336,14 @@
             <ac:spMk id="3" creationId="{D29DCA66-FB83-4DFA-97A8-C248E181AC83}"/>
           </ac:spMkLst>
         </pc:spChg>
+        <pc:spChg chg="add mod">
+          <ac:chgData name="Thad Schwebke" userId="8a3b078b179e4a90" providerId="LiveId" clId="{61374EC2-74A0-4B7E-A59A-1715CE5DD16C}" dt="2020-02-21T03:18:22.476" v="475" actId="20577"/>
+          <ac:spMkLst>
+            <pc:docMk/>
+            <pc:sldMk cId="1524816342" sldId="263"/>
+            <ac:spMk id="3" creationId="{E0C1BD30-36F1-4EDD-B318-8835C7630909}"/>
+          </ac:spMkLst>
+        </pc:spChg>
         <pc:picChg chg="add mod">
           <ac:chgData name="Thad Schwebke" userId="8a3b078b179e4a90" providerId="LiveId" clId="{61374EC2-74A0-4B7E-A59A-1715CE5DD16C}" dt="2020-02-20T19:54:59.690" v="203" actId="1076"/>
           <ac:picMkLst>
@@ -288,16 +352,16 @@
             <ac:picMk id="2050" creationId="{6B4D342B-1CE4-42CA-B4E5-AC259B77E274}"/>
           </ac:picMkLst>
         </pc:picChg>
-        <pc:picChg chg="add mod">
-          <ac:chgData name="Thad Schwebke" userId="8a3b078b179e4a90" providerId="LiveId" clId="{61374EC2-74A0-4B7E-A59A-1715CE5DD16C}" dt="2020-02-20T19:56:05.892" v="217" actId="1076"/>
+        <pc:picChg chg="add del mod">
+          <ac:chgData name="Thad Schwebke" userId="8a3b078b179e4a90" providerId="LiveId" clId="{61374EC2-74A0-4B7E-A59A-1715CE5DD16C}" dt="2020-02-21T03:18:49.360" v="478" actId="478"/>
           <ac:picMkLst>
             <pc:docMk/>
             <pc:sldMk cId="1524816342" sldId="263"/>
             <ac:picMk id="2052" creationId="{A89BA44E-8930-4916-8A10-D0C07545B071}"/>
           </ac:picMkLst>
         </pc:picChg>
-        <pc:picChg chg="add mod">
-          <ac:chgData name="Thad Schwebke" userId="8a3b078b179e4a90" providerId="LiveId" clId="{61374EC2-74A0-4B7E-A59A-1715CE5DD16C}" dt="2020-02-20T19:56:08.121" v="218" actId="1076"/>
+        <pc:picChg chg="add del mod">
+          <ac:chgData name="Thad Schwebke" userId="8a3b078b179e4a90" providerId="LiveId" clId="{61374EC2-74A0-4B7E-A59A-1715CE5DD16C}" dt="2020-02-21T03:18:51.458" v="479" actId="478"/>
           <ac:picMkLst>
             <pc:docMk/>
             <pc:sldMk cId="1524816342" sldId="263"/>
@@ -306,7 +370,7 @@
         </pc:picChg>
       </pc:sldChg>
       <pc:sldChg chg="addSp delSp modSp add">
-        <pc:chgData name="Thad Schwebke" userId="8a3b078b179e4a90" providerId="LiveId" clId="{61374EC2-74A0-4B7E-A59A-1715CE5DD16C}" dt="2020-02-20T19:58:11.671" v="259" actId="1076"/>
+        <pc:chgData name="Thad Schwebke" userId="8a3b078b179e4a90" providerId="LiveId" clId="{61374EC2-74A0-4B7E-A59A-1715CE5DD16C}" dt="2020-02-21T03:22:04.314" v="527" actId="1076"/>
         <pc:sldMkLst>
           <pc:docMk/>
           <pc:sldMk cId="2663868610" sldId="264"/>
@@ -327,8 +391,8 @@
             <ac:spMk id="3" creationId="{1B6B94C2-C3E1-443F-9BE4-87A8CD46E4EA}"/>
           </ac:spMkLst>
         </pc:spChg>
-        <pc:spChg chg="add mod">
-          <ac:chgData name="Thad Schwebke" userId="8a3b078b179e4a90" providerId="LiveId" clId="{61374EC2-74A0-4B7E-A59A-1715CE5DD16C}" dt="2020-02-20T19:57:42.546" v="253" actId="1076"/>
+        <pc:spChg chg="add mod ord">
+          <ac:chgData name="Thad Schwebke" userId="8a3b078b179e4a90" providerId="LiveId" clId="{61374EC2-74A0-4B7E-A59A-1715CE5DD16C}" dt="2020-02-21T03:22:04.314" v="527" actId="1076"/>
           <ac:spMkLst>
             <pc:docMk/>
             <pc:sldMk cId="2663868610" sldId="264"/>
@@ -336,7 +400,7 @@
           </ac:spMkLst>
         </pc:spChg>
         <pc:picChg chg="add mod">
-          <ac:chgData name="Thad Schwebke" userId="8a3b078b179e4a90" providerId="LiveId" clId="{61374EC2-74A0-4B7E-A59A-1715CE5DD16C}" dt="2020-02-20T19:57:56.543" v="256" actId="1076"/>
+          <ac:chgData name="Thad Schwebke" userId="8a3b078b179e4a90" providerId="LiveId" clId="{61374EC2-74A0-4B7E-A59A-1715CE5DD16C}" dt="2020-02-21T03:22:01.566" v="526" actId="1076"/>
           <ac:picMkLst>
             <pc:docMk/>
             <pc:sldMk cId="2663868610" sldId="264"/>
@@ -353,7 +417,7 @@
         </pc:picChg>
       </pc:sldChg>
       <pc:sldChg chg="addSp delSp modSp add">
-        <pc:chgData name="Thad Schwebke" userId="8a3b078b179e4a90" providerId="LiveId" clId="{61374EC2-74A0-4B7E-A59A-1715CE5DD16C}" dt="2020-02-20T20:00:11.629" v="279" actId="1076"/>
+        <pc:chgData name="Thad Schwebke" userId="8a3b078b179e4a90" providerId="LiveId" clId="{61374EC2-74A0-4B7E-A59A-1715CE5DD16C}" dt="2020-02-21T03:30:50.215" v="587"/>
         <pc:sldMkLst>
           <pc:docMk/>
           <pc:sldMk cId="245379799" sldId="265"/>
@@ -372,6 +436,14 @@
             <pc:docMk/>
             <pc:sldMk cId="245379799" sldId="265"/>
             <ac:spMk id="3" creationId="{8ED2079A-8CB0-4E3F-B102-92CC89EAFC2D}"/>
+          </ac:spMkLst>
+        </pc:spChg>
+        <pc:spChg chg="add">
+          <ac:chgData name="Thad Schwebke" userId="8a3b078b179e4a90" providerId="LiveId" clId="{61374EC2-74A0-4B7E-A59A-1715CE5DD16C}" dt="2020-02-21T03:30:50.215" v="587"/>
+          <ac:spMkLst>
+            <pc:docMk/>
+            <pc:sldMk cId="245379799" sldId="265"/>
+            <ac:spMk id="5" creationId="{795DAF57-4036-45BE-9C09-2ADDDCF3D3F1}"/>
           </ac:spMkLst>
         </pc:spChg>
         <pc:picChg chg="add del mod">
@@ -408,7 +480,7 @@
         </pc:picChg>
       </pc:sldChg>
       <pc:sldChg chg="addSp delSp modSp add">
-        <pc:chgData name="Thad Schwebke" userId="8a3b078b179e4a90" providerId="LiveId" clId="{61374EC2-74A0-4B7E-A59A-1715CE5DD16C}" dt="2020-02-20T20:02:57.560" v="305" actId="21"/>
+        <pc:chgData name="Thad Schwebke" userId="8a3b078b179e4a90" providerId="LiveId" clId="{61374EC2-74A0-4B7E-A59A-1715CE5DD16C}" dt="2020-02-21T03:40:18.747" v="608" actId="1076"/>
         <pc:sldMkLst>
           <pc:docMk/>
           <pc:sldMk cId="1387322310" sldId="266"/>
@@ -430,7 +502,7 @@
           </ac:spMkLst>
         </pc:spChg>
         <pc:picChg chg="add mod">
-          <ac:chgData name="Thad Schwebke" userId="8a3b078b179e4a90" providerId="LiveId" clId="{61374EC2-74A0-4B7E-A59A-1715CE5DD16C}" dt="2020-02-20T20:00:37.281" v="283" actId="1076"/>
+          <ac:chgData name="Thad Schwebke" userId="8a3b078b179e4a90" providerId="LiveId" clId="{61374EC2-74A0-4B7E-A59A-1715CE5DD16C}" dt="2020-02-21T03:40:16.624" v="607" actId="1076"/>
           <ac:picMkLst>
             <pc:docMk/>
             <pc:sldMk cId="1387322310" sldId="266"/>
@@ -438,7 +510,7 @@
           </ac:picMkLst>
         </pc:picChg>
         <pc:picChg chg="add mod">
-          <ac:chgData name="Thad Schwebke" userId="8a3b078b179e4a90" providerId="LiveId" clId="{61374EC2-74A0-4B7E-A59A-1715CE5DD16C}" dt="2020-02-20T20:02:25.774" v="299" actId="1076"/>
+          <ac:chgData name="Thad Schwebke" userId="8a3b078b179e4a90" providerId="LiveId" clId="{61374EC2-74A0-4B7E-A59A-1715CE5DD16C}" dt="2020-02-21T03:40:18.747" v="608" actId="1076"/>
           <ac:picMkLst>
             <pc:docMk/>
             <pc:sldMk cId="1387322310" sldId="266"/>
@@ -446,23 +518,23 @@
           </ac:picMkLst>
         </pc:picChg>
         <pc:picChg chg="add mod">
-          <ac:chgData name="Thad Schwebke" userId="8a3b078b179e4a90" providerId="LiveId" clId="{61374EC2-74A0-4B7E-A59A-1715CE5DD16C}" dt="2020-02-20T20:01:08.963" v="289" actId="1076"/>
+          <ac:chgData name="Thad Schwebke" userId="8a3b078b179e4a90" providerId="LiveId" clId="{61374EC2-74A0-4B7E-A59A-1715CE5DD16C}" dt="2020-02-21T03:40:14.041" v="606" actId="1076"/>
           <ac:picMkLst>
             <pc:docMk/>
             <pc:sldMk cId="1387322310" sldId="266"/>
             <ac:picMk id="6150" creationId="{51AF7C21-823B-435E-92A3-BF4ED773E3AE}"/>
           </ac:picMkLst>
         </pc:picChg>
-        <pc:picChg chg="add mod">
-          <ac:chgData name="Thad Schwebke" userId="8a3b078b179e4a90" providerId="LiveId" clId="{61374EC2-74A0-4B7E-A59A-1715CE5DD16C}" dt="2020-02-20T20:01:24.500" v="292" actId="1076"/>
+        <pc:picChg chg="add del mod">
+          <ac:chgData name="Thad Schwebke" userId="8a3b078b179e4a90" providerId="LiveId" clId="{61374EC2-74A0-4B7E-A59A-1715CE5DD16C}" dt="2020-02-21T03:39:53.887" v="601" actId="478"/>
           <ac:picMkLst>
             <pc:docMk/>
             <pc:sldMk cId="1387322310" sldId="266"/>
             <ac:picMk id="6152" creationId="{18ED6B64-2B80-43EA-AB33-141AAF2B927F}"/>
           </ac:picMkLst>
         </pc:picChg>
-        <pc:picChg chg="add mod">
-          <ac:chgData name="Thad Schwebke" userId="8a3b078b179e4a90" providerId="LiveId" clId="{61374EC2-74A0-4B7E-A59A-1715CE5DD16C}" dt="2020-02-20T20:02:27.753" v="300" actId="1076"/>
+        <pc:picChg chg="add del mod">
+          <ac:chgData name="Thad Schwebke" userId="8a3b078b179e4a90" providerId="LiveId" clId="{61374EC2-74A0-4B7E-A59A-1715CE5DD16C}" dt="2020-02-21T03:39:55.136" v="602" actId="478"/>
           <ac:picMkLst>
             <pc:docMk/>
             <pc:sldMk cId="1387322310" sldId="266"/>
@@ -487,7 +559,7 @@
         </pc:picChg>
       </pc:sldChg>
       <pc:sldChg chg="addSp delSp modSp add">
-        <pc:chgData name="Thad Schwebke" userId="8a3b078b179e4a90" providerId="LiveId" clId="{61374EC2-74A0-4B7E-A59A-1715CE5DD16C}" dt="2020-02-20T20:04:20.896" v="317" actId="14100"/>
+        <pc:chgData name="Thad Schwebke" userId="8a3b078b179e4a90" providerId="LiveId" clId="{61374EC2-74A0-4B7E-A59A-1715CE5DD16C}" dt="2020-02-21T03:39:46.745" v="600" actId="1076"/>
         <pc:sldMkLst>
           <pc:docMk/>
           <pc:sldMk cId="4003640020" sldId="267"/>
@@ -508,24 +580,24 @@
             <ac:spMk id="3" creationId="{5223D254-6223-4630-B5D3-129B0D1889C4}"/>
           </ac:spMkLst>
         </pc:spChg>
-        <pc:picChg chg="add mod">
-          <ac:chgData name="Thad Schwebke" userId="8a3b078b179e4a90" providerId="LiveId" clId="{61374EC2-74A0-4B7E-A59A-1715CE5DD16C}" dt="2020-02-20T20:03:22.021" v="311" actId="1076"/>
+        <pc:picChg chg="add del mod">
+          <ac:chgData name="Thad Schwebke" userId="8a3b078b179e4a90" providerId="LiveId" clId="{61374EC2-74A0-4B7E-A59A-1715CE5DD16C}" dt="2020-02-21T03:39:42.106" v="598" actId="478"/>
           <ac:picMkLst>
             <pc:docMk/>
             <pc:sldMk cId="4003640020" sldId="267"/>
             <ac:picMk id="4" creationId="{F77260D3-94A3-4A4A-ADAB-DEEE5AC49ED7}"/>
           </ac:picMkLst>
         </pc:picChg>
-        <pc:picChg chg="add mod">
-          <ac:chgData name="Thad Schwebke" userId="8a3b078b179e4a90" providerId="LiveId" clId="{61374EC2-74A0-4B7E-A59A-1715CE5DD16C}" dt="2020-02-20T20:03:23.983" v="312" actId="1076"/>
+        <pc:picChg chg="add del mod">
+          <ac:chgData name="Thad Schwebke" userId="8a3b078b179e4a90" providerId="LiveId" clId="{61374EC2-74A0-4B7E-A59A-1715CE5DD16C}" dt="2020-02-21T03:39:33.872" v="596" actId="478"/>
           <ac:picMkLst>
             <pc:docMk/>
             <pc:sldMk cId="4003640020" sldId="267"/>
             <ac:picMk id="5" creationId="{393656D6-1FBA-42DD-8361-40FE09EB67D0}"/>
           </ac:picMkLst>
         </pc:picChg>
-        <pc:picChg chg="add mod">
-          <ac:chgData name="Thad Schwebke" userId="8a3b078b179e4a90" providerId="LiveId" clId="{61374EC2-74A0-4B7E-A59A-1715CE5DD16C}" dt="2020-02-20T20:03:20.344" v="310" actId="1076"/>
+        <pc:picChg chg="add del mod">
+          <ac:chgData name="Thad Schwebke" userId="8a3b078b179e4a90" providerId="LiveId" clId="{61374EC2-74A0-4B7E-A59A-1715CE5DD16C}" dt="2020-02-21T03:39:29.652" v="595" actId="478"/>
           <ac:picMkLst>
             <pc:docMk/>
             <pc:sldMk cId="4003640020" sldId="267"/>
@@ -533,7 +605,7 @@
           </ac:picMkLst>
         </pc:picChg>
         <pc:picChg chg="add mod">
-          <ac:chgData name="Thad Schwebke" userId="8a3b078b179e4a90" providerId="LiveId" clId="{61374EC2-74A0-4B7E-A59A-1715CE5DD16C}" dt="2020-02-20T20:03:49.873" v="315" actId="1076"/>
+          <ac:chgData name="Thad Schwebke" userId="8a3b078b179e4a90" providerId="LiveId" clId="{61374EC2-74A0-4B7E-A59A-1715CE5DD16C}" dt="2020-02-21T03:39:43.821" v="599" actId="1076"/>
           <ac:picMkLst>
             <pc:docMk/>
             <pc:sldMk cId="4003640020" sldId="267"/>
@@ -541,7 +613,7 @@
           </ac:picMkLst>
         </pc:picChg>
         <pc:picChg chg="add mod">
-          <ac:chgData name="Thad Schwebke" userId="8a3b078b179e4a90" providerId="LiveId" clId="{61374EC2-74A0-4B7E-A59A-1715CE5DD16C}" dt="2020-02-20T20:04:20.896" v="317" actId="14100"/>
+          <ac:chgData name="Thad Schwebke" userId="8a3b078b179e4a90" providerId="LiveId" clId="{61374EC2-74A0-4B7E-A59A-1715CE5DD16C}" dt="2020-02-21T03:39:46.745" v="600" actId="1076"/>
           <ac:picMkLst>
             <pc:docMk/>
             <pc:sldMk cId="4003640020" sldId="267"/>
@@ -549,8 +621,8 @@
           </ac:picMkLst>
         </pc:picChg>
       </pc:sldChg>
-      <pc:sldChg chg="modSp add ord">
-        <pc:chgData name="Thad Schwebke" userId="8a3b078b179e4a90" providerId="LiveId" clId="{61374EC2-74A0-4B7E-A59A-1715CE5DD16C}" dt="2020-02-20T19:59:33.113" v="270"/>
+      <pc:sldChg chg="addSp modSp add ord">
+        <pc:chgData name="Thad Schwebke" userId="8a3b078b179e4a90" providerId="LiveId" clId="{61374EC2-74A0-4B7E-A59A-1715CE5DD16C}" dt="2020-02-21T03:24:46.838" v="586" actId="20577"/>
         <pc:sldMkLst>
           <pc:docMk/>
           <pc:sldMk cId="2005336270" sldId="268"/>
@@ -561,6 +633,14 @@
             <pc:docMk/>
             <pc:sldMk cId="2005336270" sldId="268"/>
             <ac:spMk id="2" creationId="{300BBF5E-404A-4162-BF76-30A21C5CD566}"/>
+          </ac:spMkLst>
+        </pc:spChg>
+        <pc:spChg chg="add mod">
+          <ac:chgData name="Thad Schwebke" userId="8a3b078b179e4a90" providerId="LiveId" clId="{61374EC2-74A0-4B7E-A59A-1715CE5DD16C}" dt="2020-02-21T03:24:46.838" v="586" actId="20577"/>
+          <ac:spMkLst>
+            <pc:docMk/>
+            <pc:sldMk cId="2005336270" sldId="268"/>
+            <ac:spMk id="3" creationId="{158BCD5C-C95C-42D4-A773-75F775D87EE5}"/>
           </ac:spMkLst>
         </pc:spChg>
       </pc:sldChg>
@@ -1081,6 +1161,174 @@
     </a:lvl9pPr>
   </p:notesStyle>
 </p:notesMaster>
+</file>
+
+<file path=ppt/notesSlides/notesSlide1.xml><?xml version="1.0" encoding="utf-8"?>
+<p:notes xmlns:a="http://schemas.openxmlformats.org/drawingml/2006/main" xmlns:r="http://schemas.openxmlformats.org/officeDocument/2006/relationships" xmlns:p="http://schemas.openxmlformats.org/presentationml/2006/main">
+  <p:cSld>
+    <p:spTree>
+      <p:nvGrpSpPr>
+        <p:cNvPr id="1" name=""/>
+        <p:cNvGrpSpPr/>
+        <p:nvPr/>
+      </p:nvGrpSpPr>
+      <p:grpSpPr>
+        <a:xfrm>
+          <a:off x="0" y="0"/>
+          <a:ext cx="0" cy="0"/>
+          <a:chOff x="0" y="0"/>
+          <a:chExt cx="0" cy="0"/>
+        </a:xfrm>
+      </p:grpSpPr>
+      <p:sp>
+        <p:nvSpPr>
+          <p:cNvPr id="2" name="Slide Image Placeholder 1"/>
+          <p:cNvSpPr>
+            <a:spLocks noGrp="1" noRot="1" noChangeAspect="1"/>
+          </p:cNvSpPr>
+          <p:nvPr>
+            <p:ph type="sldImg"/>
+          </p:nvPr>
+        </p:nvSpPr>
+        <p:spPr/>
+      </p:sp>
+      <p:sp>
+        <p:nvSpPr>
+          <p:cNvPr id="3" name="Notes Placeholder 2"/>
+          <p:cNvSpPr>
+            <a:spLocks noGrp="1"/>
+          </p:cNvSpPr>
+          <p:nvPr>
+            <p:ph type="body" idx="1"/>
+          </p:nvPr>
+        </p:nvSpPr>
+        <p:spPr/>
+        <p:txBody>
+          <a:bodyPr/>
+          <a:lstStyle/>
+          <a:p>
+            <a:endParaRPr lang="en-US" dirty="0"/>
+          </a:p>
+        </p:txBody>
+      </p:sp>
+      <p:sp>
+        <p:nvSpPr>
+          <p:cNvPr id="4" name="Slide Number Placeholder 3"/>
+          <p:cNvSpPr>
+            <a:spLocks noGrp="1"/>
+          </p:cNvSpPr>
+          <p:nvPr>
+            <p:ph type="sldNum" sz="quarter" idx="5"/>
+          </p:nvPr>
+        </p:nvSpPr>
+        <p:spPr/>
+        <p:txBody>
+          <a:bodyPr/>
+          <a:lstStyle/>
+          <a:p>
+            <a:fld id="{274AE7AE-FCBF-419F-971E-04B351FA8EC0}" type="slidenum">
+              <a:rPr lang="en-US" smtClean="0"/>
+              <a:t>7</a:t>
+            </a:fld>
+            <a:endParaRPr lang="en-US"/>
+          </a:p>
+        </p:txBody>
+      </p:sp>
+    </p:spTree>
+    <p:extLst>
+      <p:ext uri="{BB962C8B-B14F-4D97-AF65-F5344CB8AC3E}">
+        <p14:creationId xmlns:p14="http://schemas.microsoft.com/office/powerpoint/2010/main" val="3025096371"/>
+      </p:ext>
+    </p:extLst>
+  </p:cSld>
+  <p:clrMapOvr>
+    <a:masterClrMapping/>
+  </p:clrMapOvr>
+</p:notes>
+</file>
+
+<file path=ppt/notesSlides/notesSlide2.xml><?xml version="1.0" encoding="utf-8"?>
+<p:notes xmlns:a="http://schemas.openxmlformats.org/drawingml/2006/main" xmlns:r="http://schemas.openxmlformats.org/officeDocument/2006/relationships" xmlns:p="http://schemas.openxmlformats.org/presentationml/2006/main">
+  <p:cSld>
+    <p:spTree>
+      <p:nvGrpSpPr>
+        <p:cNvPr id="1" name=""/>
+        <p:cNvGrpSpPr/>
+        <p:nvPr/>
+      </p:nvGrpSpPr>
+      <p:grpSpPr>
+        <a:xfrm>
+          <a:off x="0" y="0"/>
+          <a:ext cx="0" cy="0"/>
+          <a:chOff x="0" y="0"/>
+          <a:chExt cx="0" cy="0"/>
+        </a:xfrm>
+      </p:grpSpPr>
+      <p:sp>
+        <p:nvSpPr>
+          <p:cNvPr id="2" name="Slide Image Placeholder 1"/>
+          <p:cNvSpPr>
+            <a:spLocks noGrp="1" noRot="1" noChangeAspect="1"/>
+          </p:cNvSpPr>
+          <p:nvPr>
+            <p:ph type="sldImg"/>
+          </p:nvPr>
+        </p:nvSpPr>
+        <p:spPr/>
+      </p:sp>
+      <p:sp>
+        <p:nvSpPr>
+          <p:cNvPr id="3" name="Notes Placeholder 2"/>
+          <p:cNvSpPr>
+            <a:spLocks noGrp="1"/>
+          </p:cNvSpPr>
+          <p:nvPr>
+            <p:ph type="body" idx="1"/>
+          </p:nvPr>
+        </p:nvSpPr>
+        <p:spPr/>
+        <p:txBody>
+          <a:bodyPr/>
+          <a:lstStyle/>
+          <a:p>
+            <a:endParaRPr lang="en-US" dirty="0"/>
+          </a:p>
+        </p:txBody>
+      </p:sp>
+      <p:sp>
+        <p:nvSpPr>
+          <p:cNvPr id="4" name="Slide Number Placeholder 3"/>
+          <p:cNvSpPr>
+            <a:spLocks noGrp="1"/>
+          </p:cNvSpPr>
+          <p:nvPr>
+            <p:ph type="sldNum" sz="quarter" idx="5"/>
+          </p:nvPr>
+        </p:nvSpPr>
+        <p:spPr/>
+        <p:txBody>
+          <a:bodyPr/>
+          <a:lstStyle/>
+          <a:p>
+            <a:fld id="{274AE7AE-FCBF-419F-971E-04B351FA8EC0}" type="slidenum">
+              <a:rPr lang="en-US" smtClean="0"/>
+              <a:t>13</a:t>
+            </a:fld>
+            <a:endParaRPr lang="en-US"/>
+          </a:p>
+        </p:txBody>
+      </p:sp>
+    </p:spTree>
+    <p:extLst>
+      <p:ext uri="{BB962C8B-B14F-4D97-AF65-F5344CB8AC3E}">
+        <p14:creationId xmlns:p14="http://schemas.microsoft.com/office/powerpoint/2010/main" val="3427665525"/>
+      </p:ext>
+    </p:extLst>
+  </p:cSld>
+  <p:clrMapOvr>
+    <a:masterClrMapping/>
+  </p:clrMapOvr>
+</p:notes>
 </file>
 
 <file path=ppt/slideLayouts/slideLayout1.xml><?xml version="1.0" encoding="utf-8"?>
@@ -19222,6 +19470,46 @@
           </a:extLst>
         </p:spPr>
       </p:pic>
+      <p:sp>
+        <p:nvSpPr>
+          <p:cNvPr id="3" name="TextBox 2">
+            <a:extLst>
+              <a:ext uri="{FF2B5EF4-FFF2-40B4-BE49-F238E27FC236}">
+                <a16:creationId xmlns:a16="http://schemas.microsoft.com/office/drawing/2014/main" id="{158BCD5C-C95C-42D4-A773-75F775D87EE5}"/>
+              </a:ext>
+            </a:extLst>
+          </p:cNvPr>
+          <p:cNvSpPr txBox="1"/>
+          <p:nvPr/>
+        </p:nvSpPr>
+        <p:spPr>
+          <a:xfrm>
+            <a:off x="228600" y="361950"/>
+            <a:ext cx="1981200" cy="646331"/>
+          </a:xfrm>
+          <a:prstGeom prst="rect">
+            <a:avLst/>
+          </a:prstGeom>
+          <a:noFill/>
+        </p:spPr>
+        <p:txBody>
+          <a:bodyPr wrap="square" rtlCol="0">
+            <a:spAutoFit/>
+          </a:bodyPr>
+          <a:lstStyle/>
+          <a:p>
+            <a:r>
+              <a:rPr lang="en-US" dirty="0"/>
+              <a:t>Change states to </a:t>
+            </a:r>
+            <a:r>
+              <a:rPr lang="en-US" dirty="0" err="1"/>
+              <a:t>treemap</a:t>
+            </a:r>
+            <a:endParaRPr lang="en-US" dirty="0"/>
+          </a:p>
+        </p:txBody>
+      </p:sp>
     </p:spTree>
     <p:extLst>
       <p:ext uri="{BB962C8B-B14F-4D97-AF65-F5344CB8AC3E}">
@@ -19374,6 +19662,46 @@
           </a:extLst>
         </p:spPr>
       </p:pic>
+      <p:sp>
+        <p:nvSpPr>
+          <p:cNvPr id="5" name="TextBox 4">
+            <a:extLst>
+              <a:ext uri="{FF2B5EF4-FFF2-40B4-BE49-F238E27FC236}">
+                <a16:creationId xmlns:a16="http://schemas.microsoft.com/office/drawing/2014/main" id="{795DAF57-4036-45BE-9C09-2ADDDCF3D3F1}"/>
+              </a:ext>
+            </a:extLst>
+          </p:cNvPr>
+          <p:cNvSpPr txBox="1"/>
+          <p:nvPr/>
+        </p:nvSpPr>
+        <p:spPr>
+          <a:xfrm>
+            <a:off x="228600" y="361950"/>
+            <a:ext cx="1981200" cy="646331"/>
+          </a:xfrm>
+          <a:prstGeom prst="rect">
+            <a:avLst/>
+          </a:prstGeom>
+          <a:noFill/>
+        </p:spPr>
+        <p:txBody>
+          <a:bodyPr wrap="square" rtlCol="0">
+            <a:spAutoFit/>
+          </a:bodyPr>
+          <a:lstStyle/>
+          <a:p>
+            <a:r>
+              <a:rPr lang="en-US" dirty="0"/>
+              <a:t>Change states to </a:t>
+            </a:r>
+            <a:r>
+              <a:rPr lang="en-US" dirty="0" err="1"/>
+              <a:t>treemap</a:t>
+            </a:r>
+            <a:endParaRPr lang="en-US" dirty="0"/>
+          </a:p>
+        </p:txBody>
+      </p:sp>
     </p:spTree>
     <p:extLst>
       <p:ext uri="{BB962C8B-B14F-4D97-AF65-F5344CB8AC3E}">
@@ -19461,7 +19789,7 @@
         </p:blipFill>
         <p:spPr bwMode="auto">
           <a:xfrm>
-            <a:off x="152400" y="971550"/>
+            <a:off x="2895600" y="1123950"/>
             <a:ext cx="3657600" cy="2612571"/>
           </a:xfrm>
           <a:prstGeom prst="rect">
@@ -19508,7 +19836,7 @@
         </p:blipFill>
         <p:spPr bwMode="auto">
           <a:xfrm>
-            <a:off x="3254005" y="722022"/>
+            <a:off x="6172200" y="1102625"/>
             <a:ext cx="3657600" cy="2612571"/>
           </a:xfrm>
           <a:prstGeom prst="rect">
@@ -19555,101 +19883,7 @@
         </p:blipFill>
         <p:spPr bwMode="auto">
           <a:xfrm>
-            <a:off x="533400" y="2419350"/>
-            <a:ext cx="3657600" cy="2612571"/>
-          </a:xfrm>
-          <a:prstGeom prst="rect">
-            <a:avLst/>
-          </a:prstGeom>
-          <a:noFill/>
-          <a:extLst>
-            <a:ext uri="{909E8E84-426E-40DD-AFC4-6F175D3DCCD1}">
-              <a14:hiddenFill xmlns:a14="http://schemas.microsoft.com/office/drawing/2010/main">
-                <a:solidFill>
-                  <a:srgbClr val="FFFFFF"/>
-                </a:solidFill>
-              </a14:hiddenFill>
-            </a:ext>
-          </a:extLst>
-        </p:spPr>
-      </p:pic>
-      <p:pic>
-        <p:nvPicPr>
-          <p:cNvPr id="6152" name="Picture 8">
-            <a:extLst>
-              <a:ext uri="{FF2B5EF4-FFF2-40B4-BE49-F238E27FC236}">
-                <a16:creationId xmlns:a16="http://schemas.microsoft.com/office/drawing/2014/main" id="{18ED6B64-2B80-43EA-AB33-141AAF2B927F}"/>
-              </a:ext>
-            </a:extLst>
-          </p:cNvPr>
-          <p:cNvPicPr>
-            <a:picLocks noChangeAspect="1" noChangeArrowheads="1"/>
-          </p:cNvPicPr>
-          <p:nvPr/>
-        </p:nvPicPr>
-        <p:blipFill>
-          <a:blip r:embed="rId5">
-            <a:extLst>
-              <a:ext uri="{28A0092B-C50C-407E-A947-70E740481C1C}">
-                <a14:useLocalDpi xmlns:a14="http://schemas.microsoft.com/office/drawing/2010/main" val="0"/>
-              </a:ext>
-            </a:extLst>
-          </a:blip>
-          <a:srcRect/>
-          <a:stretch>
-            <a:fillRect/>
-          </a:stretch>
-        </p:blipFill>
-        <p:spPr bwMode="auto">
-          <a:xfrm>
-            <a:off x="3048000" y="2533425"/>
-            <a:ext cx="3657600" cy="2612571"/>
-          </a:xfrm>
-          <a:prstGeom prst="rect">
-            <a:avLst/>
-          </a:prstGeom>
-          <a:noFill/>
-          <a:extLst>
-            <a:ext uri="{909E8E84-426E-40DD-AFC4-6F175D3DCCD1}">
-              <a14:hiddenFill xmlns:a14="http://schemas.microsoft.com/office/drawing/2010/main">
-                <a:solidFill>
-                  <a:srgbClr val="FFFFFF"/>
-                </a:solidFill>
-              </a14:hiddenFill>
-            </a:ext>
-          </a:extLst>
-        </p:spPr>
-      </p:pic>
-      <p:pic>
-        <p:nvPicPr>
-          <p:cNvPr id="6154" name="Picture 10">
-            <a:extLst>
-              <a:ext uri="{FF2B5EF4-FFF2-40B4-BE49-F238E27FC236}">
-                <a16:creationId xmlns:a16="http://schemas.microsoft.com/office/drawing/2014/main" id="{C8CC0FFF-20BC-46E8-AF23-CDE7DAD2C5C7}"/>
-              </a:ext>
-            </a:extLst>
-          </p:cNvPr>
-          <p:cNvPicPr>
-            <a:picLocks noChangeAspect="1" noChangeArrowheads="1"/>
-          </p:cNvPicPr>
-          <p:nvPr/>
-        </p:nvPicPr>
-        <p:blipFill>
-          <a:blip r:embed="rId6">
-            <a:extLst>
-              <a:ext uri="{28A0092B-C50C-407E-A947-70E740481C1C}">
-                <a14:useLocalDpi xmlns:a14="http://schemas.microsoft.com/office/drawing/2010/main" val="0"/>
-              </a:ext>
-            </a:extLst>
-          </a:blip>
-          <a:srcRect/>
-          <a:stretch>
-            <a:fillRect/>
-          </a:stretch>
-        </p:blipFill>
-        <p:spPr bwMode="auto">
-          <a:xfrm>
-            <a:off x="3935598" y="1603898"/>
+            <a:off x="-533400" y="1123950"/>
             <a:ext cx="3657600" cy="2612571"/>
           </a:xfrm>
           <a:prstGeom prst="rect">
@@ -19727,57 +19961,10 @@
       </p:sp>
       <p:pic>
         <p:nvPicPr>
-          <p:cNvPr id="4" name="Picture 12">
+          <p:cNvPr id="7172" name="Picture 4">
             <a:extLst>
               <a:ext uri="{FF2B5EF4-FFF2-40B4-BE49-F238E27FC236}">
-                <a16:creationId xmlns:a16="http://schemas.microsoft.com/office/drawing/2014/main" id="{F77260D3-94A3-4A4A-ADAB-DEEE5AC49ED7}"/>
-              </a:ext>
-            </a:extLst>
-          </p:cNvPr>
-          <p:cNvPicPr>
-            <a:picLocks noChangeAspect="1" noChangeArrowheads="1"/>
-          </p:cNvPicPr>
-          <p:nvPr/>
-        </p:nvPicPr>
-        <p:blipFill>
-          <a:blip r:embed="rId2">
-            <a:extLst>
-              <a:ext uri="{28A0092B-C50C-407E-A947-70E740481C1C}">
-                <a14:useLocalDpi xmlns:a14="http://schemas.microsoft.com/office/drawing/2010/main" val="0"/>
-              </a:ext>
-            </a:extLst>
-          </a:blip>
-          <a:srcRect/>
-          <a:stretch>
-            <a:fillRect/>
-          </a:stretch>
-        </p:blipFill>
-        <p:spPr bwMode="auto">
-          <a:xfrm>
-            <a:off x="2578189" y="2356351"/>
-            <a:ext cx="3657600" cy="2612571"/>
-          </a:xfrm>
-          <a:prstGeom prst="rect">
-            <a:avLst/>
-          </a:prstGeom>
-          <a:noFill/>
-          <a:extLst>
-            <a:ext uri="{909E8E84-426E-40DD-AFC4-6F175D3DCCD1}">
-              <a14:hiddenFill xmlns:a14="http://schemas.microsoft.com/office/drawing/2010/main">
-                <a:solidFill>
-                  <a:srgbClr val="FFFFFF"/>
-                </a:solidFill>
-              </a14:hiddenFill>
-            </a:ext>
-          </a:extLst>
-        </p:spPr>
-      </p:pic>
-      <p:pic>
-        <p:nvPicPr>
-          <p:cNvPr id="5" name="Picture 14">
-            <a:extLst>
-              <a:ext uri="{FF2B5EF4-FFF2-40B4-BE49-F238E27FC236}">
-                <a16:creationId xmlns:a16="http://schemas.microsoft.com/office/drawing/2014/main" id="{393656D6-1FBA-42DD-8361-40FE09EB67D0}"/>
+                <a16:creationId xmlns:a16="http://schemas.microsoft.com/office/drawing/2014/main" id="{777ECB40-D891-4E83-BE68-2E0CF9FE5CD9}"/>
               </a:ext>
             </a:extLst>
           </p:cNvPr>
@@ -19801,101 +19988,7 @@
         </p:blipFill>
         <p:spPr bwMode="auto">
           <a:xfrm>
-            <a:off x="5867400" y="1123950"/>
-            <a:ext cx="3657600" cy="2612571"/>
-          </a:xfrm>
-          <a:prstGeom prst="rect">
-            <a:avLst/>
-          </a:prstGeom>
-          <a:noFill/>
-          <a:extLst>
-            <a:ext uri="{909E8E84-426E-40DD-AFC4-6F175D3DCCD1}">
-              <a14:hiddenFill xmlns:a14="http://schemas.microsoft.com/office/drawing/2010/main">
-                <a:solidFill>
-                  <a:srgbClr val="FFFFFF"/>
-                </a:solidFill>
-              </a14:hiddenFill>
-            </a:ext>
-          </a:extLst>
-        </p:spPr>
-      </p:pic>
-      <p:pic>
-        <p:nvPicPr>
-          <p:cNvPr id="7170" name="Picture 2">
-            <a:extLst>
-              <a:ext uri="{FF2B5EF4-FFF2-40B4-BE49-F238E27FC236}">
-                <a16:creationId xmlns:a16="http://schemas.microsoft.com/office/drawing/2014/main" id="{BBAD26E0-A698-4AAD-A69E-7F36F696A625}"/>
-              </a:ext>
-            </a:extLst>
-          </p:cNvPr>
-          <p:cNvPicPr>
-            <a:picLocks noChangeAspect="1" noChangeArrowheads="1"/>
-          </p:cNvPicPr>
-          <p:nvPr/>
-        </p:nvPicPr>
-        <p:blipFill>
-          <a:blip r:embed="rId4">
-            <a:extLst>
-              <a:ext uri="{28A0092B-C50C-407E-A947-70E740481C1C}">
-                <a14:useLocalDpi xmlns:a14="http://schemas.microsoft.com/office/drawing/2010/main" val="0"/>
-              </a:ext>
-            </a:extLst>
-          </a:blip>
-          <a:srcRect/>
-          <a:stretch>
-            <a:fillRect/>
-          </a:stretch>
-        </p:blipFill>
-        <p:spPr bwMode="auto">
-          <a:xfrm>
-            <a:off x="255140" y="1428750"/>
-            <a:ext cx="3657600" cy="2612571"/>
-          </a:xfrm>
-          <a:prstGeom prst="rect">
-            <a:avLst/>
-          </a:prstGeom>
-          <a:noFill/>
-          <a:extLst>
-            <a:ext uri="{909E8E84-426E-40DD-AFC4-6F175D3DCCD1}">
-              <a14:hiddenFill xmlns:a14="http://schemas.microsoft.com/office/drawing/2010/main">
-                <a:solidFill>
-                  <a:srgbClr val="FFFFFF"/>
-                </a:solidFill>
-              </a14:hiddenFill>
-            </a:ext>
-          </a:extLst>
-        </p:spPr>
-      </p:pic>
-      <p:pic>
-        <p:nvPicPr>
-          <p:cNvPr id="7172" name="Picture 4">
-            <a:extLst>
-              <a:ext uri="{FF2B5EF4-FFF2-40B4-BE49-F238E27FC236}">
-                <a16:creationId xmlns:a16="http://schemas.microsoft.com/office/drawing/2014/main" id="{777ECB40-D891-4E83-BE68-2E0CF9FE5CD9}"/>
-              </a:ext>
-            </a:extLst>
-          </p:cNvPr>
-          <p:cNvPicPr>
-            <a:picLocks noChangeAspect="1" noChangeArrowheads="1"/>
-          </p:cNvPicPr>
-          <p:nvPr/>
-        </p:nvPicPr>
-        <p:blipFill>
-          <a:blip r:embed="rId5">
-            <a:extLst>
-              <a:ext uri="{28A0092B-C50C-407E-A947-70E740481C1C}">
-                <a14:useLocalDpi xmlns:a14="http://schemas.microsoft.com/office/drawing/2010/main" val="0"/>
-              </a:ext>
-            </a:extLst>
-          </a:blip>
-          <a:srcRect/>
-          <a:stretch>
-            <a:fillRect/>
-          </a:stretch>
-        </p:blipFill>
-        <p:spPr bwMode="auto">
-          <a:xfrm>
-            <a:off x="5231260" y="2876550"/>
+            <a:off x="4953000" y="1352550"/>
             <a:ext cx="3657600" cy="2612571"/>
           </a:xfrm>
           <a:prstGeom prst="rect">
@@ -19928,7 +20021,7 @@
           <p:nvPr/>
         </p:nvPicPr>
         <p:blipFill>
-          <a:blip r:embed="rId6">
+          <a:blip r:embed="rId4">
             <a:extLst>
               <a:ext uri="{28A0092B-C50C-407E-A947-70E740481C1C}">
                 <a14:useLocalDpi xmlns:a14="http://schemas.microsoft.com/office/drawing/2010/main" val="0"/>
@@ -19942,7 +20035,7 @@
         </p:blipFill>
         <p:spPr bwMode="auto">
           <a:xfrm>
-            <a:off x="971550" y="1"/>
+            <a:off x="685800" y="1382465"/>
             <a:ext cx="3657600" cy="2612571"/>
           </a:xfrm>
           <a:prstGeom prst="rect">
@@ -20537,7 +20630,7 @@
         </p:blipFill>
         <p:spPr bwMode="auto">
           <a:xfrm>
-            <a:off x="533400" y="1051010"/>
+            <a:off x="381000" y="1226148"/>
             <a:ext cx="3657600" cy="2612571"/>
           </a:xfrm>
           <a:prstGeom prst="rect">
@@ -20602,6 +20695,49 @@
           </a:extLst>
         </p:spPr>
       </p:pic>
+      <p:sp>
+        <p:nvSpPr>
+          <p:cNvPr id="5" name="TextBox 4">
+            <a:extLst>
+              <a:ext uri="{FF2B5EF4-FFF2-40B4-BE49-F238E27FC236}">
+                <a16:creationId xmlns:a16="http://schemas.microsoft.com/office/drawing/2014/main" id="{FD335EB1-3900-4747-9EEA-41A3AF0CFA02}"/>
+              </a:ext>
+            </a:extLst>
+          </p:cNvPr>
+          <p:cNvSpPr txBox="1"/>
+          <p:nvPr/>
+        </p:nvSpPr>
+        <p:spPr>
+          <a:xfrm>
+            <a:off x="0" y="311437"/>
+            <a:ext cx="1600200" cy="646331"/>
+          </a:xfrm>
+          <a:prstGeom prst="rect">
+            <a:avLst/>
+          </a:prstGeom>
+          <a:noFill/>
+        </p:spPr>
+        <p:txBody>
+          <a:bodyPr wrap="square" rtlCol="0">
+            <a:spAutoFit/>
+          </a:bodyPr>
+          <a:lstStyle/>
+          <a:p>
+            <a:r>
+              <a:rPr lang="en-US" dirty="0"/>
+              <a:t>Use terrain </a:t>
+            </a:r>
+            <a:r>
+              <a:rPr lang="en-US" dirty="0" err="1"/>
+              <a:t>ggplot</a:t>
+            </a:r>
+            <a:r>
+              <a:rPr lang="en-US" dirty="0"/>
+              <a:t> theme</a:t>
+            </a:r>
+          </a:p>
+        </p:txBody>
+      </p:sp>
     </p:spTree>
     <p:extLst>
       <p:ext uri="{BB962C8B-B14F-4D97-AF65-F5344CB8AC3E}">
@@ -20675,7 +20811,7 @@
           <p:nvPr/>
         </p:nvPicPr>
         <p:blipFill>
-          <a:blip r:embed="rId2"/>
+          <a:blip r:embed="rId3"/>
           <a:stretch>
             <a:fillRect/>
           </a:stretch>
@@ -20705,14 +20841,14 @@
           <p:nvPr/>
         </p:nvPicPr>
         <p:blipFill>
-          <a:blip r:embed="rId3"/>
+          <a:blip r:embed="rId4"/>
           <a:stretch>
             <a:fillRect/>
           </a:stretch>
         </p:blipFill>
         <p:spPr>
           <a:xfrm>
-            <a:off x="183614" y="2697718"/>
+            <a:off x="4114800" y="1063228"/>
             <a:ext cx="5755946" cy="1554480"/>
           </a:xfrm>
           <a:prstGeom prst="rect">
@@ -20720,6 +20856,106 @@
           </a:prstGeom>
         </p:spPr>
       </p:pic>
+      <p:pic>
+        <p:nvPicPr>
+          <p:cNvPr id="6" name="Picture 5">
+            <a:extLst>
+              <a:ext uri="{FF2B5EF4-FFF2-40B4-BE49-F238E27FC236}">
+                <a16:creationId xmlns:a16="http://schemas.microsoft.com/office/drawing/2014/main" id="{99CA9CC8-D41E-4EC2-9AD9-88EAA1C3F8F8}"/>
+              </a:ext>
+            </a:extLst>
+          </p:cNvPr>
+          <p:cNvPicPr>
+            <a:picLocks noChangeAspect="1"/>
+          </p:cNvPicPr>
+          <p:nvPr/>
+        </p:nvPicPr>
+        <p:blipFill>
+          <a:blip r:embed="rId4"/>
+          <a:stretch>
+            <a:fillRect/>
+          </a:stretch>
+        </p:blipFill>
+        <p:spPr>
+          <a:xfrm>
+            <a:off x="1905000" y="3028950"/>
+            <a:ext cx="5755946" cy="1554480"/>
+          </a:xfrm>
+          <a:prstGeom prst="rect">
+            <a:avLst/>
+          </a:prstGeom>
+        </p:spPr>
+      </p:pic>
+      <p:sp>
+        <p:nvSpPr>
+          <p:cNvPr id="9" name="TextBox 8">
+            <a:extLst>
+              <a:ext uri="{FF2B5EF4-FFF2-40B4-BE49-F238E27FC236}">
+                <a16:creationId xmlns:a16="http://schemas.microsoft.com/office/drawing/2014/main" id="{9DAB8808-38A7-46F2-B73D-F269E6BEEAC4}"/>
+              </a:ext>
+            </a:extLst>
+          </p:cNvPr>
+          <p:cNvSpPr txBox="1"/>
+          <p:nvPr/>
+        </p:nvSpPr>
+        <p:spPr>
+          <a:xfrm>
+            <a:off x="228600" y="2800350"/>
+            <a:ext cx="1371600" cy="1477328"/>
+          </a:xfrm>
+          <a:prstGeom prst="rect">
+            <a:avLst/>
+          </a:prstGeom>
+          <a:noFill/>
+        </p:spPr>
+        <p:txBody>
+          <a:bodyPr wrap="square" rtlCol="0">
+            <a:spAutoFit/>
+          </a:bodyPr>
+          <a:lstStyle/>
+          <a:p>
+            <a:r>
+              <a:rPr lang="en-US" dirty="0"/>
+              <a:t>Insert single joined arrow that simulates the merge</a:t>
+            </a:r>
+          </a:p>
+        </p:txBody>
+      </p:sp>
+      <p:sp>
+        <p:nvSpPr>
+          <p:cNvPr id="10" name="TextBox 9">
+            <a:extLst>
+              <a:ext uri="{FF2B5EF4-FFF2-40B4-BE49-F238E27FC236}">
+                <a16:creationId xmlns:a16="http://schemas.microsoft.com/office/drawing/2014/main" id="{A973A35B-416D-479B-8384-685CCE1BDDDC}"/>
+              </a:ext>
+            </a:extLst>
+          </p:cNvPr>
+          <p:cNvSpPr txBox="1"/>
+          <p:nvPr/>
+        </p:nvSpPr>
+        <p:spPr>
+          <a:xfrm>
+            <a:off x="-266700" y="-11089"/>
+            <a:ext cx="1600200" cy="1200329"/>
+          </a:xfrm>
+          <a:prstGeom prst="rect">
+            <a:avLst/>
+          </a:prstGeom>
+          <a:noFill/>
+        </p:spPr>
+        <p:txBody>
+          <a:bodyPr wrap="square" rtlCol="0">
+            <a:spAutoFit/>
+          </a:bodyPr>
+          <a:lstStyle/>
+          <a:p>
+            <a:r>
+              <a:rPr lang="en-US" dirty="0"/>
+              <a:t>Send presentation AI tutor to team</a:t>
+            </a:r>
+          </a:p>
+        </p:txBody>
+      </p:sp>
     </p:spTree>
     <p:extLst>
       <p:ext uri="{BB962C8B-B14F-4D97-AF65-F5344CB8AC3E}">
@@ -20825,96 +21061,41 @@
           </a:extLst>
         </p:spPr>
       </p:pic>
-      <p:pic>
-        <p:nvPicPr>
-          <p:cNvPr id="2052" name="Picture 4">
+      <p:sp>
+        <p:nvSpPr>
+          <p:cNvPr id="3" name="TextBox 2">
             <a:extLst>
               <a:ext uri="{FF2B5EF4-FFF2-40B4-BE49-F238E27FC236}">
-                <a16:creationId xmlns:a16="http://schemas.microsoft.com/office/drawing/2014/main" id="{A89BA44E-8930-4916-8A10-D0C07545B071}"/>
+                <a16:creationId xmlns:a16="http://schemas.microsoft.com/office/drawing/2014/main" id="{E0C1BD30-36F1-4EDD-B318-8835C7630909}"/>
               </a:ext>
             </a:extLst>
           </p:cNvPr>
-          <p:cNvPicPr>
-            <a:picLocks noChangeAspect="1" noChangeArrowheads="1"/>
-          </p:cNvPicPr>
+          <p:cNvSpPr txBox="1"/>
           <p:nvPr/>
-        </p:nvPicPr>
-        <p:blipFill rotWithShape="1">
-          <a:blip r:embed="rId3">
-            <a:extLst>
-              <a:ext uri="{28A0092B-C50C-407E-A947-70E740481C1C}">
-                <a14:useLocalDpi xmlns:a14="http://schemas.microsoft.com/office/drawing/2010/main" val="0"/>
-              </a:ext>
-            </a:extLst>
-          </a:blip>
-          <a:srcRect l="45410"/>
-          <a:stretch/>
-        </p:blipFill>
-        <p:spPr bwMode="auto">
-          <a:xfrm rot="5400000">
-            <a:off x="4043999" y="755281"/>
-            <a:ext cx="1996677" cy="2612571"/>
+        </p:nvSpPr>
+        <p:spPr>
+          <a:xfrm>
+            <a:off x="4307552" y="1504950"/>
+            <a:ext cx="1712248" cy="923330"/>
           </a:xfrm>
           <a:prstGeom prst="rect">
             <a:avLst/>
           </a:prstGeom>
           <a:noFill/>
-          <a:extLst>
-            <a:ext uri="{909E8E84-426E-40DD-AFC4-6F175D3DCCD1}">
-              <a14:hiddenFill xmlns:a14="http://schemas.microsoft.com/office/drawing/2010/main">
-                <a:solidFill>
-                  <a:srgbClr val="FFFFFF"/>
-                </a:solidFill>
-              </a14:hiddenFill>
-            </a:ext>
-          </a:extLst>
         </p:spPr>
-      </p:pic>
-      <p:pic>
-        <p:nvPicPr>
-          <p:cNvPr id="2054" name="Picture 6">
-            <a:extLst>
-              <a:ext uri="{FF2B5EF4-FFF2-40B4-BE49-F238E27FC236}">
-                <a16:creationId xmlns:a16="http://schemas.microsoft.com/office/drawing/2014/main" id="{5C03E47F-4871-4A2E-89CF-8DFD8B87C3C8}"/>
-              </a:ext>
-            </a:extLst>
-          </p:cNvPr>
-          <p:cNvPicPr>
-            <a:picLocks noChangeAspect="1" noChangeArrowheads="1"/>
-          </p:cNvPicPr>
-          <p:nvPr/>
-        </p:nvPicPr>
-        <p:blipFill rotWithShape="1">
-          <a:blip r:embed="rId4">
-            <a:extLst>
-              <a:ext uri="{28A0092B-C50C-407E-A947-70E740481C1C}">
-                <a14:useLocalDpi xmlns:a14="http://schemas.microsoft.com/office/drawing/2010/main" val="0"/>
-              </a:ext>
-            </a:extLst>
-          </a:blip>
-          <a:srcRect l="47493"/>
-          <a:stretch/>
-        </p:blipFill>
-        <p:spPr bwMode="auto">
-          <a:xfrm rot="5400000">
-            <a:off x="6716216" y="701703"/>
-            <a:ext cx="1920476" cy="2612571"/>
-          </a:xfrm>
-          <a:prstGeom prst="rect">
-            <a:avLst/>
-          </a:prstGeom>
-          <a:noFill/>
-          <a:extLst>
-            <a:ext uri="{909E8E84-426E-40DD-AFC4-6F175D3DCCD1}">
-              <a14:hiddenFill xmlns:a14="http://schemas.microsoft.com/office/drawing/2010/main">
-                <a:solidFill>
-                  <a:srgbClr val="FFFFFF"/>
-                </a:solidFill>
-              </a14:hiddenFill>
-            </a:ext>
-          </a:extLst>
-        </p:spPr>
-      </p:pic>
+        <p:txBody>
+          <a:bodyPr wrap="square" rtlCol="0">
+            <a:spAutoFit/>
+          </a:bodyPr>
+          <a:lstStyle/>
+          <a:p>
+            <a:r>
+              <a:rPr lang="en-US" dirty="0"/>
+              <a:t>Do a before and after for missing values</a:t>
+            </a:r>
+          </a:p>
+        </p:txBody>
+      </p:sp>
     </p:spTree>
     <p:extLst>
       <p:ext uri="{BB962C8B-B14F-4D97-AF65-F5344CB8AC3E}">
@@ -20973,41 +21154,6 @@
           </a:p>
         </p:txBody>
       </p:sp>
-      <p:sp>
-        <p:nvSpPr>
-          <p:cNvPr id="4" name="TextBox 3">
-            <a:extLst>
-              <a:ext uri="{FF2B5EF4-FFF2-40B4-BE49-F238E27FC236}">
-                <a16:creationId xmlns:a16="http://schemas.microsoft.com/office/drawing/2014/main" id="{1040D74A-13E6-4708-89E3-2D0C88DEC3FD}"/>
-              </a:ext>
-            </a:extLst>
-          </p:cNvPr>
-          <p:cNvSpPr txBox="1"/>
-          <p:nvPr/>
-        </p:nvSpPr>
-        <p:spPr>
-          <a:xfrm>
-            <a:off x="0" y="133350"/>
-            <a:ext cx="3352800" cy="369332"/>
-          </a:xfrm>
-          <a:prstGeom prst="rect">
-            <a:avLst/>
-          </a:prstGeom>
-          <a:noFill/>
-        </p:spPr>
-        <p:txBody>
-          <a:bodyPr wrap="square" rtlCol="0">
-            <a:spAutoFit/>
-          </a:bodyPr>
-          <a:lstStyle/>
-          <a:p>
-            <a:r>
-              <a:rPr lang="en-US" dirty="0"/>
-              <a:t>Need to change to bar chart</a:t>
-            </a:r>
-          </a:p>
-        </p:txBody>
-      </p:sp>
       <p:pic>
         <p:nvPicPr>
           <p:cNvPr id="3074" name="Picture 2">
@@ -21037,7 +21183,7 @@
         </p:blipFill>
         <p:spPr bwMode="auto">
           <a:xfrm>
-            <a:off x="152400" y="1276350"/>
+            <a:off x="76200" y="1552383"/>
             <a:ext cx="3657600" cy="2612571"/>
           </a:xfrm>
           <a:prstGeom prst="rect">
@@ -21102,6 +21248,41 @@
           </a:extLst>
         </p:spPr>
       </p:pic>
+      <p:sp>
+        <p:nvSpPr>
+          <p:cNvPr id="4" name="TextBox 3">
+            <a:extLst>
+              <a:ext uri="{FF2B5EF4-FFF2-40B4-BE49-F238E27FC236}">
+                <a16:creationId xmlns:a16="http://schemas.microsoft.com/office/drawing/2014/main" id="{1040D74A-13E6-4708-89E3-2D0C88DEC3FD}"/>
+              </a:ext>
+            </a:extLst>
+          </p:cNvPr>
+          <p:cNvSpPr txBox="1"/>
+          <p:nvPr/>
+        </p:nvSpPr>
+        <p:spPr>
+          <a:xfrm>
+            <a:off x="684663" y="1120987"/>
+            <a:ext cx="7162800" cy="369332"/>
+          </a:xfrm>
+          <a:prstGeom prst="rect">
+            <a:avLst/>
+          </a:prstGeom>
+          <a:noFill/>
+        </p:spPr>
+        <p:txBody>
+          <a:bodyPr wrap="square" rtlCol="0">
+            <a:spAutoFit/>
+          </a:bodyPr>
+          <a:lstStyle/>
+          <a:p>
+            <a:r>
+              <a:rPr lang="en-US" dirty="0"/>
+              <a:t>Need to change to bar chart (top and bottom 10) and leave heat maps</a:t>
+            </a:r>
+          </a:p>
+        </p:txBody>
+      </p:sp>
     </p:spTree>
     <p:extLst>
       <p:ext uri="{BB962C8B-B14F-4D97-AF65-F5344CB8AC3E}">

--- a/DS6306 Group Project 1.pptx
+++ b/DS6306 Group Project 1.pptx
@@ -5,25 +5,23 @@
     <p:sldMasterId id="2147483648" r:id="rId1"/>
   </p:sldMasterIdLst>
   <p:notesMasterIdLst>
-    <p:notesMasterId r:id="rId15"/>
+    <p:notesMasterId r:id="rId13"/>
   </p:notesMasterIdLst>
   <p:handoutMasterIdLst>
-    <p:handoutMasterId r:id="rId16"/>
+    <p:handoutMasterId r:id="rId14"/>
   </p:handoutMasterIdLst>
   <p:sldIdLst>
     <p:sldId id="256" r:id="rId2"/>
-    <p:sldId id="257" r:id="rId3"/>
-    <p:sldId id="260" r:id="rId4"/>
-    <p:sldId id="258" r:id="rId5"/>
-    <p:sldId id="259" r:id="rId6"/>
-    <p:sldId id="261" r:id="rId7"/>
-    <p:sldId id="262" r:id="rId8"/>
-    <p:sldId id="263" r:id="rId9"/>
-    <p:sldId id="264" r:id="rId10"/>
-    <p:sldId id="268" r:id="rId11"/>
-    <p:sldId id="265" r:id="rId12"/>
-    <p:sldId id="266" r:id="rId13"/>
-    <p:sldId id="267" r:id="rId14"/>
+    <p:sldId id="272" r:id="rId3"/>
+    <p:sldId id="271" r:id="rId4"/>
+    <p:sldId id="261" r:id="rId5"/>
+    <p:sldId id="262" r:id="rId6"/>
+    <p:sldId id="263" r:id="rId7"/>
+    <p:sldId id="264" r:id="rId8"/>
+    <p:sldId id="268" r:id="rId9"/>
+    <p:sldId id="265" r:id="rId10"/>
+    <p:sldId id="266" r:id="rId11"/>
+    <p:sldId id="267" r:id="rId12"/>
   </p:sldIdLst>
   <p:sldSz cx="9144000" cy="5143500" type="screen16x9"/>
   <p:notesSz cx="6858000" cy="9144000"/>
@@ -158,7 +156,7 @@
 <file path=ppt/revisionInfo.xml><?xml version="1.0" encoding="utf-8"?>
 <p1510:revInfo xmlns:a="http://schemas.openxmlformats.org/drawingml/2006/main" xmlns:r="http://schemas.openxmlformats.org/officeDocument/2006/relationships" xmlns:p1510="http://schemas.microsoft.com/office/powerpoint/2015/10/main">
   <p1510:revLst>
-    <p1510:client id="{61374EC2-74A0-4B7E-A59A-1715CE5DD16C}" v="143" dt="2020-02-21T03:40:18.749"/>
+    <p1510:client id="{61374EC2-74A0-4B7E-A59A-1715CE5DD16C}" v="347" dt="2020-02-22T02:55:21.222"/>
   </p1510:revLst>
 </p1510:revInfo>
 </file>
@@ -167,13 +165,72 @@
 <pc:chgInfo xmlns:a="http://schemas.openxmlformats.org/drawingml/2006/main" xmlns:r="http://schemas.openxmlformats.org/officeDocument/2006/relationships" xmlns:ac="http://schemas.microsoft.com/office/drawing/2013/main/command" xmlns:pc="http://schemas.microsoft.com/office/powerpoint/2013/main/command">
   <pc:docChgLst>
     <pc:chgData name="Thad Schwebke" userId="8a3b078b179e4a90" providerId="LiveId" clId="{61374EC2-74A0-4B7E-A59A-1715CE5DD16C}"/>
-    <pc:docChg chg="custSel addSld modSld sldOrd">
-      <pc:chgData name="Thad Schwebke" userId="8a3b078b179e4a90" providerId="LiveId" clId="{61374EC2-74A0-4B7E-A59A-1715CE5DD16C}" dt="2020-02-21T03:40:18.747" v="608" actId="1076"/>
+    <pc:docChg chg="undo custSel addSld delSld modSld sldOrd">
+      <pc:chgData name="Thad Schwebke" userId="8a3b078b179e4a90" providerId="LiveId" clId="{61374EC2-74A0-4B7E-A59A-1715CE5DD16C}" dt="2020-02-22T03:05:59.869" v="3491" actId="20577"/>
       <pc:docMkLst>
         <pc:docMk/>
       </pc:docMkLst>
-      <pc:sldChg chg="addSp delSp modSp add">
-        <pc:chgData name="Thad Schwebke" userId="8a3b078b179e4a90" providerId="LiveId" clId="{61374EC2-74A0-4B7E-A59A-1715CE5DD16C}" dt="2020-02-21T03:22:56.605" v="555" actId="1076"/>
+      <pc:sldChg chg="modSp modTransition">
+        <pc:chgData name="Thad Schwebke" userId="8a3b078b179e4a90" providerId="LiveId" clId="{61374EC2-74A0-4B7E-A59A-1715CE5DD16C}" dt="2020-02-21T14:32:23.721" v="1282"/>
+        <pc:sldMkLst>
+          <pc:docMk/>
+          <pc:sldMk cId="4148444099" sldId="256"/>
+        </pc:sldMkLst>
+        <pc:spChg chg="mod">
+          <ac:chgData name="Thad Schwebke" userId="8a3b078b179e4a90" providerId="LiveId" clId="{61374EC2-74A0-4B7E-A59A-1715CE5DD16C}" dt="2020-02-21T11:15:48.145" v="633" actId="20577"/>
+          <ac:spMkLst>
+            <pc:docMk/>
+            <pc:sldMk cId="4148444099" sldId="256"/>
+            <ac:spMk id="2" creationId="{00000000-0000-0000-0000-000000000000}"/>
+          </ac:spMkLst>
+        </pc:spChg>
+        <pc:spChg chg="mod">
+          <ac:chgData name="Thad Schwebke" userId="8a3b078b179e4a90" providerId="LiveId" clId="{61374EC2-74A0-4B7E-A59A-1715CE5DD16C}" dt="2020-02-21T11:15:58.081" v="650" actId="20577"/>
+          <ac:spMkLst>
+            <pc:docMk/>
+            <pc:sldMk cId="4148444099" sldId="256"/>
+            <ac:spMk id="3" creationId="{00000000-0000-0000-0000-000000000000}"/>
+          </ac:spMkLst>
+        </pc:spChg>
+      </pc:sldChg>
+      <pc:sldChg chg="del">
+        <pc:chgData name="Thad Schwebke" userId="8a3b078b179e4a90" providerId="LiveId" clId="{61374EC2-74A0-4B7E-A59A-1715CE5DD16C}" dt="2020-02-21T11:17:09.040" v="661" actId="47"/>
+        <pc:sldMkLst>
+          <pc:docMk/>
+          <pc:sldMk cId="3772737477" sldId="257"/>
+        </pc:sldMkLst>
+      </pc:sldChg>
+      <pc:sldChg chg="del">
+        <pc:chgData name="Thad Schwebke" userId="8a3b078b179e4a90" providerId="LiveId" clId="{61374EC2-74A0-4B7E-A59A-1715CE5DD16C}" dt="2020-02-21T11:17:09.040" v="661" actId="47"/>
+        <pc:sldMkLst>
+          <pc:docMk/>
+          <pc:sldMk cId="2425098261" sldId="258"/>
+        </pc:sldMkLst>
+      </pc:sldChg>
+      <pc:sldChg chg="del">
+        <pc:chgData name="Thad Schwebke" userId="8a3b078b179e4a90" providerId="LiveId" clId="{61374EC2-74A0-4B7E-A59A-1715CE5DD16C}" dt="2020-02-21T11:17:09.040" v="661" actId="47"/>
+        <pc:sldMkLst>
+          <pc:docMk/>
+          <pc:sldMk cId="3956584900" sldId="259"/>
+        </pc:sldMkLst>
+      </pc:sldChg>
+      <pc:sldChg chg="modSp del ord">
+        <pc:chgData name="Thad Schwebke" userId="8a3b078b179e4a90" providerId="LiveId" clId="{61374EC2-74A0-4B7E-A59A-1715CE5DD16C}" dt="2020-02-21T11:17:09.040" v="661" actId="47"/>
+        <pc:sldMkLst>
+          <pc:docMk/>
+          <pc:sldMk cId="2858501048" sldId="260"/>
+        </pc:sldMkLst>
+        <pc:spChg chg="mod">
+          <ac:chgData name="Thad Schwebke" userId="8a3b078b179e4a90" providerId="LiveId" clId="{61374EC2-74A0-4B7E-A59A-1715CE5DD16C}" dt="2020-02-21T11:16:42.367" v="660" actId="20577"/>
+          <ac:spMkLst>
+            <pc:docMk/>
+            <pc:sldMk cId="2858501048" sldId="260"/>
+            <ac:spMk id="2" creationId="{746EE3F0-D9B7-45B3-8CCE-FC38C8A8890A}"/>
+          </ac:spMkLst>
+        </pc:spChg>
+      </pc:sldChg>
+      <pc:sldChg chg="addSp delSp modSp add modNotesTx">
+        <pc:chgData name="Thad Schwebke" userId="8a3b078b179e4a90" providerId="LiveId" clId="{61374EC2-74A0-4B7E-A59A-1715CE5DD16C}" dt="2020-02-22T03:05:59.869" v="3491" actId="20577"/>
         <pc:sldMkLst>
           <pc:docMk/>
           <pc:sldMk cId="3849262026" sldId="261"/>
@@ -186,6 +243,14 @@
             <ac:spMk id="2" creationId="{30070F79-AB20-47CA-BB52-E5CAEB8DF287}"/>
           </ac:spMkLst>
         </pc:spChg>
+        <pc:spChg chg="add del">
+          <ac:chgData name="Thad Schwebke" userId="8a3b078b179e4a90" providerId="LiveId" clId="{61374EC2-74A0-4B7E-A59A-1715CE5DD16C}" dt="2020-02-21T14:29:26.008" v="1271"/>
+          <ac:spMkLst>
+            <pc:docMk/>
+            <pc:sldMk cId="3849262026" sldId="261"/>
+            <ac:spMk id="3" creationId="{18DCE02B-93FE-4214-9687-AE2DFB74E68C}"/>
+          </ac:spMkLst>
+        </pc:spChg>
         <pc:spChg chg="del">
           <ac:chgData name="Thad Schwebke" userId="8a3b078b179e4a90" providerId="LiveId" clId="{61374EC2-74A0-4B7E-A59A-1715CE5DD16C}" dt="2020-02-20T19:50:41.008" v="173" actId="478"/>
           <ac:spMkLst>
@@ -194,14 +259,30 @@
             <ac:spMk id="3" creationId="{6891D4FA-95B5-434E-9A49-0EB803F21D5B}"/>
           </ac:spMkLst>
         </pc:spChg>
-        <pc:spChg chg="add mod">
-          <ac:chgData name="Thad Schwebke" userId="8a3b078b179e4a90" providerId="LiveId" clId="{61374EC2-74A0-4B7E-A59A-1715CE5DD16C}" dt="2020-02-21T03:22:56.605" v="555" actId="1076"/>
+        <pc:spChg chg="add del">
+          <ac:chgData name="Thad Schwebke" userId="8a3b078b179e4a90" providerId="LiveId" clId="{61374EC2-74A0-4B7E-A59A-1715CE5DD16C}" dt="2020-02-21T14:29:42.472" v="1277"/>
+          <ac:spMkLst>
+            <pc:docMk/>
+            <pc:sldMk cId="3849262026" sldId="261"/>
+            <ac:spMk id="4" creationId="{E9A05B11-0F56-4AE5-B068-F67C6833040E}"/>
+          </ac:spMkLst>
+        </pc:spChg>
+        <pc:spChg chg="add del mod">
+          <ac:chgData name="Thad Schwebke" userId="8a3b078b179e4a90" providerId="LiveId" clId="{61374EC2-74A0-4B7E-A59A-1715CE5DD16C}" dt="2020-02-21T14:29:47.495" v="1281" actId="478"/>
           <ac:spMkLst>
             <pc:docMk/>
             <pc:sldMk cId="3849262026" sldId="261"/>
             <ac:spMk id="5" creationId="{FD335EB1-3900-4747-9EEA-41A3AF0CFA02}"/>
           </ac:spMkLst>
         </pc:spChg>
+        <pc:picChg chg="add mod">
+          <ac:chgData name="Thad Schwebke" userId="8a3b078b179e4a90" providerId="LiveId" clId="{61374EC2-74A0-4B7E-A59A-1715CE5DD16C}" dt="2020-02-22T02:29:31.267" v="1308" actId="1076"/>
+          <ac:picMkLst>
+            <pc:docMk/>
+            <pc:sldMk cId="3849262026" sldId="261"/>
+            <ac:picMk id="1026" creationId="{5A51FBB7-2072-4C55-AD88-FD27BA8B63AA}"/>
+          </ac:picMkLst>
+        </pc:picChg>
         <pc:picChg chg="add del">
           <ac:chgData name="Thad Schwebke" userId="8a3b078b179e4a90" providerId="LiveId" clId="{61374EC2-74A0-4B7E-A59A-1715CE5DD16C}" dt="2020-02-20T19:50:38.395" v="172"/>
           <ac:picMkLst>
@@ -210,16 +291,16 @@
             <ac:picMk id="1026" creationId="{8FFB4ADB-A112-4D38-9265-F5B95D51FEEB}"/>
           </ac:picMkLst>
         </pc:picChg>
-        <pc:picChg chg="add mod">
-          <ac:chgData name="Thad Schwebke" userId="8a3b078b179e4a90" providerId="LiveId" clId="{61374EC2-74A0-4B7E-A59A-1715CE5DD16C}" dt="2020-02-21T03:09:10.904" v="318" actId="1076"/>
+        <pc:picChg chg="add del mod">
+          <ac:chgData name="Thad Schwebke" userId="8a3b078b179e4a90" providerId="LiveId" clId="{61374EC2-74A0-4B7E-A59A-1715CE5DD16C}" dt="2020-02-22T02:28:23.678" v="1283" actId="478"/>
           <ac:picMkLst>
             <pc:docMk/>
             <pc:sldMk cId="3849262026" sldId="261"/>
             <ac:picMk id="1028" creationId="{E017A456-F2C0-441A-B31D-CB4C5A8464A1}"/>
           </ac:picMkLst>
         </pc:picChg>
-        <pc:picChg chg="add mod">
-          <ac:chgData name="Thad Schwebke" userId="8a3b078b179e4a90" providerId="LiveId" clId="{61374EC2-74A0-4B7E-A59A-1715CE5DD16C}" dt="2020-02-20T19:52:05.414" v="183" actId="1076"/>
+        <pc:picChg chg="add del mod">
+          <ac:chgData name="Thad Schwebke" userId="8a3b078b179e4a90" providerId="LiveId" clId="{61374EC2-74A0-4B7E-A59A-1715CE5DD16C}" dt="2020-02-21T14:29:45.360" v="1280" actId="478"/>
           <ac:picMkLst>
             <pc:docMk/>
             <pc:sldMk cId="3849262026" sldId="261"/>
@@ -227,8 +308,8 @@
           </ac:picMkLst>
         </pc:picChg>
       </pc:sldChg>
-      <pc:sldChg chg="addSp delSp modSp add">
-        <pc:chgData name="Thad Schwebke" userId="8a3b078b179e4a90" providerId="LiveId" clId="{61374EC2-74A0-4B7E-A59A-1715CE5DD16C}" dt="2020-02-21T03:15:59.378" v="426" actId="1076"/>
+      <pc:sldChg chg="addSp delSp modSp add mod modNotesTx">
+        <pc:chgData name="Thad Schwebke" userId="8a3b078b179e4a90" providerId="LiveId" clId="{61374EC2-74A0-4B7E-A59A-1715CE5DD16C}" dt="2020-02-22T03:01:21.157" v="2979" actId="20577"/>
         <pc:sldMkLst>
           <pc:docMk/>
           <pc:sldMk cId="2460916010" sldId="262"/>
@@ -281,8 +362,8 @@
             <ac:spMk id="9" creationId="{9DAB8808-38A7-46F2-B73D-F269E6BEEAC4}"/>
           </ac:spMkLst>
         </pc:spChg>
-        <pc:spChg chg="add mod">
-          <ac:chgData name="Thad Schwebke" userId="8a3b078b179e4a90" providerId="LiveId" clId="{61374EC2-74A0-4B7E-A59A-1715CE5DD16C}" dt="2020-02-21T03:15:59.378" v="426" actId="1076"/>
+        <pc:spChg chg="add del mod">
+          <ac:chgData name="Thad Schwebke" userId="8a3b078b179e4a90" providerId="LiveId" clId="{61374EC2-74A0-4B7E-A59A-1715CE5DD16C}" dt="2020-02-22T02:29:49.668" v="1309" actId="478"/>
           <ac:spMkLst>
             <pc:docMk/>
             <pc:sldMk cId="2460916010" sldId="262"/>
@@ -314,8 +395,8 @@
           </ac:picMkLst>
         </pc:picChg>
       </pc:sldChg>
-      <pc:sldChg chg="addSp delSp modSp add">
-        <pc:chgData name="Thad Schwebke" userId="8a3b078b179e4a90" providerId="LiveId" clId="{61374EC2-74A0-4B7E-A59A-1715CE5DD16C}" dt="2020-02-21T03:18:51.458" v="479" actId="478"/>
+      <pc:sldChg chg="addSp delSp modSp add mod modNotesTx">
+        <pc:chgData name="Thad Schwebke" userId="8a3b078b179e4a90" providerId="LiveId" clId="{61374EC2-74A0-4B7E-A59A-1715CE5DD16C}" dt="2020-02-22T02:58:11.723" v="2660" actId="20577"/>
         <pc:sldMkLst>
           <pc:docMk/>
           <pc:sldMk cId="1524816342" sldId="263"/>
@@ -336,8 +417,8 @@
             <ac:spMk id="3" creationId="{D29DCA66-FB83-4DFA-97A8-C248E181AC83}"/>
           </ac:spMkLst>
         </pc:spChg>
-        <pc:spChg chg="add mod">
-          <ac:chgData name="Thad Schwebke" userId="8a3b078b179e4a90" providerId="LiveId" clId="{61374EC2-74A0-4B7E-A59A-1715CE5DD16C}" dt="2020-02-21T03:18:22.476" v="475" actId="20577"/>
+        <pc:spChg chg="add del mod">
+          <ac:chgData name="Thad Schwebke" userId="8a3b078b179e4a90" providerId="LiveId" clId="{61374EC2-74A0-4B7E-A59A-1715CE5DD16C}" dt="2020-02-22T02:29:55.317" v="1311" actId="478"/>
           <ac:spMkLst>
             <pc:docMk/>
             <pc:sldMk cId="1524816342" sldId="263"/>
@@ -345,11 +426,27 @@
           </ac:spMkLst>
         </pc:spChg>
         <pc:picChg chg="add mod">
-          <ac:chgData name="Thad Schwebke" userId="8a3b078b179e4a90" providerId="LiveId" clId="{61374EC2-74A0-4B7E-A59A-1715CE5DD16C}" dt="2020-02-20T19:54:59.690" v="203" actId="1076"/>
+          <ac:chgData name="Thad Schwebke" userId="8a3b078b179e4a90" providerId="LiveId" clId="{61374EC2-74A0-4B7E-A59A-1715CE5DD16C}" dt="2020-02-22T02:32:37.366" v="1342" actId="208"/>
+          <ac:picMkLst>
+            <pc:docMk/>
+            <pc:sldMk cId="1524816342" sldId="263"/>
+            <ac:picMk id="4" creationId="{C38FB1BA-CEF8-4704-8F2C-9584129155BE}"/>
+          </ac:picMkLst>
+        </pc:picChg>
+        <pc:picChg chg="add del mod">
+          <ac:chgData name="Thad Schwebke" userId="8a3b078b179e4a90" providerId="LiveId" clId="{61374EC2-74A0-4B7E-A59A-1715CE5DD16C}" dt="2020-02-22T02:29:53.690" v="1310" actId="478"/>
           <ac:picMkLst>
             <pc:docMk/>
             <pc:sldMk cId="1524816342" sldId="263"/>
             <ac:picMk id="2050" creationId="{6B4D342B-1CE4-42CA-B4E5-AC259B77E274}"/>
+          </ac:picMkLst>
+        </pc:picChg>
+        <pc:picChg chg="add mod">
+          <ac:chgData name="Thad Schwebke" userId="8a3b078b179e4a90" providerId="LiveId" clId="{61374EC2-74A0-4B7E-A59A-1715CE5DD16C}" dt="2020-02-22T02:32:35.611" v="1341" actId="208"/>
+          <ac:picMkLst>
+            <pc:docMk/>
+            <pc:sldMk cId="1524816342" sldId="263"/>
+            <ac:picMk id="2052" creationId="{3F980578-2894-40FA-84DA-A9854B43F14E}"/>
           </ac:picMkLst>
         </pc:picChg>
         <pc:picChg chg="add del mod">
@@ -369,14 +466,14 @@
           </ac:picMkLst>
         </pc:picChg>
       </pc:sldChg>
-      <pc:sldChg chg="addSp delSp modSp add">
-        <pc:chgData name="Thad Schwebke" userId="8a3b078b179e4a90" providerId="LiveId" clId="{61374EC2-74A0-4B7E-A59A-1715CE5DD16C}" dt="2020-02-21T03:22:04.314" v="527" actId="1076"/>
+      <pc:sldChg chg="addSp delSp modSp add mod modNotesTx">
+        <pc:chgData name="Thad Schwebke" userId="8a3b078b179e4a90" providerId="LiveId" clId="{61374EC2-74A0-4B7E-A59A-1715CE5DD16C}" dt="2020-02-22T02:54:55.193" v="2307" actId="6549"/>
         <pc:sldMkLst>
           <pc:docMk/>
           <pc:sldMk cId="2663868610" sldId="264"/>
         </pc:sldMkLst>
         <pc:spChg chg="mod">
-          <ac:chgData name="Thad Schwebke" userId="8a3b078b179e4a90" providerId="LiveId" clId="{61374EC2-74A0-4B7E-A59A-1715CE5DD16C}" dt="2020-02-20T19:47:19.048" v="83" actId="20577"/>
+          <ac:chgData name="Thad Schwebke" userId="8a3b078b179e4a90" providerId="LiveId" clId="{61374EC2-74A0-4B7E-A59A-1715CE5DD16C}" dt="2020-02-22T02:34:18.967" v="1382" actId="1076"/>
           <ac:spMkLst>
             <pc:docMk/>
             <pc:sldMk cId="2663868610" sldId="264"/>
@@ -391,24 +488,48 @@
             <ac:spMk id="3" creationId="{1B6B94C2-C3E1-443F-9BE4-87A8CD46E4EA}"/>
           </ac:spMkLst>
         </pc:spChg>
-        <pc:spChg chg="add mod ord">
-          <ac:chgData name="Thad Schwebke" userId="8a3b078b179e4a90" providerId="LiveId" clId="{61374EC2-74A0-4B7E-A59A-1715CE5DD16C}" dt="2020-02-21T03:22:04.314" v="527" actId="1076"/>
+        <pc:spChg chg="add del mod ord">
+          <ac:chgData name="Thad Schwebke" userId="8a3b078b179e4a90" providerId="LiveId" clId="{61374EC2-74A0-4B7E-A59A-1715CE5DD16C}" dt="2020-02-22T02:32:55.477" v="1345" actId="478"/>
           <ac:spMkLst>
             <pc:docMk/>
             <pc:sldMk cId="2663868610" sldId="264"/>
             <ac:spMk id="4" creationId="{1040D74A-13E6-4708-89E3-2D0C88DEC3FD}"/>
           </ac:spMkLst>
         </pc:spChg>
+        <pc:spChg chg="add del mod">
+          <ac:chgData name="Thad Schwebke" userId="8a3b078b179e4a90" providerId="LiveId" clId="{61374EC2-74A0-4B7E-A59A-1715CE5DD16C}" dt="2020-02-22T02:33:54.653" v="1374" actId="478"/>
+          <ac:spMkLst>
+            <pc:docMk/>
+            <pc:sldMk cId="2663868610" sldId="264"/>
+            <ac:spMk id="6" creationId="{5EFDF754-A1EA-4B1A-88CB-CF1928210E76}"/>
+          </ac:spMkLst>
+        </pc:spChg>
+        <pc:picChg chg="add del mod">
+          <ac:chgData name="Thad Schwebke" userId="8a3b078b179e4a90" providerId="LiveId" clId="{61374EC2-74A0-4B7E-A59A-1715CE5DD16C}" dt="2020-02-22T02:33:32.306" v="1371"/>
+          <ac:picMkLst>
+            <pc:docMk/>
+            <pc:sldMk cId="2663868610" sldId="264"/>
+            <ac:picMk id="3" creationId="{F2F98783-97DB-4433-8E83-80FDDFE047EA}"/>
+          </ac:picMkLst>
+        </pc:picChg>
         <pc:picChg chg="add mod">
-          <ac:chgData name="Thad Schwebke" userId="8a3b078b179e4a90" providerId="LiveId" clId="{61374EC2-74A0-4B7E-A59A-1715CE5DD16C}" dt="2020-02-21T03:22:01.566" v="526" actId="1076"/>
+          <ac:chgData name="Thad Schwebke" userId="8a3b078b179e4a90" providerId="LiveId" clId="{61374EC2-74A0-4B7E-A59A-1715CE5DD16C}" dt="2020-02-22T02:34:24.930" v="1383" actId="1038"/>
+          <ac:picMkLst>
+            <pc:docMk/>
+            <pc:sldMk cId="2663868610" sldId="264"/>
+            <ac:picMk id="5" creationId="{6602F371-6279-4F6C-8C92-3AA295A07975}"/>
+          </ac:picMkLst>
+        </pc:picChg>
+        <pc:picChg chg="add del mod">
+          <ac:chgData name="Thad Schwebke" userId="8a3b078b179e4a90" providerId="LiveId" clId="{61374EC2-74A0-4B7E-A59A-1715CE5DD16C}" dt="2020-02-22T02:32:52.172" v="1343" actId="478"/>
           <ac:picMkLst>
             <pc:docMk/>
             <pc:sldMk cId="2663868610" sldId="264"/>
             <ac:picMk id="3074" creationId="{EF08CE2D-A0D2-427F-8A6F-85928E59E1B9}"/>
           </ac:picMkLst>
         </pc:picChg>
-        <pc:picChg chg="add mod">
-          <ac:chgData name="Thad Schwebke" userId="8a3b078b179e4a90" providerId="LiveId" clId="{61374EC2-74A0-4B7E-A59A-1715CE5DD16C}" dt="2020-02-20T19:58:11.671" v="259" actId="1076"/>
+        <pc:picChg chg="add del mod">
+          <ac:chgData name="Thad Schwebke" userId="8a3b078b179e4a90" providerId="LiveId" clId="{61374EC2-74A0-4B7E-A59A-1715CE5DD16C}" dt="2020-02-22T02:32:53.138" v="1344" actId="478"/>
           <ac:picMkLst>
             <pc:docMk/>
             <pc:sldMk cId="2663868610" sldId="264"/>
@@ -416,8 +537,8 @@
           </ac:picMkLst>
         </pc:picChg>
       </pc:sldChg>
-      <pc:sldChg chg="addSp delSp modSp add">
-        <pc:chgData name="Thad Schwebke" userId="8a3b078b179e4a90" providerId="LiveId" clId="{61374EC2-74A0-4B7E-A59A-1715CE5DD16C}" dt="2020-02-21T03:30:50.215" v="587"/>
+      <pc:sldChg chg="addSp delSp modSp add mod modNotesTx">
+        <pc:chgData name="Thad Schwebke" userId="8a3b078b179e4a90" providerId="LiveId" clId="{61374EC2-74A0-4B7E-A59A-1715CE5DD16C}" dt="2020-02-22T02:49:15.523" v="2185" actId="20577"/>
         <pc:sldMkLst>
           <pc:docMk/>
           <pc:sldMk cId="245379799" sldId="265"/>
@@ -438,8 +559,8 @@
             <ac:spMk id="3" creationId="{8ED2079A-8CB0-4E3F-B102-92CC89EAFC2D}"/>
           </ac:spMkLst>
         </pc:spChg>
-        <pc:spChg chg="add">
-          <ac:chgData name="Thad Schwebke" userId="8a3b078b179e4a90" providerId="LiveId" clId="{61374EC2-74A0-4B7E-A59A-1715CE5DD16C}" dt="2020-02-21T03:30:50.215" v="587"/>
+        <pc:spChg chg="add del">
+          <ac:chgData name="Thad Schwebke" userId="8a3b078b179e4a90" providerId="LiveId" clId="{61374EC2-74A0-4B7E-A59A-1715CE5DD16C}" dt="2020-02-22T02:36:10.654" v="1407" actId="478"/>
           <ac:spMkLst>
             <pc:docMk/>
             <pc:sldMk cId="245379799" sldId="265"/>
@@ -462,25 +583,41 @@
             <ac:picMk id="4100" creationId="{B7D44B16-60CE-4BD6-B53D-9D925B4FCE2C}"/>
           </ac:picMkLst>
         </pc:picChg>
-        <pc:picChg chg="add mod">
-          <ac:chgData name="Thad Schwebke" userId="8a3b078b179e4a90" providerId="LiveId" clId="{61374EC2-74A0-4B7E-A59A-1715CE5DD16C}" dt="2020-02-20T19:59:57.089" v="276" actId="1076"/>
+        <pc:picChg chg="add del mod">
+          <ac:chgData name="Thad Schwebke" userId="8a3b078b179e4a90" providerId="LiveId" clId="{61374EC2-74A0-4B7E-A59A-1715CE5DD16C}" dt="2020-02-22T02:36:07.738" v="1405" actId="478"/>
           <ac:picMkLst>
             <pc:docMk/>
             <pc:sldMk cId="245379799" sldId="265"/>
             <ac:picMk id="4102" creationId="{DC4704CB-E1D7-492E-B379-31EF9A6B3E40}"/>
           </ac:picMkLst>
         </pc:picChg>
-        <pc:picChg chg="add mod">
-          <ac:chgData name="Thad Schwebke" userId="8a3b078b179e4a90" providerId="LiveId" clId="{61374EC2-74A0-4B7E-A59A-1715CE5DD16C}" dt="2020-02-20T20:00:11.629" v="279" actId="1076"/>
+        <pc:picChg chg="add del mod">
+          <ac:chgData name="Thad Schwebke" userId="8a3b078b179e4a90" providerId="LiveId" clId="{61374EC2-74A0-4B7E-A59A-1715CE5DD16C}" dt="2020-02-22T02:36:08.538" v="1406" actId="478"/>
           <ac:picMkLst>
             <pc:docMk/>
             <pc:sldMk cId="245379799" sldId="265"/>
             <ac:picMk id="4104" creationId="{8D5FAA0D-F3B8-492D-BC13-8C22D49C3AAB}"/>
           </ac:picMkLst>
         </pc:picChg>
+        <pc:picChg chg="add mod">
+          <ac:chgData name="Thad Schwebke" userId="8a3b078b179e4a90" providerId="LiveId" clId="{61374EC2-74A0-4B7E-A59A-1715CE5DD16C}" dt="2020-02-22T02:36:51.108" v="1417" actId="1038"/>
+          <ac:picMkLst>
+            <pc:docMk/>
+            <pc:sldMk cId="245379799" sldId="265"/>
+            <ac:picMk id="5122" creationId="{E734F5E3-6122-4A2E-8281-C1C4D2757A27}"/>
+          </ac:picMkLst>
+        </pc:picChg>
+        <pc:picChg chg="add mod">
+          <ac:chgData name="Thad Schwebke" userId="8a3b078b179e4a90" providerId="LiveId" clId="{61374EC2-74A0-4B7E-A59A-1715CE5DD16C}" dt="2020-02-22T02:36:51.108" v="1417" actId="1038"/>
+          <ac:picMkLst>
+            <pc:docMk/>
+            <pc:sldMk cId="245379799" sldId="265"/>
+            <ac:picMk id="5124" creationId="{C3F5B074-1700-48C5-A864-2001055CE578}"/>
+          </ac:picMkLst>
+        </pc:picChg>
       </pc:sldChg>
-      <pc:sldChg chg="addSp delSp modSp add">
-        <pc:chgData name="Thad Schwebke" userId="8a3b078b179e4a90" providerId="LiveId" clId="{61374EC2-74A0-4B7E-A59A-1715CE5DD16C}" dt="2020-02-21T03:40:18.747" v="608" actId="1076"/>
+      <pc:sldChg chg="addSp delSp modSp add modNotesTx">
+        <pc:chgData name="Thad Schwebke" userId="8a3b078b179e4a90" providerId="LiveId" clId="{61374EC2-74A0-4B7E-A59A-1715CE5DD16C}" dt="2020-02-22T02:48:12.562" v="2150" actId="20577"/>
         <pc:sldMkLst>
           <pc:docMk/>
           <pc:sldMk cId="1387322310" sldId="266"/>
@@ -502,23 +639,47 @@
           </ac:spMkLst>
         </pc:spChg>
         <pc:picChg chg="add mod">
-          <ac:chgData name="Thad Schwebke" userId="8a3b078b179e4a90" providerId="LiveId" clId="{61374EC2-74A0-4B7E-A59A-1715CE5DD16C}" dt="2020-02-21T03:40:16.624" v="607" actId="1076"/>
+          <ac:chgData name="Thad Schwebke" userId="8a3b078b179e4a90" providerId="LiveId" clId="{61374EC2-74A0-4B7E-A59A-1715CE5DD16C}" dt="2020-02-22T02:38:53.438" v="1445" actId="1036"/>
+          <ac:picMkLst>
+            <pc:docMk/>
+            <pc:sldMk cId="1387322310" sldId="266"/>
+            <ac:picMk id="3" creationId="{97515110-706C-47E2-88B3-AC0B994668BC}"/>
+          </ac:picMkLst>
+        </pc:picChg>
+        <pc:picChg chg="add mod">
+          <ac:chgData name="Thad Schwebke" userId="8a3b078b179e4a90" providerId="LiveId" clId="{61374EC2-74A0-4B7E-A59A-1715CE5DD16C}" dt="2020-02-22T02:38:53.438" v="1445" actId="1036"/>
+          <ac:picMkLst>
+            <pc:docMk/>
+            <pc:sldMk cId="1387322310" sldId="266"/>
+            <ac:picMk id="4" creationId="{B799D4B9-F900-4582-ADFB-B49222040E6C}"/>
+          </ac:picMkLst>
+        </pc:picChg>
+        <pc:picChg chg="add mod">
+          <ac:chgData name="Thad Schwebke" userId="8a3b078b179e4a90" providerId="LiveId" clId="{61374EC2-74A0-4B7E-A59A-1715CE5DD16C}" dt="2020-02-22T02:38:53.438" v="1445" actId="1036"/>
+          <ac:picMkLst>
+            <pc:docMk/>
+            <pc:sldMk cId="1387322310" sldId="266"/>
+            <ac:picMk id="5" creationId="{068001B8-EC24-4C74-AD27-D943820B9371}"/>
+          </ac:picMkLst>
+        </pc:picChg>
+        <pc:picChg chg="add del mod">
+          <ac:chgData name="Thad Schwebke" userId="8a3b078b179e4a90" providerId="LiveId" clId="{61374EC2-74A0-4B7E-A59A-1715CE5DD16C}" dt="2020-02-22T02:37:04.201" v="1418" actId="478"/>
           <ac:picMkLst>
             <pc:docMk/>
             <pc:sldMk cId="1387322310" sldId="266"/>
             <ac:picMk id="6146" creationId="{3335A281-4CFE-41EE-804B-865AD0E3FCE3}"/>
           </ac:picMkLst>
         </pc:picChg>
-        <pc:picChg chg="add mod">
-          <ac:chgData name="Thad Schwebke" userId="8a3b078b179e4a90" providerId="LiveId" clId="{61374EC2-74A0-4B7E-A59A-1715CE5DD16C}" dt="2020-02-21T03:40:18.747" v="608" actId="1076"/>
+        <pc:picChg chg="add del mod">
+          <ac:chgData name="Thad Schwebke" userId="8a3b078b179e4a90" providerId="LiveId" clId="{61374EC2-74A0-4B7E-A59A-1715CE5DD16C}" dt="2020-02-22T02:37:04.201" v="1418" actId="478"/>
           <ac:picMkLst>
             <pc:docMk/>
             <pc:sldMk cId="1387322310" sldId="266"/>
             <ac:picMk id="6148" creationId="{9FDE31C4-2DFE-4C52-9439-236749EADC64}"/>
           </ac:picMkLst>
         </pc:picChg>
-        <pc:picChg chg="add mod">
-          <ac:chgData name="Thad Schwebke" userId="8a3b078b179e4a90" providerId="LiveId" clId="{61374EC2-74A0-4B7E-A59A-1715CE5DD16C}" dt="2020-02-21T03:40:14.041" v="606" actId="1076"/>
+        <pc:picChg chg="add del mod">
+          <ac:chgData name="Thad Schwebke" userId="8a3b078b179e4a90" providerId="LiveId" clId="{61374EC2-74A0-4B7E-A59A-1715CE5DD16C}" dt="2020-02-22T02:37:04.201" v="1418" actId="478"/>
           <ac:picMkLst>
             <pc:docMk/>
             <pc:sldMk cId="1387322310" sldId="266"/>
@@ -558,8 +719,8 @@
           </ac:picMkLst>
         </pc:picChg>
       </pc:sldChg>
-      <pc:sldChg chg="addSp delSp modSp add">
-        <pc:chgData name="Thad Schwebke" userId="8a3b078b179e4a90" providerId="LiveId" clId="{61374EC2-74A0-4B7E-A59A-1715CE5DD16C}" dt="2020-02-21T03:39:46.745" v="600" actId="1076"/>
+      <pc:sldChg chg="addSp delSp modSp add modNotesTx">
+        <pc:chgData name="Thad Schwebke" userId="8a3b078b179e4a90" providerId="LiveId" clId="{61374EC2-74A0-4B7E-A59A-1715CE5DD16C}" dt="2020-02-22T02:42:13.358" v="1535" actId="20577"/>
         <pc:sldMkLst>
           <pc:docMk/>
           <pc:sldMk cId="4003640020" sldId="267"/>
@@ -580,6 +741,14 @@
             <ac:spMk id="3" creationId="{5223D254-6223-4630-B5D3-129B0D1889C4}"/>
           </ac:spMkLst>
         </pc:spChg>
+        <pc:picChg chg="add mod">
+          <ac:chgData name="Thad Schwebke" userId="8a3b078b179e4a90" providerId="LiveId" clId="{61374EC2-74A0-4B7E-A59A-1715CE5DD16C}" dt="2020-02-22T02:39:40.923" v="1457" actId="1036"/>
+          <ac:picMkLst>
+            <pc:docMk/>
+            <pc:sldMk cId="4003640020" sldId="267"/>
+            <ac:picMk id="3" creationId="{426D0047-F4A1-4D2A-A497-54A8F7000D42}"/>
+          </ac:picMkLst>
+        </pc:picChg>
         <pc:picChg chg="add del mod">
           <ac:chgData name="Thad Schwebke" userId="8a3b078b179e4a90" providerId="LiveId" clId="{61374EC2-74A0-4B7E-A59A-1715CE5DD16C}" dt="2020-02-21T03:39:42.106" v="598" actId="478"/>
           <ac:picMkLst>
@@ -605,15 +774,23 @@
           </ac:picMkLst>
         </pc:picChg>
         <pc:picChg chg="add mod">
-          <ac:chgData name="Thad Schwebke" userId="8a3b078b179e4a90" providerId="LiveId" clId="{61374EC2-74A0-4B7E-A59A-1715CE5DD16C}" dt="2020-02-21T03:39:43.821" v="599" actId="1076"/>
+          <ac:chgData name="Thad Schwebke" userId="8a3b078b179e4a90" providerId="LiveId" clId="{61374EC2-74A0-4B7E-A59A-1715CE5DD16C}" dt="2020-02-22T02:39:40.923" v="1457" actId="1036"/>
+          <ac:picMkLst>
+            <pc:docMk/>
+            <pc:sldMk cId="4003640020" sldId="267"/>
+            <ac:picMk id="7170" creationId="{D6BF28F4-4E5D-4BBC-8668-5BC49F61C8C6}"/>
+          </ac:picMkLst>
+        </pc:picChg>
+        <pc:picChg chg="add del mod">
+          <ac:chgData name="Thad Schwebke" userId="8a3b078b179e4a90" providerId="LiveId" clId="{61374EC2-74A0-4B7E-A59A-1715CE5DD16C}" dt="2020-02-22T02:39:04.171" v="1447" actId="478"/>
           <ac:picMkLst>
             <pc:docMk/>
             <pc:sldMk cId="4003640020" sldId="267"/>
             <ac:picMk id="7172" creationId="{777ECB40-D891-4E83-BE68-2E0CF9FE5CD9}"/>
           </ac:picMkLst>
         </pc:picChg>
-        <pc:picChg chg="add mod">
-          <ac:chgData name="Thad Schwebke" userId="8a3b078b179e4a90" providerId="LiveId" clId="{61374EC2-74A0-4B7E-A59A-1715CE5DD16C}" dt="2020-02-21T03:39:46.745" v="600" actId="1076"/>
+        <pc:picChg chg="add del mod">
+          <ac:chgData name="Thad Schwebke" userId="8a3b078b179e4a90" providerId="LiveId" clId="{61374EC2-74A0-4B7E-A59A-1715CE5DD16C}" dt="2020-02-22T02:39:03.421" v="1446" actId="478"/>
           <ac:picMkLst>
             <pc:docMk/>
             <pc:sldMk cId="4003640020" sldId="267"/>
@@ -621,8 +798,8 @@
           </ac:picMkLst>
         </pc:picChg>
       </pc:sldChg>
-      <pc:sldChg chg="addSp modSp add ord">
-        <pc:chgData name="Thad Schwebke" userId="8a3b078b179e4a90" providerId="LiveId" clId="{61374EC2-74A0-4B7E-A59A-1715CE5DD16C}" dt="2020-02-21T03:24:46.838" v="586" actId="20577"/>
+      <pc:sldChg chg="addSp delSp modSp add mod ord modNotesTx">
+        <pc:chgData name="Thad Schwebke" userId="8a3b078b179e4a90" providerId="LiveId" clId="{61374EC2-74A0-4B7E-A59A-1715CE5DD16C}" dt="2020-02-22T02:51:06.322" v="2223" actId="20577"/>
         <pc:sldMkLst>
           <pc:docMk/>
           <pc:sldMk cId="2005336270" sldId="268"/>
@@ -635,12 +812,207 @@
             <ac:spMk id="2" creationId="{300BBF5E-404A-4162-BF76-30A21C5CD566}"/>
           </ac:spMkLst>
         </pc:spChg>
-        <pc:spChg chg="add mod">
-          <ac:chgData name="Thad Schwebke" userId="8a3b078b179e4a90" providerId="LiveId" clId="{61374EC2-74A0-4B7E-A59A-1715CE5DD16C}" dt="2020-02-21T03:24:46.838" v="586" actId="20577"/>
+        <pc:spChg chg="add del mod">
+          <ac:chgData name="Thad Schwebke" userId="8a3b078b179e4a90" providerId="LiveId" clId="{61374EC2-74A0-4B7E-A59A-1715CE5DD16C}" dt="2020-02-22T02:35:08.661" v="1390" actId="478"/>
           <ac:spMkLst>
             <pc:docMk/>
             <pc:sldMk cId="2005336270" sldId="268"/>
             <ac:spMk id="3" creationId="{158BCD5C-C95C-42D4-A773-75F775D87EE5}"/>
+          </ac:spMkLst>
+        </pc:spChg>
+        <pc:picChg chg="add mod">
+          <ac:chgData name="Thad Schwebke" userId="8a3b078b179e4a90" providerId="LiveId" clId="{61374EC2-74A0-4B7E-A59A-1715CE5DD16C}" dt="2020-02-22T02:35:58.423" v="1404" actId="1037"/>
+          <ac:picMkLst>
+            <pc:docMk/>
+            <pc:sldMk cId="2005336270" sldId="268"/>
+            <ac:picMk id="4" creationId="{CD3765AA-58E2-42FE-9E6E-A875BCB1D73F}"/>
+          </ac:picMkLst>
+        </pc:picChg>
+        <pc:picChg chg="add mod">
+          <ac:chgData name="Thad Schwebke" userId="8a3b078b179e4a90" providerId="LiveId" clId="{61374EC2-74A0-4B7E-A59A-1715CE5DD16C}" dt="2020-02-22T02:35:58.423" v="1404" actId="1037"/>
+          <ac:picMkLst>
+            <pc:docMk/>
+            <pc:sldMk cId="2005336270" sldId="268"/>
+            <ac:picMk id="5" creationId="{28B18D85-1151-450B-8AFF-D3E3FCE62C14}"/>
+          </ac:picMkLst>
+        </pc:picChg>
+        <pc:picChg chg="del">
+          <ac:chgData name="Thad Schwebke" userId="8a3b078b179e4a90" providerId="LiveId" clId="{61374EC2-74A0-4B7E-A59A-1715CE5DD16C}" dt="2020-02-22T02:35:05.744" v="1388" actId="478"/>
+          <ac:picMkLst>
+            <pc:docMk/>
+            <pc:sldMk cId="2005336270" sldId="268"/>
+            <ac:picMk id="4098" creationId="{37C2A593-B898-4EE4-8A54-BFB6793E9642}"/>
+          </ac:picMkLst>
+        </pc:picChg>
+        <pc:picChg chg="del">
+          <ac:chgData name="Thad Schwebke" userId="8a3b078b179e4a90" providerId="LiveId" clId="{61374EC2-74A0-4B7E-A59A-1715CE5DD16C}" dt="2020-02-22T02:35:06.538" v="1389" actId="478"/>
+          <ac:picMkLst>
+            <pc:docMk/>
+            <pc:sldMk cId="2005336270" sldId="268"/>
+            <ac:picMk id="4100" creationId="{B7D44B16-60CE-4BD6-B53D-9D925B4FCE2C}"/>
+          </ac:picMkLst>
+        </pc:picChg>
+      </pc:sldChg>
+      <pc:sldChg chg="addSp delSp add del">
+        <pc:chgData name="Thad Schwebke" userId="8a3b078b179e4a90" providerId="LiveId" clId="{61374EC2-74A0-4B7E-A59A-1715CE5DD16C}" dt="2020-02-21T11:17:24.695" v="665"/>
+        <pc:sldMkLst>
+          <pc:docMk/>
+          <pc:sldMk cId="2076363951" sldId="269"/>
+        </pc:sldMkLst>
+        <pc:spChg chg="add del">
+          <ac:chgData name="Thad Schwebke" userId="8a3b078b179e4a90" providerId="LiveId" clId="{61374EC2-74A0-4B7E-A59A-1715CE5DD16C}" dt="2020-02-21T11:17:23.496" v="664" actId="478"/>
+          <ac:spMkLst>
+            <pc:docMk/>
+            <pc:sldMk cId="2076363951" sldId="269"/>
+            <ac:spMk id="7" creationId="{3C4FF3C3-E231-493F-9AD6-2080CD005525}"/>
+          </ac:spMkLst>
+        </pc:spChg>
+        <pc:spChg chg="add del">
+          <ac:chgData name="Thad Schwebke" userId="8a3b078b179e4a90" providerId="LiveId" clId="{61374EC2-74A0-4B7E-A59A-1715CE5DD16C}" dt="2020-02-21T11:17:23.496" v="664" actId="478"/>
+          <ac:spMkLst>
+            <pc:docMk/>
+            <pc:sldMk cId="2076363951" sldId="269"/>
+            <ac:spMk id="8" creationId="{817D9A1C-F995-49CF-9144-827BC8826C19}"/>
+          </ac:spMkLst>
+        </pc:spChg>
+      </pc:sldChg>
+      <pc:sldChg chg="add del">
+        <pc:chgData name="Thad Schwebke" userId="8a3b078b179e4a90" providerId="LiveId" clId="{61374EC2-74A0-4B7E-A59A-1715CE5DD16C}" dt="2020-02-21T11:17:36.737" v="668" actId="47"/>
+        <pc:sldMkLst>
+          <pc:docMk/>
+          <pc:sldMk cId="3279829877" sldId="269"/>
+        </pc:sldMkLst>
+      </pc:sldChg>
+      <pc:sldChg chg="modSp add del">
+        <pc:chgData name="Thad Schwebke" userId="8a3b078b179e4a90" providerId="LiveId" clId="{61374EC2-74A0-4B7E-A59A-1715CE5DD16C}" dt="2020-02-21T11:30:29.826" v="1250" actId="47"/>
+        <pc:sldMkLst>
+          <pc:docMk/>
+          <pc:sldMk cId="3328509361" sldId="270"/>
+        </pc:sldMkLst>
+        <pc:spChg chg="mod">
+          <ac:chgData name="Thad Schwebke" userId="8a3b078b179e4a90" providerId="LiveId" clId="{61374EC2-74A0-4B7E-A59A-1715CE5DD16C}" dt="2020-02-21T11:20:01.059" v="796" actId="20577"/>
+          <ac:spMkLst>
+            <pc:docMk/>
+            <pc:sldMk cId="3328509361" sldId="270"/>
+            <ac:spMk id="2" creationId="{006E9E57-AA0B-4A73-96A9-2A10F0C4C9C2}"/>
+          </ac:spMkLst>
+        </pc:spChg>
+        <pc:spChg chg="mod">
+          <ac:chgData name="Thad Schwebke" userId="8a3b078b179e4a90" providerId="LiveId" clId="{61374EC2-74A0-4B7E-A59A-1715CE5DD16C}" dt="2020-02-21T11:28:57.655" v="1229" actId="20577"/>
+          <ac:spMkLst>
+            <pc:docMk/>
+            <pc:sldMk cId="3328509361" sldId="270"/>
+            <ac:spMk id="3" creationId="{B58960E6-62F2-4CE8-A634-98F979CAD2EC}"/>
+          </ac:spMkLst>
+        </pc:spChg>
+        <pc:spChg chg="mod">
+          <ac:chgData name="Thad Schwebke" userId="8a3b078b179e4a90" providerId="LiveId" clId="{61374EC2-74A0-4B7E-A59A-1715CE5DD16C}" dt="2020-02-21T11:21:38.102" v="866" actId="20577"/>
+          <ac:spMkLst>
+            <pc:docMk/>
+            <pc:sldMk cId="3328509361" sldId="270"/>
+            <ac:spMk id="4" creationId="{C37B7804-918B-424E-9C73-00428C94F96C}"/>
+          </ac:spMkLst>
+        </pc:spChg>
+      </pc:sldChg>
+      <pc:sldChg chg="addSp modSp add mod ord">
+        <pc:chgData name="Thad Schwebke" userId="8a3b078b179e4a90" providerId="LiveId" clId="{61374EC2-74A0-4B7E-A59A-1715CE5DD16C}" dt="2020-02-22T02:34:45.542" v="1387" actId="1076"/>
+        <pc:sldMkLst>
+          <pc:docMk/>
+          <pc:sldMk cId="832593484" sldId="271"/>
+        </pc:sldMkLst>
+        <pc:spChg chg="mod">
+          <ac:chgData name="Thad Schwebke" userId="8a3b078b179e4a90" providerId="LiveId" clId="{61374EC2-74A0-4B7E-A59A-1715CE5DD16C}" dt="2020-02-21T11:30:23.467" v="1249" actId="20577"/>
+          <ac:spMkLst>
+            <pc:docMk/>
+            <pc:sldMk cId="832593484" sldId="271"/>
+            <ac:spMk id="2" creationId="{006E9E57-AA0B-4A73-96A9-2A10F0C4C9C2}"/>
+          </ac:spMkLst>
+        </pc:spChg>
+        <pc:spChg chg="mod">
+          <ac:chgData name="Thad Schwebke" userId="8a3b078b179e4a90" providerId="LiveId" clId="{61374EC2-74A0-4B7E-A59A-1715CE5DD16C}" dt="2020-02-21T11:29:46.557" v="1235" actId="14100"/>
+          <ac:spMkLst>
+            <pc:docMk/>
+            <pc:sldMk cId="832593484" sldId="271"/>
+            <ac:spMk id="3" creationId="{B58960E6-62F2-4CE8-A634-98F979CAD2EC}"/>
+          </ac:spMkLst>
+        </pc:spChg>
+        <pc:spChg chg="mod">
+          <ac:chgData name="Thad Schwebke" userId="8a3b078b179e4a90" providerId="LiveId" clId="{61374EC2-74A0-4B7E-A59A-1715CE5DD16C}" dt="2020-02-21T11:29:27.528" v="1234" actId="14100"/>
+          <ac:spMkLst>
+            <pc:docMk/>
+            <pc:sldMk cId="832593484" sldId="271"/>
+            <ac:spMk id="4" creationId="{C37B7804-918B-424E-9C73-00428C94F96C}"/>
+          </ac:spMkLst>
+        </pc:spChg>
+        <pc:spChg chg="add mod">
+          <ac:chgData name="Thad Schwebke" userId="8a3b078b179e4a90" providerId="LiveId" clId="{61374EC2-74A0-4B7E-A59A-1715CE5DD16C}" dt="2020-02-21T11:29:53.992" v="1236" actId="14100"/>
+          <ac:spMkLst>
+            <pc:docMk/>
+            <pc:sldMk cId="832593484" sldId="271"/>
+            <ac:spMk id="5" creationId="{5915C85E-29AE-47CD-89A4-B1323DFF0C60}"/>
+          </ac:spMkLst>
+        </pc:spChg>
+        <pc:spChg chg="add mod">
+          <ac:chgData name="Thad Schwebke" userId="8a3b078b179e4a90" providerId="LiveId" clId="{61374EC2-74A0-4B7E-A59A-1715CE5DD16C}" dt="2020-02-21T11:30:03.001" v="1237" actId="255"/>
+          <ac:spMkLst>
+            <pc:docMk/>
+            <pc:sldMk cId="832593484" sldId="271"/>
+            <ac:spMk id="6" creationId="{F4756E6D-8370-4FE1-BB7E-D014C95F1E33}"/>
+          </ac:spMkLst>
+        </pc:spChg>
+        <pc:spChg chg="add mod">
+          <ac:chgData name="Thad Schwebke" userId="8a3b078b179e4a90" providerId="LiveId" clId="{61374EC2-74A0-4B7E-A59A-1715CE5DD16C}" dt="2020-02-22T02:34:45.542" v="1387" actId="1076"/>
+          <ac:spMkLst>
+            <pc:docMk/>
+            <pc:sldMk cId="832593484" sldId="271"/>
+            <ac:spMk id="7" creationId="{AF4AE53E-754B-4B0C-BE55-1F3777C60B36}"/>
+          </ac:spMkLst>
+        </pc:spChg>
+      </pc:sldChg>
+      <pc:sldChg chg="addSp delSp modSp add ord modTransition modNotesTx">
+        <pc:chgData name="Thad Schwebke" userId="8a3b078b179e4a90" providerId="LiveId" clId="{61374EC2-74A0-4B7E-A59A-1715CE5DD16C}" dt="2020-02-21T14:32:23.721" v="1282"/>
+        <pc:sldMkLst>
+          <pc:docMk/>
+          <pc:sldMk cId="1538342588" sldId="272"/>
+        </pc:sldMkLst>
+        <pc:spChg chg="del">
+          <ac:chgData name="Thad Schwebke" userId="8a3b078b179e4a90" providerId="LiveId" clId="{61374EC2-74A0-4B7E-A59A-1715CE5DD16C}" dt="2020-02-21T11:22:01.674" v="868"/>
+          <ac:spMkLst>
+            <pc:docMk/>
+            <pc:sldMk cId="1538342588" sldId="272"/>
+            <ac:spMk id="2" creationId="{5521DA25-A85D-4458-B029-DD80ABA6F85B}"/>
+          </ac:spMkLst>
+        </pc:spChg>
+        <pc:spChg chg="del">
+          <ac:chgData name="Thad Schwebke" userId="8a3b078b179e4a90" providerId="LiveId" clId="{61374EC2-74A0-4B7E-A59A-1715CE5DD16C}" dt="2020-02-21T11:22:01.674" v="868"/>
+          <ac:spMkLst>
+            <pc:docMk/>
+            <pc:sldMk cId="1538342588" sldId="272"/>
+            <ac:spMk id="3" creationId="{E530716D-4857-4DE2-8501-66966E9AD535}"/>
+          </ac:spMkLst>
+        </pc:spChg>
+        <pc:spChg chg="del">
+          <ac:chgData name="Thad Schwebke" userId="8a3b078b179e4a90" providerId="LiveId" clId="{61374EC2-74A0-4B7E-A59A-1715CE5DD16C}" dt="2020-02-21T11:22:01.674" v="868"/>
+          <ac:spMkLst>
+            <pc:docMk/>
+            <pc:sldMk cId="1538342588" sldId="272"/>
+            <ac:spMk id="4" creationId="{87A4573C-F2E2-4AD9-A62D-A16506B0F9E4}"/>
+          </ac:spMkLst>
+        </pc:spChg>
+        <pc:spChg chg="add mod">
+          <ac:chgData name="Thad Schwebke" userId="8a3b078b179e4a90" providerId="LiveId" clId="{61374EC2-74A0-4B7E-A59A-1715CE5DD16C}" dt="2020-02-21T11:23:59.532" v="909" actId="20577"/>
+          <ac:spMkLst>
+            <pc:docMk/>
+            <pc:sldMk cId="1538342588" sldId="272"/>
+            <ac:spMk id="5" creationId="{C79313BA-83AF-4722-9CE5-CFA1492E019B}"/>
+          </ac:spMkLst>
+        </pc:spChg>
+        <pc:spChg chg="add mod">
+          <ac:chgData name="Thad Schwebke" userId="8a3b078b179e4a90" providerId="LiveId" clId="{61374EC2-74A0-4B7E-A59A-1715CE5DD16C}" dt="2020-02-21T11:28:09.095" v="1216" actId="20577"/>
+          <ac:spMkLst>
+            <pc:docMk/>
+            <pc:sldMk cId="1538342588" sldId="272"/>
+            <ac:spMk id="6" creationId="{68F030ED-4EC5-440E-B58F-AC0D6E56493D}"/>
           </ac:spMkLst>
         </pc:spChg>
       </pc:sldChg>
@@ -731,7 +1103,7 @@
           <a:p>
             <a:fld id="{4AECD13F-9E93-4C57-A5BD-336347054114}" type="datetimeFigureOut">
               <a:rPr lang="en-US" smtClean="0"/>
-              <a:t>2/20/2020</a:t>
+              <a:t>2/21/2020</a:t>
             </a:fld>
             <a:endParaRPr lang="en-US"/>
           </a:p>
@@ -896,7 +1268,7 @@
           <a:p>
             <a:fld id="{621D9606-6FF7-49AF-A412-4D6AB767DFC4}" type="datetimeFigureOut">
               <a:rPr lang="en-US" smtClean="0"/>
-              <a:t>2/20/2020</a:t>
+              <a:t>2/21/2020</a:t>
             </a:fld>
             <a:endParaRPr lang="en-US"/>
           </a:p>
@@ -1207,6 +1579,111 @@
           <a:bodyPr/>
           <a:lstStyle/>
           <a:p>
+            <a:r>
+              <a:rPr lang="en-US" dirty="0"/>
+              <a:t>Speaker: </a:t>
+            </a:r>
+          </a:p>
+          <a:p>
+            <a:r>
+              <a:rPr lang="en-US" dirty="0"/>
+              <a:t>Notes: </a:t>
+            </a:r>
+          </a:p>
+        </p:txBody>
+      </p:sp>
+      <p:sp>
+        <p:nvSpPr>
+          <p:cNvPr id="4" name="Slide Number Placeholder 3"/>
+          <p:cNvSpPr>
+            <a:spLocks noGrp="1"/>
+          </p:cNvSpPr>
+          <p:nvPr>
+            <p:ph type="sldNum" sz="quarter" idx="5"/>
+          </p:nvPr>
+        </p:nvSpPr>
+        <p:spPr/>
+        <p:txBody>
+          <a:bodyPr/>
+          <a:lstStyle/>
+          <a:p>
+            <a:fld id="{274AE7AE-FCBF-419F-971E-04B351FA8EC0}" type="slidenum">
+              <a:rPr lang="en-US" smtClean="0"/>
+              <a:t>2</a:t>
+            </a:fld>
+            <a:endParaRPr lang="en-US"/>
+          </a:p>
+        </p:txBody>
+      </p:sp>
+    </p:spTree>
+    <p:extLst>
+      <p:ext uri="{BB962C8B-B14F-4D97-AF65-F5344CB8AC3E}">
+        <p14:creationId xmlns:p14="http://schemas.microsoft.com/office/powerpoint/2010/main" val="1627930169"/>
+      </p:ext>
+    </p:extLst>
+  </p:cSld>
+  <p:clrMapOvr>
+    <a:masterClrMapping/>
+  </p:clrMapOvr>
+</p:notes>
+</file>
+
+<file path=ppt/notesSlides/notesSlide10.xml><?xml version="1.0" encoding="utf-8"?>
+<p:notes xmlns:a="http://schemas.openxmlformats.org/drawingml/2006/main" xmlns:r="http://schemas.openxmlformats.org/officeDocument/2006/relationships" xmlns:p="http://schemas.openxmlformats.org/presentationml/2006/main">
+  <p:cSld>
+    <p:spTree>
+      <p:nvGrpSpPr>
+        <p:cNvPr id="1" name=""/>
+        <p:cNvGrpSpPr/>
+        <p:nvPr/>
+      </p:nvGrpSpPr>
+      <p:grpSpPr>
+        <a:xfrm>
+          <a:off x="0" y="0"/>
+          <a:ext cx="0" cy="0"/>
+          <a:chOff x="0" y="0"/>
+          <a:chExt cx="0" cy="0"/>
+        </a:xfrm>
+      </p:grpSpPr>
+      <p:sp>
+        <p:nvSpPr>
+          <p:cNvPr id="2" name="Slide Image Placeholder 1"/>
+          <p:cNvSpPr>
+            <a:spLocks noGrp="1" noRot="1" noChangeAspect="1"/>
+          </p:cNvSpPr>
+          <p:nvPr>
+            <p:ph type="sldImg"/>
+          </p:nvPr>
+        </p:nvSpPr>
+        <p:spPr/>
+      </p:sp>
+      <p:sp>
+        <p:nvSpPr>
+          <p:cNvPr id="3" name="Notes Placeholder 2"/>
+          <p:cNvSpPr>
+            <a:spLocks noGrp="1"/>
+          </p:cNvSpPr>
+          <p:nvPr>
+            <p:ph type="body" idx="1"/>
+          </p:nvPr>
+        </p:nvSpPr>
+        <p:spPr/>
+        <p:txBody>
+          <a:bodyPr/>
+          <a:lstStyle/>
+          <a:p>
+            <a:r>
+              <a:rPr lang="en-US" dirty="0"/>
+              <a:t>Speaker: </a:t>
+            </a:r>
+          </a:p>
+          <a:p>
+            <a:r>
+              <a:rPr lang="en-US" dirty="0"/>
+              <a:t>Notes: The dot plot illustrates what appears to  be a positive linear relationship between the ABB and IBU. The addition of the trend line somewhat confirms the presence of a positive linear relationship between the ABV and IBU. More analysis would be needed to confirm.</a:t>
+            </a:r>
+          </a:p>
+          <a:p>
             <a:endParaRPr lang="en-US" dirty="0"/>
           </a:p>
         </p:txBody>
@@ -1228,7 +1705,7 @@
           <a:p>
             <a:fld id="{274AE7AE-FCBF-419F-971E-04B351FA8EC0}" type="slidenum">
               <a:rPr lang="en-US" smtClean="0"/>
-              <a:t>7</a:t>
+              <a:t>11</a:t>
             </a:fld>
             <a:endParaRPr lang="en-US"/>
           </a:p>
@@ -1237,7 +1714,7 @@
     </p:spTree>
     <p:extLst>
       <p:ext uri="{BB962C8B-B14F-4D97-AF65-F5344CB8AC3E}">
-        <p14:creationId xmlns:p14="http://schemas.microsoft.com/office/powerpoint/2010/main" val="3025096371"/>
+        <p14:creationId xmlns:p14="http://schemas.microsoft.com/office/powerpoint/2010/main" val="3427665525"/>
       </p:ext>
     </p:extLst>
   </p:cSld>
@@ -1291,6 +1768,18 @@
           <a:bodyPr/>
           <a:lstStyle/>
           <a:p>
+            <a:r>
+              <a:rPr lang="en-US" dirty="0"/>
+              <a:t>Speaker: </a:t>
+            </a:r>
+          </a:p>
+          <a:p>
+            <a:r>
+              <a:rPr lang="en-US" dirty="0"/>
+              <a:t>Notes: </a:t>
+            </a:r>
+          </a:p>
+          <a:p>
             <a:endParaRPr lang="en-US" dirty="0"/>
           </a:p>
         </p:txBody>
@@ -1312,7 +1801,7 @@
           <a:p>
             <a:fld id="{274AE7AE-FCBF-419F-971E-04B351FA8EC0}" type="slidenum">
               <a:rPr lang="en-US" smtClean="0"/>
-              <a:t>13</a:t>
+              <a:t>3</a:t>
             </a:fld>
             <a:endParaRPr lang="en-US"/>
           </a:p>
@@ -1321,7 +1810,780 @@
     </p:spTree>
     <p:extLst>
       <p:ext uri="{BB962C8B-B14F-4D97-AF65-F5344CB8AC3E}">
-        <p14:creationId xmlns:p14="http://schemas.microsoft.com/office/powerpoint/2010/main" val="3427665525"/>
+        <p14:creationId xmlns:p14="http://schemas.microsoft.com/office/powerpoint/2010/main" val="1962182921"/>
+      </p:ext>
+    </p:extLst>
+  </p:cSld>
+  <p:clrMapOvr>
+    <a:masterClrMapping/>
+  </p:clrMapOvr>
+</p:notes>
+</file>
+
+<file path=ppt/notesSlides/notesSlide3.xml><?xml version="1.0" encoding="utf-8"?>
+<p:notes xmlns:a="http://schemas.openxmlformats.org/drawingml/2006/main" xmlns:r="http://schemas.openxmlformats.org/officeDocument/2006/relationships" xmlns:p="http://schemas.openxmlformats.org/presentationml/2006/main">
+  <p:cSld>
+    <p:spTree>
+      <p:nvGrpSpPr>
+        <p:cNvPr id="1" name=""/>
+        <p:cNvGrpSpPr/>
+        <p:nvPr/>
+      </p:nvGrpSpPr>
+      <p:grpSpPr>
+        <a:xfrm>
+          <a:off x="0" y="0"/>
+          <a:ext cx="0" cy="0"/>
+          <a:chOff x="0" y="0"/>
+          <a:chExt cx="0" cy="0"/>
+        </a:xfrm>
+      </p:grpSpPr>
+      <p:sp>
+        <p:nvSpPr>
+          <p:cNvPr id="2" name="Slide Image Placeholder 1"/>
+          <p:cNvSpPr>
+            <a:spLocks noGrp="1" noRot="1" noChangeAspect="1"/>
+          </p:cNvSpPr>
+          <p:nvPr>
+            <p:ph type="sldImg"/>
+          </p:nvPr>
+        </p:nvSpPr>
+        <p:spPr/>
+      </p:sp>
+      <p:sp>
+        <p:nvSpPr>
+          <p:cNvPr id="3" name="Notes Placeholder 2"/>
+          <p:cNvSpPr>
+            <a:spLocks noGrp="1"/>
+          </p:cNvSpPr>
+          <p:nvPr>
+            <p:ph type="body" idx="1"/>
+          </p:nvPr>
+        </p:nvSpPr>
+        <p:spPr/>
+        <p:txBody>
+          <a:bodyPr/>
+          <a:lstStyle/>
+          <a:p>
+            <a:r>
+              <a:rPr lang="en-US" dirty="0"/>
+              <a:t>Speaker: </a:t>
+            </a:r>
+          </a:p>
+          <a:p>
+            <a:r>
+              <a:rPr lang="en-US" dirty="0"/>
+              <a:t>Notes: Colorado has 47 breweries which is 8 more than California which is second with 39 breweries. 4 states (DC, N Dakota, S Dakota, and West Virginia) only had 1 brewery and 4 more states (Arkansas, Delaware, Mississippi, and Nevada) only have two breweries. Nevada was a shock due to it being the home of Las Vegas. The highest number of breweries appears to be west of the Mississippi river. However, the northeast united states has its </a:t>
+            </a:r>
+            <a:r>
+              <a:rPr lang="en-US"/>
+              <a:t>fair share.</a:t>
+            </a:r>
+            <a:endParaRPr lang="en-US" dirty="0"/>
+          </a:p>
+          <a:p>
+            <a:endParaRPr lang="en-US" dirty="0"/>
+          </a:p>
+        </p:txBody>
+      </p:sp>
+      <p:sp>
+        <p:nvSpPr>
+          <p:cNvPr id="4" name="Slide Number Placeholder 3"/>
+          <p:cNvSpPr>
+            <a:spLocks noGrp="1"/>
+          </p:cNvSpPr>
+          <p:nvPr>
+            <p:ph type="sldNum" sz="quarter" idx="5"/>
+          </p:nvPr>
+        </p:nvSpPr>
+        <p:spPr/>
+        <p:txBody>
+          <a:bodyPr/>
+          <a:lstStyle/>
+          <a:p>
+            <a:fld id="{274AE7AE-FCBF-419F-971E-04B351FA8EC0}" type="slidenum">
+              <a:rPr lang="en-US" smtClean="0"/>
+              <a:t>4</a:t>
+            </a:fld>
+            <a:endParaRPr lang="en-US"/>
+          </a:p>
+        </p:txBody>
+      </p:sp>
+    </p:spTree>
+    <p:extLst>
+      <p:ext uri="{BB962C8B-B14F-4D97-AF65-F5344CB8AC3E}">
+        <p14:creationId xmlns:p14="http://schemas.microsoft.com/office/powerpoint/2010/main" val="1537315401"/>
+      </p:ext>
+    </p:extLst>
+  </p:cSld>
+  <p:clrMapOvr>
+    <a:masterClrMapping/>
+  </p:clrMapOvr>
+</p:notes>
+</file>
+
+<file path=ppt/notesSlides/notesSlide4.xml><?xml version="1.0" encoding="utf-8"?>
+<p:notes xmlns:a="http://schemas.openxmlformats.org/drawingml/2006/main" xmlns:r="http://schemas.openxmlformats.org/officeDocument/2006/relationships" xmlns:p="http://schemas.openxmlformats.org/presentationml/2006/main">
+  <p:cSld>
+    <p:spTree>
+      <p:nvGrpSpPr>
+        <p:cNvPr id="1" name=""/>
+        <p:cNvGrpSpPr/>
+        <p:nvPr/>
+      </p:nvGrpSpPr>
+      <p:grpSpPr>
+        <a:xfrm>
+          <a:off x="0" y="0"/>
+          <a:ext cx="0" cy="0"/>
+          <a:chOff x="0" y="0"/>
+          <a:chExt cx="0" cy="0"/>
+        </a:xfrm>
+      </p:grpSpPr>
+      <p:sp>
+        <p:nvSpPr>
+          <p:cNvPr id="2" name="Slide Image Placeholder 1"/>
+          <p:cNvSpPr>
+            <a:spLocks noGrp="1" noRot="1" noChangeAspect="1"/>
+          </p:cNvSpPr>
+          <p:nvPr>
+            <p:ph type="sldImg"/>
+          </p:nvPr>
+        </p:nvSpPr>
+        <p:spPr/>
+      </p:sp>
+      <p:sp>
+        <p:nvSpPr>
+          <p:cNvPr id="3" name="Notes Placeholder 2"/>
+          <p:cNvSpPr>
+            <a:spLocks noGrp="1"/>
+          </p:cNvSpPr>
+          <p:nvPr>
+            <p:ph type="body" idx="1"/>
+          </p:nvPr>
+        </p:nvSpPr>
+        <p:spPr/>
+        <p:txBody>
+          <a:bodyPr/>
+          <a:lstStyle/>
+          <a:p>
+            <a:r>
+              <a:rPr lang="en-US" dirty="0"/>
+              <a:t>Speaker: </a:t>
+            </a:r>
+          </a:p>
+          <a:p>
+            <a:r>
+              <a:rPr lang="en-US" dirty="0"/>
+              <a:t>Notes: The two </a:t>
+            </a:r>
+            <a:r>
+              <a:rPr lang="en-US" dirty="0" err="1"/>
+              <a:t>dataframes</a:t>
+            </a:r>
+            <a:r>
+              <a:rPr lang="en-US" dirty="0"/>
+              <a:t> were merged by </a:t>
+            </a:r>
+            <a:r>
+              <a:rPr lang="en-US" dirty="0" err="1"/>
+              <a:t>Brewery_id</a:t>
+            </a:r>
+            <a:r>
+              <a:rPr lang="en-US" dirty="0"/>
+              <a:t>. Prior to the merge, changing the column names was required to perform the merge. Two records in the merged dataset had cities that were the same but misspelled. Both of those records were cleaned up so the city names were consistent.</a:t>
+            </a:r>
+          </a:p>
+          <a:p>
+            <a:endParaRPr lang="en-US" dirty="0"/>
+          </a:p>
+        </p:txBody>
+      </p:sp>
+      <p:sp>
+        <p:nvSpPr>
+          <p:cNvPr id="4" name="Slide Number Placeholder 3"/>
+          <p:cNvSpPr>
+            <a:spLocks noGrp="1"/>
+          </p:cNvSpPr>
+          <p:nvPr>
+            <p:ph type="sldNum" sz="quarter" idx="5"/>
+          </p:nvPr>
+        </p:nvSpPr>
+        <p:spPr/>
+        <p:txBody>
+          <a:bodyPr/>
+          <a:lstStyle/>
+          <a:p>
+            <a:fld id="{274AE7AE-FCBF-419F-971E-04B351FA8EC0}" type="slidenum">
+              <a:rPr lang="en-US" smtClean="0"/>
+              <a:t>5</a:t>
+            </a:fld>
+            <a:endParaRPr lang="en-US"/>
+          </a:p>
+        </p:txBody>
+      </p:sp>
+    </p:spTree>
+    <p:extLst>
+      <p:ext uri="{BB962C8B-B14F-4D97-AF65-F5344CB8AC3E}">
+        <p14:creationId xmlns:p14="http://schemas.microsoft.com/office/powerpoint/2010/main" val="3025096371"/>
+      </p:ext>
+    </p:extLst>
+  </p:cSld>
+  <p:clrMapOvr>
+    <a:masterClrMapping/>
+  </p:clrMapOvr>
+</p:notes>
+</file>
+
+<file path=ppt/notesSlides/notesSlide5.xml><?xml version="1.0" encoding="utf-8"?>
+<p:notes xmlns:a="http://schemas.openxmlformats.org/drawingml/2006/main" xmlns:r="http://schemas.openxmlformats.org/officeDocument/2006/relationships" xmlns:p="http://schemas.openxmlformats.org/presentationml/2006/main">
+  <p:cSld>
+    <p:spTree>
+      <p:nvGrpSpPr>
+        <p:cNvPr id="1" name=""/>
+        <p:cNvGrpSpPr/>
+        <p:nvPr/>
+      </p:nvGrpSpPr>
+      <p:grpSpPr>
+        <a:xfrm>
+          <a:off x="0" y="0"/>
+          <a:ext cx="0" cy="0"/>
+          <a:chOff x="0" y="0"/>
+          <a:chExt cx="0" cy="0"/>
+        </a:xfrm>
+      </p:grpSpPr>
+      <p:sp>
+        <p:nvSpPr>
+          <p:cNvPr id="2" name="Slide Image Placeholder 1"/>
+          <p:cNvSpPr>
+            <a:spLocks noGrp="1" noRot="1" noChangeAspect="1"/>
+          </p:cNvSpPr>
+          <p:nvPr>
+            <p:ph type="sldImg"/>
+          </p:nvPr>
+        </p:nvSpPr>
+        <p:spPr/>
+      </p:sp>
+      <p:sp>
+        <p:nvSpPr>
+          <p:cNvPr id="3" name="Notes Placeholder 2"/>
+          <p:cNvSpPr>
+            <a:spLocks noGrp="1"/>
+          </p:cNvSpPr>
+          <p:nvPr>
+            <p:ph type="body" idx="1"/>
+          </p:nvPr>
+        </p:nvSpPr>
+        <p:spPr/>
+        <p:txBody>
+          <a:bodyPr/>
+          <a:lstStyle/>
+          <a:p>
+            <a:r>
+              <a:rPr lang="en-US" dirty="0"/>
+              <a:t>Speaker: </a:t>
+            </a:r>
+          </a:p>
+          <a:p>
+            <a:r>
+              <a:rPr lang="en-US" dirty="0"/>
+              <a:t>Notes: </a:t>
+            </a:r>
+            <a:r>
+              <a:rPr lang="en-US" sz="1200" b="0" i="1" kern="1200" dirty="0">
+                <a:solidFill>
+                  <a:schemeClr val="tx1"/>
+                </a:solidFill>
+                <a:effectLst/>
+                <a:latin typeface="+mn-lt"/>
+                <a:ea typeface="+mn-ea"/>
+                <a:cs typeface="+mn-cs"/>
+              </a:rPr>
+              <a:t>There are 62 (2.57%) observations where both ABV and IBU are empty, 943 (41.7%) observations where only IBU is empty. For all observations that had both only IBU empty, the NA value was changed to zero since having a non-bitter alcoholic beer is possible. Whereas we choose not to include any observations that had zero ABV. That just isn’t a real beer. This leaves us with only 2.57% of the observations not being used.</a:t>
+            </a:r>
+            <a:endParaRPr lang="en-US" dirty="0"/>
+          </a:p>
+          <a:p>
+            <a:endParaRPr lang="en-US" dirty="0"/>
+          </a:p>
+        </p:txBody>
+      </p:sp>
+      <p:sp>
+        <p:nvSpPr>
+          <p:cNvPr id="4" name="Slide Number Placeholder 3"/>
+          <p:cNvSpPr>
+            <a:spLocks noGrp="1"/>
+          </p:cNvSpPr>
+          <p:nvPr>
+            <p:ph type="sldNum" sz="quarter" idx="5"/>
+          </p:nvPr>
+        </p:nvSpPr>
+        <p:spPr/>
+        <p:txBody>
+          <a:bodyPr/>
+          <a:lstStyle/>
+          <a:p>
+            <a:fld id="{274AE7AE-FCBF-419F-971E-04B351FA8EC0}" type="slidenum">
+              <a:rPr lang="en-US" smtClean="0"/>
+              <a:t>6</a:t>
+            </a:fld>
+            <a:endParaRPr lang="en-US"/>
+          </a:p>
+        </p:txBody>
+      </p:sp>
+    </p:spTree>
+    <p:extLst>
+      <p:ext uri="{BB962C8B-B14F-4D97-AF65-F5344CB8AC3E}">
+        <p14:creationId xmlns:p14="http://schemas.microsoft.com/office/powerpoint/2010/main" val="550434963"/>
+      </p:ext>
+    </p:extLst>
+  </p:cSld>
+  <p:clrMapOvr>
+    <a:masterClrMapping/>
+  </p:clrMapOvr>
+</p:notes>
+</file>
+
+<file path=ppt/notesSlides/notesSlide6.xml><?xml version="1.0" encoding="utf-8"?>
+<p:notes xmlns:a="http://schemas.openxmlformats.org/drawingml/2006/main" xmlns:r="http://schemas.openxmlformats.org/officeDocument/2006/relationships" xmlns:p="http://schemas.openxmlformats.org/presentationml/2006/main">
+  <p:cSld>
+    <p:spTree>
+      <p:nvGrpSpPr>
+        <p:cNvPr id="1" name=""/>
+        <p:cNvGrpSpPr/>
+        <p:nvPr/>
+      </p:nvGrpSpPr>
+      <p:grpSpPr>
+        <a:xfrm>
+          <a:off x="0" y="0"/>
+          <a:ext cx="0" cy="0"/>
+          <a:chOff x="0" y="0"/>
+          <a:chExt cx="0" cy="0"/>
+        </a:xfrm>
+      </p:grpSpPr>
+      <p:sp>
+        <p:nvSpPr>
+          <p:cNvPr id="2" name="Slide Image Placeholder 1"/>
+          <p:cNvSpPr>
+            <a:spLocks noGrp="1" noRot="1" noChangeAspect="1"/>
+          </p:cNvSpPr>
+          <p:nvPr>
+            <p:ph type="sldImg"/>
+          </p:nvPr>
+        </p:nvSpPr>
+        <p:spPr/>
+      </p:sp>
+      <p:sp>
+        <p:nvSpPr>
+          <p:cNvPr id="3" name="Notes Placeholder 2"/>
+          <p:cNvSpPr>
+            <a:spLocks noGrp="1"/>
+          </p:cNvSpPr>
+          <p:nvPr>
+            <p:ph type="body" idx="1"/>
+          </p:nvPr>
+        </p:nvSpPr>
+        <p:spPr/>
+        <p:txBody>
+          <a:bodyPr/>
+          <a:lstStyle/>
+          <a:p>
+            <a:r>
+              <a:rPr lang="en-US" dirty="0"/>
+              <a:t>Speaker: </a:t>
+            </a:r>
+          </a:p>
+          <a:p>
+            <a:r>
+              <a:rPr lang="en-US" dirty="0"/>
+              <a:t>Notes: </a:t>
+            </a:r>
+            <a:r>
+              <a:rPr lang="en-US" sz="1200" b="0" i="1" kern="1200" dirty="0">
+                <a:solidFill>
+                  <a:schemeClr val="tx1"/>
+                </a:solidFill>
+                <a:effectLst/>
+                <a:latin typeface="+mn-lt"/>
+                <a:ea typeface="+mn-ea"/>
+                <a:cs typeface="+mn-cs"/>
+              </a:rPr>
+              <a:t>The median ABV per state appears somewhat consistent with an overall ABV median of 0.056. Kentucky has the highest median at 0.062 ABV and Utah has the lowest at 0.04 ABV. The median IBU per state appears to vary considerably between states with an overall IBU median of 37. West Virginia has the highest median at 57.5 IBU and Utah has the lowest at 6 IBU if you exclude the states with zero IBU.</a:t>
+            </a:r>
+            <a:endParaRPr lang="en-US" sz="1200" b="0" i="0" kern="1200" dirty="0">
+              <a:solidFill>
+                <a:schemeClr val="tx1"/>
+              </a:solidFill>
+              <a:effectLst/>
+              <a:latin typeface="+mn-lt"/>
+              <a:ea typeface="+mn-ea"/>
+              <a:cs typeface="+mn-cs"/>
+            </a:endParaRPr>
+          </a:p>
+          <a:p>
+            <a:endParaRPr lang="en-US" dirty="0"/>
+          </a:p>
+          <a:p>
+            <a:endParaRPr lang="en-US" dirty="0"/>
+          </a:p>
+        </p:txBody>
+      </p:sp>
+      <p:sp>
+        <p:nvSpPr>
+          <p:cNvPr id="4" name="Slide Number Placeholder 3"/>
+          <p:cNvSpPr>
+            <a:spLocks noGrp="1"/>
+          </p:cNvSpPr>
+          <p:nvPr>
+            <p:ph type="sldNum" sz="quarter" idx="5"/>
+          </p:nvPr>
+        </p:nvSpPr>
+        <p:spPr/>
+        <p:txBody>
+          <a:bodyPr/>
+          <a:lstStyle/>
+          <a:p>
+            <a:fld id="{274AE7AE-FCBF-419F-971E-04B351FA8EC0}" type="slidenum">
+              <a:rPr lang="en-US" smtClean="0"/>
+              <a:t>7</a:t>
+            </a:fld>
+            <a:endParaRPr lang="en-US"/>
+          </a:p>
+        </p:txBody>
+      </p:sp>
+    </p:spTree>
+    <p:extLst>
+      <p:ext uri="{BB962C8B-B14F-4D97-AF65-F5344CB8AC3E}">
+        <p14:creationId xmlns:p14="http://schemas.microsoft.com/office/powerpoint/2010/main" val="982253311"/>
+      </p:ext>
+    </p:extLst>
+  </p:cSld>
+  <p:clrMapOvr>
+    <a:masterClrMapping/>
+  </p:clrMapOvr>
+</p:notes>
+</file>
+
+<file path=ppt/notesSlides/notesSlide7.xml><?xml version="1.0" encoding="utf-8"?>
+<p:notes xmlns:a="http://schemas.openxmlformats.org/drawingml/2006/main" xmlns:r="http://schemas.openxmlformats.org/officeDocument/2006/relationships" xmlns:p="http://schemas.openxmlformats.org/presentationml/2006/main">
+  <p:cSld>
+    <p:spTree>
+      <p:nvGrpSpPr>
+        <p:cNvPr id="1" name=""/>
+        <p:cNvGrpSpPr/>
+        <p:nvPr/>
+      </p:nvGrpSpPr>
+      <p:grpSpPr>
+        <a:xfrm>
+          <a:off x="0" y="0"/>
+          <a:ext cx="0" cy="0"/>
+          <a:chOff x="0" y="0"/>
+          <a:chExt cx="0" cy="0"/>
+        </a:xfrm>
+      </p:grpSpPr>
+      <p:sp>
+        <p:nvSpPr>
+          <p:cNvPr id="2" name="Slide Image Placeholder 1"/>
+          <p:cNvSpPr>
+            <a:spLocks noGrp="1" noRot="1" noChangeAspect="1"/>
+          </p:cNvSpPr>
+          <p:nvPr>
+            <p:ph type="sldImg"/>
+          </p:nvPr>
+        </p:nvSpPr>
+        <p:spPr/>
+      </p:sp>
+      <p:sp>
+        <p:nvSpPr>
+          <p:cNvPr id="3" name="Notes Placeholder 2"/>
+          <p:cNvSpPr>
+            <a:spLocks noGrp="1"/>
+          </p:cNvSpPr>
+          <p:nvPr>
+            <p:ph type="body" idx="1"/>
+          </p:nvPr>
+        </p:nvSpPr>
+        <p:spPr/>
+        <p:txBody>
+          <a:bodyPr/>
+          <a:lstStyle/>
+          <a:p>
+            <a:r>
+              <a:rPr lang="en-US" dirty="0"/>
+              <a:t>Speaker: </a:t>
+            </a:r>
+          </a:p>
+          <a:p>
+            <a:pPr marL="0" marR="0" lvl="0" indent="0" algn="l" defTabSz="914400" rtl="0" eaLnBrk="1" fontAlgn="auto" latinLnBrk="0" hangingPunct="1">
+              <a:lnSpc>
+                <a:spcPct val="100000"/>
+              </a:lnSpc>
+              <a:spcBef>
+                <a:spcPts val="0"/>
+              </a:spcBef>
+              <a:spcAft>
+                <a:spcPts val="0"/>
+              </a:spcAft>
+              <a:buClrTx/>
+              <a:buSzTx/>
+              <a:buFontTx/>
+              <a:buNone/>
+              <a:tabLst/>
+              <a:defRPr/>
+            </a:pPr>
+            <a:r>
+              <a:rPr lang="en-US" dirty="0"/>
+              <a:t>Notes: </a:t>
+            </a:r>
+            <a:r>
+              <a:rPr lang="en-US" sz="1200" b="0" i="1" kern="1200" dirty="0">
+                <a:solidFill>
+                  <a:schemeClr val="tx1"/>
+                </a:solidFill>
+                <a:effectLst/>
+                <a:latin typeface="+mn-lt"/>
+                <a:ea typeface="+mn-ea"/>
+                <a:cs typeface="+mn-cs"/>
+              </a:rPr>
+              <a:t>The maximum IBU by state appears vary between states. Oregon has the highest Max IBU at 138 and Arkansas has the lowest at 44.11. </a:t>
+            </a:r>
+            <a:endParaRPr lang="en-US" dirty="0"/>
+          </a:p>
+        </p:txBody>
+      </p:sp>
+      <p:sp>
+        <p:nvSpPr>
+          <p:cNvPr id="4" name="Slide Number Placeholder 3"/>
+          <p:cNvSpPr>
+            <a:spLocks noGrp="1"/>
+          </p:cNvSpPr>
+          <p:nvPr>
+            <p:ph type="sldNum" sz="quarter" idx="5"/>
+          </p:nvPr>
+        </p:nvSpPr>
+        <p:spPr/>
+        <p:txBody>
+          <a:bodyPr/>
+          <a:lstStyle/>
+          <a:p>
+            <a:fld id="{274AE7AE-FCBF-419F-971E-04B351FA8EC0}" type="slidenum">
+              <a:rPr lang="en-US" smtClean="0"/>
+              <a:t>8</a:t>
+            </a:fld>
+            <a:endParaRPr lang="en-US"/>
+          </a:p>
+        </p:txBody>
+      </p:sp>
+    </p:spTree>
+    <p:extLst>
+      <p:ext uri="{BB962C8B-B14F-4D97-AF65-F5344CB8AC3E}">
+        <p14:creationId xmlns:p14="http://schemas.microsoft.com/office/powerpoint/2010/main" val="3798718442"/>
+      </p:ext>
+    </p:extLst>
+  </p:cSld>
+  <p:clrMapOvr>
+    <a:masterClrMapping/>
+  </p:clrMapOvr>
+</p:notes>
+</file>
+
+<file path=ppt/notesSlides/notesSlide8.xml><?xml version="1.0" encoding="utf-8"?>
+<p:notes xmlns:a="http://schemas.openxmlformats.org/drawingml/2006/main" xmlns:r="http://schemas.openxmlformats.org/officeDocument/2006/relationships" xmlns:p="http://schemas.openxmlformats.org/presentationml/2006/main">
+  <p:cSld>
+    <p:spTree>
+      <p:nvGrpSpPr>
+        <p:cNvPr id="1" name=""/>
+        <p:cNvGrpSpPr/>
+        <p:nvPr/>
+      </p:nvGrpSpPr>
+      <p:grpSpPr>
+        <a:xfrm>
+          <a:off x="0" y="0"/>
+          <a:ext cx="0" cy="0"/>
+          <a:chOff x="0" y="0"/>
+          <a:chExt cx="0" cy="0"/>
+        </a:xfrm>
+      </p:grpSpPr>
+      <p:sp>
+        <p:nvSpPr>
+          <p:cNvPr id="2" name="Slide Image Placeholder 1"/>
+          <p:cNvSpPr>
+            <a:spLocks noGrp="1" noRot="1" noChangeAspect="1"/>
+          </p:cNvSpPr>
+          <p:nvPr>
+            <p:ph type="sldImg"/>
+          </p:nvPr>
+        </p:nvSpPr>
+        <p:spPr/>
+      </p:sp>
+      <p:sp>
+        <p:nvSpPr>
+          <p:cNvPr id="3" name="Notes Placeholder 2"/>
+          <p:cNvSpPr>
+            <a:spLocks noGrp="1"/>
+          </p:cNvSpPr>
+          <p:nvPr>
+            <p:ph type="body" idx="1"/>
+          </p:nvPr>
+        </p:nvSpPr>
+        <p:spPr/>
+        <p:txBody>
+          <a:bodyPr/>
+          <a:lstStyle/>
+          <a:p>
+            <a:r>
+              <a:rPr lang="en-US" dirty="0"/>
+              <a:t>Speaker: </a:t>
+            </a:r>
+          </a:p>
+          <a:p>
+            <a:r>
+              <a:rPr lang="en-US" dirty="0"/>
+              <a:t>Notes: </a:t>
+            </a:r>
+            <a:r>
+              <a:rPr lang="en-US" sz="1200" b="0" i="1" kern="1200" dirty="0">
+                <a:solidFill>
+                  <a:schemeClr val="tx1"/>
+                </a:solidFill>
+                <a:effectLst/>
+                <a:latin typeface="+mn-lt"/>
+                <a:ea typeface="+mn-ea"/>
+                <a:cs typeface="+mn-cs"/>
+              </a:rPr>
+              <a:t>The maximum ABV by state appears to have only a small variance between states. Colorado has the highest Max ABV at 0.128 and Delaware has the lowest at 0.055. </a:t>
+            </a:r>
+            <a:endParaRPr lang="en-US" dirty="0"/>
+          </a:p>
+          <a:p>
+            <a:endParaRPr lang="en-US" dirty="0"/>
+          </a:p>
+        </p:txBody>
+      </p:sp>
+      <p:sp>
+        <p:nvSpPr>
+          <p:cNvPr id="4" name="Slide Number Placeholder 3"/>
+          <p:cNvSpPr>
+            <a:spLocks noGrp="1"/>
+          </p:cNvSpPr>
+          <p:nvPr>
+            <p:ph type="sldNum" sz="quarter" idx="5"/>
+          </p:nvPr>
+        </p:nvSpPr>
+        <p:spPr/>
+        <p:txBody>
+          <a:bodyPr/>
+          <a:lstStyle/>
+          <a:p>
+            <a:fld id="{274AE7AE-FCBF-419F-971E-04B351FA8EC0}" type="slidenum">
+              <a:rPr lang="en-US" smtClean="0"/>
+              <a:t>9</a:t>
+            </a:fld>
+            <a:endParaRPr lang="en-US"/>
+          </a:p>
+        </p:txBody>
+      </p:sp>
+    </p:spTree>
+    <p:extLst>
+      <p:ext uri="{BB962C8B-B14F-4D97-AF65-F5344CB8AC3E}">
+        <p14:creationId xmlns:p14="http://schemas.microsoft.com/office/powerpoint/2010/main" val="639101511"/>
+      </p:ext>
+    </p:extLst>
+  </p:cSld>
+  <p:clrMapOvr>
+    <a:masterClrMapping/>
+  </p:clrMapOvr>
+</p:notes>
+</file>
+
+<file path=ppt/notesSlides/notesSlide9.xml><?xml version="1.0" encoding="utf-8"?>
+<p:notes xmlns:a="http://schemas.openxmlformats.org/drawingml/2006/main" xmlns:r="http://schemas.openxmlformats.org/officeDocument/2006/relationships" xmlns:p="http://schemas.openxmlformats.org/presentationml/2006/main">
+  <p:cSld>
+    <p:spTree>
+      <p:nvGrpSpPr>
+        <p:cNvPr id="1" name=""/>
+        <p:cNvGrpSpPr/>
+        <p:nvPr/>
+      </p:nvGrpSpPr>
+      <p:grpSpPr>
+        <a:xfrm>
+          <a:off x="0" y="0"/>
+          <a:ext cx="0" cy="0"/>
+          <a:chOff x="0" y="0"/>
+          <a:chExt cx="0" cy="0"/>
+        </a:xfrm>
+      </p:grpSpPr>
+      <p:sp>
+        <p:nvSpPr>
+          <p:cNvPr id="2" name="Slide Image Placeholder 1"/>
+          <p:cNvSpPr>
+            <a:spLocks noGrp="1" noRot="1" noChangeAspect="1"/>
+          </p:cNvSpPr>
+          <p:nvPr>
+            <p:ph type="sldImg"/>
+          </p:nvPr>
+        </p:nvSpPr>
+        <p:spPr/>
+      </p:sp>
+      <p:sp>
+        <p:nvSpPr>
+          <p:cNvPr id="3" name="Notes Placeholder 2"/>
+          <p:cNvSpPr>
+            <a:spLocks noGrp="1"/>
+          </p:cNvSpPr>
+          <p:nvPr>
+            <p:ph type="body" idx="1"/>
+          </p:nvPr>
+        </p:nvSpPr>
+        <p:spPr/>
+        <p:txBody>
+          <a:bodyPr/>
+          <a:lstStyle/>
+          <a:p>
+            <a:r>
+              <a:rPr lang="en-US" dirty="0"/>
+              <a:t>Speaker: </a:t>
+            </a:r>
+          </a:p>
+          <a:p>
+            <a:r>
+              <a:rPr lang="en-US" dirty="0"/>
+              <a:t>Notes: The histogram shows that the ABV data is normally distributed, but appears to have some small outliers on both ends. The two box plots illustrate that IPA has a higher overall median ABV at ~.8 ABV, however Other has several outliers that sit above the median (i.e. several greater than .12 ABV). 19.2 ounce beers tend to have the higher ABV, but the 16 ounces has a few outliers on the high side. One could also argue that 8.4 ounce beers has the highest median. The problem with this would be the number of observations that were 8.4 ounces. It appears to be a single observation.</a:t>
+            </a:r>
+          </a:p>
+          <a:p>
+            <a:endParaRPr lang="en-US" dirty="0"/>
+          </a:p>
+          <a:p>
+            <a:endParaRPr lang="en-US" dirty="0"/>
+          </a:p>
+        </p:txBody>
+      </p:sp>
+      <p:sp>
+        <p:nvSpPr>
+          <p:cNvPr id="4" name="Slide Number Placeholder 3"/>
+          <p:cNvSpPr>
+            <a:spLocks noGrp="1"/>
+          </p:cNvSpPr>
+          <p:nvPr>
+            <p:ph type="sldNum" sz="quarter" idx="5"/>
+          </p:nvPr>
+        </p:nvSpPr>
+        <p:spPr/>
+        <p:txBody>
+          <a:bodyPr/>
+          <a:lstStyle/>
+          <a:p>
+            <a:fld id="{274AE7AE-FCBF-419F-971E-04B351FA8EC0}" type="slidenum">
+              <a:rPr lang="en-US" smtClean="0"/>
+              <a:t>10</a:t>
+            </a:fld>
+            <a:endParaRPr lang="en-US"/>
+          </a:p>
+        </p:txBody>
+      </p:sp>
+    </p:spTree>
+    <p:extLst>
+      <p:ext uri="{BB962C8B-B14F-4D97-AF65-F5344CB8AC3E}">
+        <p14:creationId xmlns:p14="http://schemas.microsoft.com/office/powerpoint/2010/main" val="38672616"/>
       </p:ext>
     </p:extLst>
   </p:cSld>
@@ -1562,7 +2824,7 @@
             <a:fld id="{FFF30096-E2FA-4C53-8FFA-C198FACBBC31}" type="datetimeFigureOut">
               <a:rPr lang="en-US" smtClean="0"/>
               <a:pPr/>
-              <a:t>2/20/2020</a:t>
+              <a:t>2/21/2020</a:t>
             </a:fld>
             <a:endParaRPr lang="en-US" dirty="0"/>
           </a:p>
@@ -8821,7 +10083,7 @@
             <a:fld id="{FFF30096-E2FA-4C53-8FFA-C198FACBBC31}" type="datetimeFigureOut">
               <a:rPr lang="en-US" smtClean="0"/>
               <a:pPr/>
-              <a:t>2/20/2020</a:t>
+              <a:t>2/21/2020</a:t>
             </a:fld>
             <a:endParaRPr lang="en-US" dirty="0"/>
           </a:p>
@@ -16495,7 +17757,7 @@
             <a:fld id="{FFF30096-E2FA-4C53-8FFA-C198FACBBC31}" type="datetimeFigureOut">
               <a:rPr lang="en-US" smtClean="0"/>
               <a:pPr/>
-              <a:t>2/20/2020</a:t>
+              <a:t>2/21/2020</a:t>
             </a:fld>
             <a:endParaRPr lang="en-US" dirty="0"/>
           </a:p>
@@ -16751,7 +18013,7 @@
             <a:fld id="{FFF30096-E2FA-4C53-8FFA-C198FACBBC31}" type="datetimeFigureOut">
               <a:rPr lang="en-US" smtClean="0"/>
               <a:pPr/>
-              <a:t>2/20/2020</a:t>
+              <a:t>2/21/2020</a:t>
             </a:fld>
             <a:endParaRPr lang="en-US" dirty="0"/>
           </a:p>
@@ -18525,7 +19787,7 @@
             <a:fld id="{FFF30096-E2FA-4C53-8FFA-C198FACBBC31}" type="datetimeFigureOut">
               <a:rPr lang="en-US" smtClean="0"/>
               <a:pPr/>
-              <a:t>2/20/2020</a:t>
+              <a:t>2/21/2020</a:t>
             </a:fld>
             <a:endParaRPr lang="en-US" dirty="0"/>
           </a:p>
@@ -18900,7 +20162,7 @@
             <a:fld id="{FFF30096-E2FA-4C53-8FFA-C198FACBBC31}" type="datetimeFigureOut">
               <a:rPr lang="en-US" smtClean="0"/>
               <a:pPr/>
-              <a:t>2/20/2020</a:t>
+              <a:t>2/21/2020</a:t>
             </a:fld>
             <a:endParaRPr lang="en-US"/>
           </a:p>
@@ -19291,7 +20553,7 @@
           <a:p>
             <a:r>
               <a:rPr lang="en-US" dirty="0"/>
-              <a:t>Beer</a:t>
+              <a:t>Case Study</a:t>
             </a:r>
           </a:p>
         </p:txBody>
@@ -19313,7 +20575,7 @@
           <a:p>
             <a:r>
               <a:rPr lang="en-US" dirty="0"/>
-              <a:t>PowerPoint template</a:t>
+              <a:t>Beers &amp; Breweries</a:t>
             </a:r>
           </a:p>
         </p:txBody>
@@ -19328,394 +20590,18 @@
   <p:clrMapOvr>
     <a:masterClrMapping/>
   </p:clrMapOvr>
+  <mc:AlternateContent xmlns:mc="http://schemas.openxmlformats.org/markup-compatibility/2006" xmlns:p14="http://schemas.microsoft.com/office/powerpoint/2010/main">
+    <mc:Choice Requires="p14">
+      <p:transition spd="slow" p14:dur="2000" advTm="9986"/>
+    </mc:Choice>
+    <mc:Fallback xmlns="">
+      <p:transition spd="slow" advTm="9986"/>
+    </mc:Fallback>
+  </mc:AlternateContent>
 </p:sld>
 </file>
 
 <file path=ppt/slides/slide10.xml><?xml version="1.0" encoding="utf-8"?>
-<p:sld xmlns:a="http://schemas.openxmlformats.org/drawingml/2006/main" xmlns:r="http://schemas.openxmlformats.org/officeDocument/2006/relationships" xmlns:p="http://schemas.openxmlformats.org/presentationml/2006/main">
-  <p:cSld>
-    <p:spTree>
-      <p:nvGrpSpPr>
-        <p:cNvPr id="1" name=""/>
-        <p:cNvGrpSpPr/>
-        <p:nvPr/>
-      </p:nvGrpSpPr>
-      <p:grpSpPr>
-        <a:xfrm>
-          <a:off x="0" y="0"/>
-          <a:ext cx="0" cy="0"/>
-          <a:chOff x="0" y="0"/>
-          <a:chExt cx="0" cy="0"/>
-        </a:xfrm>
-      </p:grpSpPr>
-      <p:sp>
-        <p:nvSpPr>
-          <p:cNvPr id="2" name="Title 1">
-            <a:extLst>
-              <a:ext uri="{FF2B5EF4-FFF2-40B4-BE49-F238E27FC236}">
-                <a16:creationId xmlns:a16="http://schemas.microsoft.com/office/drawing/2014/main" id="{300BBF5E-404A-4162-BF76-30A21C5CD566}"/>
-              </a:ext>
-            </a:extLst>
-          </p:cNvPr>
-          <p:cNvSpPr>
-            <a:spLocks noGrp="1"/>
-          </p:cNvSpPr>
-          <p:nvPr>
-            <p:ph type="title"/>
-          </p:nvPr>
-        </p:nvSpPr>
-        <p:spPr/>
-        <p:txBody>
-          <a:bodyPr/>
-          <a:lstStyle/>
-          <a:p>
-            <a:r>
-              <a:rPr lang="en-US" dirty="0"/>
-              <a:t>Top IBU</a:t>
-            </a:r>
-          </a:p>
-        </p:txBody>
-      </p:sp>
-      <p:pic>
-        <p:nvPicPr>
-          <p:cNvPr id="4098" name="Picture 2">
-            <a:extLst>
-              <a:ext uri="{FF2B5EF4-FFF2-40B4-BE49-F238E27FC236}">
-                <a16:creationId xmlns:a16="http://schemas.microsoft.com/office/drawing/2014/main" id="{37C2A593-B898-4EE4-8A54-BFB6793E9642}"/>
-              </a:ext>
-            </a:extLst>
-          </p:cNvPr>
-          <p:cNvPicPr>
-            <a:picLocks noChangeAspect="1" noChangeArrowheads="1"/>
-          </p:cNvPicPr>
-          <p:nvPr/>
-        </p:nvPicPr>
-        <p:blipFill>
-          <a:blip r:embed="rId2">
-            <a:extLst>
-              <a:ext uri="{28A0092B-C50C-407E-A947-70E740481C1C}">
-                <a14:useLocalDpi xmlns:a14="http://schemas.microsoft.com/office/drawing/2010/main" val="0"/>
-              </a:ext>
-            </a:extLst>
-          </a:blip>
-          <a:srcRect/>
-          <a:stretch>
-            <a:fillRect/>
-          </a:stretch>
-        </p:blipFill>
-        <p:spPr bwMode="auto">
-          <a:xfrm>
-            <a:off x="152400" y="1428750"/>
-            <a:ext cx="3657600" cy="2612571"/>
-          </a:xfrm>
-          <a:prstGeom prst="rect">
-            <a:avLst/>
-          </a:prstGeom>
-          <a:noFill/>
-          <a:extLst>
-            <a:ext uri="{909E8E84-426E-40DD-AFC4-6F175D3DCCD1}">
-              <a14:hiddenFill xmlns:a14="http://schemas.microsoft.com/office/drawing/2010/main">
-                <a:solidFill>
-                  <a:srgbClr val="FFFFFF"/>
-                </a:solidFill>
-              </a14:hiddenFill>
-            </a:ext>
-          </a:extLst>
-        </p:spPr>
-      </p:pic>
-      <p:pic>
-        <p:nvPicPr>
-          <p:cNvPr id="4100" name="Picture 4">
-            <a:extLst>
-              <a:ext uri="{FF2B5EF4-FFF2-40B4-BE49-F238E27FC236}">
-                <a16:creationId xmlns:a16="http://schemas.microsoft.com/office/drawing/2014/main" id="{B7D44B16-60CE-4BD6-B53D-9D925B4FCE2C}"/>
-              </a:ext>
-            </a:extLst>
-          </p:cNvPr>
-          <p:cNvPicPr>
-            <a:picLocks noChangeAspect="1" noChangeArrowheads="1"/>
-          </p:cNvPicPr>
-          <p:nvPr/>
-        </p:nvPicPr>
-        <p:blipFill>
-          <a:blip r:embed="rId3">
-            <a:extLst>
-              <a:ext uri="{28A0092B-C50C-407E-A947-70E740481C1C}">
-                <a14:useLocalDpi xmlns:a14="http://schemas.microsoft.com/office/drawing/2010/main" val="0"/>
-              </a:ext>
-            </a:extLst>
-          </a:blip>
-          <a:srcRect/>
-          <a:stretch>
-            <a:fillRect/>
-          </a:stretch>
-        </p:blipFill>
-        <p:spPr bwMode="auto">
-          <a:xfrm>
-            <a:off x="4114800" y="1428749"/>
-            <a:ext cx="3657600" cy="2612571"/>
-          </a:xfrm>
-          <a:prstGeom prst="rect">
-            <a:avLst/>
-          </a:prstGeom>
-          <a:noFill/>
-          <a:extLst>
-            <a:ext uri="{909E8E84-426E-40DD-AFC4-6F175D3DCCD1}">
-              <a14:hiddenFill xmlns:a14="http://schemas.microsoft.com/office/drawing/2010/main">
-                <a:solidFill>
-                  <a:srgbClr val="FFFFFF"/>
-                </a:solidFill>
-              </a14:hiddenFill>
-            </a:ext>
-          </a:extLst>
-        </p:spPr>
-      </p:pic>
-      <p:sp>
-        <p:nvSpPr>
-          <p:cNvPr id="3" name="TextBox 2">
-            <a:extLst>
-              <a:ext uri="{FF2B5EF4-FFF2-40B4-BE49-F238E27FC236}">
-                <a16:creationId xmlns:a16="http://schemas.microsoft.com/office/drawing/2014/main" id="{158BCD5C-C95C-42D4-A773-75F775D87EE5}"/>
-              </a:ext>
-            </a:extLst>
-          </p:cNvPr>
-          <p:cNvSpPr txBox="1"/>
-          <p:nvPr/>
-        </p:nvSpPr>
-        <p:spPr>
-          <a:xfrm>
-            <a:off x="228600" y="361950"/>
-            <a:ext cx="1981200" cy="646331"/>
-          </a:xfrm>
-          <a:prstGeom prst="rect">
-            <a:avLst/>
-          </a:prstGeom>
-          <a:noFill/>
-        </p:spPr>
-        <p:txBody>
-          <a:bodyPr wrap="square" rtlCol="0">
-            <a:spAutoFit/>
-          </a:bodyPr>
-          <a:lstStyle/>
-          <a:p>
-            <a:r>
-              <a:rPr lang="en-US" dirty="0"/>
-              <a:t>Change states to </a:t>
-            </a:r>
-            <a:r>
-              <a:rPr lang="en-US" dirty="0" err="1"/>
-              <a:t>treemap</a:t>
-            </a:r>
-            <a:endParaRPr lang="en-US" dirty="0"/>
-          </a:p>
-        </p:txBody>
-      </p:sp>
-    </p:spTree>
-    <p:extLst>
-      <p:ext uri="{BB962C8B-B14F-4D97-AF65-F5344CB8AC3E}">
-        <p14:creationId xmlns:p14="http://schemas.microsoft.com/office/powerpoint/2010/main" val="2005336270"/>
-      </p:ext>
-    </p:extLst>
-  </p:cSld>
-  <p:clrMapOvr>
-    <a:masterClrMapping/>
-  </p:clrMapOvr>
-</p:sld>
-</file>
-
-<file path=ppt/slides/slide11.xml><?xml version="1.0" encoding="utf-8"?>
-<p:sld xmlns:a="http://schemas.openxmlformats.org/drawingml/2006/main" xmlns:r="http://schemas.openxmlformats.org/officeDocument/2006/relationships" xmlns:p="http://schemas.openxmlformats.org/presentationml/2006/main">
-  <p:cSld>
-    <p:spTree>
-      <p:nvGrpSpPr>
-        <p:cNvPr id="1" name=""/>
-        <p:cNvGrpSpPr/>
-        <p:nvPr/>
-      </p:nvGrpSpPr>
-      <p:grpSpPr>
-        <a:xfrm>
-          <a:off x="0" y="0"/>
-          <a:ext cx="0" cy="0"/>
-          <a:chOff x="0" y="0"/>
-          <a:chExt cx="0" cy="0"/>
-        </a:xfrm>
-      </p:grpSpPr>
-      <p:sp>
-        <p:nvSpPr>
-          <p:cNvPr id="2" name="Title 1">
-            <a:extLst>
-              <a:ext uri="{FF2B5EF4-FFF2-40B4-BE49-F238E27FC236}">
-                <a16:creationId xmlns:a16="http://schemas.microsoft.com/office/drawing/2014/main" id="{300BBF5E-404A-4162-BF76-30A21C5CD566}"/>
-              </a:ext>
-            </a:extLst>
-          </p:cNvPr>
-          <p:cNvSpPr>
-            <a:spLocks noGrp="1"/>
-          </p:cNvSpPr>
-          <p:nvPr>
-            <p:ph type="title"/>
-          </p:nvPr>
-        </p:nvSpPr>
-        <p:spPr/>
-        <p:txBody>
-          <a:bodyPr/>
-          <a:lstStyle/>
-          <a:p>
-            <a:r>
-              <a:rPr lang="en-US" dirty="0"/>
-              <a:t>Top ABV</a:t>
-            </a:r>
-          </a:p>
-        </p:txBody>
-      </p:sp>
-      <p:pic>
-        <p:nvPicPr>
-          <p:cNvPr id="4102" name="Picture 6">
-            <a:extLst>
-              <a:ext uri="{FF2B5EF4-FFF2-40B4-BE49-F238E27FC236}">
-                <a16:creationId xmlns:a16="http://schemas.microsoft.com/office/drawing/2014/main" id="{DC4704CB-E1D7-492E-B379-31EF9A6B3E40}"/>
-              </a:ext>
-            </a:extLst>
-          </p:cNvPr>
-          <p:cNvPicPr>
-            <a:picLocks noChangeAspect="1" noChangeArrowheads="1"/>
-          </p:cNvPicPr>
-          <p:nvPr/>
-        </p:nvPicPr>
-        <p:blipFill>
-          <a:blip r:embed="rId2">
-            <a:extLst>
-              <a:ext uri="{28A0092B-C50C-407E-A947-70E740481C1C}">
-                <a14:useLocalDpi xmlns:a14="http://schemas.microsoft.com/office/drawing/2010/main" val="0"/>
-              </a:ext>
-            </a:extLst>
-          </a:blip>
-          <a:srcRect/>
-          <a:stretch>
-            <a:fillRect/>
-          </a:stretch>
-        </p:blipFill>
-        <p:spPr bwMode="auto">
-          <a:xfrm>
-            <a:off x="228600" y="1265464"/>
-            <a:ext cx="3657600" cy="2612571"/>
-          </a:xfrm>
-          <a:prstGeom prst="rect">
-            <a:avLst/>
-          </a:prstGeom>
-          <a:noFill/>
-          <a:extLst>
-            <a:ext uri="{909E8E84-426E-40DD-AFC4-6F175D3DCCD1}">
-              <a14:hiddenFill xmlns:a14="http://schemas.microsoft.com/office/drawing/2010/main">
-                <a:solidFill>
-                  <a:srgbClr val="FFFFFF"/>
-                </a:solidFill>
-              </a14:hiddenFill>
-            </a:ext>
-          </a:extLst>
-        </p:spPr>
-      </p:pic>
-      <p:pic>
-        <p:nvPicPr>
-          <p:cNvPr id="4104" name="Picture 8">
-            <a:extLst>
-              <a:ext uri="{FF2B5EF4-FFF2-40B4-BE49-F238E27FC236}">
-                <a16:creationId xmlns:a16="http://schemas.microsoft.com/office/drawing/2014/main" id="{8D5FAA0D-F3B8-492D-BC13-8C22D49C3AAB}"/>
-              </a:ext>
-            </a:extLst>
-          </p:cNvPr>
-          <p:cNvPicPr>
-            <a:picLocks noChangeAspect="1" noChangeArrowheads="1"/>
-          </p:cNvPicPr>
-          <p:nvPr/>
-        </p:nvPicPr>
-        <p:blipFill>
-          <a:blip r:embed="rId3">
-            <a:extLst>
-              <a:ext uri="{28A0092B-C50C-407E-A947-70E740481C1C}">
-                <a14:useLocalDpi xmlns:a14="http://schemas.microsoft.com/office/drawing/2010/main" val="0"/>
-              </a:ext>
-            </a:extLst>
-          </a:blip>
-          <a:srcRect/>
-          <a:stretch>
-            <a:fillRect/>
-          </a:stretch>
-        </p:blipFill>
-        <p:spPr bwMode="auto">
-          <a:xfrm>
-            <a:off x="4601954" y="1300542"/>
-            <a:ext cx="3657600" cy="2612571"/>
-          </a:xfrm>
-          <a:prstGeom prst="rect">
-            <a:avLst/>
-          </a:prstGeom>
-          <a:noFill/>
-          <a:extLst>
-            <a:ext uri="{909E8E84-426E-40DD-AFC4-6F175D3DCCD1}">
-              <a14:hiddenFill xmlns:a14="http://schemas.microsoft.com/office/drawing/2010/main">
-                <a:solidFill>
-                  <a:srgbClr val="FFFFFF"/>
-                </a:solidFill>
-              </a14:hiddenFill>
-            </a:ext>
-          </a:extLst>
-        </p:spPr>
-      </p:pic>
-      <p:sp>
-        <p:nvSpPr>
-          <p:cNvPr id="5" name="TextBox 4">
-            <a:extLst>
-              <a:ext uri="{FF2B5EF4-FFF2-40B4-BE49-F238E27FC236}">
-                <a16:creationId xmlns:a16="http://schemas.microsoft.com/office/drawing/2014/main" id="{795DAF57-4036-45BE-9C09-2ADDDCF3D3F1}"/>
-              </a:ext>
-            </a:extLst>
-          </p:cNvPr>
-          <p:cNvSpPr txBox="1"/>
-          <p:nvPr/>
-        </p:nvSpPr>
-        <p:spPr>
-          <a:xfrm>
-            <a:off x="228600" y="361950"/>
-            <a:ext cx="1981200" cy="646331"/>
-          </a:xfrm>
-          <a:prstGeom prst="rect">
-            <a:avLst/>
-          </a:prstGeom>
-          <a:noFill/>
-        </p:spPr>
-        <p:txBody>
-          <a:bodyPr wrap="square" rtlCol="0">
-            <a:spAutoFit/>
-          </a:bodyPr>
-          <a:lstStyle/>
-          <a:p>
-            <a:r>
-              <a:rPr lang="en-US" dirty="0"/>
-              <a:t>Change states to </a:t>
-            </a:r>
-            <a:r>
-              <a:rPr lang="en-US" dirty="0" err="1"/>
-              <a:t>treemap</a:t>
-            </a:r>
-            <a:endParaRPr lang="en-US" dirty="0"/>
-          </a:p>
-        </p:txBody>
-      </p:sp>
-    </p:spTree>
-    <p:extLst>
-      <p:ext uri="{BB962C8B-B14F-4D97-AF65-F5344CB8AC3E}">
-        <p14:creationId xmlns:p14="http://schemas.microsoft.com/office/powerpoint/2010/main" val="245379799"/>
-      </p:ext>
-    </p:extLst>
-  </p:cSld>
-  <p:clrMapOvr>
-    <a:masterClrMapping/>
-  </p:clrMapOvr>
-</p:sld>
-</file>
-
-<file path=ppt/slides/slide12.xml><?xml version="1.0" encoding="utf-8"?>
 <p:sld xmlns:a="http://schemas.openxmlformats.org/drawingml/2006/main" xmlns:r="http://schemas.openxmlformats.org/officeDocument/2006/relationships" xmlns:p="http://schemas.openxmlformats.org/presentationml/2006/main">
   <p:cSld>
     <p:spTree>
@@ -19762,57 +20648,10 @@
       </p:sp>
       <p:pic>
         <p:nvPicPr>
-          <p:cNvPr id="6146" name="Picture 2">
+          <p:cNvPr id="3" name="Picture 2">
             <a:extLst>
               <a:ext uri="{FF2B5EF4-FFF2-40B4-BE49-F238E27FC236}">
-                <a16:creationId xmlns:a16="http://schemas.microsoft.com/office/drawing/2014/main" id="{3335A281-4CFE-41EE-804B-865AD0E3FCE3}"/>
-              </a:ext>
-            </a:extLst>
-          </p:cNvPr>
-          <p:cNvPicPr>
-            <a:picLocks noChangeAspect="1" noChangeArrowheads="1"/>
-          </p:cNvPicPr>
-          <p:nvPr/>
-        </p:nvPicPr>
-        <p:blipFill>
-          <a:blip r:embed="rId2">
-            <a:extLst>
-              <a:ext uri="{28A0092B-C50C-407E-A947-70E740481C1C}">
-                <a14:useLocalDpi xmlns:a14="http://schemas.microsoft.com/office/drawing/2010/main" val="0"/>
-              </a:ext>
-            </a:extLst>
-          </a:blip>
-          <a:srcRect/>
-          <a:stretch>
-            <a:fillRect/>
-          </a:stretch>
-        </p:blipFill>
-        <p:spPr bwMode="auto">
-          <a:xfrm>
-            <a:off x="2895600" y="1123950"/>
-            <a:ext cx="3657600" cy="2612571"/>
-          </a:xfrm>
-          <a:prstGeom prst="rect">
-            <a:avLst/>
-          </a:prstGeom>
-          <a:noFill/>
-          <a:extLst>
-            <a:ext uri="{909E8E84-426E-40DD-AFC4-6F175D3DCCD1}">
-              <a14:hiddenFill xmlns:a14="http://schemas.microsoft.com/office/drawing/2010/main">
-                <a:solidFill>
-                  <a:srgbClr val="FFFFFF"/>
-                </a:solidFill>
-              </a14:hiddenFill>
-            </a:ext>
-          </a:extLst>
-        </p:spPr>
-      </p:pic>
-      <p:pic>
-        <p:nvPicPr>
-          <p:cNvPr id="6148" name="Picture 4">
-            <a:extLst>
-              <a:ext uri="{FF2B5EF4-FFF2-40B4-BE49-F238E27FC236}">
-                <a16:creationId xmlns:a16="http://schemas.microsoft.com/office/drawing/2014/main" id="{9FDE31C4-2DFE-4C52-9439-236749EADC64}"/>
+                <a16:creationId xmlns:a16="http://schemas.microsoft.com/office/drawing/2014/main" id="{97515110-706C-47E2-88B3-AC0B994668BC}"/>
               </a:ext>
             </a:extLst>
           </p:cNvPr>
@@ -19836,8 +20675,8 @@
         </p:blipFill>
         <p:spPr bwMode="auto">
           <a:xfrm>
-            <a:off x="6172200" y="1102625"/>
-            <a:ext cx="3657600" cy="2612571"/>
+            <a:off x="0" y="1330779"/>
+            <a:ext cx="3017520" cy="2155371"/>
           </a:xfrm>
           <a:prstGeom prst="rect">
             <a:avLst/>
@@ -19856,10 +20695,10 @@
       </p:pic>
       <p:pic>
         <p:nvPicPr>
-          <p:cNvPr id="6150" name="Picture 6">
+          <p:cNvPr id="4" name="Picture 4">
             <a:extLst>
               <a:ext uri="{FF2B5EF4-FFF2-40B4-BE49-F238E27FC236}">
-                <a16:creationId xmlns:a16="http://schemas.microsoft.com/office/drawing/2014/main" id="{51AF7C21-823B-435E-92A3-BF4ED773E3AE}"/>
+                <a16:creationId xmlns:a16="http://schemas.microsoft.com/office/drawing/2014/main" id="{B799D4B9-F900-4582-ADFB-B49222040E6C}"/>
               </a:ext>
             </a:extLst>
           </p:cNvPr>
@@ -19883,8 +20722,55 @@
         </p:blipFill>
         <p:spPr bwMode="auto">
           <a:xfrm>
-            <a:off x="-533400" y="1123950"/>
-            <a:ext cx="3657600" cy="2612571"/>
+            <a:off x="6126480" y="1330779"/>
+            <a:ext cx="3017520" cy="2155371"/>
+          </a:xfrm>
+          <a:prstGeom prst="rect">
+            <a:avLst/>
+          </a:prstGeom>
+          <a:noFill/>
+          <a:extLst>
+            <a:ext uri="{909E8E84-426E-40DD-AFC4-6F175D3DCCD1}">
+              <a14:hiddenFill xmlns:a14="http://schemas.microsoft.com/office/drawing/2010/main">
+                <a:solidFill>
+                  <a:srgbClr val="FFFFFF"/>
+                </a:solidFill>
+              </a14:hiddenFill>
+            </a:ext>
+          </a:extLst>
+        </p:spPr>
+      </p:pic>
+      <p:pic>
+        <p:nvPicPr>
+          <p:cNvPr id="5" name="Picture 6">
+            <a:extLst>
+              <a:ext uri="{FF2B5EF4-FFF2-40B4-BE49-F238E27FC236}">
+                <a16:creationId xmlns:a16="http://schemas.microsoft.com/office/drawing/2014/main" id="{068001B8-EC24-4C74-AD27-D943820B9371}"/>
+              </a:ext>
+            </a:extLst>
+          </p:cNvPr>
+          <p:cNvPicPr>
+            <a:picLocks noChangeAspect="1" noChangeArrowheads="1"/>
+          </p:cNvPicPr>
+          <p:nvPr/>
+        </p:nvPicPr>
+        <p:blipFill>
+          <a:blip r:embed="rId5">
+            <a:extLst>
+              <a:ext uri="{28A0092B-C50C-407E-A947-70E740481C1C}">
+                <a14:useLocalDpi xmlns:a14="http://schemas.microsoft.com/office/drawing/2010/main" val="0"/>
+              </a:ext>
+            </a:extLst>
+          </a:blip>
+          <a:srcRect/>
+          <a:stretch>
+            <a:fillRect/>
+          </a:stretch>
+        </p:blipFill>
+        <p:spPr bwMode="auto">
+          <a:xfrm>
+            <a:off x="3063240" y="1330779"/>
+            <a:ext cx="3017520" cy="2155371"/>
           </a:xfrm>
           <a:prstGeom prst="rect">
             <a:avLst/>
@@ -19914,7 +20800,7 @@
 </p:sld>
 </file>
 
-<file path=ppt/slides/slide13.xml><?xml version="1.0" encoding="utf-8"?>
+<file path=ppt/slides/slide11.xml><?xml version="1.0" encoding="utf-8"?>
 <p:sld xmlns:a="http://schemas.openxmlformats.org/drawingml/2006/main" xmlns:r="http://schemas.openxmlformats.org/officeDocument/2006/relationships" xmlns:p="http://schemas.openxmlformats.org/presentationml/2006/main">
   <p:cSld>
     <p:spTree>
@@ -19961,10 +20847,10 @@
       </p:sp>
       <p:pic>
         <p:nvPicPr>
-          <p:cNvPr id="7172" name="Picture 4">
+          <p:cNvPr id="7170" name="Picture 2">
             <a:extLst>
               <a:ext uri="{FF2B5EF4-FFF2-40B4-BE49-F238E27FC236}">
-                <a16:creationId xmlns:a16="http://schemas.microsoft.com/office/drawing/2014/main" id="{777ECB40-D891-4E83-BE68-2E0CF9FE5CD9}"/>
+                <a16:creationId xmlns:a16="http://schemas.microsoft.com/office/drawing/2014/main" id="{D6BF28F4-4E5D-4BBC-8668-5BC49F61C8C6}"/>
               </a:ext>
             </a:extLst>
           </p:cNvPr>
@@ -19988,8 +20874,8 @@
         </p:blipFill>
         <p:spPr bwMode="auto">
           <a:xfrm>
-            <a:off x="4953000" y="1352550"/>
-            <a:ext cx="3657600" cy="2612571"/>
+            <a:off x="152400" y="1167493"/>
+            <a:ext cx="4206240" cy="3004457"/>
           </a:xfrm>
           <a:prstGeom prst="rect">
             <a:avLst/>
@@ -20008,10 +20894,10 @@
       </p:pic>
       <p:pic>
         <p:nvPicPr>
-          <p:cNvPr id="7174" name="Picture 6">
+          <p:cNvPr id="3" name="Picture 4">
             <a:extLst>
               <a:ext uri="{FF2B5EF4-FFF2-40B4-BE49-F238E27FC236}">
-                <a16:creationId xmlns:a16="http://schemas.microsoft.com/office/drawing/2014/main" id="{7B1566E3-2F05-4B81-A115-ACCCDE6ED0AD}"/>
+                <a16:creationId xmlns:a16="http://schemas.microsoft.com/office/drawing/2014/main" id="{426D0047-F4A1-4D2A-A497-54A8F7000D42}"/>
               </a:ext>
             </a:extLst>
           </p:cNvPr>
@@ -20035,8 +20921,8 @@
         </p:blipFill>
         <p:spPr bwMode="auto">
           <a:xfrm>
-            <a:off x="685800" y="1382465"/>
-            <a:ext cx="3657600" cy="2612571"/>
+            <a:off x="4785360" y="1167493"/>
+            <a:ext cx="4206240" cy="3004457"/>
           </a:xfrm>
           <a:prstGeom prst="rect">
             <a:avLst/>
@@ -20085,7 +20971,13 @@
       </p:grpSpPr>
       <p:sp>
         <p:nvSpPr>
-          <p:cNvPr id="2" name="Title 1"/>
+          <p:cNvPr id="5" name="Title 4">
+            <a:extLst>
+              <a:ext uri="{FF2B5EF4-FFF2-40B4-BE49-F238E27FC236}">
+                <a16:creationId xmlns:a16="http://schemas.microsoft.com/office/drawing/2014/main" id="{C79313BA-83AF-4722-9CE5-CFA1492E019B}"/>
+              </a:ext>
+            </a:extLst>
+          </p:cNvPr>
           <p:cNvSpPr>
             <a:spLocks noGrp="1"/>
           </p:cNvSpPr>
@@ -20100,14 +20992,20 @@
           <a:p>
             <a:r>
               <a:rPr lang="en-US" dirty="0"/>
-              <a:t>Insert your title here</a:t>
+              <a:t>Scope</a:t>
             </a:r>
           </a:p>
         </p:txBody>
       </p:sp>
       <p:sp>
         <p:nvSpPr>
-          <p:cNvPr id="3" name="Text Placeholder 2"/>
+          <p:cNvPr id="6" name="Text Placeholder 5">
+            <a:extLst>
+              <a:ext uri="{FF2B5EF4-FFF2-40B4-BE49-F238E27FC236}">
+                <a16:creationId xmlns:a16="http://schemas.microsoft.com/office/drawing/2014/main" id="{68F030ED-4EC5-440E-B58F-AC0D6E56493D}"/>
+              </a:ext>
+            </a:extLst>
+          </p:cNvPr>
           <p:cNvSpPr>
             <a:spLocks noGrp="1"/>
           </p:cNvSpPr>
@@ -20122,16 +21020,63 @@
           <a:p>
             <a:r>
               <a:rPr lang="en-US" dirty="0"/>
-              <a:t>Ut enim ad minim veniam, quis nostrud exercitation ullamco laboris nisi ut aliquip ex ea commodo consequat.</a:t>
+              <a:t>Target audience: CEO and CFO executives</a:t>
             </a:r>
-          </a:p>
-          <a:p>
-            <a:endParaRPr lang="en-US" dirty="0"/>
           </a:p>
           <a:p>
             <a:r>
               <a:rPr lang="en-US" dirty="0"/>
-              <a:t>Lorem ipsum dolor sit amet, consectetur adipisicing elit, sed do eiusmod tempor incididunt ut labore et dolore magna aliqua. </a:t>
+              <a:t>Questions:</a:t>
+            </a:r>
+          </a:p>
+          <a:p>
+            <a:pPr marL="342900" indent="-342900">
+              <a:buFont typeface="Arial" panose="020B0604020202020204" pitchFamily="34" charset="0"/>
+              <a:buChar char="•"/>
+            </a:pPr>
+            <a:r>
+              <a:rPr lang="en-US" dirty="0"/>
+              <a:t>Breweries by state</a:t>
+            </a:r>
+          </a:p>
+          <a:p>
+            <a:pPr marL="342900" indent="-342900">
+              <a:buFont typeface="Arial" panose="020B0604020202020204" pitchFamily="34" charset="0"/>
+              <a:buChar char="•"/>
+            </a:pPr>
+            <a:r>
+              <a:rPr lang="en-US" dirty="0"/>
+              <a:t>Median ABV and IBU by state</a:t>
+            </a:r>
+          </a:p>
+          <a:p>
+            <a:pPr marL="342900" indent="-342900">
+              <a:buFont typeface="Arial" panose="020B0604020202020204" pitchFamily="34" charset="0"/>
+              <a:buChar char="•"/>
+            </a:pPr>
+            <a:r>
+              <a:rPr lang="en-US" dirty="0"/>
+              <a:t>Highest level of ABV and IBU by state</a:t>
+            </a:r>
+          </a:p>
+          <a:p>
+            <a:pPr marL="342900" indent="-342900">
+              <a:buFont typeface="Arial" panose="020B0604020202020204" pitchFamily="34" charset="0"/>
+              <a:buChar char="•"/>
+            </a:pPr>
+            <a:r>
+              <a:rPr lang="en-US" dirty="0"/>
+              <a:t>Understand detailed information related to ABV</a:t>
+            </a:r>
+          </a:p>
+          <a:p>
+            <a:pPr marL="342900" indent="-342900">
+              <a:buFont typeface="Arial" panose="020B0604020202020204" pitchFamily="34" charset="0"/>
+              <a:buChar char="•"/>
+            </a:pPr>
+            <a:r>
+              <a:rPr lang="en-US" dirty="0"/>
+              <a:t>Explain relationship between ABV and IBU</a:t>
             </a:r>
           </a:p>
         </p:txBody>
@@ -20139,13 +21084,21 @@
     </p:spTree>
     <p:extLst>
       <p:ext uri="{BB962C8B-B14F-4D97-AF65-F5344CB8AC3E}">
-        <p14:creationId xmlns:p14="http://schemas.microsoft.com/office/powerpoint/2010/main" val="3772737477"/>
+        <p14:creationId xmlns:p14="http://schemas.microsoft.com/office/powerpoint/2010/main" val="1538342588"/>
       </p:ext>
     </p:extLst>
   </p:cSld>
   <p:clrMapOvr>
     <a:masterClrMapping/>
   </p:clrMapOvr>
+  <mc:AlternateContent xmlns:mc="http://schemas.openxmlformats.org/markup-compatibility/2006" xmlns:p14="http://schemas.microsoft.com/office/powerpoint/2010/main">
+    <mc:Choice Requires="p14">
+      <p:transition spd="slow" p14:dur="2000" advTm="5398"/>
+    </mc:Choice>
+    <mc:Fallback xmlns="">
+      <p:transition spd="slow" advTm="5398"/>
+    </mc:Fallback>
+  </mc:AlternateContent>
 </p:sld>
 </file>
 
@@ -20171,7 +21124,7 @@
           <p:cNvPr id="2" name="Title 1">
             <a:extLst>
               <a:ext uri="{FF2B5EF4-FFF2-40B4-BE49-F238E27FC236}">
-                <a16:creationId xmlns:a16="http://schemas.microsoft.com/office/drawing/2014/main" id="{746EE3F0-D9B7-45B3-8CCE-FC38C8A8890A}"/>
+                <a16:creationId xmlns:a16="http://schemas.microsoft.com/office/drawing/2014/main" id="{006E9E57-AA0B-4A73-96A9-2A10F0C4C9C2}"/>
               </a:ext>
             </a:extLst>
           </p:cNvPr>
@@ -20189,7 +21142,7 @@
           <a:p>
             <a:r>
               <a:rPr lang="en-US" dirty="0"/>
-              <a:t>Insert your title here</a:t>
+              <a:t>Case Study Data</a:t>
             </a:r>
           </a:p>
         </p:txBody>
@@ -20199,7 +21152,7 @@
           <p:cNvPr id="3" name="Text Placeholder 2">
             <a:extLst>
               <a:ext uri="{FF2B5EF4-FFF2-40B4-BE49-F238E27FC236}">
-                <a16:creationId xmlns:a16="http://schemas.microsoft.com/office/drawing/2014/main" id="{63E1FDC2-331B-4EC8-8BDC-D4816A14D16B}"/>
+                <a16:creationId xmlns:a16="http://schemas.microsoft.com/office/drawing/2014/main" id="{B58960E6-62F2-4CE8-A634-98F979CAD2EC}"/>
               </a:ext>
             </a:extLst>
           </p:cNvPr>
@@ -20210,14 +21163,19 @@
             <p:ph type="body" sz="quarter" idx="39"/>
           </p:nvPr>
         </p:nvSpPr>
-        <p:spPr/>
+        <p:spPr>
+          <a:xfrm>
+            <a:off x="4067944" y="1746440"/>
+            <a:ext cx="2258568" cy="505509"/>
+          </a:xfrm>
+        </p:spPr>
         <p:txBody>
           <a:bodyPr/>
           <a:lstStyle/>
           <a:p>
             <a:r>
               <a:rPr lang="en-US" dirty="0"/>
-              <a:t>Your text here</a:t>
+              <a:t>Beers</a:t>
             </a:r>
           </a:p>
         </p:txBody>
@@ -20227,7 +21185,7 @@
           <p:cNvPr id="4" name="Text Placeholder 3">
             <a:extLst>
               <a:ext uri="{FF2B5EF4-FFF2-40B4-BE49-F238E27FC236}">
-                <a16:creationId xmlns:a16="http://schemas.microsoft.com/office/drawing/2014/main" id="{22B323A3-8C91-4A5C-86F6-5B68E13893E2}"/>
+                <a16:creationId xmlns:a16="http://schemas.microsoft.com/office/drawing/2014/main" id="{C37B7804-918B-424E-9C73-00428C94F96C}"/>
               </a:ext>
             </a:extLst>
           </p:cNvPr>
@@ -20238,126 +21196,518 @@
             <p:ph type="body" sz="quarter" idx="40"/>
           </p:nvPr>
         </p:nvSpPr>
-        <p:spPr/>
+        <p:spPr>
+          <a:xfrm>
+            <a:off x="4067944" y="2459046"/>
+            <a:ext cx="2256656" cy="2003544"/>
+          </a:xfrm>
+        </p:spPr>
         <p:txBody>
           <a:bodyPr/>
           <a:lstStyle/>
           <a:p>
+            <a:pPr marL="342900" indent="-342900">
+              <a:buFont typeface="Arial" panose="020B0604020202020204" pitchFamily="34" charset="0"/>
+              <a:buChar char="•"/>
+            </a:pPr>
             <a:r>
-              <a:rPr lang="en-US" dirty="0"/>
-              <a:t>This is a sample text. Insert your desired text here.</a:t>
+              <a:rPr lang="en-US" sz="1200" dirty="0"/>
+              <a:t>2410 US craft beers</a:t>
+            </a:r>
+          </a:p>
+          <a:p>
+            <a:pPr marL="342900" indent="-342900">
+              <a:buFont typeface="Arial" panose="020B0604020202020204" pitchFamily="34" charset="0"/>
+              <a:buChar char="•"/>
+            </a:pPr>
+            <a:r>
+              <a:rPr lang="en-US" sz="1200" dirty="0"/>
+              <a:t>Beer ID</a:t>
+            </a:r>
+          </a:p>
+          <a:p>
+            <a:pPr marL="342900" indent="-342900">
+              <a:buFont typeface="Arial" panose="020B0604020202020204" pitchFamily="34" charset="0"/>
+              <a:buChar char="•"/>
+            </a:pPr>
+            <a:r>
+              <a:rPr lang="en-US" sz="1200" dirty="0"/>
+              <a:t>Beer names</a:t>
+            </a:r>
+          </a:p>
+          <a:p>
+            <a:pPr marL="342900" indent="-342900">
+              <a:buFont typeface="Arial" panose="020B0604020202020204" pitchFamily="34" charset="0"/>
+              <a:buChar char="•"/>
+            </a:pPr>
+            <a:r>
+              <a:rPr lang="en-US" sz="1200" dirty="0"/>
+              <a:t>Alcohol By Volume (ABV)</a:t>
+            </a:r>
+          </a:p>
+          <a:p>
+            <a:pPr marL="342900" indent="-342900">
+              <a:buFont typeface="Arial" panose="020B0604020202020204" pitchFamily="34" charset="0"/>
+              <a:buChar char="•"/>
+            </a:pPr>
+            <a:r>
+              <a:rPr lang="en-US" sz="1200" dirty="0"/>
+              <a:t>International Bitterness Units (IBU)</a:t>
+            </a:r>
+          </a:p>
+          <a:p>
+            <a:pPr marL="342900" indent="-342900">
+              <a:buFont typeface="Arial" panose="020B0604020202020204" pitchFamily="34" charset="0"/>
+              <a:buChar char="•"/>
+            </a:pPr>
+            <a:r>
+              <a:rPr lang="en-US" sz="1200" dirty="0"/>
+              <a:t>Brewery ID</a:t>
+            </a:r>
+          </a:p>
+          <a:p>
+            <a:pPr marL="342900" indent="-342900">
+              <a:buFont typeface="Arial" panose="020B0604020202020204" pitchFamily="34" charset="0"/>
+              <a:buChar char="•"/>
+            </a:pPr>
+            <a:r>
+              <a:rPr lang="en-US" sz="1200" dirty="0"/>
+              <a:t>Style</a:t>
+            </a:r>
+          </a:p>
+          <a:p>
+            <a:pPr marL="342900" indent="-342900">
+              <a:buFont typeface="Arial" panose="020B0604020202020204" pitchFamily="34" charset="0"/>
+              <a:buChar char="•"/>
+            </a:pPr>
+            <a:r>
+              <a:rPr lang="en-US" sz="1200" dirty="0"/>
+              <a:t>Ounces</a:t>
             </a:r>
           </a:p>
         </p:txBody>
       </p:sp>
       <p:sp>
         <p:nvSpPr>
-          <p:cNvPr id="5" name="Text Placeholder 4">
+          <p:cNvPr id="5" name="Text Placeholder 2">
             <a:extLst>
               <a:ext uri="{FF2B5EF4-FFF2-40B4-BE49-F238E27FC236}">
-                <a16:creationId xmlns:a16="http://schemas.microsoft.com/office/drawing/2014/main" id="{908B9FBC-F2B3-4AD2-A6CD-9D9D33149A01}"/>
+                <a16:creationId xmlns:a16="http://schemas.microsoft.com/office/drawing/2014/main" id="{5915C85E-29AE-47CD-89A4-B1323DFF0C60}"/>
               </a:ext>
             </a:extLst>
           </p:cNvPr>
-          <p:cNvSpPr>
-            <a:spLocks noGrp="1"/>
+          <p:cNvSpPr txBox="1">
+            <a:spLocks/>
           </p:cNvSpPr>
-          <p:nvPr>
-            <p:ph type="body" sz="quarter" idx="41"/>
-          </p:nvPr>
+          <p:nvPr/>
         </p:nvSpPr>
-        <p:spPr/>
+        <p:spPr>
+          <a:xfrm>
+            <a:off x="6629400" y="1759860"/>
+            <a:ext cx="2258568" cy="505509"/>
+          </a:xfrm>
+          <a:prstGeom prst="rect">
+            <a:avLst/>
+          </a:prstGeom>
+        </p:spPr>
         <p:txBody>
-          <a:bodyPr/>
-          <a:lstStyle/>
+          <a:bodyPr vert="horz" lIns="91440" tIns="45720" rIns="91440" bIns="45720" rtlCol="0" anchor="ctr">
+            <a:noAutofit/>
+          </a:bodyPr>
+          <a:lstStyle>
+            <a:lvl1pPr marL="0" indent="0" algn="l" defTabSz="914400" rtl="0" eaLnBrk="1" latinLnBrk="0" hangingPunct="1">
+              <a:spcBef>
+                <a:spcPct val="20000"/>
+              </a:spcBef>
+              <a:buFont typeface="Arial" panose="020B0604020202020204" pitchFamily="34" charset="0"/>
+              <a:buNone/>
+              <a:defRPr sz="2800" kern="1200">
+                <a:solidFill>
+                  <a:schemeClr val="accent3"/>
+                </a:solidFill>
+                <a:latin typeface="+mn-lt"/>
+                <a:ea typeface="+mn-ea"/>
+                <a:cs typeface="+mn-cs"/>
+              </a:defRPr>
+            </a:lvl1pPr>
+            <a:lvl2pPr marL="742950" indent="-285750" algn="l" defTabSz="914400" rtl="0" eaLnBrk="1" latinLnBrk="0" hangingPunct="1">
+              <a:spcBef>
+                <a:spcPct val="20000"/>
+              </a:spcBef>
+              <a:buFont typeface="Arial" panose="020B0604020202020204" pitchFamily="34" charset="0"/>
+              <a:buChar char="–"/>
+              <a:defRPr sz="2800" kern="1200">
+                <a:solidFill>
+                  <a:schemeClr val="tx1"/>
+                </a:solidFill>
+                <a:latin typeface="+mn-lt"/>
+                <a:ea typeface="+mn-ea"/>
+                <a:cs typeface="+mn-cs"/>
+              </a:defRPr>
+            </a:lvl2pPr>
+            <a:lvl3pPr marL="1143000" indent="-228600" algn="l" defTabSz="914400" rtl="0" eaLnBrk="1" latinLnBrk="0" hangingPunct="1">
+              <a:spcBef>
+                <a:spcPct val="20000"/>
+              </a:spcBef>
+              <a:buFont typeface="Arial" panose="020B0604020202020204" pitchFamily="34" charset="0"/>
+              <a:buChar char="•"/>
+              <a:defRPr sz="2400" kern="1200">
+                <a:solidFill>
+                  <a:schemeClr val="tx1"/>
+                </a:solidFill>
+                <a:latin typeface="+mn-lt"/>
+                <a:ea typeface="+mn-ea"/>
+                <a:cs typeface="+mn-cs"/>
+              </a:defRPr>
+            </a:lvl3pPr>
+            <a:lvl4pPr marL="1600200" indent="-228600" algn="l" defTabSz="914400" rtl="0" eaLnBrk="1" latinLnBrk="0" hangingPunct="1">
+              <a:spcBef>
+                <a:spcPct val="20000"/>
+              </a:spcBef>
+              <a:buFont typeface="Arial" panose="020B0604020202020204" pitchFamily="34" charset="0"/>
+              <a:buChar char="–"/>
+              <a:defRPr sz="2000" kern="1200">
+                <a:solidFill>
+                  <a:schemeClr val="tx1"/>
+                </a:solidFill>
+                <a:latin typeface="+mn-lt"/>
+                <a:ea typeface="+mn-ea"/>
+                <a:cs typeface="+mn-cs"/>
+              </a:defRPr>
+            </a:lvl4pPr>
+            <a:lvl5pPr marL="2057400" indent="-228600" algn="l" defTabSz="914400" rtl="0" eaLnBrk="1" latinLnBrk="0" hangingPunct="1">
+              <a:spcBef>
+                <a:spcPct val="20000"/>
+              </a:spcBef>
+              <a:buFont typeface="Arial" panose="020B0604020202020204" pitchFamily="34" charset="0"/>
+              <a:buChar char="»"/>
+              <a:defRPr sz="2000" kern="1200">
+                <a:solidFill>
+                  <a:schemeClr val="tx1"/>
+                </a:solidFill>
+                <a:latin typeface="+mn-lt"/>
+                <a:ea typeface="+mn-ea"/>
+                <a:cs typeface="+mn-cs"/>
+              </a:defRPr>
+            </a:lvl5pPr>
+            <a:lvl6pPr marL="2514600" indent="-228600" algn="l" defTabSz="914400" rtl="0" eaLnBrk="1" latinLnBrk="0" hangingPunct="1">
+              <a:spcBef>
+                <a:spcPct val="20000"/>
+              </a:spcBef>
+              <a:buFont typeface="Arial" panose="020B0604020202020204" pitchFamily="34" charset="0"/>
+              <a:buChar char="•"/>
+              <a:defRPr sz="2000" kern="1200">
+                <a:solidFill>
+                  <a:schemeClr val="tx1"/>
+                </a:solidFill>
+                <a:latin typeface="+mn-lt"/>
+                <a:ea typeface="+mn-ea"/>
+                <a:cs typeface="+mn-cs"/>
+              </a:defRPr>
+            </a:lvl6pPr>
+            <a:lvl7pPr marL="2971800" indent="-228600" algn="l" defTabSz="914400" rtl="0" eaLnBrk="1" latinLnBrk="0" hangingPunct="1">
+              <a:spcBef>
+                <a:spcPct val="20000"/>
+              </a:spcBef>
+              <a:buFont typeface="Arial" panose="020B0604020202020204" pitchFamily="34" charset="0"/>
+              <a:buChar char="•"/>
+              <a:defRPr sz="2000" kern="1200">
+                <a:solidFill>
+                  <a:schemeClr val="tx1"/>
+                </a:solidFill>
+                <a:latin typeface="+mn-lt"/>
+                <a:ea typeface="+mn-ea"/>
+                <a:cs typeface="+mn-cs"/>
+              </a:defRPr>
+            </a:lvl7pPr>
+            <a:lvl8pPr marL="3429000" indent="-228600" algn="l" defTabSz="914400" rtl="0" eaLnBrk="1" latinLnBrk="0" hangingPunct="1">
+              <a:spcBef>
+                <a:spcPct val="20000"/>
+              </a:spcBef>
+              <a:buFont typeface="Arial" panose="020B0604020202020204" pitchFamily="34" charset="0"/>
+              <a:buChar char="•"/>
+              <a:defRPr sz="2000" kern="1200">
+                <a:solidFill>
+                  <a:schemeClr val="tx1"/>
+                </a:solidFill>
+                <a:latin typeface="+mn-lt"/>
+                <a:ea typeface="+mn-ea"/>
+                <a:cs typeface="+mn-cs"/>
+              </a:defRPr>
+            </a:lvl8pPr>
+            <a:lvl9pPr marL="3886200" indent="-228600" algn="l" defTabSz="914400" rtl="0" eaLnBrk="1" latinLnBrk="0" hangingPunct="1">
+              <a:spcBef>
+                <a:spcPct val="20000"/>
+              </a:spcBef>
+              <a:buFont typeface="Arial" panose="020B0604020202020204" pitchFamily="34" charset="0"/>
+              <a:buChar char="•"/>
+              <a:defRPr sz="2000" kern="1200">
+                <a:solidFill>
+                  <a:schemeClr val="tx1"/>
+                </a:solidFill>
+                <a:latin typeface="+mn-lt"/>
+                <a:ea typeface="+mn-ea"/>
+                <a:cs typeface="+mn-cs"/>
+              </a:defRPr>
+            </a:lvl9pPr>
+          </a:lstStyle>
           <a:p>
             <a:r>
               <a:rPr lang="en-US" dirty="0"/>
-              <a:t>Your text here</a:t>
+              <a:t>Breweries</a:t>
             </a:r>
           </a:p>
         </p:txBody>
       </p:sp>
       <p:sp>
         <p:nvSpPr>
-          <p:cNvPr id="6" name="Text Placeholder 5">
+          <p:cNvPr id="6" name="Text Placeholder 3">
             <a:extLst>
               <a:ext uri="{FF2B5EF4-FFF2-40B4-BE49-F238E27FC236}">
-                <a16:creationId xmlns:a16="http://schemas.microsoft.com/office/drawing/2014/main" id="{BD68768B-CE0A-4805-BD29-5B604E656D6C}"/>
+                <a16:creationId xmlns:a16="http://schemas.microsoft.com/office/drawing/2014/main" id="{F4756E6D-8370-4FE1-BB7E-D014C95F1E33}"/>
               </a:ext>
             </a:extLst>
           </p:cNvPr>
-          <p:cNvSpPr>
-            <a:spLocks noGrp="1"/>
+          <p:cNvSpPr txBox="1">
+            <a:spLocks/>
           </p:cNvSpPr>
-          <p:nvPr>
-            <p:ph type="body" sz="quarter" idx="42"/>
-          </p:nvPr>
+          <p:nvPr/>
         </p:nvSpPr>
-        <p:spPr/>
+        <p:spPr>
+          <a:xfrm>
+            <a:off x="6629400" y="2472466"/>
+            <a:ext cx="2258568" cy="2003544"/>
+          </a:xfrm>
+          <a:prstGeom prst="rect">
+            <a:avLst/>
+          </a:prstGeom>
+        </p:spPr>
         <p:txBody>
-          <a:bodyPr/>
-          <a:lstStyle/>
+          <a:bodyPr vert="horz" lIns="91440" tIns="45720" rIns="91440" bIns="45720" rtlCol="0" anchor="t">
+            <a:noAutofit/>
+          </a:bodyPr>
+          <a:lstStyle>
+            <a:lvl1pPr marL="0" indent="0" algn="l" defTabSz="914400" rtl="0" eaLnBrk="1" latinLnBrk="0" hangingPunct="1">
+              <a:spcBef>
+                <a:spcPct val="20000"/>
+              </a:spcBef>
+              <a:buFont typeface="Arial" panose="020B0604020202020204" pitchFamily="34" charset="0"/>
+              <a:buNone/>
+              <a:defRPr sz="2000" kern="1200">
+                <a:solidFill>
+                  <a:schemeClr val="tx1"/>
+                </a:solidFill>
+                <a:latin typeface="+mn-lt"/>
+                <a:ea typeface="+mn-ea"/>
+                <a:cs typeface="+mn-cs"/>
+              </a:defRPr>
+            </a:lvl1pPr>
+            <a:lvl2pPr marL="742950" indent="-285750" algn="l" defTabSz="914400" rtl="0" eaLnBrk="1" latinLnBrk="0" hangingPunct="1">
+              <a:spcBef>
+                <a:spcPct val="20000"/>
+              </a:spcBef>
+              <a:buFont typeface="Arial" panose="020B0604020202020204" pitchFamily="34" charset="0"/>
+              <a:buChar char="–"/>
+              <a:defRPr sz="2800" kern="1200">
+                <a:solidFill>
+                  <a:schemeClr val="tx1"/>
+                </a:solidFill>
+                <a:latin typeface="+mn-lt"/>
+                <a:ea typeface="+mn-ea"/>
+                <a:cs typeface="+mn-cs"/>
+              </a:defRPr>
+            </a:lvl2pPr>
+            <a:lvl3pPr marL="1143000" indent="-228600" algn="l" defTabSz="914400" rtl="0" eaLnBrk="1" latinLnBrk="0" hangingPunct="1">
+              <a:spcBef>
+                <a:spcPct val="20000"/>
+              </a:spcBef>
+              <a:buFont typeface="Arial" panose="020B0604020202020204" pitchFamily="34" charset="0"/>
+              <a:buChar char="•"/>
+              <a:defRPr sz="2400" kern="1200">
+                <a:solidFill>
+                  <a:schemeClr val="tx1"/>
+                </a:solidFill>
+                <a:latin typeface="+mn-lt"/>
+                <a:ea typeface="+mn-ea"/>
+                <a:cs typeface="+mn-cs"/>
+              </a:defRPr>
+            </a:lvl3pPr>
+            <a:lvl4pPr marL="1600200" indent="-228600" algn="l" defTabSz="914400" rtl="0" eaLnBrk="1" latinLnBrk="0" hangingPunct="1">
+              <a:spcBef>
+                <a:spcPct val="20000"/>
+              </a:spcBef>
+              <a:buFont typeface="Arial" panose="020B0604020202020204" pitchFamily="34" charset="0"/>
+              <a:buChar char="–"/>
+              <a:defRPr sz="2000" kern="1200">
+                <a:solidFill>
+                  <a:schemeClr val="tx1"/>
+                </a:solidFill>
+                <a:latin typeface="+mn-lt"/>
+                <a:ea typeface="+mn-ea"/>
+                <a:cs typeface="+mn-cs"/>
+              </a:defRPr>
+            </a:lvl4pPr>
+            <a:lvl5pPr marL="2057400" indent="-228600" algn="l" defTabSz="914400" rtl="0" eaLnBrk="1" latinLnBrk="0" hangingPunct="1">
+              <a:spcBef>
+                <a:spcPct val="20000"/>
+              </a:spcBef>
+              <a:buFont typeface="Arial" panose="020B0604020202020204" pitchFamily="34" charset="0"/>
+              <a:buChar char="»"/>
+              <a:defRPr sz="2000" kern="1200">
+                <a:solidFill>
+                  <a:schemeClr val="tx1"/>
+                </a:solidFill>
+                <a:latin typeface="+mn-lt"/>
+                <a:ea typeface="+mn-ea"/>
+                <a:cs typeface="+mn-cs"/>
+              </a:defRPr>
+            </a:lvl5pPr>
+            <a:lvl6pPr marL="2514600" indent="-228600" algn="l" defTabSz="914400" rtl="0" eaLnBrk="1" latinLnBrk="0" hangingPunct="1">
+              <a:spcBef>
+                <a:spcPct val="20000"/>
+              </a:spcBef>
+              <a:buFont typeface="Arial" panose="020B0604020202020204" pitchFamily="34" charset="0"/>
+              <a:buChar char="•"/>
+              <a:defRPr sz="2000" kern="1200">
+                <a:solidFill>
+                  <a:schemeClr val="tx1"/>
+                </a:solidFill>
+                <a:latin typeface="+mn-lt"/>
+                <a:ea typeface="+mn-ea"/>
+                <a:cs typeface="+mn-cs"/>
+              </a:defRPr>
+            </a:lvl6pPr>
+            <a:lvl7pPr marL="2971800" indent="-228600" algn="l" defTabSz="914400" rtl="0" eaLnBrk="1" latinLnBrk="0" hangingPunct="1">
+              <a:spcBef>
+                <a:spcPct val="20000"/>
+              </a:spcBef>
+              <a:buFont typeface="Arial" panose="020B0604020202020204" pitchFamily="34" charset="0"/>
+              <a:buChar char="•"/>
+              <a:defRPr sz="2000" kern="1200">
+                <a:solidFill>
+                  <a:schemeClr val="tx1"/>
+                </a:solidFill>
+                <a:latin typeface="+mn-lt"/>
+                <a:ea typeface="+mn-ea"/>
+                <a:cs typeface="+mn-cs"/>
+              </a:defRPr>
+            </a:lvl7pPr>
+            <a:lvl8pPr marL="3429000" indent="-228600" algn="l" defTabSz="914400" rtl="0" eaLnBrk="1" latinLnBrk="0" hangingPunct="1">
+              <a:spcBef>
+                <a:spcPct val="20000"/>
+              </a:spcBef>
+              <a:buFont typeface="Arial" panose="020B0604020202020204" pitchFamily="34" charset="0"/>
+              <a:buChar char="•"/>
+              <a:defRPr sz="2000" kern="1200">
+                <a:solidFill>
+                  <a:schemeClr val="tx1"/>
+                </a:solidFill>
+                <a:latin typeface="+mn-lt"/>
+                <a:ea typeface="+mn-ea"/>
+                <a:cs typeface="+mn-cs"/>
+              </a:defRPr>
+            </a:lvl8pPr>
+            <a:lvl9pPr marL="3886200" indent="-228600" algn="l" defTabSz="914400" rtl="0" eaLnBrk="1" latinLnBrk="0" hangingPunct="1">
+              <a:spcBef>
+                <a:spcPct val="20000"/>
+              </a:spcBef>
+              <a:buFont typeface="Arial" panose="020B0604020202020204" pitchFamily="34" charset="0"/>
+              <a:buChar char="•"/>
+              <a:defRPr sz="2000" kern="1200">
+                <a:solidFill>
+                  <a:schemeClr val="tx1"/>
+                </a:solidFill>
+                <a:latin typeface="+mn-lt"/>
+                <a:ea typeface="+mn-ea"/>
+                <a:cs typeface="+mn-cs"/>
+              </a:defRPr>
+            </a:lvl9pPr>
+          </a:lstStyle>
           <a:p>
+            <a:pPr marL="342900" indent="-342900">
+              <a:buFont typeface="Arial" panose="020B0604020202020204" pitchFamily="34" charset="0"/>
+              <a:buChar char="•"/>
+            </a:pPr>
             <a:r>
-              <a:rPr lang="en-US" dirty="0"/>
-              <a:t>This is a sample text. Insert your desired text here.</a:t>
+              <a:rPr lang="en-US" sz="1200" dirty="0"/>
+              <a:t>558 US breweries</a:t>
+            </a:r>
+          </a:p>
+          <a:p>
+            <a:pPr marL="342900" indent="-342900">
+              <a:buFont typeface="Arial" panose="020B0604020202020204" pitchFamily="34" charset="0"/>
+              <a:buChar char="•"/>
+            </a:pPr>
+            <a:r>
+              <a:rPr lang="en-US" sz="1200" dirty="0"/>
+              <a:t>Brewery ID</a:t>
+            </a:r>
+          </a:p>
+          <a:p>
+            <a:pPr marL="342900" indent="-342900">
+              <a:buFont typeface="Arial" panose="020B0604020202020204" pitchFamily="34" charset="0"/>
+              <a:buChar char="•"/>
+            </a:pPr>
+            <a:r>
+              <a:rPr lang="en-US" sz="1200" dirty="0"/>
+              <a:t>Brewery names</a:t>
+            </a:r>
+          </a:p>
+          <a:p>
+            <a:pPr marL="342900" indent="-342900">
+              <a:buFont typeface="Arial" panose="020B0604020202020204" pitchFamily="34" charset="0"/>
+              <a:buChar char="•"/>
+            </a:pPr>
+            <a:r>
+              <a:rPr lang="en-US" sz="1200" dirty="0"/>
+              <a:t>City</a:t>
+            </a:r>
+          </a:p>
+          <a:p>
+            <a:pPr marL="342900" indent="-342900">
+              <a:buFont typeface="Arial" panose="020B0604020202020204" pitchFamily="34" charset="0"/>
+              <a:buChar char="•"/>
+            </a:pPr>
+            <a:r>
+              <a:rPr lang="en-US" sz="1200" dirty="0"/>
+              <a:t>State</a:t>
             </a:r>
           </a:p>
         </p:txBody>
       </p:sp>
       <p:sp>
         <p:nvSpPr>
-          <p:cNvPr id="7" name="Text Placeholder 6">
+          <p:cNvPr id="7" name="TextBox 6">
             <a:extLst>
               <a:ext uri="{FF2B5EF4-FFF2-40B4-BE49-F238E27FC236}">
-                <a16:creationId xmlns:a16="http://schemas.microsoft.com/office/drawing/2014/main" id="{534E2141-CD40-4CB3-A583-A8D31B831E47}"/>
+                <a16:creationId xmlns:a16="http://schemas.microsoft.com/office/drawing/2014/main" id="{AF4AE53E-754B-4B0C-BE55-1F3777C60B36}"/>
               </a:ext>
             </a:extLst>
           </p:cNvPr>
-          <p:cNvSpPr>
-            <a:spLocks noGrp="1"/>
-          </p:cNvSpPr>
-          <p:nvPr>
-            <p:ph type="body" sz="quarter" idx="43"/>
-          </p:nvPr>
+          <p:cNvSpPr txBox="1"/>
+          <p:nvPr/>
         </p:nvSpPr>
-        <p:spPr/>
+        <p:spPr>
+          <a:xfrm>
+            <a:off x="8229600" y="4752856"/>
+            <a:ext cx="914400" cy="369332"/>
+          </a:xfrm>
+          <a:prstGeom prst="rect">
+            <a:avLst/>
+          </a:prstGeom>
+          <a:solidFill>
+            <a:schemeClr val="bg1"/>
+          </a:solidFill>
+        </p:spPr>
         <p:txBody>
-          <a:bodyPr/>
+          <a:bodyPr wrap="square" rtlCol="0">
+            <a:spAutoFit/>
+          </a:bodyPr>
           <a:lstStyle/>
           <a:p>
             <a:r>
               <a:rPr lang="en-US" dirty="0"/>
-              <a:t>Your text here</a:t>
-            </a:r>
-          </a:p>
-        </p:txBody>
-      </p:sp>
-      <p:sp>
-        <p:nvSpPr>
-          <p:cNvPr id="8" name="Text Placeholder 7">
-            <a:extLst>
-              <a:ext uri="{FF2B5EF4-FFF2-40B4-BE49-F238E27FC236}">
-                <a16:creationId xmlns:a16="http://schemas.microsoft.com/office/drawing/2014/main" id="{9350266B-C5F1-49AC-BE38-DDC2C284665C}"/>
-              </a:ext>
-            </a:extLst>
-          </p:cNvPr>
-          <p:cNvSpPr>
-            <a:spLocks noGrp="1"/>
-          </p:cNvSpPr>
-          <p:nvPr>
-            <p:ph type="body" sz="quarter" idx="44"/>
-          </p:nvPr>
-        </p:nvSpPr>
-        <p:spPr/>
-        <p:txBody>
-          <a:bodyPr/>
-          <a:lstStyle/>
-          <a:p>
-            <a:r>
-              <a:rPr lang="en-US" dirty="0"/>
-              <a:t>This is a sample text. Insert your desired text here.</a:t>
+              <a:t> </a:t>
             </a:r>
           </a:p>
         </p:txBody>
@@ -20365,7 +21715,7 @@
     </p:spTree>
     <p:extLst>
       <p:ext uri="{BB962C8B-B14F-4D97-AF65-F5344CB8AC3E}">
-        <p14:creationId xmlns:p14="http://schemas.microsoft.com/office/powerpoint/2010/main" val="2858501048"/>
+        <p14:creationId xmlns:p14="http://schemas.microsoft.com/office/powerpoint/2010/main" val="832593484"/>
       </p:ext>
     </p:extLst>
   </p:cSld>
@@ -20392,185 +21742,51 @@
           <a:chExt cx="0" cy="0"/>
         </a:xfrm>
       </p:grpSpPr>
-      <p:sp>
-        <p:nvSpPr>
-          <p:cNvPr id="2" name="Title 1"/>
-          <p:cNvSpPr>
-            <a:spLocks noGrp="1"/>
-          </p:cNvSpPr>
-          <p:nvPr>
-            <p:ph type="title"/>
-          </p:nvPr>
-        </p:nvSpPr>
-        <p:spPr/>
-        <p:txBody>
-          <a:bodyPr/>
-          <a:lstStyle/>
-          <a:p>
-            <a:r>
-              <a:rPr lang="en-US" dirty="0"/>
-              <a:t>Insert your title here</a:t>
-            </a:r>
-          </a:p>
-        </p:txBody>
-      </p:sp>
-      <p:sp>
-        <p:nvSpPr>
-          <p:cNvPr id="3" name="Text Placeholder 2"/>
-          <p:cNvSpPr>
-            <a:spLocks noGrp="1"/>
-          </p:cNvSpPr>
-          <p:nvPr>
-            <p:ph type="body" sz="quarter" idx="39"/>
-          </p:nvPr>
-        </p:nvSpPr>
-        <p:spPr/>
-        <p:txBody>
-          <a:bodyPr/>
-          <a:lstStyle/>
-          <a:p>
-            <a:r>
-              <a:rPr lang="en-US" dirty="0"/>
-              <a:t>Insert your text here</a:t>
-            </a:r>
-          </a:p>
-        </p:txBody>
-      </p:sp>
-      <p:sp>
-        <p:nvSpPr>
-          <p:cNvPr id="4" name="Text Placeholder 3"/>
-          <p:cNvSpPr>
-            <a:spLocks noGrp="1"/>
-          </p:cNvSpPr>
-          <p:nvPr>
-            <p:ph type="body" sz="quarter" idx="40"/>
-          </p:nvPr>
-        </p:nvSpPr>
-        <p:spPr/>
-        <p:txBody>
-          <a:bodyPr/>
-          <a:lstStyle/>
-          <a:p>
-            <a:r>
-              <a:rPr lang="en-US" dirty="0"/>
-              <a:t>Lorem ipsum dolor sit amet, consectetur adipisicing elit, sed do eiusmod tempor incididunt ut labore et dolore magna aliqua. </a:t>
-            </a:r>
-          </a:p>
-        </p:txBody>
-      </p:sp>
-    </p:spTree>
-    <p:extLst>
-      <p:ext uri="{BB962C8B-B14F-4D97-AF65-F5344CB8AC3E}">
-        <p14:creationId xmlns:p14="http://schemas.microsoft.com/office/powerpoint/2010/main" val="2425098261"/>
-      </p:ext>
-    </p:extLst>
-  </p:cSld>
-  <p:clrMapOvr>
-    <a:masterClrMapping/>
-  </p:clrMapOvr>
-</p:sld>
-</file>
-
-<file path=ppt/slides/slide5.xml><?xml version="1.0" encoding="utf-8"?>
-<p:sld xmlns:a="http://schemas.openxmlformats.org/drawingml/2006/main" xmlns:r="http://schemas.openxmlformats.org/officeDocument/2006/relationships" xmlns:p="http://schemas.openxmlformats.org/presentationml/2006/main">
-  <p:cSld>
-    <p:spTree>
-      <p:nvGrpSpPr>
-        <p:cNvPr id="1" name=""/>
-        <p:cNvGrpSpPr/>
-        <p:nvPr/>
-      </p:nvGrpSpPr>
-      <p:grpSpPr>
-        <a:xfrm>
-          <a:off x="0" y="0"/>
-          <a:ext cx="0" cy="0"/>
-          <a:chOff x="0" y="0"/>
-          <a:chExt cx="0" cy="0"/>
-        </a:xfrm>
-      </p:grpSpPr>
-      <p:sp>
-        <p:nvSpPr>
-          <p:cNvPr id="2" name="Title 1"/>
-          <p:cNvSpPr>
-            <a:spLocks noGrp="1"/>
-          </p:cNvSpPr>
-          <p:nvPr>
-            <p:ph type="title"/>
-          </p:nvPr>
-        </p:nvSpPr>
-        <p:spPr/>
-        <p:txBody>
-          <a:bodyPr/>
-          <a:lstStyle/>
-          <a:p>
-            <a:r>
-              <a:rPr lang="en-US" dirty="0"/>
-              <a:t>Insert your title here</a:t>
-            </a:r>
-          </a:p>
-        </p:txBody>
-      </p:sp>
-      <p:sp>
-        <p:nvSpPr>
-          <p:cNvPr id="3" name="Text Placeholder 2"/>
-          <p:cNvSpPr>
-            <a:spLocks noGrp="1"/>
-          </p:cNvSpPr>
-          <p:nvPr>
-            <p:ph type="body" sz="quarter" idx="35"/>
-          </p:nvPr>
-        </p:nvSpPr>
-        <p:spPr/>
-        <p:txBody>
-          <a:bodyPr/>
-          <a:lstStyle/>
-          <a:p>
-            <a:r>
-              <a:rPr lang="en-US" dirty="0"/>
-              <a:t>Ut enim ad minim veniam, quis nostrud exercitation ullamco laboris nisi ut aliquip ex ea commodo consequat.</a:t>
-            </a:r>
-          </a:p>
-          <a:p>
-            <a:endParaRPr lang="en-US" dirty="0"/>
-          </a:p>
-          <a:p>
-            <a:r>
-              <a:rPr lang="en-US" dirty="0"/>
-              <a:t>Lorem ipsum dolor sit amet, consectetur adipisicing elit, sed do eiusmod tempor incididunt ut labore et dolore magna aliqua. </a:t>
-            </a:r>
-          </a:p>
-        </p:txBody>
-      </p:sp>
-    </p:spTree>
-    <p:extLst>
-      <p:ext uri="{BB962C8B-B14F-4D97-AF65-F5344CB8AC3E}">
-        <p14:creationId xmlns:p14="http://schemas.microsoft.com/office/powerpoint/2010/main" val="3956584900"/>
-      </p:ext>
-    </p:extLst>
-  </p:cSld>
-  <p:clrMapOvr>
-    <a:masterClrMapping/>
-  </p:clrMapOvr>
-</p:sld>
-</file>
-
-<file path=ppt/slides/slide6.xml><?xml version="1.0" encoding="utf-8"?>
-<p:sld xmlns:a="http://schemas.openxmlformats.org/drawingml/2006/main" xmlns:r="http://schemas.openxmlformats.org/officeDocument/2006/relationships" xmlns:p="http://schemas.openxmlformats.org/presentationml/2006/main">
-  <p:cSld>
-    <p:spTree>
-      <p:nvGrpSpPr>
-        <p:cNvPr id="1" name=""/>
-        <p:cNvGrpSpPr/>
-        <p:nvPr/>
-      </p:nvGrpSpPr>
-      <p:grpSpPr>
-        <a:xfrm>
-          <a:off x="0" y="0"/>
-          <a:ext cx="0" cy="0"/>
-          <a:chOff x="0" y="0"/>
-          <a:chExt cx="0" cy="0"/>
-        </a:xfrm>
-      </p:grpSpPr>
+      <p:pic>
+        <p:nvPicPr>
+          <p:cNvPr id="1026" name="Picture 2">
+            <a:extLst>
+              <a:ext uri="{FF2B5EF4-FFF2-40B4-BE49-F238E27FC236}">
+                <a16:creationId xmlns:a16="http://schemas.microsoft.com/office/drawing/2014/main" id="{5A51FBB7-2072-4C55-AD88-FD27BA8B63AA}"/>
+              </a:ext>
+            </a:extLst>
+          </p:cNvPr>
+          <p:cNvPicPr>
+            <a:picLocks noChangeAspect="1" noChangeArrowheads="1"/>
+          </p:cNvPicPr>
+          <p:nvPr/>
+        </p:nvPicPr>
+        <p:blipFill rotWithShape="1">
+          <a:blip r:embed="rId3">
+            <a:extLst>
+              <a:ext uri="{28A0092B-C50C-407E-A947-70E740481C1C}">
+                <a14:useLocalDpi xmlns:a14="http://schemas.microsoft.com/office/drawing/2010/main" val="0"/>
+              </a:ext>
+            </a:extLst>
+          </a:blip>
+          <a:srcRect l="6923" t="6410" r="8462"/>
+          <a:stretch/>
+        </p:blipFill>
+        <p:spPr bwMode="auto">
+          <a:xfrm>
+            <a:off x="2057400" y="1063228"/>
+            <a:ext cx="5029200" cy="3337560"/>
+          </a:xfrm>
+          <a:prstGeom prst="rect">
+            <a:avLst/>
+          </a:prstGeom>
+          <a:noFill/>
+          <a:extLst>
+            <a:ext uri="{909E8E84-426E-40DD-AFC4-6F175D3DCCD1}">
+              <a14:hiddenFill xmlns:a14="http://schemas.microsoft.com/office/drawing/2010/main">
+                <a:solidFill>
+                  <a:srgbClr val="FFFFFF"/>
+                </a:solidFill>
+              </a14:hiddenFill>
+            </a:ext>
+          </a:extLst>
+        </p:spPr>
+      </p:pic>
       <p:sp>
         <p:nvSpPr>
           <p:cNvPr id="2" name="Title 1">
@@ -20601,143 +21817,6 @@
           </a:p>
         </p:txBody>
       </p:sp>
-      <p:pic>
-        <p:nvPicPr>
-          <p:cNvPr id="1028" name="Picture 4">
-            <a:extLst>
-              <a:ext uri="{FF2B5EF4-FFF2-40B4-BE49-F238E27FC236}">
-                <a16:creationId xmlns:a16="http://schemas.microsoft.com/office/drawing/2014/main" id="{E017A456-F2C0-441A-B31D-CB4C5A8464A1}"/>
-              </a:ext>
-            </a:extLst>
-          </p:cNvPr>
-          <p:cNvPicPr>
-            <a:picLocks noChangeAspect="1" noChangeArrowheads="1"/>
-          </p:cNvPicPr>
-          <p:nvPr/>
-        </p:nvPicPr>
-        <p:blipFill>
-          <a:blip r:embed="rId2">
-            <a:extLst>
-              <a:ext uri="{28A0092B-C50C-407E-A947-70E740481C1C}">
-                <a14:useLocalDpi xmlns:a14="http://schemas.microsoft.com/office/drawing/2010/main" val="0"/>
-              </a:ext>
-            </a:extLst>
-          </a:blip>
-          <a:srcRect/>
-          <a:stretch>
-            <a:fillRect/>
-          </a:stretch>
-        </p:blipFill>
-        <p:spPr bwMode="auto">
-          <a:xfrm>
-            <a:off x="381000" y="1226148"/>
-            <a:ext cx="3657600" cy="2612571"/>
-          </a:xfrm>
-          <a:prstGeom prst="rect">
-            <a:avLst/>
-          </a:prstGeom>
-          <a:noFill/>
-          <a:extLst>
-            <a:ext uri="{909E8E84-426E-40DD-AFC4-6F175D3DCCD1}">
-              <a14:hiddenFill xmlns:a14="http://schemas.microsoft.com/office/drawing/2010/main">
-                <a:solidFill>
-                  <a:srgbClr val="FFFFFF"/>
-                </a:solidFill>
-              </a14:hiddenFill>
-            </a:ext>
-          </a:extLst>
-        </p:spPr>
-      </p:pic>
-      <p:pic>
-        <p:nvPicPr>
-          <p:cNvPr id="1030" name="Picture 6">
-            <a:extLst>
-              <a:ext uri="{FF2B5EF4-FFF2-40B4-BE49-F238E27FC236}">
-                <a16:creationId xmlns:a16="http://schemas.microsoft.com/office/drawing/2014/main" id="{080E6660-4F3B-4ECD-A425-68EF0418EE8D}"/>
-              </a:ext>
-            </a:extLst>
-          </p:cNvPr>
-          <p:cNvPicPr>
-            <a:picLocks noChangeAspect="1" noChangeArrowheads="1"/>
-          </p:cNvPicPr>
-          <p:nvPr/>
-        </p:nvPicPr>
-        <p:blipFill>
-          <a:blip r:embed="rId3">
-            <a:extLst>
-              <a:ext uri="{28A0092B-C50C-407E-A947-70E740481C1C}">
-                <a14:useLocalDpi xmlns:a14="http://schemas.microsoft.com/office/drawing/2010/main" val="0"/>
-              </a:ext>
-            </a:extLst>
-          </a:blip>
-          <a:srcRect/>
-          <a:stretch>
-            <a:fillRect/>
-          </a:stretch>
-        </p:blipFill>
-        <p:spPr bwMode="auto">
-          <a:xfrm>
-            <a:off x="5018164" y="1200150"/>
-            <a:ext cx="3657600" cy="2612571"/>
-          </a:xfrm>
-          <a:prstGeom prst="rect">
-            <a:avLst/>
-          </a:prstGeom>
-          <a:noFill/>
-          <a:extLst>
-            <a:ext uri="{909E8E84-426E-40DD-AFC4-6F175D3DCCD1}">
-              <a14:hiddenFill xmlns:a14="http://schemas.microsoft.com/office/drawing/2010/main">
-                <a:solidFill>
-                  <a:srgbClr val="FFFFFF"/>
-                </a:solidFill>
-              </a14:hiddenFill>
-            </a:ext>
-          </a:extLst>
-        </p:spPr>
-      </p:pic>
-      <p:sp>
-        <p:nvSpPr>
-          <p:cNvPr id="5" name="TextBox 4">
-            <a:extLst>
-              <a:ext uri="{FF2B5EF4-FFF2-40B4-BE49-F238E27FC236}">
-                <a16:creationId xmlns:a16="http://schemas.microsoft.com/office/drawing/2014/main" id="{FD335EB1-3900-4747-9EEA-41A3AF0CFA02}"/>
-              </a:ext>
-            </a:extLst>
-          </p:cNvPr>
-          <p:cNvSpPr txBox="1"/>
-          <p:nvPr/>
-        </p:nvSpPr>
-        <p:spPr>
-          <a:xfrm>
-            <a:off x="0" y="311437"/>
-            <a:ext cx="1600200" cy="646331"/>
-          </a:xfrm>
-          <a:prstGeom prst="rect">
-            <a:avLst/>
-          </a:prstGeom>
-          <a:noFill/>
-        </p:spPr>
-        <p:txBody>
-          <a:bodyPr wrap="square" rtlCol="0">
-            <a:spAutoFit/>
-          </a:bodyPr>
-          <a:lstStyle/>
-          <a:p>
-            <a:r>
-              <a:rPr lang="en-US" dirty="0"/>
-              <a:t>Use terrain </a:t>
-            </a:r>
-            <a:r>
-              <a:rPr lang="en-US" dirty="0" err="1"/>
-              <a:t>ggplot</a:t>
-            </a:r>
-            <a:r>
-              <a:rPr lang="en-US" dirty="0"/>
-              <a:t> theme</a:t>
-            </a:r>
-          </a:p>
-        </p:txBody>
-      </p:sp>
     </p:spTree>
     <p:extLst>
       <p:ext uri="{BB962C8B-B14F-4D97-AF65-F5344CB8AC3E}">
@@ -20751,7 +21830,7 @@
 </p:sld>
 </file>
 
-<file path=ppt/slides/slide7.xml><?xml version="1.0" encoding="utf-8"?>
+<file path=ppt/slides/slide5.xml><?xml version="1.0" encoding="utf-8"?>
 <p:sld xmlns:a="http://schemas.openxmlformats.org/drawingml/2006/main" xmlns:r="http://schemas.openxmlformats.org/officeDocument/2006/relationships" xmlns:p="http://schemas.openxmlformats.org/presentationml/2006/main">
   <p:cSld>
     <p:spTree>
@@ -20921,41 +22000,6 @@
           </a:p>
         </p:txBody>
       </p:sp>
-      <p:sp>
-        <p:nvSpPr>
-          <p:cNvPr id="10" name="TextBox 9">
-            <a:extLst>
-              <a:ext uri="{FF2B5EF4-FFF2-40B4-BE49-F238E27FC236}">
-                <a16:creationId xmlns:a16="http://schemas.microsoft.com/office/drawing/2014/main" id="{A973A35B-416D-479B-8384-685CCE1BDDDC}"/>
-              </a:ext>
-            </a:extLst>
-          </p:cNvPr>
-          <p:cNvSpPr txBox="1"/>
-          <p:nvPr/>
-        </p:nvSpPr>
-        <p:spPr>
-          <a:xfrm>
-            <a:off x="-266700" y="-11089"/>
-            <a:ext cx="1600200" cy="1200329"/>
-          </a:xfrm>
-          <a:prstGeom prst="rect">
-            <a:avLst/>
-          </a:prstGeom>
-          <a:noFill/>
-        </p:spPr>
-        <p:txBody>
-          <a:bodyPr wrap="square" rtlCol="0">
-            <a:spAutoFit/>
-          </a:bodyPr>
-          <a:lstStyle/>
-          <a:p>
-            <a:r>
-              <a:rPr lang="en-US" dirty="0"/>
-              <a:t>Send presentation AI tutor to team</a:t>
-            </a:r>
-          </a:p>
-        </p:txBody>
-      </p:sp>
     </p:spTree>
     <p:extLst>
       <p:ext uri="{BB962C8B-B14F-4D97-AF65-F5344CB8AC3E}">
@@ -20969,7 +22013,7 @@
 </p:sld>
 </file>
 
-<file path=ppt/slides/slide8.xml><?xml version="1.0" encoding="utf-8"?>
+<file path=ppt/slides/slide6.xml><?xml version="1.0" encoding="utf-8"?>
 <p:sld xmlns:a="http://schemas.openxmlformats.org/drawingml/2006/main" xmlns:r="http://schemas.openxmlformats.org/officeDocument/2006/relationships" xmlns:p="http://schemas.openxmlformats.org/presentationml/2006/main">
   <p:cSld>
     <p:spTree>
@@ -21016,10 +22060,10 @@
       </p:sp>
       <p:pic>
         <p:nvPicPr>
-          <p:cNvPr id="2050" name="Picture 2">
+          <p:cNvPr id="4" name="Picture 2">
             <a:extLst>
               <a:ext uri="{FF2B5EF4-FFF2-40B4-BE49-F238E27FC236}">
-                <a16:creationId xmlns:a16="http://schemas.microsoft.com/office/drawing/2014/main" id="{6B4D342B-1CE4-42CA-B4E5-AC259B77E274}"/>
+                <a16:creationId xmlns:a16="http://schemas.microsoft.com/office/drawing/2014/main" id="{C38FB1BA-CEF8-4704-8F2C-9584129155BE}"/>
               </a:ext>
             </a:extLst>
           </p:cNvPr>
@@ -21028,28 +22072,31 @@
           </p:cNvPicPr>
           <p:nvPr/>
         </p:nvPicPr>
-        <p:blipFill>
-          <a:blip r:embed="rId2">
+        <p:blipFill rotWithShape="1">
+          <a:blip r:embed="rId3">
             <a:extLst>
               <a:ext uri="{28A0092B-C50C-407E-A947-70E740481C1C}">
                 <a14:useLocalDpi xmlns:a14="http://schemas.microsoft.com/office/drawing/2010/main" val="0"/>
               </a:ext>
             </a:extLst>
           </a:blip>
-          <a:srcRect/>
-          <a:stretch>
-            <a:fillRect/>
-          </a:stretch>
+          <a:srcRect b="12778"/>
+          <a:stretch/>
         </p:blipFill>
         <p:spPr bwMode="auto">
           <a:xfrm>
-            <a:off x="26276" y="1047750"/>
-            <a:ext cx="3657600" cy="2612571"/>
+            <a:off x="152400" y="1094221"/>
+            <a:ext cx="4206240" cy="2620530"/>
           </a:xfrm>
           <a:prstGeom prst="rect">
             <a:avLst/>
           </a:prstGeom>
           <a:noFill/>
+          <a:ln>
+            <a:solidFill>
+              <a:schemeClr val="accent1"/>
+            </a:solidFill>
+          </a:ln>
           <a:extLst>
             <a:ext uri="{909E8E84-426E-40DD-AFC4-6F175D3DCCD1}">
               <a14:hiddenFill xmlns:a14="http://schemas.microsoft.com/office/drawing/2010/main">
@@ -21061,41 +22108,56 @@
           </a:extLst>
         </p:spPr>
       </p:pic>
-      <p:sp>
-        <p:nvSpPr>
-          <p:cNvPr id="3" name="TextBox 2">
+      <p:pic>
+        <p:nvPicPr>
+          <p:cNvPr id="2052" name="Picture 4">
             <a:extLst>
               <a:ext uri="{FF2B5EF4-FFF2-40B4-BE49-F238E27FC236}">
-                <a16:creationId xmlns:a16="http://schemas.microsoft.com/office/drawing/2014/main" id="{E0C1BD30-36F1-4EDD-B318-8835C7630909}"/>
+                <a16:creationId xmlns:a16="http://schemas.microsoft.com/office/drawing/2014/main" id="{3F980578-2894-40FA-84DA-A9854B43F14E}"/>
               </a:ext>
             </a:extLst>
           </p:cNvPr>
-          <p:cNvSpPr txBox="1"/>
+          <p:cNvPicPr>
+            <a:picLocks noChangeAspect="1" noChangeArrowheads="1"/>
+          </p:cNvPicPr>
           <p:nvPr/>
-        </p:nvSpPr>
-        <p:spPr>
+        </p:nvPicPr>
+        <p:blipFill rotWithShape="1">
+          <a:blip r:embed="rId4">
+            <a:extLst>
+              <a:ext uri="{28A0092B-C50C-407E-A947-70E740481C1C}">
+                <a14:useLocalDpi xmlns:a14="http://schemas.microsoft.com/office/drawing/2010/main" val="0"/>
+              </a:ext>
+            </a:extLst>
+          </a:blip>
+          <a:srcRect b="12778"/>
+          <a:stretch/>
+        </p:blipFill>
+        <p:spPr bwMode="auto">
           <a:xfrm>
-            <a:off x="4307552" y="1504950"/>
-            <a:ext cx="1712248" cy="923330"/>
+            <a:off x="4724400" y="1094221"/>
+            <a:ext cx="4206240" cy="2620530"/>
           </a:xfrm>
           <a:prstGeom prst="rect">
             <a:avLst/>
           </a:prstGeom>
           <a:noFill/>
+          <a:ln>
+            <a:solidFill>
+              <a:schemeClr val="accent1"/>
+            </a:solidFill>
+          </a:ln>
+          <a:extLst>
+            <a:ext uri="{909E8E84-426E-40DD-AFC4-6F175D3DCCD1}">
+              <a14:hiddenFill xmlns:a14="http://schemas.microsoft.com/office/drawing/2010/main">
+                <a:solidFill>
+                  <a:srgbClr val="FFFFFF"/>
+                </a:solidFill>
+              </a14:hiddenFill>
+            </a:ext>
+          </a:extLst>
         </p:spPr>
-        <p:txBody>
-          <a:bodyPr wrap="square" rtlCol="0">
-            <a:spAutoFit/>
-          </a:bodyPr>
-          <a:lstStyle/>
-          <a:p>
-            <a:r>
-              <a:rPr lang="en-US" dirty="0"/>
-              <a:t>Do a before and after for missing values</a:t>
-            </a:r>
-          </a:p>
-        </p:txBody>
-      </p:sp>
+      </p:pic>
     </p:spTree>
     <p:extLst>
       <p:ext uri="{BB962C8B-B14F-4D97-AF65-F5344CB8AC3E}">
@@ -21109,7 +22171,7 @@
 </p:sld>
 </file>
 
-<file path=ppt/slides/slide9.xml><?xml version="1.0" encoding="utf-8"?>
+<file path=ppt/slides/slide7.xml><?xml version="1.0" encoding="utf-8"?>
 <p:sld xmlns:a="http://schemas.openxmlformats.org/drawingml/2006/main" xmlns:r="http://schemas.openxmlformats.org/officeDocument/2006/relationships" xmlns:p="http://schemas.openxmlformats.org/presentationml/2006/main">
   <p:cSld>
     <p:spTree>
@@ -21142,9 +22204,16 @@
             <p:ph type="title"/>
           </p:nvPr>
         </p:nvSpPr>
-        <p:spPr/>
+        <p:spPr>
+          <a:xfrm>
+            <a:off x="1371600" y="361950"/>
+            <a:ext cx="3810000" cy="857250"/>
+          </a:xfrm>
+        </p:spPr>
         <p:txBody>
-          <a:bodyPr/>
+          <a:bodyPr>
+            <a:normAutofit fontScale="90000"/>
+          </a:bodyPr>
           <a:lstStyle/>
           <a:p>
             <a:r>
@@ -21156,57 +22225,10 @@
       </p:sp>
       <p:pic>
         <p:nvPicPr>
-          <p:cNvPr id="3074" name="Picture 2">
+          <p:cNvPr id="5" name="Picture 4">
             <a:extLst>
               <a:ext uri="{FF2B5EF4-FFF2-40B4-BE49-F238E27FC236}">
-                <a16:creationId xmlns:a16="http://schemas.microsoft.com/office/drawing/2014/main" id="{EF08CE2D-A0D2-427F-8A6F-85928E59E1B9}"/>
-              </a:ext>
-            </a:extLst>
-          </p:cNvPr>
-          <p:cNvPicPr>
-            <a:picLocks noChangeAspect="1" noChangeArrowheads="1"/>
-          </p:cNvPicPr>
-          <p:nvPr/>
-        </p:nvPicPr>
-        <p:blipFill>
-          <a:blip r:embed="rId2">
-            <a:extLst>
-              <a:ext uri="{28A0092B-C50C-407E-A947-70E740481C1C}">
-                <a14:useLocalDpi xmlns:a14="http://schemas.microsoft.com/office/drawing/2010/main" val="0"/>
-              </a:ext>
-            </a:extLst>
-          </a:blip>
-          <a:srcRect/>
-          <a:stretch>
-            <a:fillRect/>
-          </a:stretch>
-        </p:blipFill>
-        <p:spPr bwMode="auto">
-          <a:xfrm>
-            <a:off x="76200" y="1552383"/>
-            <a:ext cx="3657600" cy="2612571"/>
-          </a:xfrm>
-          <a:prstGeom prst="rect">
-            <a:avLst/>
-          </a:prstGeom>
-          <a:noFill/>
-          <a:extLst>
-            <a:ext uri="{909E8E84-426E-40DD-AFC4-6F175D3DCCD1}">
-              <a14:hiddenFill xmlns:a14="http://schemas.microsoft.com/office/drawing/2010/main">
-                <a:solidFill>
-                  <a:srgbClr val="FFFFFF"/>
-                </a:solidFill>
-              </a14:hiddenFill>
-            </a:ext>
-          </a:extLst>
-        </p:spPr>
-      </p:pic>
-      <p:pic>
-        <p:nvPicPr>
-          <p:cNvPr id="3076" name="Picture 4">
-            <a:extLst>
-              <a:ext uri="{FF2B5EF4-FFF2-40B4-BE49-F238E27FC236}">
-                <a16:creationId xmlns:a16="http://schemas.microsoft.com/office/drawing/2014/main" id="{301B551B-9E50-4712-B9C3-D6AD4B68E124}"/>
+                <a16:creationId xmlns:a16="http://schemas.microsoft.com/office/drawing/2014/main" id="{6602F371-6279-4F6C-8C92-3AA295A07975}"/>
               </a:ext>
             </a:extLst>
           </p:cNvPr>
@@ -21230,8 +22252,8 @@
         </p:blipFill>
         <p:spPr bwMode="auto">
           <a:xfrm>
-            <a:off x="4800600" y="1352550"/>
-            <a:ext cx="3657600" cy="2612571"/>
+            <a:off x="5543550" y="0"/>
+            <a:ext cx="3600450" cy="5143500"/>
           </a:xfrm>
           <a:prstGeom prst="rect">
             <a:avLst/>
@@ -21248,45 +22270,314 @@
           </a:extLst>
         </p:spPr>
       </p:pic>
+    </p:spTree>
+    <p:extLst>
+      <p:ext uri="{BB962C8B-B14F-4D97-AF65-F5344CB8AC3E}">
+        <p14:creationId xmlns:p14="http://schemas.microsoft.com/office/powerpoint/2010/main" val="2663868610"/>
+      </p:ext>
+    </p:extLst>
+  </p:cSld>
+  <p:clrMapOvr>
+    <a:masterClrMapping/>
+  </p:clrMapOvr>
+</p:sld>
+</file>
+
+<file path=ppt/slides/slide8.xml><?xml version="1.0" encoding="utf-8"?>
+<p:sld xmlns:a="http://schemas.openxmlformats.org/drawingml/2006/main" xmlns:r="http://schemas.openxmlformats.org/officeDocument/2006/relationships" xmlns:p="http://schemas.openxmlformats.org/presentationml/2006/main">
+  <p:cSld>
+    <p:spTree>
+      <p:nvGrpSpPr>
+        <p:cNvPr id="1" name=""/>
+        <p:cNvGrpSpPr/>
+        <p:nvPr/>
+      </p:nvGrpSpPr>
+      <p:grpSpPr>
+        <a:xfrm>
+          <a:off x="0" y="0"/>
+          <a:ext cx="0" cy="0"/>
+          <a:chOff x="0" y="0"/>
+          <a:chExt cx="0" cy="0"/>
+        </a:xfrm>
+      </p:grpSpPr>
       <p:sp>
         <p:nvSpPr>
-          <p:cNvPr id="4" name="TextBox 3">
+          <p:cNvPr id="2" name="Title 1">
             <a:extLst>
               <a:ext uri="{FF2B5EF4-FFF2-40B4-BE49-F238E27FC236}">
-                <a16:creationId xmlns:a16="http://schemas.microsoft.com/office/drawing/2014/main" id="{1040D74A-13E6-4708-89E3-2D0C88DEC3FD}"/>
+                <a16:creationId xmlns:a16="http://schemas.microsoft.com/office/drawing/2014/main" id="{300BBF5E-404A-4162-BF76-30A21C5CD566}"/>
               </a:ext>
             </a:extLst>
           </p:cNvPr>
-          <p:cNvSpPr txBox="1"/>
+          <p:cNvSpPr>
+            <a:spLocks noGrp="1"/>
+          </p:cNvSpPr>
+          <p:nvPr>
+            <p:ph type="title"/>
+          </p:nvPr>
+        </p:nvSpPr>
+        <p:spPr/>
+        <p:txBody>
+          <a:bodyPr/>
+          <a:lstStyle/>
+          <a:p>
+            <a:r>
+              <a:rPr lang="en-US" dirty="0"/>
+              <a:t>Top IBU</a:t>
+            </a:r>
+          </a:p>
+        </p:txBody>
+      </p:sp>
+      <p:pic>
+        <p:nvPicPr>
+          <p:cNvPr id="4" name="Picture 2">
+            <a:extLst>
+              <a:ext uri="{FF2B5EF4-FFF2-40B4-BE49-F238E27FC236}">
+                <a16:creationId xmlns:a16="http://schemas.microsoft.com/office/drawing/2014/main" id="{CD3765AA-58E2-42FE-9E6E-A875BCB1D73F}"/>
+              </a:ext>
+            </a:extLst>
+          </p:cNvPr>
+          <p:cNvPicPr>
+            <a:picLocks noChangeAspect="1" noChangeArrowheads="1"/>
+          </p:cNvPicPr>
           <p:nvPr/>
-        </p:nvSpPr>
-        <p:spPr>
+        </p:nvPicPr>
+        <p:blipFill>
+          <a:blip r:embed="rId3">
+            <a:extLst>
+              <a:ext uri="{28A0092B-C50C-407E-A947-70E740481C1C}">
+                <a14:useLocalDpi xmlns:a14="http://schemas.microsoft.com/office/drawing/2010/main" val="0"/>
+              </a:ext>
+            </a:extLst>
+          </a:blip>
+          <a:srcRect/>
+          <a:stretch>
+            <a:fillRect/>
+          </a:stretch>
+        </p:blipFill>
+        <p:spPr bwMode="auto">
           <a:xfrm>
-            <a:off x="684663" y="1120987"/>
-            <a:ext cx="7162800" cy="369332"/>
+            <a:off x="152400" y="1200150"/>
+            <a:ext cx="4206240" cy="3004457"/>
           </a:xfrm>
           <a:prstGeom prst="rect">
             <a:avLst/>
           </a:prstGeom>
           <a:noFill/>
+          <a:extLst>
+            <a:ext uri="{909E8E84-426E-40DD-AFC4-6F175D3DCCD1}">
+              <a14:hiddenFill xmlns:a14="http://schemas.microsoft.com/office/drawing/2010/main">
+                <a:solidFill>
+                  <a:srgbClr val="FFFFFF"/>
+                </a:solidFill>
+              </a14:hiddenFill>
+            </a:ext>
+          </a:extLst>
         </p:spPr>
+      </p:pic>
+      <p:pic>
+        <p:nvPicPr>
+          <p:cNvPr id="5" name="Picture 4">
+            <a:extLst>
+              <a:ext uri="{FF2B5EF4-FFF2-40B4-BE49-F238E27FC236}">
+                <a16:creationId xmlns:a16="http://schemas.microsoft.com/office/drawing/2014/main" id="{28B18D85-1151-450B-8AFF-D3E3FCE62C14}"/>
+              </a:ext>
+            </a:extLst>
+          </p:cNvPr>
+          <p:cNvPicPr>
+            <a:picLocks noChangeAspect="1" noChangeArrowheads="1"/>
+          </p:cNvPicPr>
+          <p:nvPr/>
+        </p:nvPicPr>
+        <p:blipFill>
+          <a:blip r:embed="rId4">
+            <a:extLst>
+              <a:ext uri="{28A0092B-C50C-407E-A947-70E740481C1C}">
+                <a14:useLocalDpi xmlns:a14="http://schemas.microsoft.com/office/drawing/2010/main" val="0"/>
+              </a:ext>
+            </a:extLst>
+          </a:blip>
+          <a:srcRect/>
+          <a:stretch>
+            <a:fillRect/>
+          </a:stretch>
+        </p:blipFill>
+        <p:spPr bwMode="auto">
+          <a:xfrm>
+            <a:off x="4724400" y="1200150"/>
+            <a:ext cx="4206240" cy="3004457"/>
+          </a:xfrm>
+          <a:prstGeom prst="rect">
+            <a:avLst/>
+          </a:prstGeom>
+          <a:noFill/>
+          <a:extLst>
+            <a:ext uri="{909E8E84-426E-40DD-AFC4-6F175D3DCCD1}">
+              <a14:hiddenFill xmlns:a14="http://schemas.microsoft.com/office/drawing/2010/main">
+                <a:solidFill>
+                  <a:srgbClr val="FFFFFF"/>
+                </a:solidFill>
+              </a14:hiddenFill>
+            </a:ext>
+          </a:extLst>
+        </p:spPr>
+      </p:pic>
+    </p:spTree>
+    <p:extLst>
+      <p:ext uri="{BB962C8B-B14F-4D97-AF65-F5344CB8AC3E}">
+        <p14:creationId xmlns:p14="http://schemas.microsoft.com/office/powerpoint/2010/main" val="2005336270"/>
+      </p:ext>
+    </p:extLst>
+  </p:cSld>
+  <p:clrMapOvr>
+    <a:masterClrMapping/>
+  </p:clrMapOvr>
+</p:sld>
+</file>
+
+<file path=ppt/slides/slide9.xml><?xml version="1.0" encoding="utf-8"?>
+<p:sld xmlns:a="http://schemas.openxmlformats.org/drawingml/2006/main" xmlns:r="http://schemas.openxmlformats.org/officeDocument/2006/relationships" xmlns:p="http://schemas.openxmlformats.org/presentationml/2006/main">
+  <p:cSld>
+    <p:spTree>
+      <p:nvGrpSpPr>
+        <p:cNvPr id="1" name=""/>
+        <p:cNvGrpSpPr/>
+        <p:nvPr/>
+      </p:nvGrpSpPr>
+      <p:grpSpPr>
+        <a:xfrm>
+          <a:off x="0" y="0"/>
+          <a:ext cx="0" cy="0"/>
+          <a:chOff x="0" y="0"/>
+          <a:chExt cx="0" cy="0"/>
+        </a:xfrm>
+      </p:grpSpPr>
+      <p:sp>
+        <p:nvSpPr>
+          <p:cNvPr id="2" name="Title 1">
+            <a:extLst>
+              <a:ext uri="{FF2B5EF4-FFF2-40B4-BE49-F238E27FC236}">
+                <a16:creationId xmlns:a16="http://schemas.microsoft.com/office/drawing/2014/main" id="{300BBF5E-404A-4162-BF76-30A21C5CD566}"/>
+              </a:ext>
+            </a:extLst>
+          </p:cNvPr>
+          <p:cNvSpPr>
+            <a:spLocks noGrp="1"/>
+          </p:cNvSpPr>
+          <p:nvPr>
+            <p:ph type="title"/>
+          </p:nvPr>
+        </p:nvSpPr>
+        <p:spPr/>
         <p:txBody>
-          <a:bodyPr wrap="square" rtlCol="0">
-            <a:spAutoFit/>
-          </a:bodyPr>
+          <a:bodyPr/>
           <a:lstStyle/>
           <a:p>
             <a:r>
               <a:rPr lang="en-US" dirty="0"/>
-              <a:t>Need to change to bar chart (top and bottom 10) and leave heat maps</a:t>
+              <a:t>Top ABV</a:t>
             </a:r>
           </a:p>
         </p:txBody>
       </p:sp>
+      <p:pic>
+        <p:nvPicPr>
+          <p:cNvPr id="5122" name="Picture 2">
+            <a:extLst>
+              <a:ext uri="{FF2B5EF4-FFF2-40B4-BE49-F238E27FC236}">
+                <a16:creationId xmlns:a16="http://schemas.microsoft.com/office/drawing/2014/main" id="{E734F5E3-6122-4A2E-8281-C1C4D2757A27}"/>
+              </a:ext>
+            </a:extLst>
+          </p:cNvPr>
+          <p:cNvPicPr>
+            <a:picLocks noChangeAspect="1" noChangeArrowheads="1"/>
+          </p:cNvPicPr>
+          <p:nvPr/>
+        </p:nvPicPr>
+        <p:blipFill>
+          <a:blip r:embed="rId3">
+            <a:extLst>
+              <a:ext uri="{28A0092B-C50C-407E-A947-70E740481C1C}">
+                <a14:useLocalDpi xmlns:a14="http://schemas.microsoft.com/office/drawing/2010/main" val="0"/>
+              </a:ext>
+            </a:extLst>
+          </a:blip>
+          <a:srcRect/>
+          <a:stretch>
+            <a:fillRect/>
+          </a:stretch>
+        </p:blipFill>
+        <p:spPr bwMode="auto">
+          <a:xfrm>
+            <a:off x="252029" y="1061238"/>
+            <a:ext cx="4206240" cy="3004457"/>
+          </a:xfrm>
+          <a:prstGeom prst="rect">
+            <a:avLst/>
+          </a:prstGeom>
+          <a:noFill/>
+          <a:extLst>
+            <a:ext uri="{909E8E84-426E-40DD-AFC4-6F175D3DCCD1}">
+              <a14:hiddenFill xmlns:a14="http://schemas.microsoft.com/office/drawing/2010/main">
+                <a:solidFill>
+                  <a:srgbClr val="FFFFFF"/>
+                </a:solidFill>
+              </a14:hiddenFill>
+            </a:ext>
+          </a:extLst>
+        </p:spPr>
+      </p:pic>
+      <p:pic>
+        <p:nvPicPr>
+          <p:cNvPr id="5124" name="Picture 4">
+            <a:extLst>
+              <a:ext uri="{FF2B5EF4-FFF2-40B4-BE49-F238E27FC236}">
+                <a16:creationId xmlns:a16="http://schemas.microsoft.com/office/drawing/2014/main" id="{C3F5B074-1700-48C5-A864-2001055CE578}"/>
+              </a:ext>
+            </a:extLst>
+          </p:cNvPr>
+          <p:cNvPicPr>
+            <a:picLocks noChangeAspect="1" noChangeArrowheads="1"/>
+          </p:cNvPicPr>
+          <p:nvPr/>
+        </p:nvPicPr>
+        <p:blipFill>
+          <a:blip r:embed="rId4">
+            <a:extLst>
+              <a:ext uri="{28A0092B-C50C-407E-A947-70E740481C1C}">
+                <a14:useLocalDpi xmlns:a14="http://schemas.microsoft.com/office/drawing/2010/main" val="0"/>
+              </a:ext>
+            </a:extLst>
+          </a:blip>
+          <a:srcRect/>
+          <a:stretch>
+            <a:fillRect/>
+          </a:stretch>
+        </p:blipFill>
+        <p:spPr bwMode="auto">
+          <a:xfrm>
+            <a:off x="4632960" y="1061238"/>
+            <a:ext cx="4206240" cy="3004457"/>
+          </a:xfrm>
+          <a:prstGeom prst="rect">
+            <a:avLst/>
+          </a:prstGeom>
+          <a:noFill/>
+          <a:extLst>
+            <a:ext uri="{909E8E84-426E-40DD-AFC4-6F175D3DCCD1}">
+              <a14:hiddenFill xmlns:a14="http://schemas.microsoft.com/office/drawing/2010/main">
+                <a:solidFill>
+                  <a:srgbClr val="FFFFFF"/>
+                </a:solidFill>
+              </a14:hiddenFill>
+            </a:ext>
+          </a:extLst>
+        </p:spPr>
+      </p:pic>
     </p:spTree>
     <p:extLst>
       <p:ext uri="{BB962C8B-B14F-4D97-AF65-F5344CB8AC3E}">
-        <p14:creationId xmlns:p14="http://schemas.microsoft.com/office/powerpoint/2010/main" val="2663868610"/>
+        <p14:creationId xmlns:p14="http://schemas.microsoft.com/office/powerpoint/2010/main" val="245379799"/>
       </p:ext>
     </p:extLst>
   </p:cSld>

--- a/DS6306 Group Project 1.pptx
+++ b/DS6306 Group Project 1.pptx
@@ -5,10 +5,10 @@
     <p:sldMasterId id="2147483648" r:id="rId1"/>
   </p:sldMasterIdLst>
   <p:notesMasterIdLst>
-    <p:notesMasterId r:id="rId13"/>
+    <p:notesMasterId r:id="rId14"/>
   </p:notesMasterIdLst>
   <p:handoutMasterIdLst>
-    <p:handoutMasterId r:id="rId14"/>
+    <p:handoutMasterId r:id="rId15"/>
   </p:handoutMasterIdLst>
   <p:sldIdLst>
     <p:sldId id="256" r:id="rId2"/>
@@ -22,6 +22,7 @@
     <p:sldId id="265" r:id="rId10"/>
     <p:sldId id="266" r:id="rId11"/>
     <p:sldId id="267" r:id="rId12"/>
+    <p:sldId id="273" r:id="rId13"/>
   </p:sldIdLst>
   <p:sldSz cx="9144000" cy="5143500" type="screen16x9"/>
   <p:notesSz cx="6858000" cy="9144000"/>
@@ -156,6 +157,7 @@
 <file path=ppt/revisionInfo.xml><?xml version="1.0" encoding="utf-8"?>
 <p1510:revInfo xmlns:a="http://schemas.openxmlformats.org/drawingml/2006/main" xmlns:r="http://schemas.openxmlformats.org/officeDocument/2006/relationships" xmlns:p1510="http://schemas.microsoft.com/office/powerpoint/2015/10/main">
   <p1510:revLst>
+    <p1510:client id="{0FBDB5B2-C375-467E-96F5-E579F69E02D0}" v="10" dt="2020-02-23T01:16:51.853"/>
     <p1510:client id="{61374EC2-74A0-4B7E-A59A-1715CE5DD16C}" v="347" dt="2020-02-22T02:55:21.222"/>
   </p1510:revLst>
 </p1510:revInfo>
@@ -1018,6 +1020,133 @@
       </pc:sldChg>
     </pc:docChg>
   </pc:docChgLst>
+  <pc:docChgLst>
+    <pc:chgData name="Thad Schwebke" userId="8a3b078b179e4a90" providerId="LiveId" clId="{0FBDB5B2-C375-467E-96F5-E579F69E02D0}"/>
+    <pc:docChg chg="addSld modSld">
+      <pc:chgData name="Thad Schwebke" userId="8a3b078b179e4a90" providerId="LiveId" clId="{0FBDB5B2-C375-467E-96F5-E579F69E02D0}" dt="2020-02-23T01:17:07.254" v="109" actId="20577"/>
+      <pc:docMkLst>
+        <pc:docMk/>
+      </pc:docMkLst>
+      <pc:sldChg chg="addSp modNotesTx">
+        <pc:chgData name="Thad Schwebke" userId="8a3b078b179e4a90" providerId="LiveId" clId="{0FBDB5B2-C375-467E-96F5-E579F69E02D0}" dt="2020-02-23T01:14:31.504" v="16" actId="20577"/>
+        <pc:sldMkLst>
+          <pc:docMk/>
+          <pc:sldMk cId="4148444099" sldId="256"/>
+        </pc:sldMkLst>
+        <pc:spChg chg="add">
+          <ac:chgData name="Thad Schwebke" userId="8a3b078b179e4a90" providerId="LiveId" clId="{0FBDB5B2-C375-467E-96F5-E579F69E02D0}" dt="2020-02-23T01:00:55.347" v="1"/>
+          <ac:spMkLst>
+            <pc:docMk/>
+            <pc:sldMk cId="4148444099" sldId="256"/>
+            <ac:spMk id="4" creationId="{1786843A-C7BE-4899-9F6A-ABE1B8AF1D00}"/>
+          </ac:spMkLst>
+        </pc:spChg>
+      </pc:sldChg>
+      <pc:sldChg chg="modNotesTx">
+        <pc:chgData name="Thad Schwebke" userId="8a3b078b179e4a90" providerId="LiveId" clId="{0FBDB5B2-C375-467E-96F5-E579F69E02D0}" dt="2020-02-23T01:16:25.757" v="88" actId="20577"/>
+        <pc:sldMkLst>
+          <pc:docMk/>
+          <pc:sldMk cId="2460916010" sldId="262"/>
+        </pc:sldMkLst>
+      </pc:sldChg>
+      <pc:sldChg chg="modNotesTx">
+        <pc:chgData name="Thad Schwebke" userId="8a3b078b179e4a90" providerId="LiveId" clId="{0FBDB5B2-C375-467E-96F5-E579F69E02D0}" dt="2020-02-23T01:16:16.972" v="84" actId="20577"/>
+        <pc:sldMkLst>
+          <pc:docMk/>
+          <pc:sldMk cId="1524816342" sldId="263"/>
+        </pc:sldMkLst>
+      </pc:sldChg>
+      <pc:sldChg chg="modNotesTx">
+        <pc:chgData name="Thad Schwebke" userId="8a3b078b179e4a90" providerId="LiveId" clId="{0FBDB5B2-C375-467E-96F5-E579F69E02D0}" dt="2020-02-23T01:16:11.137" v="80" actId="20577"/>
+        <pc:sldMkLst>
+          <pc:docMk/>
+          <pc:sldMk cId="2663868610" sldId="264"/>
+        </pc:sldMkLst>
+      </pc:sldChg>
+      <pc:sldChg chg="modNotesTx">
+        <pc:chgData name="Thad Schwebke" userId="8a3b078b179e4a90" providerId="LiveId" clId="{0FBDB5B2-C375-467E-96F5-E579F69E02D0}" dt="2020-02-23T01:15:29.545" v="68" actId="20577"/>
+        <pc:sldMkLst>
+          <pc:docMk/>
+          <pc:sldMk cId="245379799" sldId="265"/>
+        </pc:sldMkLst>
+      </pc:sldChg>
+      <pc:sldChg chg="modNotesTx">
+        <pc:chgData name="Thad Schwebke" userId="8a3b078b179e4a90" providerId="LiveId" clId="{0FBDB5B2-C375-467E-96F5-E579F69E02D0}" dt="2020-02-23T01:15:35.022" v="72" actId="20577"/>
+        <pc:sldMkLst>
+          <pc:docMk/>
+          <pc:sldMk cId="1387322310" sldId="266"/>
+        </pc:sldMkLst>
+      </pc:sldChg>
+      <pc:sldChg chg="modNotesTx">
+        <pc:chgData name="Thad Schwebke" userId="8a3b078b179e4a90" providerId="LiveId" clId="{0FBDB5B2-C375-467E-96F5-E579F69E02D0}" dt="2020-02-23T01:15:39.465" v="76" actId="20577"/>
+        <pc:sldMkLst>
+          <pc:docMk/>
+          <pc:sldMk cId="4003640020" sldId="267"/>
+        </pc:sldMkLst>
+      </pc:sldChg>
+      <pc:sldChg chg="modNotesTx">
+        <pc:chgData name="Thad Schwebke" userId="8a3b078b179e4a90" providerId="LiveId" clId="{0FBDB5B2-C375-467E-96F5-E579F69E02D0}" dt="2020-02-23T01:15:22.851" v="55" actId="20577"/>
+        <pc:sldMkLst>
+          <pc:docMk/>
+          <pc:sldMk cId="2005336270" sldId="268"/>
+        </pc:sldMkLst>
+      </pc:sldChg>
+      <pc:sldChg chg="addSp">
+        <pc:chgData name="Thad Schwebke" userId="8a3b078b179e4a90" providerId="LiveId" clId="{0FBDB5B2-C375-467E-96F5-E579F69E02D0}" dt="2020-02-23T01:00:52.801" v="0"/>
+        <pc:sldMkLst>
+          <pc:docMk/>
+          <pc:sldMk cId="1538342588" sldId="272"/>
+        </pc:sldMkLst>
+        <pc:spChg chg="add">
+          <ac:chgData name="Thad Schwebke" userId="8a3b078b179e4a90" providerId="LiveId" clId="{0FBDB5B2-C375-467E-96F5-E579F69E02D0}" dt="2020-02-23T01:00:52.801" v="0"/>
+          <ac:spMkLst>
+            <pc:docMk/>
+            <pc:sldMk cId="1538342588" sldId="272"/>
+            <ac:spMk id="4" creationId="{4A1A627B-5081-4CE6-86BF-BC90159E460D}"/>
+          </ac:spMkLst>
+        </pc:spChg>
+      </pc:sldChg>
+      <pc:sldChg chg="addSp delSp modSp add mod">
+        <pc:chgData name="Thad Schwebke" userId="8a3b078b179e4a90" providerId="LiveId" clId="{0FBDB5B2-C375-467E-96F5-E579F69E02D0}" dt="2020-02-23T01:17:07.254" v="109" actId="20577"/>
+        <pc:sldMkLst>
+          <pc:docMk/>
+          <pc:sldMk cId="3664237376" sldId="273"/>
+        </pc:sldMkLst>
+        <pc:spChg chg="del">
+          <ac:chgData name="Thad Schwebke" userId="8a3b078b179e4a90" providerId="LiveId" clId="{0FBDB5B2-C375-467E-96F5-E579F69E02D0}" dt="2020-02-23T01:16:51.852" v="90"/>
+          <ac:spMkLst>
+            <pc:docMk/>
+            <pc:sldMk cId="3664237376" sldId="273"/>
+            <ac:spMk id="2" creationId="{017A87FA-EFDD-4DF4-BA04-35493DDBAB2C}"/>
+          </ac:spMkLst>
+        </pc:spChg>
+        <pc:spChg chg="del">
+          <ac:chgData name="Thad Schwebke" userId="8a3b078b179e4a90" providerId="LiveId" clId="{0FBDB5B2-C375-467E-96F5-E579F69E02D0}" dt="2020-02-23T01:16:51.852" v="90"/>
+          <ac:spMkLst>
+            <pc:docMk/>
+            <pc:sldMk cId="3664237376" sldId="273"/>
+            <ac:spMk id="3" creationId="{C5446198-E342-472C-8425-34CEB9975E57}"/>
+          </ac:spMkLst>
+        </pc:spChg>
+        <pc:spChg chg="add mod">
+          <ac:chgData name="Thad Schwebke" userId="8a3b078b179e4a90" providerId="LiveId" clId="{0FBDB5B2-C375-467E-96F5-E579F69E02D0}" dt="2020-02-23T01:16:57.863" v="100" actId="20577"/>
+          <ac:spMkLst>
+            <pc:docMk/>
+            <pc:sldMk cId="3664237376" sldId="273"/>
+            <ac:spMk id="4" creationId="{F04C7EA7-2EE2-4009-AA46-75A05E66E1FF}"/>
+          </ac:spMkLst>
+        </pc:spChg>
+        <pc:spChg chg="add mod">
+          <ac:chgData name="Thad Schwebke" userId="8a3b078b179e4a90" providerId="LiveId" clId="{0FBDB5B2-C375-467E-96F5-E579F69E02D0}" dt="2020-02-23T01:17:07.254" v="109" actId="20577"/>
+          <ac:spMkLst>
+            <pc:docMk/>
+            <pc:sldMk cId="3664237376" sldId="273"/>
+            <ac:spMk id="5" creationId="{B7032DA9-3084-428D-B16D-24511F6F7009}"/>
+          </ac:spMkLst>
+        </pc:spChg>
+      </pc:sldChg>
+    </pc:docChg>
+  </pc:docChgLst>
 </pc:chgInfo>
 </file>
 
@@ -1103,7 +1232,7 @@
           <a:p>
             <a:fld id="{4AECD13F-9E93-4C57-A5BD-336347054114}" type="datetimeFigureOut">
               <a:rPr lang="en-US" smtClean="0"/>
-              <a:t>2/21/2020</a:t>
+              <a:t>2/22/2020</a:t>
             </a:fld>
             <a:endParaRPr lang="en-US"/>
           </a:p>
@@ -1268,7 +1397,7 @@
           <a:p>
             <a:fld id="{621D9606-6FF7-49AF-A412-4D6AB767DFC4}" type="datetimeFigureOut">
               <a:rPr lang="en-US" smtClean="0"/>
-              <a:t>2/21/2020</a:t>
+              <a:t>2/22/2020</a:t>
             </a:fld>
             <a:endParaRPr lang="en-US"/>
           </a:p>
@@ -1581,13 +1710,7 @@
           <a:p>
             <a:r>
               <a:rPr lang="en-US" dirty="0"/>
-              <a:t>Speaker: </a:t>
-            </a:r>
-          </a:p>
-          <a:p>
-            <a:r>
-              <a:rPr lang="en-US" dirty="0"/>
-              <a:t>Notes: </a:t>
+              <a:t>Speaker: Rajesh</a:t>
             </a:r>
           </a:p>
         </p:txBody>
@@ -1609,7 +1732,7 @@
           <a:p>
             <a:fld id="{274AE7AE-FCBF-419F-971E-04B351FA8EC0}" type="slidenum">
               <a:rPr lang="en-US" smtClean="0"/>
-              <a:t>2</a:t>
+              <a:t>1</a:t>
             </a:fld>
             <a:endParaRPr lang="en-US"/>
           </a:p>
@@ -1618,7 +1741,7 @@
     </p:spTree>
     <p:extLst>
       <p:ext uri="{BB962C8B-B14F-4D97-AF65-F5344CB8AC3E}">
-        <p14:creationId xmlns:p14="http://schemas.microsoft.com/office/powerpoint/2010/main" val="1627930169"/>
+        <p14:creationId xmlns:p14="http://schemas.microsoft.com/office/powerpoint/2010/main" val="3262095646"/>
       </p:ext>
     </p:extLst>
   </p:cSld>
@@ -1672,10 +1795,149 @@
           <a:bodyPr/>
           <a:lstStyle/>
           <a:p>
+            <a:pPr marL="0" marR="0" lvl="0" indent="0" algn="l" defTabSz="914400" rtl="0" eaLnBrk="1" fontAlgn="auto" latinLnBrk="0" hangingPunct="1">
+              <a:lnSpc>
+                <a:spcPct val="100000"/>
+              </a:lnSpc>
+              <a:spcBef>
+                <a:spcPts val="0"/>
+              </a:spcBef>
+              <a:spcAft>
+                <a:spcPts val="0"/>
+              </a:spcAft>
+              <a:buClrTx/>
+              <a:buSzTx/>
+              <a:buFontTx/>
+              <a:buNone/>
+              <a:tabLst/>
+              <a:defRPr/>
+            </a:pPr>
             <a:r>
               <a:rPr lang="en-US" dirty="0"/>
-              <a:t>Speaker: </a:t>
+              <a:t>Speaker: Thad Schwebke</a:t>
             </a:r>
+          </a:p>
+          <a:p>
+            <a:endParaRPr lang="en-US" dirty="0"/>
+          </a:p>
+          <a:p>
+            <a:r>
+              <a:rPr lang="en-US" dirty="0"/>
+              <a:t>Notes: The histogram shows that the ABV data is normally distributed, but appears to have some small outliers on both ends. The two box plots illustrate that IPA has a higher overall median ABV at ~.8 ABV, however Other has several outliers that sit above the median (i.e. several greater than .12 ABV). 19.2 ounce beers tend to have the higher ABV, but the 16 ounces has a few outliers on the high side. One could also argue that 8.4 ounce beers has the highest median. The problem with this would be the number of observations that were 8.4 ounces. It appears to be a single observation.</a:t>
+            </a:r>
+          </a:p>
+          <a:p>
+            <a:endParaRPr lang="en-US" dirty="0"/>
+          </a:p>
+          <a:p>
+            <a:endParaRPr lang="en-US" dirty="0"/>
+          </a:p>
+        </p:txBody>
+      </p:sp>
+      <p:sp>
+        <p:nvSpPr>
+          <p:cNvPr id="4" name="Slide Number Placeholder 3"/>
+          <p:cNvSpPr>
+            <a:spLocks noGrp="1"/>
+          </p:cNvSpPr>
+          <p:nvPr>
+            <p:ph type="sldNum" sz="quarter" idx="5"/>
+          </p:nvPr>
+        </p:nvSpPr>
+        <p:spPr/>
+        <p:txBody>
+          <a:bodyPr/>
+          <a:lstStyle/>
+          <a:p>
+            <a:fld id="{274AE7AE-FCBF-419F-971E-04B351FA8EC0}" type="slidenum">
+              <a:rPr lang="en-US" smtClean="0"/>
+              <a:t>10</a:t>
+            </a:fld>
+            <a:endParaRPr lang="en-US"/>
+          </a:p>
+        </p:txBody>
+      </p:sp>
+    </p:spTree>
+    <p:extLst>
+      <p:ext uri="{BB962C8B-B14F-4D97-AF65-F5344CB8AC3E}">
+        <p14:creationId xmlns:p14="http://schemas.microsoft.com/office/powerpoint/2010/main" val="38672616"/>
+      </p:ext>
+    </p:extLst>
+  </p:cSld>
+  <p:clrMapOvr>
+    <a:masterClrMapping/>
+  </p:clrMapOvr>
+</p:notes>
+</file>
+
+<file path=ppt/notesSlides/notesSlide11.xml><?xml version="1.0" encoding="utf-8"?>
+<p:notes xmlns:a="http://schemas.openxmlformats.org/drawingml/2006/main" xmlns:r="http://schemas.openxmlformats.org/officeDocument/2006/relationships" xmlns:p="http://schemas.openxmlformats.org/presentationml/2006/main">
+  <p:cSld>
+    <p:spTree>
+      <p:nvGrpSpPr>
+        <p:cNvPr id="1" name=""/>
+        <p:cNvGrpSpPr/>
+        <p:nvPr/>
+      </p:nvGrpSpPr>
+      <p:grpSpPr>
+        <a:xfrm>
+          <a:off x="0" y="0"/>
+          <a:ext cx="0" cy="0"/>
+          <a:chOff x="0" y="0"/>
+          <a:chExt cx="0" cy="0"/>
+        </a:xfrm>
+      </p:grpSpPr>
+      <p:sp>
+        <p:nvSpPr>
+          <p:cNvPr id="2" name="Slide Image Placeholder 1"/>
+          <p:cNvSpPr>
+            <a:spLocks noGrp="1" noRot="1" noChangeAspect="1"/>
+          </p:cNvSpPr>
+          <p:nvPr>
+            <p:ph type="sldImg"/>
+          </p:nvPr>
+        </p:nvSpPr>
+        <p:spPr/>
+      </p:sp>
+      <p:sp>
+        <p:nvSpPr>
+          <p:cNvPr id="3" name="Notes Placeholder 2"/>
+          <p:cNvSpPr>
+            <a:spLocks noGrp="1"/>
+          </p:cNvSpPr>
+          <p:nvPr>
+            <p:ph type="body" idx="1"/>
+          </p:nvPr>
+        </p:nvSpPr>
+        <p:spPr/>
+        <p:txBody>
+          <a:bodyPr/>
+          <a:lstStyle/>
+          <a:p>
+            <a:pPr marL="0" marR="0" lvl="0" indent="0" algn="l" defTabSz="914400" rtl="0" eaLnBrk="1" fontAlgn="auto" latinLnBrk="0" hangingPunct="1">
+              <a:lnSpc>
+                <a:spcPct val="100000"/>
+              </a:lnSpc>
+              <a:spcBef>
+                <a:spcPts val="0"/>
+              </a:spcBef>
+              <a:spcAft>
+                <a:spcPts val="0"/>
+              </a:spcAft>
+              <a:buClrTx/>
+              <a:buSzTx/>
+              <a:buFontTx/>
+              <a:buNone/>
+              <a:tabLst/>
+              <a:defRPr/>
+            </a:pPr>
+            <a:r>
+              <a:rPr lang="en-US" dirty="0"/>
+              <a:t>Speaker: Thad Schwebke</a:t>
+            </a:r>
+          </a:p>
+          <a:p>
+            <a:endParaRPr lang="en-US" dirty="0"/>
           </a:p>
           <a:p>
             <a:r>
@@ -1770,7 +2032,7 @@
           <a:p>
             <a:r>
               <a:rPr lang="en-US" dirty="0"/>
-              <a:t>Speaker: </a:t>
+              <a:t>Speaker: Rajesh</a:t>
             </a:r>
           </a:p>
           <a:p>
@@ -1778,9 +2040,6 @@
               <a:rPr lang="en-US" dirty="0"/>
               <a:t>Notes: </a:t>
             </a:r>
-          </a:p>
-          <a:p>
-            <a:endParaRPr lang="en-US" dirty="0"/>
           </a:p>
         </p:txBody>
       </p:sp>
@@ -1801,7 +2060,7 @@
           <a:p>
             <a:fld id="{274AE7AE-FCBF-419F-971E-04B351FA8EC0}" type="slidenum">
               <a:rPr lang="en-US" smtClean="0"/>
-              <a:t>3</a:t>
+              <a:t>2</a:t>
             </a:fld>
             <a:endParaRPr lang="en-US"/>
           </a:p>
@@ -1810,7 +2069,7 @@
     </p:spTree>
     <p:extLst>
       <p:ext uri="{BB962C8B-B14F-4D97-AF65-F5344CB8AC3E}">
-        <p14:creationId xmlns:p14="http://schemas.microsoft.com/office/powerpoint/2010/main" val="1962182921"/>
+        <p14:creationId xmlns:p14="http://schemas.microsoft.com/office/powerpoint/2010/main" val="1627930169"/>
       </p:ext>
     </p:extLst>
   </p:cSld>
@@ -1866,19 +2125,14 @@
           <a:p>
             <a:r>
               <a:rPr lang="en-US" dirty="0"/>
-              <a:t>Speaker: </a:t>
+              <a:t>Speaker: Rajesh</a:t>
             </a:r>
           </a:p>
           <a:p>
             <a:r>
               <a:rPr lang="en-US" dirty="0"/>
-              <a:t>Notes: Colorado has 47 breweries which is 8 more than California which is second with 39 breweries. 4 states (DC, N Dakota, S Dakota, and West Virginia) only had 1 brewery and 4 more states (Arkansas, Delaware, Mississippi, and Nevada) only have two breweries. Nevada was a shock due to it being the home of Las Vegas. The highest number of breweries appears to be west of the Mississippi river. However, the northeast united states has its </a:t>
+              <a:t>Notes: </a:t>
             </a:r>
-            <a:r>
-              <a:rPr lang="en-US"/>
-              <a:t>fair share.</a:t>
-            </a:r>
-            <a:endParaRPr lang="en-US" dirty="0"/>
           </a:p>
           <a:p>
             <a:endParaRPr lang="en-US" dirty="0"/>
@@ -1902,7 +2156,7 @@
           <a:p>
             <a:fld id="{274AE7AE-FCBF-419F-971E-04B351FA8EC0}" type="slidenum">
               <a:rPr lang="en-US" smtClean="0"/>
-              <a:t>4</a:t>
+              <a:t>3</a:t>
             </a:fld>
             <a:endParaRPr lang="en-US"/>
           </a:p>
@@ -1911,7 +2165,7 @@
     </p:spTree>
     <p:extLst>
       <p:ext uri="{BB962C8B-B14F-4D97-AF65-F5344CB8AC3E}">
-        <p14:creationId xmlns:p14="http://schemas.microsoft.com/office/powerpoint/2010/main" val="1537315401"/>
+        <p14:creationId xmlns:p14="http://schemas.microsoft.com/office/powerpoint/2010/main" val="1962182921"/>
       </p:ext>
     </p:extLst>
   </p:cSld>
@@ -1967,7 +2221,103 @@
           <a:p>
             <a:r>
               <a:rPr lang="en-US" dirty="0"/>
-              <a:t>Speaker: </a:t>
+              <a:t>Speaker: Rajesh</a:t>
+            </a:r>
+          </a:p>
+          <a:p>
+            <a:r>
+              <a:rPr lang="en-US" dirty="0"/>
+              <a:t>Notes: Colorado has 47 breweries which is 8 more than California which is second with 39 breweries. 4 states (DC, N Dakota, S Dakota, and West Virginia) only had 1 brewery and 4 more states (Arkansas, Delaware, Mississippi, and Nevada) only have two breweries. Nevada was a shock due to it being the home of Las Vegas. The highest number of breweries appears to be west of the Mississippi river. However, the northeast united states has its fair share.</a:t>
+            </a:r>
+          </a:p>
+          <a:p>
+            <a:endParaRPr lang="en-US" dirty="0"/>
+          </a:p>
+        </p:txBody>
+      </p:sp>
+      <p:sp>
+        <p:nvSpPr>
+          <p:cNvPr id="4" name="Slide Number Placeholder 3"/>
+          <p:cNvSpPr>
+            <a:spLocks noGrp="1"/>
+          </p:cNvSpPr>
+          <p:nvPr>
+            <p:ph type="sldNum" sz="quarter" idx="5"/>
+          </p:nvPr>
+        </p:nvSpPr>
+        <p:spPr/>
+        <p:txBody>
+          <a:bodyPr/>
+          <a:lstStyle/>
+          <a:p>
+            <a:fld id="{274AE7AE-FCBF-419F-971E-04B351FA8EC0}" type="slidenum">
+              <a:rPr lang="en-US" smtClean="0"/>
+              <a:t>4</a:t>
+            </a:fld>
+            <a:endParaRPr lang="en-US"/>
+          </a:p>
+        </p:txBody>
+      </p:sp>
+    </p:spTree>
+    <p:extLst>
+      <p:ext uri="{BB962C8B-B14F-4D97-AF65-F5344CB8AC3E}">
+        <p14:creationId xmlns:p14="http://schemas.microsoft.com/office/powerpoint/2010/main" val="1537315401"/>
+      </p:ext>
+    </p:extLst>
+  </p:cSld>
+  <p:clrMapOvr>
+    <a:masterClrMapping/>
+  </p:clrMapOvr>
+</p:notes>
+</file>
+
+<file path=ppt/notesSlides/notesSlide5.xml><?xml version="1.0" encoding="utf-8"?>
+<p:notes xmlns:a="http://schemas.openxmlformats.org/drawingml/2006/main" xmlns:r="http://schemas.openxmlformats.org/officeDocument/2006/relationships" xmlns:p="http://schemas.openxmlformats.org/presentationml/2006/main">
+  <p:cSld>
+    <p:spTree>
+      <p:nvGrpSpPr>
+        <p:cNvPr id="1" name=""/>
+        <p:cNvGrpSpPr/>
+        <p:nvPr/>
+      </p:nvGrpSpPr>
+      <p:grpSpPr>
+        <a:xfrm>
+          <a:off x="0" y="0"/>
+          <a:ext cx="0" cy="0"/>
+          <a:chOff x="0" y="0"/>
+          <a:chExt cx="0" cy="0"/>
+        </a:xfrm>
+      </p:grpSpPr>
+      <p:sp>
+        <p:nvSpPr>
+          <p:cNvPr id="2" name="Slide Image Placeholder 1"/>
+          <p:cNvSpPr>
+            <a:spLocks noGrp="1" noRot="1" noChangeAspect="1"/>
+          </p:cNvSpPr>
+          <p:nvPr>
+            <p:ph type="sldImg"/>
+          </p:nvPr>
+        </p:nvSpPr>
+        <p:spPr/>
+      </p:sp>
+      <p:sp>
+        <p:nvSpPr>
+          <p:cNvPr id="3" name="Notes Placeholder 2"/>
+          <p:cNvSpPr>
+            <a:spLocks noGrp="1"/>
+          </p:cNvSpPr>
+          <p:nvPr>
+            <p:ph type="body" idx="1"/>
+          </p:nvPr>
+        </p:nvSpPr>
+        <p:spPr/>
+        <p:txBody>
+          <a:bodyPr/>
+          <a:lstStyle/>
+          <a:p>
+            <a:r>
+              <a:rPr lang="en-US" dirty="0"/>
+              <a:t>Speaker: Kris</a:t>
             </a:r>
           </a:p>
           <a:p>
@@ -2033,7 +2383,7 @@
 </p:notes>
 </file>
 
-<file path=ppt/notesSlides/notesSlide5.xml><?xml version="1.0" encoding="utf-8"?>
+<file path=ppt/notesSlides/notesSlide6.xml><?xml version="1.0" encoding="utf-8"?>
 <p:notes xmlns:a="http://schemas.openxmlformats.org/drawingml/2006/main" xmlns:r="http://schemas.openxmlformats.org/officeDocument/2006/relationships" xmlns:p="http://schemas.openxmlformats.org/presentationml/2006/main">
   <p:cSld>
     <p:spTree>
@@ -2079,7 +2429,7 @@
           <a:p>
             <a:r>
               <a:rPr lang="en-US" dirty="0"/>
-              <a:t>Speaker: </a:t>
+              <a:t>Speaker: Kris</a:t>
             </a:r>
           </a:p>
           <a:p>
@@ -2142,7 +2492,7 @@
 </p:notes>
 </file>
 
-<file path=ppt/notesSlides/notesSlide6.xml><?xml version="1.0" encoding="utf-8"?>
+<file path=ppt/notesSlides/notesSlide7.xml><?xml version="1.0" encoding="utf-8"?>
 <p:notes xmlns:a="http://schemas.openxmlformats.org/drawingml/2006/main" xmlns:r="http://schemas.openxmlformats.org/officeDocument/2006/relationships" xmlns:p="http://schemas.openxmlformats.org/presentationml/2006/main">
   <p:cSld>
     <p:spTree>
@@ -2188,7 +2538,7 @@
           <a:p>
             <a:r>
               <a:rPr lang="en-US" dirty="0"/>
-              <a:t>Speaker: </a:t>
+              <a:t>Speaker: Kris</a:t>
             </a:r>
           </a:p>
           <a:p>
@@ -2262,7 +2612,7 @@
 </p:notes>
 </file>
 
-<file path=ppt/notesSlides/notesSlide7.xml><?xml version="1.0" encoding="utf-8"?>
+<file path=ppt/notesSlides/notesSlide8.xml><?xml version="1.0" encoding="utf-8"?>
 <p:notes xmlns:a="http://schemas.openxmlformats.org/drawingml/2006/main" xmlns:r="http://schemas.openxmlformats.org/officeDocument/2006/relationships" xmlns:p="http://schemas.openxmlformats.org/presentationml/2006/main">
   <p:cSld>
     <p:spTree>
@@ -2308,7 +2658,7 @@
           <a:p>
             <a:r>
               <a:rPr lang="en-US" dirty="0"/>
-              <a:t>Speaker: </a:t>
+              <a:t>Speaker: Thad Schwebke</a:t>
             </a:r>
           </a:p>
           <a:p>
@@ -2385,7 +2735,7 @@
 </p:notes>
 </file>
 
-<file path=ppt/notesSlides/notesSlide8.xml><?xml version="1.0" encoding="utf-8"?>
+<file path=ppt/notesSlides/notesSlide9.xml><?xml version="1.0" encoding="utf-8"?>
 <p:notes xmlns:a="http://schemas.openxmlformats.org/drawingml/2006/main" xmlns:r="http://schemas.openxmlformats.org/officeDocument/2006/relationships" xmlns:p="http://schemas.openxmlformats.org/presentationml/2006/main">
   <p:cSld>
     <p:spTree>
@@ -2431,7 +2781,7 @@
           <a:p>
             <a:r>
               <a:rPr lang="en-US" dirty="0"/>
-              <a:t>Speaker: </a:t>
+              <a:t>Speaker: Thad Schwebke</a:t>
             </a:r>
           </a:p>
           <a:p>
@@ -2485,105 +2835,6 @@
     <p:extLst>
       <p:ext uri="{BB962C8B-B14F-4D97-AF65-F5344CB8AC3E}">
         <p14:creationId xmlns:p14="http://schemas.microsoft.com/office/powerpoint/2010/main" val="639101511"/>
-      </p:ext>
-    </p:extLst>
-  </p:cSld>
-  <p:clrMapOvr>
-    <a:masterClrMapping/>
-  </p:clrMapOvr>
-</p:notes>
-</file>
-
-<file path=ppt/notesSlides/notesSlide9.xml><?xml version="1.0" encoding="utf-8"?>
-<p:notes xmlns:a="http://schemas.openxmlformats.org/drawingml/2006/main" xmlns:r="http://schemas.openxmlformats.org/officeDocument/2006/relationships" xmlns:p="http://schemas.openxmlformats.org/presentationml/2006/main">
-  <p:cSld>
-    <p:spTree>
-      <p:nvGrpSpPr>
-        <p:cNvPr id="1" name=""/>
-        <p:cNvGrpSpPr/>
-        <p:nvPr/>
-      </p:nvGrpSpPr>
-      <p:grpSpPr>
-        <a:xfrm>
-          <a:off x="0" y="0"/>
-          <a:ext cx="0" cy="0"/>
-          <a:chOff x="0" y="0"/>
-          <a:chExt cx="0" cy="0"/>
-        </a:xfrm>
-      </p:grpSpPr>
-      <p:sp>
-        <p:nvSpPr>
-          <p:cNvPr id="2" name="Slide Image Placeholder 1"/>
-          <p:cNvSpPr>
-            <a:spLocks noGrp="1" noRot="1" noChangeAspect="1"/>
-          </p:cNvSpPr>
-          <p:nvPr>
-            <p:ph type="sldImg"/>
-          </p:nvPr>
-        </p:nvSpPr>
-        <p:spPr/>
-      </p:sp>
-      <p:sp>
-        <p:nvSpPr>
-          <p:cNvPr id="3" name="Notes Placeholder 2"/>
-          <p:cNvSpPr>
-            <a:spLocks noGrp="1"/>
-          </p:cNvSpPr>
-          <p:nvPr>
-            <p:ph type="body" idx="1"/>
-          </p:nvPr>
-        </p:nvSpPr>
-        <p:spPr/>
-        <p:txBody>
-          <a:bodyPr/>
-          <a:lstStyle/>
-          <a:p>
-            <a:r>
-              <a:rPr lang="en-US" dirty="0"/>
-              <a:t>Speaker: </a:t>
-            </a:r>
-          </a:p>
-          <a:p>
-            <a:r>
-              <a:rPr lang="en-US" dirty="0"/>
-              <a:t>Notes: The histogram shows that the ABV data is normally distributed, but appears to have some small outliers on both ends. The two box plots illustrate that IPA has a higher overall median ABV at ~.8 ABV, however Other has several outliers that sit above the median (i.e. several greater than .12 ABV). 19.2 ounce beers tend to have the higher ABV, but the 16 ounces has a few outliers on the high side. One could also argue that 8.4 ounce beers has the highest median. The problem with this would be the number of observations that were 8.4 ounces. It appears to be a single observation.</a:t>
-            </a:r>
-          </a:p>
-          <a:p>
-            <a:endParaRPr lang="en-US" dirty="0"/>
-          </a:p>
-          <a:p>
-            <a:endParaRPr lang="en-US" dirty="0"/>
-          </a:p>
-        </p:txBody>
-      </p:sp>
-      <p:sp>
-        <p:nvSpPr>
-          <p:cNvPr id="4" name="Slide Number Placeholder 3"/>
-          <p:cNvSpPr>
-            <a:spLocks noGrp="1"/>
-          </p:cNvSpPr>
-          <p:nvPr>
-            <p:ph type="sldNum" sz="quarter" idx="5"/>
-          </p:nvPr>
-        </p:nvSpPr>
-        <p:spPr/>
-        <p:txBody>
-          <a:bodyPr/>
-          <a:lstStyle/>
-          <a:p>
-            <a:fld id="{274AE7AE-FCBF-419F-971E-04B351FA8EC0}" type="slidenum">
-              <a:rPr lang="en-US" smtClean="0"/>
-              <a:t>10</a:t>
-            </a:fld>
-            <a:endParaRPr lang="en-US"/>
-          </a:p>
-        </p:txBody>
-      </p:sp>
-    </p:spTree>
-    <p:extLst>
-      <p:ext uri="{BB962C8B-B14F-4D97-AF65-F5344CB8AC3E}">
-        <p14:creationId xmlns:p14="http://schemas.microsoft.com/office/powerpoint/2010/main" val="38672616"/>
       </p:ext>
     </p:extLst>
   </p:cSld>
@@ -2824,7 +3075,7 @@
             <a:fld id="{FFF30096-E2FA-4C53-8FFA-C198FACBBC31}" type="datetimeFigureOut">
               <a:rPr lang="en-US" smtClean="0"/>
               <a:pPr/>
-              <a:t>2/21/2020</a:t>
+              <a:t>2/22/2020</a:t>
             </a:fld>
             <a:endParaRPr lang="en-US" dirty="0"/>
           </a:p>
@@ -10083,7 +10334,7 @@
             <a:fld id="{FFF30096-E2FA-4C53-8FFA-C198FACBBC31}" type="datetimeFigureOut">
               <a:rPr lang="en-US" smtClean="0"/>
               <a:pPr/>
-              <a:t>2/21/2020</a:t>
+              <a:t>2/22/2020</a:t>
             </a:fld>
             <a:endParaRPr lang="en-US" dirty="0"/>
           </a:p>
@@ -17757,7 +18008,7 @@
             <a:fld id="{FFF30096-E2FA-4C53-8FFA-C198FACBBC31}" type="datetimeFigureOut">
               <a:rPr lang="en-US" smtClean="0"/>
               <a:pPr/>
-              <a:t>2/21/2020</a:t>
+              <a:t>2/22/2020</a:t>
             </a:fld>
             <a:endParaRPr lang="en-US" dirty="0"/>
           </a:p>
@@ -18013,7 +18264,7 @@
             <a:fld id="{FFF30096-E2FA-4C53-8FFA-C198FACBBC31}" type="datetimeFigureOut">
               <a:rPr lang="en-US" smtClean="0"/>
               <a:pPr/>
-              <a:t>2/21/2020</a:t>
+              <a:t>2/22/2020</a:t>
             </a:fld>
             <a:endParaRPr lang="en-US" dirty="0"/>
           </a:p>
@@ -19787,7 +20038,7 @@
             <a:fld id="{FFF30096-E2FA-4C53-8FFA-C198FACBBC31}" type="datetimeFigureOut">
               <a:rPr lang="en-US" smtClean="0"/>
               <a:pPr/>
-              <a:t>2/21/2020</a:t>
+              <a:t>2/22/2020</a:t>
             </a:fld>
             <a:endParaRPr lang="en-US" dirty="0"/>
           </a:p>
@@ -20162,7 +20413,7 @@
             <a:fld id="{FFF30096-E2FA-4C53-8FFA-C198FACBBC31}" type="datetimeFigureOut">
               <a:rPr lang="en-US" smtClean="0"/>
               <a:pPr/>
-              <a:t>2/21/2020</a:t>
+              <a:t>2/22/2020</a:t>
             </a:fld>
             <a:endParaRPr lang="en-US"/>
           </a:p>
@@ -20580,6 +20831,43 @@
           </a:p>
         </p:txBody>
       </p:sp>
+      <p:sp>
+        <p:nvSpPr>
+          <p:cNvPr id="4" name="TextBox 3">
+            <a:extLst>
+              <a:ext uri="{FF2B5EF4-FFF2-40B4-BE49-F238E27FC236}">
+                <a16:creationId xmlns:a16="http://schemas.microsoft.com/office/drawing/2014/main" id="{1786843A-C7BE-4899-9F6A-ABE1B8AF1D00}"/>
+              </a:ext>
+            </a:extLst>
+          </p:cNvPr>
+          <p:cNvSpPr txBox="1"/>
+          <p:nvPr/>
+        </p:nvSpPr>
+        <p:spPr>
+          <a:xfrm>
+            <a:off x="8229600" y="4752856"/>
+            <a:ext cx="914400" cy="369332"/>
+          </a:xfrm>
+          <a:prstGeom prst="rect">
+            <a:avLst/>
+          </a:prstGeom>
+          <a:solidFill>
+            <a:schemeClr val="bg1"/>
+          </a:solidFill>
+        </p:spPr>
+        <p:txBody>
+          <a:bodyPr wrap="square" rtlCol="0">
+            <a:spAutoFit/>
+          </a:bodyPr>
+          <a:lstStyle/>
+          <a:p>
+            <a:r>
+              <a:rPr lang="en-US" dirty="0"/>
+              <a:t> </a:t>
+            </a:r>
+          </a:p>
+        </p:txBody>
+      </p:sp>
     </p:spTree>
     <p:extLst>
       <p:ext uri="{BB962C8B-B14F-4D97-AF65-F5344CB8AC3E}">
@@ -20952,6 +21240,92 @@
 </p:sld>
 </file>
 
+<file path=ppt/slides/slide12.xml><?xml version="1.0" encoding="utf-8"?>
+<p:sld xmlns:a="http://schemas.openxmlformats.org/drawingml/2006/main" xmlns:r="http://schemas.openxmlformats.org/officeDocument/2006/relationships" xmlns:p="http://schemas.openxmlformats.org/presentationml/2006/main">
+  <p:cSld>
+    <p:spTree>
+      <p:nvGrpSpPr>
+        <p:cNvPr id="1" name=""/>
+        <p:cNvGrpSpPr/>
+        <p:nvPr/>
+      </p:nvGrpSpPr>
+      <p:grpSpPr>
+        <a:xfrm>
+          <a:off x="0" y="0"/>
+          <a:ext cx="0" cy="0"/>
+          <a:chOff x="0" y="0"/>
+          <a:chExt cx="0" cy="0"/>
+        </a:xfrm>
+      </p:grpSpPr>
+      <p:sp>
+        <p:nvSpPr>
+          <p:cNvPr id="4" name="Title 3">
+            <a:extLst>
+              <a:ext uri="{FF2B5EF4-FFF2-40B4-BE49-F238E27FC236}">
+                <a16:creationId xmlns:a16="http://schemas.microsoft.com/office/drawing/2014/main" id="{F04C7EA7-2EE2-4009-AA46-75A05E66E1FF}"/>
+              </a:ext>
+            </a:extLst>
+          </p:cNvPr>
+          <p:cNvSpPr>
+            <a:spLocks noGrp="1"/>
+          </p:cNvSpPr>
+          <p:nvPr>
+            <p:ph type="title"/>
+          </p:nvPr>
+        </p:nvSpPr>
+        <p:spPr/>
+        <p:txBody>
+          <a:bodyPr/>
+          <a:lstStyle/>
+          <a:p>
+            <a:r>
+              <a:rPr lang="en-US" dirty="0"/>
+              <a:t>Thank You!</a:t>
+            </a:r>
+          </a:p>
+        </p:txBody>
+      </p:sp>
+      <p:sp>
+        <p:nvSpPr>
+          <p:cNvPr id="5" name="Text Placeholder 4">
+            <a:extLst>
+              <a:ext uri="{FF2B5EF4-FFF2-40B4-BE49-F238E27FC236}">
+                <a16:creationId xmlns:a16="http://schemas.microsoft.com/office/drawing/2014/main" id="{B7032DA9-3084-428D-B16D-24511F6F7009}"/>
+              </a:ext>
+            </a:extLst>
+          </p:cNvPr>
+          <p:cNvSpPr>
+            <a:spLocks noGrp="1"/>
+          </p:cNvSpPr>
+          <p:nvPr>
+            <p:ph type="body" sz="quarter" idx="35"/>
+          </p:nvPr>
+        </p:nvSpPr>
+        <p:spPr/>
+        <p:txBody>
+          <a:bodyPr/>
+          <a:lstStyle/>
+          <a:p>
+            <a:r>
+              <a:rPr lang="en-US" dirty="0"/>
+              <a:t>&lt;SUMMARY&gt;</a:t>
+            </a:r>
+          </a:p>
+        </p:txBody>
+      </p:sp>
+    </p:spTree>
+    <p:extLst>
+      <p:ext uri="{BB962C8B-B14F-4D97-AF65-F5344CB8AC3E}">
+        <p14:creationId xmlns:p14="http://schemas.microsoft.com/office/powerpoint/2010/main" val="3664237376"/>
+      </p:ext>
+    </p:extLst>
+  </p:cSld>
+  <p:clrMapOvr>
+    <a:masterClrMapping/>
+  </p:clrMapOvr>
+</p:sld>
+</file>
+
 <file path=ppt/slides/slide2.xml><?xml version="1.0" encoding="utf-8"?>
 <p:sld xmlns:a="http://schemas.openxmlformats.org/drawingml/2006/main" xmlns:r="http://schemas.openxmlformats.org/officeDocument/2006/relationships" xmlns:p="http://schemas.openxmlformats.org/presentationml/2006/main">
   <p:cSld>
@@ -21077,6 +21451,43 @@
             <a:r>
               <a:rPr lang="en-US" dirty="0"/>
               <a:t>Explain relationship between ABV and IBU</a:t>
+            </a:r>
+          </a:p>
+        </p:txBody>
+      </p:sp>
+      <p:sp>
+        <p:nvSpPr>
+          <p:cNvPr id="4" name="TextBox 3">
+            <a:extLst>
+              <a:ext uri="{FF2B5EF4-FFF2-40B4-BE49-F238E27FC236}">
+                <a16:creationId xmlns:a16="http://schemas.microsoft.com/office/drawing/2014/main" id="{4A1A627B-5081-4CE6-86BF-BC90159E460D}"/>
+              </a:ext>
+            </a:extLst>
+          </p:cNvPr>
+          <p:cNvSpPr txBox="1"/>
+          <p:nvPr/>
+        </p:nvSpPr>
+        <p:spPr>
+          <a:xfrm>
+            <a:off x="8229600" y="4752856"/>
+            <a:ext cx="914400" cy="369332"/>
+          </a:xfrm>
+          <a:prstGeom prst="rect">
+            <a:avLst/>
+          </a:prstGeom>
+          <a:solidFill>
+            <a:schemeClr val="bg1"/>
+          </a:solidFill>
+        </p:spPr>
+        <p:txBody>
+          <a:bodyPr wrap="square" rtlCol="0">
+            <a:spAutoFit/>
+          </a:bodyPr>
+          <a:lstStyle/>
+          <a:p>
+            <a:r>
+              <a:rPr lang="en-US" dirty="0"/>
+              <a:t> </a:t>
             </a:r>
           </a:p>
         </p:txBody>

--- a/DS6306 Group Project 1.pptx
+++ b/DS6306 Group Project 1.pptx
@@ -14,9 +14,9 @@
     <p:sldId id="256" r:id="rId2"/>
     <p:sldId id="272" r:id="rId3"/>
     <p:sldId id="271" r:id="rId4"/>
-    <p:sldId id="261" r:id="rId5"/>
+    <p:sldId id="263" r:id="rId5"/>
     <p:sldId id="262" r:id="rId6"/>
-    <p:sldId id="263" r:id="rId7"/>
+    <p:sldId id="261" r:id="rId7"/>
     <p:sldId id="264" r:id="rId8"/>
     <p:sldId id="268" r:id="rId9"/>
     <p:sldId id="265" r:id="rId10"/>
@@ -157,7 +157,7 @@
 <file path=ppt/revisionInfo.xml><?xml version="1.0" encoding="utf-8"?>
 <p1510:revInfo xmlns:a="http://schemas.openxmlformats.org/drawingml/2006/main" xmlns:r="http://schemas.openxmlformats.org/officeDocument/2006/relationships" xmlns:p1510="http://schemas.microsoft.com/office/powerpoint/2015/10/main">
   <p1510:revLst>
-    <p1510:client id="{0FBDB5B2-C375-467E-96F5-E579F69E02D0}" v="10" dt="2020-02-23T01:16:51.853"/>
+    <p1510:client id="{0FBDB5B2-C375-467E-96F5-E579F69E02D0}" v="18" dt="2020-02-23T01:52:55.695"/>
     <p1510:client id="{61374EC2-74A0-4B7E-A59A-1715CE5DD16C}" v="347" dt="2020-02-22T02:55:21.222"/>
   </p1510:revLst>
 </p1510:revInfo>
@@ -1022,8 +1022,8 @@
   </pc:docChgLst>
   <pc:docChgLst>
     <pc:chgData name="Thad Schwebke" userId="8a3b078b179e4a90" providerId="LiveId" clId="{0FBDB5B2-C375-467E-96F5-E579F69E02D0}"/>
-    <pc:docChg chg="addSld modSld">
-      <pc:chgData name="Thad Schwebke" userId="8a3b078b179e4a90" providerId="LiveId" clId="{0FBDB5B2-C375-467E-96F5-E579F69E02D0}" dt="2020-02-23T01:17:07.254" v="109" actId="20577"/>
+    <pc:docChg chg="custSel addSld modSld sldOrd">
+      <pc:chgData name="Thad Schwebke" userId="8a3b078b179e4a90" providerId="LiveId" clId="{0FBDB5B2-C375-467E-96F5-E579F69E02D0}" dt="2020-02-23T01:53:31.835" v="161" actId="1037"/>
       <pc:docMkLst>
         <pc:docMk/>
       </pc:docMkLst>
@@ -1043,25 +1043,40 @@
         </pc:spChg>
       </pc:sldChg>
       <pc:sldChg chg="modNotesTx">
-        <pc:chgData name="Thad Schwebke" userId="8a3b078b179e4a90" providerId="LiveId" clId="{0FBDB5B2-C375-467E-96F5-E579F69E02D0}" dt="2020-02-23T01:16:25.757" v="88" actId="20577"/>
+        <pc:chgData name="Thad Schwebke" userId="8a3b078b179e4a90" providerId="LiveId" clId="{0FBDB5B2-C375-467E-96F5-E579F69E02D0}" dt="2020-02-23T01:24:15.708" v="133" actId="20577"/>
+        <pc:sldMkLst>
+          <pc:docMk/>
+          <pc:sldMk cId="3849262026" sldId="261"/>
+        </pc:sldMkLst>
+      </pc:sldChg>
+      <pc:sldChg chg="ord modNotesTx">
+        <pc:chgData name="Thad Schwebke" userId="8a3b078b179e4a90" providerId="LiveId" clId="{0FBDB5B2-C375-467E-96F5-E579F69E02D0}" dt="2020-02-23T01:23:56.241" v="123"/>
         <pc:sldMkLst>
           <pc:docMk/>
           <pc:sldMk cId="2460916010" sldId="262"/>
         </pc:sldMkLst>
       </pc:sldChg>
-      <pc:sldChg chg="modNotesTx">
-        <pc:chgData name="Thad Schwebke" userId="8a3b078b179e4a90" providerId="LiveId" clId="{0FBDB5B2-C375-467E-96F5-E579F69E02D0}" dt="2020-02-23T01:16:16.972" v="84" actId="20577"/>
+      <pc:sldChg chg="ord modNotesTx">
+        <pc:chgData name="Thad Schwebke" userId="8a3b078b179e4a90" providerId="LiveId" clId="{0FBDB5B2-C375-467E-96F5-E579F69E02D0}" dt="2020-02-23T01:24:07.162" v="129" actId="20577"/>
         <pc:sldMkLst>
           <pc:docMk/>
           <pc:sldMk cId="1524816342" sldId="263"/>
         </pc:sldMkLst>
       </pc:sldChg>
-      <pc:sldChg chg="modNotesTx">
-        <pc:chgData name="Thad Schwebke" userId="8a3b078b179e4a90" providerId="LiveId" clId="{0FBDB5B2-C375-467E-96F5-E579F69E02D0}" dt="2020-02-23T01:16:11.137" v="80" actId="20577"/>
+      <pc:sldChg chg="modSp mod modNotesTx">
+        <pc:chgData name="Thad Schwebke" userId="8a3b078b179e4a90" providerId="LiveId" clId="{0FBDB5B2-C375-467E-96F5-E579F69E02D0}" dt="2020-02-23T01:24:31.351" v="137" actId="20577"/>
         <pc:sldMkLst>
           <pc:docMk/>
           <pc:sldMk cId="2663868610" sldId="264"/>
         </pc:sldMkLst>
+        <pc:spChg chg="mod">
+          <ac:chgData name="Thad Schwebke" userId="8a3b078b179e4a90" providerId="LiveId" clId="{0FBDB5B2-C375-467E-96F5-E579F69E02D0}" dt="2020-02-23T01:24:31.351" v="137" actId="20577"/>
+          <ac:spMkLst>
+            <pc:docMk/>
+            <pc:sldMk cId="2663868610" sldId="264"/>
+            <ac:spMk id="2" creationId="{8D8003AF-F773-49EF-8D94-9D7D95CB2D76}"/>
+          </ac:spMkLst>
+        </pc:spChg>
       </pc:sldChg>
       <pc:sldChg chg="modNotesTx">
         <pc:chgData name="Thad Schwebke" userId="8a3b078b179e4a90" providerId="LiveId" clId="{0FBDB5B2-C375-467E-96F5-E579F69E02D0}" dt="2020-02-23T01:15:29.545" v="68" actId="20577"/>
@@ -1070,12 +1085,68 @@
           <pc:sldMk cId="245379799" sldId="265"/>
         </pc:sldMkLst>
       </pc:sldChg>
-      <pc:sldChg chg="modNotesTx">
-        <pc:chgData name="Thad Schwebke" userId="8a3b078b179e4a90" providerId="LiveId" clId="{0FBDB5B2-C375-467E-96F5-E579F69E02D0}" dt="2020-02-23T01:15:35.022" v="72" actId="20577"/>
+      <pc:sldChg chg="addSp delSp modSp mod modNotesTx">
+        <pc:chgData name="Thad Schwebke" userId="8a3b078b179e4a90" providerId="LiveId" clId="{0FBDB5B2-C375-467E-96F5-E579F69E02D0}" dt="2020-02-23T01:53:31.835" v="161" actId="1037"/>
         <pc:sldMkLst>
           <pc:docMk/>
           <pc:sldMk cId="1387322310" sldId="266"/>
         </pc:sldMkLst>
+        <pc:picChg chg="mod">
+          <ac:chgData name="Thad Schwebke" userId="8a3b078b179e4a90" providerId="LiveId" clId="{0FBDB5B2-C375-467E-96F5-E579F69E02D0}" dt="2020-02-23T01:52:55.694" v="155" actId="408"/>
+          <ac:picMkLst>
+            <pc:docMk/>
+            <pc:sldMk cId="1387322310" sldId="266"/>
+            <ac:picMk id="3" creationId="{97515110-706C-47E2-88B3-AC0B994668BC}"/>
+          </ac:picMkLst>
+        </pc:picChg>
+        <pc:picChg chg="del">
+          <ac:chgData name="Thad Schwebke" userId="8a3b078b179e4a90" providerId="LiveId" clId="{0FBDB5B2-C375-467E-96F5-E579F69E02D0}" dt="2020-02-23T01:49:41.570" v="143" actId="478"/>
+          <ac:picMkLst>
+            <pc:docMk/>
+            <pc:sldMk cId="1387322310" sldId="266"/>
+            <ac:picMk id="4" creationId="{B799D4B9-F900-4582-ADFB-B49222040E6C}"/>
+          </ac:picMkLst>
+        </pc:picChg>
+        <pc:picChg chg="del">
+          <ac:chgData name="Thad Schwebke" userId="8a3b078b179e4a90" providerId="LiveId" clId="{0FBDB5B2-C375-467E-96F5-E579F69E02D0}" dt="2020-02-23T01:36:33.330" v="138" actId="478"/>
+          <ac:picMkLst>
+            <pc:docMk/>
+            <pc:sldMk cId="1387322310" sldId="266"/>
+            <ac:picMk id="5" creationId="{068001B8-EC24-4C74-AD27-D943820B9371}"/>
+          </ac:picMkLst>
+        </pc:picChg>
+        <pc:picChg chg="add del mod">
+          <ac:chgData name="Thad Schwebke" userId="8a3b078b179e4a90" providerId="LiveId" clId="{0FBDB5B2-C375-467E-96F5-E579F69E02D0}" dt="2020-02-23T01:49:40.759" v="142" actId="478"/>
+          <ac:picMkLst>
+            <pc:docMk/>
+            <pc:sldMk cId="1387322310" sldId="266"/>
+            <ac:picMk id="6" creationId="{469F831E-4B15-45B1-B649-D5C733A8ECF7}"/>
+          </ac:picMkLst>
+        </pc:picChg>
+        <pc:picChg chg="add del mod">
+          <ac:chgData name="Thad Schwebke" userId="8a3b078b179e4a90" providerId="LiveId" clId="{0FBDB5B2-C375-467E-96F5-E579F69E02D0}" dt="2020-02-23T01:51:36.499" v="147" actId="478"/>
+          <ac:picMkLst>
+            <pc:docMk/>
+            <pc:sldMk cId="1387322310" sldId="266"/>
+            <ac:picMk id="7" creationId="{8070E6F5-AF52-47FC-B045-3CB15A4A9280}"/>
+          </ac:picMkLst>
+        </pc:picChg>
+        <pc:picChg chg="add mod modCrop">
+          <ac:chgData name="Thad Schwebke" userId="8a3b078b179e4a90" providerId="LiveId" clId="{0FBDB5B2-C375-467E-96F5-E579F69E02D0}" dt="2020-02-23T01:53:31.835" v="161" actId="1037"/>
+          <ac:picMkLst>
+            <pc:docMk/>
+            <pc:sldMk cId="1387322310" sldId="266"/>
+            <ac:picMk id="8" creationId="{A2050579-567E-467D-BA78-666F5E6A2BCC}"/>
+          </ac:picMkLst>
+        </pc:picChg>
+        <pc:picChg chg="add mod modCrop">
+          <ac:chgData name="Thad Schwebke" userId="8a3b078b179e4a90" providerId="LiveId" clId="{0FBDB5B2-C375-467E-96F5-E579F69E02D0}" dt="2020-02-23T01:53:31.835" v="161" actId="1037"/>
+          <ac:picMkLst>
+            <pc:docMk/>
+            <pc:sldMk cId="1387322310" sldId="266"/>
+            <ac:picMk id="9" creationId="{CEF6DE8A-D187-45D0-B3BA-CA964FA58107}"/>
+          </ac:picMkLst>
+        </pc:picChg>
       </pc:sldChg>
       <pc:sldChg chg="modNotesTx">
         <pc:chgData name="Thad Schwebke" userId="8a3b078b179e4a90" providerId="LiveId" clId="{0FBDB5B2-C375-467E-96F5-E579F69E02D0}" dt="2020-02-23T01:15:39.465" v="76" actId="20577"/>
@@ -1091,8 +1162,8 @@
           <pc:sldMk cId="2005336270" sldId="268"/>
         </pc:sldMkLst>
       </pc:sldChg>
-      <pc:sldChg chg="addSp">
-        <pc:chgData name="Thad Schwebke" userId="8a3b078b179e4a90" providerId="LiveId" clId="{0FBDB5B2-C375-467E-96F5-E579F69E02D0}" dt="2020-02-23T01:00:52.801" v="0"/>
+      <pc:sldChg chg="addSp modSp mod">
+        <pc:chgData name="Thad Schwebke" userId="8a3b078b179e4a90" providerId="LiveId" clId="{0FBDB5B2-C375-467E-96F5-E579F69E02D0}" dt="2020-02-23T01:20:49.328" v="119" actId="20577"/>
         <pc:sldMkLst>
           <pc:docMk/>
           <pc:sldMk cId="1538342588" sldId="272"/>
@@ -1103,6 +1174,14 @@
             <pc:docMk/>
             <pc:sldMk cId="1538342588" sldId="272"/>
             <ac:spMk id="4" creationId="{4A1A627B-5081-4CE6-86BF-BC90159E460D}"/>
+          </ac:spMkLst>
+        </pc:spChg>
+        <pc:spChg chg="mod">
+          <ac:chgData name="Thad Schwebke" userId="8a3b078b179e4a90" providerId="LiveId" clId="{0FBDB5B2-C375-467E-96F5-E579F69E02D0}" dt="2020-02-23T01:20:49.328" v="119" actId="20577"/>
+          <ac:spMkLst>
+            <pc:docMk/>
+            <pc:sldMk cId="1538342588" sldId="272"/>
+            <ac:spMk id="6" creationId="{68F030ED-4EC5-440E-B58F-AC0D6E56493D}"/>
           </ac:spMkLst>
         </pc:spChg>
       </pc:sldChg>
@@ -2227,8 +2306,21 @@
           <a:p>
             <a:r>
               <a:rPr lang="en-US" dirty="0"/>
-              <a:t>Notes: Colorado has 47 breweries which is 8 more than California which is second with 39 breweries. 4 states (DC, N Dakota, S Dakota, and West Virginia) only had 1 brewery and 4 more states (Arkansas, Delaware, Mississippi, and Nevada) only have two breweries. Nevada was a shock due to it being the home of Las Vegas. The highest number of breweries appears to be west of the Mississippi river. However, the northeast united states has its fair share.</a:t>
+              <a:t>Notes: </a:t>
             </a:r>
+            <a:r>
+              <a:rPr lang="en-US" sz="1200" b="0" i="1" kern="1200" dirty="0">
+                <a:solidFill>
+                  <a:schemeClr val="tx1"/>
+                </a:solidFill>
+                <a:effectLst/>
+                <a:latin typeface="+mn-lt"/>
+                <a:ea typeface="+mn-ea"/>
+                <a:cs typeface="+mn-cs"/>
+              </a:rPr>
+              <a:t>There are 62 (2.57%) observations where both ABV and IBU are empty, 943 (41.7%) observations where only IBU is empty. For all observations that had both only IBU empty, the NA value was changed to zero since having a non-bitter alcoholic beer is possible. Whereas we choose not to include any observations that had zero ABV. That just isn’t a real beer. This leaves us with only 2.57% of the observations not being used.</a:t>
+            </a:r>
+            <a:endParaRPr lang="en-US" dirty="0"/>
           </a:p>
           <a:p>
             <a:endParaRPr lang="en-US" dirty="0"/>
@@ -2261,7 +2353,7 @@
     </p:spTree>
     <p:extLst>
       <p:ext uri="{BB962C8B-B14F-4D97-AF65-F5344CB8AC3E}">
-        <p14:creationId xmlns:p14="http://schemas.microsoft.com/office/powerpoint/2010/main" val="1537315401"/>
+        <p14:creationId xmlns:p14="http://schemas.microsoft.com/office/powerpoint/2010/main" val="550434963"/>
       </p:ext>
     </p:extLst>
   </p:cSld>
@@ -2435,21 +2527,8 @@
           <a:p>
             <a:r>
               <a:rPr lang="en-US" dirty="0"/>
-              <a:t>Notes: </a:t>
+              <a:t>Notes: Colorado has 47 breweries which is 8 more than California which is second with 39 breweries. 4 states (DC, N Dakota, S Dakota, and West Virginia) only had 1 brewery and 4 more states (Arkansas, Delaware, Mississippi, and Nevada) only have two breweries. Nevada was a shock due to it being the home of Las Vegas. The highest number of breweries appears to be west of the Mississippi river. However, the northeast united states has its fair share.</a:t>
             </a:r>
-            <a:r>
-              <a:rPr lang="en-US" sz="1200" b="0" i="1" kern="1200" dirty="0">
-                <a:solidFill>
-                  <a:schemeClr val="tx1"/>
-                </a:solidFill>
-                <a:effectLst/>
-                <a:latin typeface="+mn-lt"/>
-                <a:ea typeface="+mn-ea"/>
-                <a:cs typeface="+mn-cs"/>
-              </a:rPr>
-              <a:t>There are 62 (2.57%) observations where both ABV and IBU are empty, 943 (41.7%) observations where only IBU is empty. For all observations that had both only IBU empty, the NA value was changed to zero since having a non-bitter alcoholic beer is possible. Whereas we choose not to include any observations that had zero ABV. That just isn’t a real beer. This leaves us with only 2.57% of the observations not being used.</a:t>
-            </a:r>
-            <a:endParaRPr lang="en-US" dirty="0"/>
           </a:p>
           <a:p>
             <a:endParaRPr lang="en-US" dirty="0"/>
@@ -2482,7 +2561,7 @@
     </p:spTree>
     <p:extLst>
       <p:ext uri="{BB962C8B-B14F-4D97-AF65-F5344CB8AC3E}">
-        <p14:creationId xmlns:p14="http://schemas.microsoft.com/office/powerpoint/2010/main" val="550434963"/>
+        <p14:creationId xmlns:p14="http://schemas.microsoft.com/office/powerpoint/2010/main" val="1537315401"/>
       </p:ext>
     </p:extLst>
   </p:cSld>
@@ -20983,96 +21062,60 @@
       </p:pic>
       <p:pic>
         <p:nvPicPr>
-          <p:cNvPr id="4" name="Picture 4">
+          <p:cNvPr id="8" name="Picture 7">
             <a:extLst>
               <a:ext uri="{FF2B5EF4-FFF2-40B4-BE49-F238E27FC236}">
-                <a16:creationId xmlns:a16="http://schemas.microsoft.com/office/drawing/2014/main" id="{B799D4B9-F900-4582-ADFB-B49222040E6C}"/>
+                <a16:creationId xmlns:a16="http://schemas.microsoft.com/office/drawing/2014/main" id="{A2050579-567E-467D-BA78-666F5E6A2BCC}"/>
               </a:ext>
             </a:extLst>
           </p:cNvPr>
           <p:cNvPicPr>
-            <a:picLocks noChangeAspect="1" noChangeArrowheads="1"/>
+            <a:picLocks noChangeAspect="1"/>
           </p:cNvPicPr>
           <p:nvPr/>
         </p:nvPicPr>
-        <p:blipFill>
-          <a:blip r:embed="rId4">
-            <a:extLst>
-              <a:ext uri="{28A0092B-C50C-407E-A947-70E740481C1C}">
-                <a14:useLocalDpi xmlns:a14="http://schemas.microsoft.com/office/drawing/2010/main" val="0"/>
-              </a:ext>
-            </a:extLst>
-          </a:blip>
-          <a:srcRect/>
-          <a:stretch>
-            <a:fillRect/>
-          </a:stretch>
+        <p:blipFill rotWithShape="1">
+          <a:blip r:embed="rId4"/>
+          <a:srcRect l="2428"/>
+          <a:stretch/>
         </p:blipFill>
-        <p:spPr bwMode="auto">
+        <p:spPr>
           <a:xfrm>
-            <a:off x="6126480" y="1330779"/>
-            <a:ext cx="3017520" cy="2155371"/>
+            <a:off x="3048000" y="1330778"/>
+            <a:ext cx="3017520" cy="1908674"/>
           </a:xfrm>
           <a:prstGeom prst="rect">
             <a:avLst/>
           </a:prstGeom>
-          <a:noFill/>
-          <a:extLst>
-            <a:ext uri="{909E8E84-426E-40DD-AFC4-6F175D3DCCD1}">
-              <a14:hiddenFill xmlns:a14="http://schemas.microsoft.com/office/drawing/2010/main">
-                <a:solidFill>
-                  <a:srgbClr val="FFFFFF"/>
-                </a:solidFill>
-              </a14:hiddenFill>
-            </a:ext>
-          </a:extLst>
         </p:spPr>
       </p:pic>
       <p:pic>
         <p:nvPicPr>
-          <p:cNvPr id="5" name="Picture 6">
+          <p:cNvPr id="9" name="Picture 8">
             <a:extLst>
               <a:ext uri="{FF2B5EF4-FFF2-40B4-BE49-F238E27FC236}">
-                <a16:creationId xmlns:a16="http://schemas.microsoft.com/office/drawing/2014/main" id="{068001B8-EC24-4C74-AD27-D943820B9371}"/>
+                <a16:creationId xmlns:a16="http://schemas.microsoft.com/office/drawing/2014/main" id="{CEF6DE8A-D187-45D0-B3BA-CA964FA58107}"/>
               </a:ext>
             </a:extLst>
           </p:cNvPr>
           <p:cNvPicPr>
-            <a:picLocks noChangeAspect="1" noChangeArrowheads="1"/>
+            <a:picLocks noChangeAspect="1"/>
           </p:cNvPicPr>
           <p:nvPr/>
         </p:nvPicPr>
-        <p:blipFill>
-          <a:blip r:embed="rId5">
-            <a:extLst>
-              <a:ext uri="{28A0092B-C50C-407E-A947-70E740481C1C}">
-                <a14:useLocalDpi xmlns:a14="http://schemas.microsoft.com/office/drawing/2010/main" val="0"/>
-              </a:ext>
-            </a:extLst>
-          </a:blip>
-          <a:srcRect/>
-          <a:stretch>
-            <a:fillRect/>
-          </a:stretch>
+        <p:blipFill rotWithShape="1">
+          <a:blip r:embed="rId5"/>
+          <a:srcRect l="2428"/>
+          <a:stretch/>
         </p:blipFill>
-        <p:spPr bwMode="auto">
+        <p:spPr>
           <a:xfrm>
-            <a:off x="3063240" y="1330779"/>
-            <a:ext cx="3017520" cy="2155371"/>
+            <a:off x="6123530" y="1330778"/>
+            <a:ext cx="3017520" cy="1925576"/>
           </a:xfrm>
           <a:prstGeom prst="rect">
             <a:avLst/>
           </a:prstGeom>
-          <a:noFill/>
-          <a:extLst>
-            <a:ext uri="{909E8E84-426E-40DD-AFC4-6F175D3DCCD1}">
-              <a14:hiddenFill xmlns:a14="http://schemas.microsoft.com/office/drawing/2010/main">
-                <a:solidFill>
-                  <a:srgbClr val="FFFFFF"/>
-                </a:solidFill>
-              </a14:hiddenFill>
-            </a:ext>
-          </a:extLst>
         </p:spPr>
       </p:pic>
     </p:spTree>
@@ -21394,7 +21437,7 @@
           <a:p>
             <a:r>
               <a:rPr lang="en-US" dirty="0"/>
-              <a:t>Target audience: CEO and CFO executives</a:t>
+              <a:t>Target audience: Budweiser CEO and CFO executives</a:t>
             </a:r>
           </a:p>
           <a:p>
@@ -22153,12 +22196,40 @@
           <a:chExt cx="0" cy="0"/>
         </a:xfrm>
       </p:grpSpPr>
+      <p:sp>
+        <p:nvSpPr>
+          <p:cNvPr id="2" name="Title 1">
+            <a:extLst>
+              <a:ext uri="{FF2B5EF4-FFF2-40B4-BE49-F238E27FC236}">
+                <a16:creationId xmlns:a16="http://schemas.microsoft.com/office/drawing/2014/main" id="{C4752280-F4DF-4EFB-B55C-9788B7D62FEC}"/>
+              </a:ext>
+            </a:extLst>
+          </p:cNvPr>
+          <p:cNvSpPr>
+            <a:spLocks noGrp="1"/>
+          </p:cNvSpPr>
+          <p:nvPr>
+            <p:ph type="title"/>
+          </p:nvPr>
+        </p:nvSpPr>
+        <p:spPr/>
+        <p:txBody>
+          <a:bodyPr/>
+          <a:lstStyle/>
+          <a:p>
+            <a:r>
+              <a:rPr lang="en-US" dirty="0"/>
+              <a:t>Missing Values</a:t>
+            </a:r>
+          </a:p>
+        </p:txBody>
+      </p:sp>
       <p:pic>
         <p:nvPicPr>
-          <p:cNvPr id="1026" name="Picture 2">
+          <p:cNvPr id="4" name="Picture 2">
             <a:extLst>
               <a:ext uri="{FF2B5EF4-FFF2-40B4-BE49-F238E27FC236}">
-                <a16:creationId xmlns:a16="http://schemas.microsoft.com/office/drawing/2014/main" id="{5A51FBB7-2072-4C55-AD88-FD27BA8B63AA}"/>
+                <a16:creationId xmlns:a16="http://schemas.microsoft.com/office/drawing/2014/main" id="{C38FB1BA-CEF8-4704-8F2C-9584129155BE}"/>
               </a:ext>
             </a:extLst>
           </p:cNvPr>
@@ -22175,18 +22246,23 @@
               </a:ext>
             </a:extLst>
           </a:blip>
-          <a:srcRect l="6923" t="6410" r="8462"/>
+          <a:srcRect b="12778"/>
           <a:stretch/>
         </p:blipFill>
         <p:spPr bwMode="auto">
           <a:xfrm>
-            <a:off x="2057400" y="1063228"/>
-            <a:ext cx="5029200" cy="3337560"/>
+            <a:off x="152400" y="1094221"/>
+            <a:ext cx="4206240" cy="2620530"/>
           </a:xfrm>
           <a:prstGeom prst="rect">
             <a:avLst/>
           </a:prstGeom>
           <a:noFill/>
+          <a:ln>
+            <a:solidFill>
+              <a:schemeClr val="accent1"/>
+            </a:solidFill>
+          </a:ln>
           <a:extLst>
             <a:ext uri="{909E8E84-426E-40DD-AFC4-6F175D3DCCD1}">
               <a14:hiddenFill xmlns:a14="http://schemas.microsoft.com/office/drawing/2010/main">
@@ -22198,40 +22274,60 @@
           </a:extLst>
         </p:spPr>
       </p:pic>
-      <p:sp>
-        <p:nvSpPr>
-          <p:cNvPr id="2" name="Title 1">
+      <p:pic>
+        <p:nvPicPr>
+          <p:cNvPr id="2052" name="Picture 4">
             <a:extLst>
               <a:ext uri="{FF2B5EF4-FFF2-40B4-BE49-F238E27FC236}">
-                <a16:creationId xmlns:a16="http://schemas.microsoft.com/office/drawing/2014/main" id="{30070F79-AB20-47CA-BB52-E5CAEB8DF287}"/>
+                <a16:creationId xmlns:a16="http://schemas.microsoft.com/office/drawing/2014/main" id="{3F980578-2894-40FA-84DA-A9854B43F14E}"/>
               </a:ext>
             </a:extLst>
           </p:cNvPr>
-          <p:cNvSpPr>
-            <a:spLocks noGrp="1"/>
-          </p:cNvSpPr>
-          <p:nvPr>
-            <p:ph type="title"/>
-          </p:nvPr>
-        </p:nvSpPr>
-        <p:spPr/>
-        <p:txBody>
-          <a:bodyPr>
-            <a:normAutofit/>
-          </a:bodyPr>
-          <a:lstStyle/>
-          <a:p>
-            <a:r>
-              <a:rPr lang="en-US" dirty="0"/>
-              <a:t>Breweries by State</a:t>
-            </a:r>
-          </a:p>
-        </p:txBody>
-      </p:sp>
+          <p:cNvPicPr>
+            <a:picLocks noChangeAspect="1" noChangeArrowheads="1"/>
+          </p:cNvPicPr>
+          <p:nvPr/>
+        </p:nvPicPr>
+        <p:blipFill rotWithShape="1">
+          <a:blip r:embed="rId4">
+            <a:extLst>
+              <a:ext uri="{28A0092B-C50C-407E-A947-70E740481C1C}">
+                <a14:useLocalDpi xmlns:a14="http://schemas.microsoft.com/office/drawing/2010/main" val="0"/>
+              </a:ext>
+            </a:extLst>
+          </a:blip>
+          <a:srcRect b="12778"/>
+          <a:stretch/>
+        </p:blipFill>
+        <p:spPr bwMode="auto">
+          <a:xfrm>
+            <a:off x="4724400" y="1094221"/>
+            <a:ext cx="4206240" cy="2620530"/>
+          </a:xfrm>
+          <a:prstGeom prst="rect">
+            <a:avLst/>
+          </a:prstGeom>
+          <a:noFill/>
+          <a:ln>
+            <a:solidFill>
+              <a:schemeClr val="accent1"/>
+            </a:solidFill>
+          </a:ln>
+          <a:extLst>
+            <a:ext uri="{909E8E84-426E-40DD-AFC4-6F175D3DCCD1}">
+              <a14:hiddenFill xmlns:a14="http://schemas.microsoft.com/office/drawing/2010/main">
+                <a:solidFill>
+                  <a:srgbClr val="FFFFFF"/>
+                </a:solidFill>
+              </a14:hiddenFill>
+            </a:ext>
+          </a:extLst>
+        </p:spPr>
+      </p:pic>
     </p:spTree>
     <p:extLst>
       <p:ext uri="{BB962C8B-B14F-4D97-AF65-F5344CB8AC3E}">
-        <p14:creationId xmlns:p14="http://schemas.microsoft.com/office/powerpoint/2010/main" val="3849262026"/>
+        <p14:creationId xmlns:p14="http://schemas.microsoft.com/office/powerpoint/2010/main" val="1524816342"/>
       </p:ext>
     </p:extLst>
   </p:cSld>
@@ -22441,40 +22537,12 @@
           <a:chExt cx="0" cy="0"/>
         </a:xfrm>
       </p:grpSpPr>
-      <p:sp>
-        <p:nvSpPr>
-          <p:cNvPr id="2" name="Title 1">
+      <p:pic>
+        <p:nvPicPr>
+          <p:cNvPr id="1026" name="Picture 2">
             <a:extLst>
               <a:ext uri="{FF2B5EF4-FFF2-40B4-BE49-F238E27FC236}">
-                <a16:creationId xmlns:a16="http://schemas.microsoft.com/office/drawing/2014/main" id="{C4752280-F4DF-4EFB-B55C-9788B7D62FEC}"/>
-              </a:ext>
-            </a:extLst>
-          </p:cNvPr>
-          <p:cNvSpPr>
-            <a:spLocks noGrp="1"/>
-          </p:cNvSpPr>
-          <p:nvPr>
-            <p:ph type="title"/>
-          </p:nvPr>
-        </p:nvSpPr>
-        <p:spPr/>
-        <p:txBody>
-          <a:bodyPr/>
-          <a:lstStyle/>
-          <a:p>
-            <a:r>
-              <a:rPr lang="en-US" dirty="0"/>
-              <a:t>Missing Values</a:t>
-            </a:r>
-          </a:p>
-        </p:txBody>
-      </p:sp>
-      <p:pic>
-        <p:nvPicPr>
-          <p:cNvPr id="4" name="Picture 2">
-            <a:extLst>
-              <a:ext uri="{FF2B5EF4-FFF2-40B4-BE49-F238E27FC236}">
-                <a16:creationId xmlns:a16="http://schemas.microsoft.com/office/drawing/2014/main" id="{C38FB1BA-CEF8-4704-8F2C-9584129155BE}"/>
+                <a16:creationId xmlns:a16="http://schemas.microsoft.com/office/drawing/2014/main" id="{5A51FBB7-2072-4C55-AD88-FD27BA8B63AA}"/>
               </a:ext>
             </a:extLst>
           </p:cNvPr>
@@ -22491,23 +22559,18 @@
               </a:ext>
             </a:extLst>
           </a:blip>
-          <a:srcRect b="12778"/>
+          <a:srcRect l="6923" t="6410" r="8462"/>
           <a:stretch/>
         </p:blipFill>
         <p:spPr bwMode="auto">
           <a:xfrm>
-            <a:off x="152400" y="1094221"/>
-            <a:ext cx="4206240" cy="2620530"/>
+            <a:off x="2057400" y="1063228"/>
+            <a:ext cx="5029200" cy="3337560"/>
           </a:xfrm>
           <a:prstGeom prst="rect">
             <a:avLst/>
           </a:prstGeom>
           <a:noFill/>
-          <a:ln>
-            <a:solidFill>
-              <a:schemeClr val="accent1"/>
-            </a:solidFill>
-          </a:ln>
           <a:extLst>
             <a:ext uri="{909E8E84-426E-40DD-AFC4-6F175D3DCCD1}">
               <a14:hiddenFill xmlns:a14="http://schemas.microsoft.com/office/drawing/2010/main">
@@ -22519,60 +22582,40 @@
           </a:extLst>
         </p:spPr>
       </p:pic>
-      <p:pic>
-        <p:nvPicPr>
-          <p:cNvPr id="2052" name="Picture 4">
+      <p:sp>
+        <p:nvSpPr>
+          <p:cNvPr id="2" name="Title 1">
             <a:extLst>
               <a:ext uri="{FF2B5EF4-FFF2-40B4-BE49-F238E27FC236}">
-                <a16:creationId xmlns:a16="http://schemas.microsoft.com/office/drawing/2014/main" id="{3F980578-2894-40FA-84DA-A9854B43F14E}"/>
+                <a16:creationId xmlns:a16="http://schemas.microsoft.com/office/drawing/2014/main" id="{30070F79-AB20-47CA-BB52-E5CAEB8DF287}"/>
               </a:ext>
             </a:extLst>
           </p:cNvPr>
-          <p:cNvPicPr>
-            <a:picLocks noChangeAspect="1" noChangeArrowheads="1"/>
-          </p:cNvPicPr>
-          <p:nvPr/>
-        </p:nvPicPr>
-        <p:blipFill rotWithShape="1">
-          <a:blip r:embed="rId4">
-            <a:extLst>
-              <a:ext uri="{28A0092B-C50C-407E-A947-70E740481C1C}">
-                <a14:useLocalDpi xmlns:a14="http://schemas.microsoft.com/office/drawing/2010/main" val="0"/>
-              </a:ext>
-            </a:extLst>
-          </a:blip>
-          <a:srcRect b="12778"/>
-          <a:stretch/>
-        </p:blipFill>
-        <p:spPr bwMode="auto">
-          <a:xfrm>
-            <a:off x="4724400" y="1094221"/>
-            <a:ext cx="4206240" cy="2620530"/>
-          </a:xfrm>
-          <a:prstGeom prst="rect">
-            <a:avLst/>
-          </a:prstGeom>
-          <a:noFill/>
-          <a:ln>
-            <a:solidFill>
-              <a:schemeClr val="accent1"/>
-            </a:solidFill>
-          </a:ln>
-          <a:extLst>
-            <a:ext uri="{909E8E84-426E-40DD-AFC4-6F175D3DCCD1}">
-              <a14:hiddenFill xmlns:a14="http://schemas.microsoft.com/office/drawing/2010/main">
-                <a:solidFill>
-                  <a:srgbClr val="FFFFFF"/>
-                </a:solidFill>
-              </a14:hiddenFill>
-            </a:ext>
-          </a:extLst>
-        </p:spPr>
-      </p:pic>
+          <p:cNvSpPr>
+            <a:spLocks noGrp="1"/>
+          </p:cNvSpPr>
+          <p:nvPr>
+            <p:ph type="title"/>
+          </p:nvPr>
+        </p:nvSpPr>
+        <p:spPr/>
+        <p:txBody>
+          <a:bodyPr>
+            <a:normAutofit/>
+          </a:bodyPr>
+          <a:lstStyle/>
+          <a:p>
+            <a:r>
+              <a:rPr lang="en-US" dirty="0"/>
+              <a:t>Breweries by State</a:t>
+            </a:r>
+          </a:p>
+        </p:txBody>
+      </p:sp>
     </p:spTree>
     <p:extLst>
       <p:ext uri="{BB962C8B-B14F-4D97-AF65-F5344CB8AC3E}">
-        <p14:creationId xmlns:p14="http://schemas.microsoft.com/office/powerpoint/2010/main" val="1524816342"/>
+        <p14:creationId xmlns:p14="http://schemas.microsoft.com/office/powerpoint/2010/main" val="3849262026"/>
       </p:ext>
     </p:extLst>
   </p:cSld>
@@ -22629,7 +22672,7 @@
           <a:p>
             <a:r>
               <a:rPr lang="en-US" dirty="0"/>
-              <a:t>Medium ABV and IBU by State</a:t>
+              <a:t>Median ABV and IBU by State</a:t>
             </a:r>
           </a:p>
         </p:txBody>

--- a/DS6306 Group Project 1.pptx
+++ b/DS6306 Group Project 1.pptx
@@ -15,8 +15,8 @@
     <p:sldId id="272" r:id="rId3"/>
     <p:sldId id="271" r:id="rId4"/>
     <p:sldId id="263" r:id="rId5"/>
-    <p:sldId id="262" r:id="rId6"/>
-    <p:sldId id="261" r:id="rId7"/>
+    <p:sldId id="274" r:id="rId6"/>
+    <p:sldId id="275" r:id="rId7"/>
     <p:sldId id="264" r:id="rId8"/>
     <p:sldId id="268" r:id="rId9"/>
     <p:sldId id="265" r:id="rId10"/>
@@ -157,8 +157,7 @@
 <file path=ppt/revisionInfo.xml><?xml version="1.0" encoding="utf-8"?>
 <p1510:revInfo xmlns:a="http://schemas.openxmlformats.org/drawingml/2006/main" xmlns:r="http://schemas.openxmlformats.org/officeDocument/2006/relationships" xmlns:p1510="http://schemas.microsoft.com/office/powerpoint/2015/10/main">
   <p1510:revLst>
-    <p1510:client id="{0FBDB5B2-C375-467E-96F5-E579F69E02D0}" v="18" dt="2020-02-23T01:52:55.695"/>
-    <p1510:client id="{61374EC2-74A0-4B7E-A59A-1715CE5DD16C}" v="347" dt="2020-02-22T02:55:21.222"/>
+    <p1510:client id="{0FBDB5B2-C375-467E-96F5-E579F69E02D0}" v="25" dt="2020-02-23T21:49:57.576"/>
   </p1510:revLst>
 </p1510:revInfo>
 </file>
@@ -1022,8 +1021,8 @@
   </pc:docChgLst>
   <pc:docChgLst>
     <pc:chgData name="Thad Schwebke" userId="8a3b078b179e4a90" providerId="LiveId" clId="{0FBDB5B2-C375-467E-96F5-E579F69E02D0}"/>
-    <pc:docChg chg="custSel addSld modSld sldOrd">
-      <pc:chgData name="Thad Schwebke" userId="8a3b078b179e4a90" providerId="LiveId" clId="{0FBDB5B2-C375-467E-96F5-E579F69E02D0}" dt="2020-02-23T01:53:31.835" v="161" actId="1037"/>
+    <pc:docChg chg="custSel addSld delSld modSld sldOrd">
+      <pc:chgData name="Thad Schwebke" userId="8a3b078b179e4a90" providerId="LiveId" clId="{0FBDB5B2-C375-467E-96F5-E579F69E02D0}" dt="2020-02-23T21:50:37.299" v="165" actId="478"/>
       <pc:docMkLst>
         <pc:docMk/>
       </pc:docMkLst>
@@ -1042,15 +1041,15 @@
           </ac:spMkLst>
         </pc:spChg>
       </pc:sldChg>
-      <pc:sldChg chg="modNotesTx">
-        <pc:chgData name="Thad Schwebke" userId="8a3b078b179e4a90" providerId="LiveId" clId="{0FBDB5B2-C375-467E-96F5-E579F69E02D0}" dt="2020-02-23T01:24:15.708" v="133" actId="20577"/>
+      <pc:sldChg chg="del modNotesTx">
+        <pc:chgData name="Thad Schwebke" userId="8a3b078b179e4a90" providerId="LiveId" clId="{0FBDB5B2-C375-467E-96F5-E579F69E02D0}" dt="2020-02-23T21:49:40.627" v="163" actId="47"/>
         <pc:sldMkLst>
           <pc:docMk/>
           <pc:sldMk cId="3849262026" sldId="261"/>
         </pc:sldMkLst>
       </pc:sldChg>
-      <pc:sldChg chg="ord modNotesTx">
-        <pc:chgData name="Thad Schwebke" userId="8a3b078b179e4a90" providerId="LiveId" clId="{0FBDB5B2-C375-467E-96F5-E579F69E02D0}" dt="2020-02-23T01:23:56.241" v="123"/>
+      <pc:sldChg chg="del ord modNotesTx">
+        <pc:chgData name="Thad Schwebke" userId="8a3b078b179e4a90" providerId="LiveId" clId="{0FBDB5B2-C375-467E-96F5-E579F69E02D0}" dt="2020-02-23T21:49:16.841" v="162" actId="47"/>
         <pc:sldMkLst>
           <pc:docMk/>
           <pc:sldMk cId="2460916010" sldId="262"/>
@@ -1186,7 +1185,7 @@
         </pc:spChg>
       </pc:sldChg>
       <pc:sldChg chg="addSp delSp modSp add mod">
-        <pc:chgData name="Thad Schwebke" userId="8a3b078b179e4a90" providerId="LiveId" clId="{0FBDB5B2-C375-467E-96F5-E579F69E02D0}" dt="2020-02-23T01:17:07.254" v="109" actId="20577"/>
+        <pc:chgData name="Thad Schwebke" userId="8a3b078b179e4a90" providerId="LiveId" clId="{0FBDB5B2-C375-467E-96F5-E579F69E02D0}" dt="2020-02-23T21:50:37.299" v="165" actId="478"/>
         <pc:sldMkLst>
           <pc:docMk/>
           <pc:sldMk cId="3664237376" sldId="273"/>
@@ -1197,6 +1196,14 @@
             <pc:docMk/>
             <pc:sldMk cId="3664237376" sldId="273"/>
             <ac:spMk id="2" creationId="{017A87FA-EFDD-4DF4-BA04-35493DDBAB2C}"/>
+          </ac:spMkLst>
+        </pc:spChg>
+        <pc:spChg chg="add del mod">
+          <ac:chgData name="Thad Schwebke" userId="8a3b078b179e4a90" providerId="LiveId" clId="{0FBDB5B2-C375-467E-96F5-E579F69E02D0}" dt="2020-02-23T21:50:37.299" v="165" actId="478"/>
+          <ac:spMkLst>
+            <pc:docMk/>
+            <pc:sldMk cId="3664237376" sldId="273"/>
+            <ac:spMk id="3" creationId="{842779C3-2E28-4420-9B17-E0AC7E94E6E7}"/>
           </ac:spMkLst>
         </pc:spChg>
         <pc:spChg chg="del">
@@ -1215,8 +1222,8 @@
             <ac:spMk id="4" creationId="{F04C7EA7-2EE2-4009-AA46-75A05E66E1FF}"/>
           </ac:spMkLst>
         </pc:spChg>
-        <pc:spChg chg="add mod">
-          <ac:chgData name="Thad Schwebke" userId="8a3b078b179e4a90" providerId="LiveId" clId="{0FBDB5B2-C375-467E-96F5-E579F69E02D0}" dt="2020-02-23T01:17:07.254" v="109" actId="20577"/>
+        <pc:spChg chg="add del mod">
+          <ac:chgData name="Thad Schwebke" userId="8a3b078b179e4a90" providerId="LiveId" clId="{0FBDB5B2-C375-467E-96F5-E579F69E02D0}" dt="2020-02-23T21:50:35.248" v="164" actId="478"/>
           <ac:spMkLst>
             <pc:docMk/>
             <pc:sldMk cId="3664237376" sldId="273"/>
@@ -1311,7 +1318,7 @@
           <a:p>
             <a:fld id="{4AECD13F-9E93-4C57-A5BD-336347054114}" type="datetimeFigureOut">
               <a:rPr lang="en-US" smtClean="0"/>
-              <a:t>2/22/2020</a:t>
+              <a:t>2/23/2020</a:t>
             </a:fld>
             <a:endParaRPr lang="en-US"/>
           </a:p>
@@ -1476,7 +1483,7 @@
           <a:p>
             <a:fld id="{621D9606-6FF7-49AF-A412-4D6AB767DFC4}" type="datetimeFigureOut">
               <a:rPr lang="en-US" smtClean="0"/>
-              <a:t>2/22/2020</a:t>
+              <a:t>2/23/2020</a:t>
             </a:fld>
             <a:endParaRPr lang="en-US"/>
           </a:p>
@@ -1791,6 +1798,28 @@
               <a:rPr lang="en-US" dirty="0"/>
               <a:t>Speaker: Rajesh</a:t>
             </a:r>
+          </a:p>
+          <a:p>
+            <a:endParaRPr lang="en-US" dirty="0"/>
+          </a:p>
+          <a:p>
+            <a:r>
+              <a:rPr lang="en-US" dirty="0"/>
+              <a:t>Firstly, Mr. CEO, we would like to thank for giving this opportunity to study your Beers and Breweries business and</a:t>
+            </a:r>
+            <a:r>
+              <a:rPr lang="en-US" sz="1200" b="0" i="1" kern="1200" dirty="0">
+                <a:solidFill>
+                  <a:schemeClr val="tx1"/>
+                </a:solidFill>
+                <a:effectLst/>
+                <a:latin typeface="+mn-lt"/>
+                <a:ea typeface="+mn-ea"/>
+                <a:cs typeface="+mn-cs"/>
+              </a:rPr>
+              <a:t> taking the time from your busy schedule to listen to our presentation.</a:t>
+            </a:r>
+            <a:endParaRPr lang="en-US" dirty="0"/>
           </a:p>
         </p:txBody>
       </p:sp>
@@ -2117,8 +2146,61 @@
           <a:p>
             <a:r>
               <a:rPr lang="en-US" dirty="0"/>
-              <a:t>Notes: </a:t>
+              <a:t>Notes: The primary focus of this presentation is to address some of the key questions.</a:t>
             </a:r>
+          </a:p>
+          <a:p>
+            <a:r>
+              <a:rPr lang="en-US" dirty="0"/>
+              <a:t>How many Breweries are there by state</a:t>
+            </a:r>
+          </a:p>
+          <a:p>
+            <a:r>
+              <a:rPr lang="en-US" dirty="0"/>
+              <a:t>Median Alcohol by Volume (ABV) and </a:t>
+            </a:r>
+            <a:r>
+              <a:rPr lang="en-US" sz="1200" b="0" i="0" kern="1200" dirty="0">
+                <a:solidFill>
+                  <a:schemeClr val="tx1"/>
+                </a:solidFill>
+                <a:effectLst/>
+                <a:latin typeface="+mn-lt"/>
+                <a:ea typeface="+mn-ea"/>
+                <a:cs typeface="+mn-cs"/>
+              </a:rPr>
+              <a:t> beer bitterness (IBU) by state </a:t>
+            </a:r>
+          </a:p>
+          <a:p>
+            <a:r>
+              <a:rPr lang="en-US" sz="1200" b="0" i="0" kern="1200" dirty="0">
+                <a:solidFill>
+                  <a:schemeClr val="tx1"/>
+                </a:solidFill>
+                <a:effectLst/>
+                <a:latin typeface="+mn-lt"/>
+                <a:ea typeface="+mn-ea"/>
+                <a:cs typeface="+mn-cs"/>
+              </a:rPr>
+              <a:t>Which states has beers with highest level of alcohol by volume and bitterness </a:t>
+            </a:r>
+          </a:p>
+          <a:p>
+            <a:r>
+              <a:rPr lang="en-US" sz="1200" b="0" i="0" kern="1200" dirty="0">
+                <a:solidFill>
+                  <a:schemeClr val="tx1"/>
+                </a:solidFill>
+                <a:effectLst/>
+                <a:latin typeface="+mn-lt"/>
+                <a:ea typeface="+mn-ea"/>
+                <a:cs typeface="+mn-cs"/>
+              </a:rPr>
+              <a:t>We will also present detailed information related to alcohol by volume and will also address the relation between alcohol by volume and bitterness</a:t>
+            </a:r>
+            <a:endParaRPr lang="en-US" dirty="0"/>
           </a:p>
         </p:txBody>
       </p:sp>
@@ -2210,7 +2292,7 @@
           <a:p>
             <a:r>
               <a:rPr lang="en-US" dirty="0"/>
-              <a:t>Notes: </a:t>
+              <a:t>Notes: Our analysis is based upon the two datasets, beers and breweries, which is provided by Budweiser</a:t>
             </a:r>
           </a:p>
           <a:p>
@@ -2318,8 +2400,49 @@
                 <a:ea typeface="+mn-ea"/>
                 <a:cs typeface="+mn-cs"/>
               </a:rPr>
-              <a:t>There are 62 (2.57%) observations where both ABV and IBU are empty, 943 (41.7%) observations where only IBU is empty. For all observations that had both only IBU empty, the NA value was changed to zero since having a non-bitter alcoholic beer is possible. Whereas we choose not to include any observations that had zero ABV. That just isn’t a real beer. This leaves us with only 2.57% of the observations not being used.</a:t>
+              <a:t>There are 62 (2.57%) observations where both ABV and IBU are empty, 943 (41.7%) observations where only IBU is empty. </a:t>
             </a:r>
+          </a:p>
+          <a:p>
+            <a:r>
+              <a:rPr lang="en-US" sz="1200" b="0" i="1" kern="1200" dirty="0">
+                <a:solidFill>
+                  <a:schemeClr val="tx1"/>
+                </a:solidFill>
+                <a:effectLst/>
+                <a:latin typeface="+mn-lt"/>
+                <a:ea typeface="+mn-ea"/>
+                <a:cs typeface="+mn-cs"/>
+              </a:rPr>
+              <a:t>For all observations that had both only IBU empty, the NA value was changed to zero since having a non-bitter alcoholic beer is possible. Whereas we choose not to include any observations that had zero ABV. That just isn’t a real beer. This leaves us with only 2.57% of the observations not being used.</a:t>
+            </a:r>
+          </a:p>
+          <a:p>
+            <a:endParaRPr lang="en-US" sz="1200" b="0" i="1" kern="1200" dirty="0">
+              <a:solidFill>
+                <a:schemeClr val="tx1"/>
+              </a:solidFill>
+              <a:effectLst/>
+              <a:latin typeface="+mn-lt"/>
+              <a:ea typeface="+mn-ea"/>
+              <a:cs typeface="+mn-cs"/>
+            </a:endParaRPr>
+          </a:p>
+          <a:p>
+            <a:r>
+              <a:rPr lang="en-US" sz="1200" b="0" i="1" kern="1200" dirty="0">
+                <a:solidFill>
+                  <a:schemeClr val="tx1"/>
+                </a:solidFill>
+                <a:effectLst/>
+                <a:latin typeface="+mn-lt"/>
+                <a:ea typeface="+mn-ea"/>
+                <a:cs typeface="+mn-cs"/>
+              </a:rPr>
+              <a:t>This is how we addressed missing values, there are 2.6% of observations where both ABV and IBU are empty and 41.7% of total observations just IBU, which are empty. We made some realistic assumption that, a beer can exist without bitterness but probably not without alcohol. So, we have excluded all the ABV observations with NA’s and replaced IBU NA’s with zeros </a:t>
+            </a:r>
+          </a:p>
+          <a:p>
             <a:endParaRPr lang="en-US" dirty="0"/>
           </a:p>
           <a:p>
@@ -2431,7 +2554,19 @@
             </a:r>
             <a:r>
               <a:rPr lang="en-US" dirty="0"/>
-              <a:t>. Prior to the merge, changing the column names was required to perform the merge. Two records in the merged dataset had cities that were the same but misspelled. Both of those records were cleaned up so the city names were consistent.</a:t>
+              <a:t>, which is common field for joining. </a:t>
+            </a:r>
+          </a:p>
+          <a:p>
+            <a:r>
+              <a:rPr lang="en-US" dirty="0"/>
+              <a:t>Prior to the merge, changing the column names was required to perform the merge. </a:t>
+            </a:r>
+          </a:p>
+          <a:p>
+            <a:r>
+              <a:rPr lang="en-US" dirty="0"/>
+              <a:t>Two records in the merged dataset had cities that were the same but misspelled. Both of those records were cleaned up so the city names were consistent.</a:t>
             </a:r>
           </a:p>
           <a:p>
@@ -2454,11 +2589,71 @@
           <a:bodyPr/>
           <a:lstStyle/>
           <a:p>
+            <a:pPr marL="0" marR="0" lvl="0" indent="0" algn="r" defTabSz="914400" rtl="0" eaLnBrk="1" fontAlgn="auto" latinLnBrk="0" hangingPunct="1">
+              <a:lnSpc>
+                <a:spcPct val="100000"/>
+              </a:lnSpc>
+              <a:spcBef>
+                <a:spcPts val="0"/>
+              </a:spcBef>
+              <a:spcAft>
+                <a:spcPts val="0"/>
+              </a:spcAft>
+              <a:buClrTx/>
+              <a:buSzTx/>
+              <a:buFontTx/>
+              <a:buNone/>
+              <a:tabLst/>
+              <a:defRPr/>
+            </a:pPr>
             <a:fld id="{274AE7AE-FCBF-419F-971E-04B351FA8EC0}" type="slidenum">
-              <a:rPr lang="en-US" smtClean="0"/>
+              <a:rPr kumimoji="0" lang="en-US" sz="1200" b="0" i="0" u="none" strike="noStrike" kern="1200" cap="none" spc="0" normalizeH="0" baseline="0" noProof="0" smtClean="0">
+                <a:ln>
+                  <a:noFill/>
+                </a:ln>
+                <a:solidFill>
+                  <a:prstClr val="black"/>
+                </a:solidFill>
+                <a:effectLst/>
+                <a:uLnTx/>
+                <a:uFillTx/>
+                <a:latin typeface="Calibri"/>
+                <a:ea typeface="+mn-ea"/>
+                <a:cs typeface="+mn-cs"/>
+              </a:rPr>
+              <a:pPr marL="0" marR="0" lvl="0" indent="0" algn="r" defTabSz="914400" rtl="0" eaLnBrk="1" fontAlgn="auto" latinLnBrk="0" hangingPunct="1">
+                <a:lnSpc>
+                  <a:spcPct val="100000"/>
+                </a:lnSpc>
+                <a:spcBef>
+                  <a:spcPts val="0"/>
+                </a:spcBef>
+                <a:spcAft>
+                  <a:spcPts val="0"/>
+                </a:spcAft>
+                <a:buClrTx/>
+                <a:buSzTx/>
+                <a:buFontTx/>
+                <a:buNone/>
+                <a:tabLst/>
+                <a:defRPr/>
+              </a:pPr>
               <a:t>5</a:t>
             </a:fld>
-            <a:endParaRPr lang="en-US"/>
+            <a:endParaRPr kumimoji="0" lang="en-US" sz="1200" b="0" i="0" u="none" strike="noStrike" kern="1200" cap="none" spc="0" normalizeH="0" baseline="0" noProof="0">
+              <a:ln>
+                <a:noFill/>
+              </a:ln>
+              <a:solidFill>
+                <a:prstClr val="black"/>
+              </a:solidFill>
+              <a:effectLst/>
+              <a:uLnTx/>
+              <a:uFillTx/>
+              <a:latin typeface="Calibri"/>
+              <a:ea typeface="+mn-ea"/>
+              <a:cs typeface="+mn-cs"/>
+            </a:endParaRPr>
           </a:p>
         </p:txBody>
       </p:sp>
@@ -2527,7 +2722,25 @@
           <a:p>
             <a:r>
               <a:rPr lang="en-US" dirty="0"/>
-              <a:t>Notes: Colorado has 47 breweries which is 8 more than California which is second with 39 breweries. 4 states (DC, N Dakota, S Dakota, and West Virginia) only had 1 brewery and 4 more states (Arkansas, Delaware, Mississippi, and Nevada) only have two breweries. Nevada was a shock due to it being the home of Las Vegas. The highest number of breweries appears to be west of the Mississippi river. However, the northeast united states has its fair share.</a:t>
+              <a:t>Notes: Colorado has the highest breweries of  47  which is 8 more than second highest California with 39 breweries. </a:t>
+            </a:r>
+          </a:p>
+          <a:p>
+            <a:r>
+              <a:rPr lang="en-US" dirty="0"/>
+              <a:t>4 states (DC, N Dakota, S Dakota, and West Virginia) only had 1 brewery</a:t>
+            </a:r>
+          </a:p>
+          <a:p>
+            <a:r>
+              <a:rPr lang="en-US" dirty="0"/>
+              <a:t> and 4 more states (Arkansas, Delaware, Mississippi, and Nevada) only have two breweries. </a:t>
+            </a:r>
+          </a:p>
+          <a:p>
+            <a:r>
+              <a:rPr lang="en-US" dirty="0"/>
+              <a:t>Nevada was a shock due to it being the home of Las Vegas. The highest number of breweries appears to be west of the Mississippi river. However, the northeast united states has its fair share.</a:t>
             </a:r>
           </a:p>
           <a:p>
@@ -2550,11 +2763,71 @@
           <a:bodyPr/>
           <a:lstStyle/>
           <a:p>
+            <a:pPr marL="0" marR="0" lvl="0" indent="0" algn="r" defTabSz="914400" rtl="0" eaLnBrk="1" fontAlgn="auto" latinLnBrk="0" hangingPunct="1">
+              <a:lnSpc>
+                <a:spcPct val="100000"/>
+              </a:lnSpc>
+              <a:spcBef>
+                <a:spcPts val="0"/>
+              </a:spcBef>
+              <a:spcAft>
+                <a:spcPts val="0"/>
+              </a:spcAft>
+              <a:buClrTx/>
+              <a:buSzTx/>
+              <a:buFontTx/>
+              <a:buNone/>
+              <a:tabLst/>
+              <a:defRPr/>
+            </a:pPr>
             <a:fld id="{274AE7AE-FCBF-419F-971E-04B351FA8EC0}" type="slidenum">
-              <a:rPr lang="en-US" smtClean="0"/>
+              <a:rPr kumimoji="0" lang="en-US" sz="1200" b="0" i="0" u="none" strike="noStrike" kern="1200" cap="none" spc="0" normalizeH="0" baseline="0" noProof="0" smtClean="0">
+                <a:ln>
+                  <a:noFill/>
+                </a:ln>
+                <a:solidFill>
+                  <a:prstClr val="black"/>
+                </a:solidFill>
+                <a:effectLst/>
+                <a:uLnTx/>
+                <a:uFillTx/>
+                <a:latin typeface="Calibri"/>
+                <a:ea typeface="+mn-ea"/>
+                <a:cs typeface="+mn-cs"/>
+              </a:rPr>
+              <a:pPr marL="0" marR="0" lvl="0" indent="0" algn="r" defTabSz="914400" rtl="0" eaLnBrk="1" fontAlgn="auto" latinLnBrk="0" hangingPunct="1">
+                <a:lnSpc>
+                  <a:spcPct val="100000"/>
+                </a:lnSpc>
+                <a:spcBef>
+                  <a:spcPts val="0"/>
+                </a:spcBef>
+                <a:spcAft>
+                  <a:spcPts val="0"/>
+                </a:spcAft>
+                <a:buClrTx/>
+                <a:buSzTx/>
+                <a:buFontTx/>
+                <a:buNone/>
+                <a:tabLst/>
+                <a:defRPr/>
+              </a:pPr>
               <a:t>6</a:t>
             </a:fld>
-            <a:endParaRPr lang="en-US"/>
+            <a:endParaRPr kumimoji="0" lang="en-US" sz="1200" b="0" i="0" u="none" strike="noStrike" kern="1200" cap="none" spc="0" normalizeH="0" baseline="0" noProof="0">
+              <a:ln>
+                <a:noFill/>
+              </a:ln>
+              <a:solidFill>
+                <a:prstClr val="black"/>
+              </a:solidFill>
+              <a:effectLst/>
+              <a:uLnTx/>
+              <a:uFillTx/>
+              <a:latin typeface="Calibri"/>
+              <a:ea typeface="+mn-ea"/>
+              <a:cs typeface="+mn-cs"/>
+            </a:endParaRPr>
           </a:p>
         </p:txBody>
       </p:sp>
@@ -2635,7 +2908,49 @@
                 <a:ea typeface="+mn-ea"/>
                 <a:cs typeface="+mn-cs"/>
               </a:rPr>
-              <a:t>The median ABV per state appears somewhat consistent with an overall ABV median of 0.056. Kentucky has the highest median at 0.062 ABV and Utah has the lowest at 0.04 ABV. The median IBU per state appears to vary considerably between states with an overall IBU median of 37. West Virginia has the highest median at 57.5 IBU and Utah has the lowest at 6 IBU if you exclude the states with zero IBU.</a:t>
+              <a:t>The median ABV per state appears somewhat consistent with an overall ABV median of 0.056. </a:t>
+            </a:r>
+          </a:p>
+          <a:p>
+            <a:r>
+              <a:rPr lang="en-US" sz="1200" b="0" i="1" kern="1200" dirty="0">
+                <a:solidFill>
+                  <a:schemeClr val="tx1"/>
+                </a:solidFill>
+                <a:effectLst/>
+                <a:latin typeface="+mn-lt"/>
+                <a:ea typeface="+mn-ea"/>
+                <a:cs typeface="+mn-cs"/>
+              </a:rPr>
+              <a:t>Kentucky has the highest median at 0.062 ABV and Utah has the lowest at 0.04 ABV. </a:t>
+            </a:r>
+          </a:p>
+          <a:p>
+            <a:r>
+              <a:rPr lang="en-US" sz="1200" b="0" i="1" kern="1200" dirty="0">
+                <a:solidFill>
+                  <a:schemeClr val="tx1"/>
+                </a:solidFill>
+                <a:effectLst/>
+                <a:latin typeface="+mn-lt"/>
+                <a:ea typeface="+mn-ea"/>
+                <a:cs typeface="+mn-cs"/>
+              </a:rPr>
+              <a:t>The median IBU per state appears to vary considerably between states with an overall IBU median of 37. </a:t>
+            </a:r>
+          </a:p>
+          <a:p>
+            <a:r>
+              <a:rPr lang="en-US" sz="1200" b="0" i="1" kern="1200" dirty="0">
+                <a:solidFill>
+                  <a:schemeClr val="tx1"/>
+                </a:solidFill>
+                <a:effectLst/>
+                <a:latin typeface="+mn-lt"/>
+                <a:ea typeface="+mn-ea"/>
+                <a:cs typeface="+mn-cs"/>
+              </a:rPr>
+              <a:t>West Virginia has the highest median at 57.5 IBU and Utah has the lowest at 6 IBU if you exclude the states with zero IBU.</a:t>
             </a:r>
             <a:endParaRPr lang="en-US" sz="1200" b="0" i="0" kern="1200" dirty="0">
               <a:solidFill>
@@ -2646,12 +2961,6 @@
               <a:ea typeface="+mn-ea"/>
               <a:cs typeface="+mn-cs"/>
             </a:endParaRPr>
-          </a:p>
-          <a:p>
-            <a:endParaRPr lang="en-US" dirty="0"/>
-          </a:p>
-          <a:p>
-            <a:endParaRPr lang="en-US" dirty="0"/>
           </a:p>
         </p:txBody>
       </p:sp>
@@ -3154,7 +3463,7 @@
             <a:fld id="{FFF30096-E2FA-4C53-8FFA-C198FACBBC31}" type="datetimeFigureOut">
               <a:rPr lang="en-US" smtClean="0"/>
               <a:pPr/>
-              <a:t>2/22/2020</a:t>
+              <a:t>2/23/2020</a:t>
             </a:fld>
             <a:endParaRPr lang="en-US" dirty="0"/>
           </a:p>
@@ -10413,7 +10722,7 @@
             <a:fld id="{FFF30096-E2FA-4C53-8FFA-C198FACBBC31}" type="datetimeFigureOut">
               <a:rPr lang="en-US" smtClean="0"/>
               <a:pPr/>
-              <a:t>2/22/2020</a:t>
+              <a:t>2/23/2020</a:t>
             </a:fld>
             <a:endParaRPr lang="en-US" dirty="0"/>
           </a:p>
@@ -18087,7 +18396,7 @@
             <a:fld id="{FFF30096-E2FA-4C53-8FFA-C198FACBBC31}" type="datetimeFigureOut">
               <a:rPr lang="en-US" smtClean="0"/>
               <a:pPr/>
-              <a:t>2/22/2020</a:t>
+              <a:t>2/23/2020</a:t>
             </a:fld>
             <a:endParaRPr lang="en-US" dirty="0"/>
           </a:p>
@@ -18343,7 +18652,7 @@
             <a:fld id="{FFF30096-E2FA-4C53-8FFA-C198FACBBC31}" type="datetimeFigureOut">
               <a:rPr lang="en-US" smtClean="0"/>
               <a:pPr/>
-              <a:t>2/22/2020</a:t>
+              <a:t>2/23/2020</a:t>
             </a:fld>
             <a:endParaRPr lang="en-US" dirty="0"/>
           </a:p>
@@ -20117,7 +20426,7 @@
             <a:fld id="{FFF30096-E2FA-4C53-8FFA-C198FACBBC31}" type="datetimeFigureOut">
               <a:rPr lang="en-US" smtClean="0"/>
               <a:pPr/>
-              <a:t>2/22/2020</a:t>
+              <a:t>2/23/2020</a:t>
             </a:fld>
             <a:endParaRPr lang="en-US" dirty="0"/>
           </a:p>
@@ -20492,7 +20801,7 @@
             <a:fld id="{FFF30096-E2FA-4C53-8FFA-C198FACBBC31}" type="datetimeFigureOut">
               <a:rPr lang="en-US" smtClean="0"/>
               <a:pPr/>
-              <a:t>2/22/2020</a:t>
+              <a:t>2/23/2020</a:t>
             </a:fld>
             <a:endParaRPr lang="en-US"/>
           </a:p>
@@ -21324,34 +21633,6 @@
             <a:r>
               <a:rPr lang="en-US" dirty="0"/>
               <a:t>Thank You!</a:t>
-            </a:r>
-          </a:p>
-        </p:txBody>
-      </p:sp>
-      <p:sp>
-        <p:nvSpPr>
-          <p:cNvPr id="5" name="Text Placeholder 4">
-            <a:extLst>
-              <a:ext uri="{FF2B5EF4-FFF2-40B4-BE49-F238E27FC236}">
-                <a16:creationId xmlns:a16="http://schemas.microsoft.com/office/drawing/2014/main" id="{B7032DA9-3084-428D-B16D-24511F6F7009}"/>
-              </a:ext>
-            </a:extLst>
-          </p:cNvPr>
-          <p:cNvSpPr>
-            <a:spLocks noGrp="1"/>
-          </p:cNvSpPr>
-          <p:nvPr>
-            <p:ph type="body" sz="quarter" idx="35"/>
-          </p:nvPr>
-        </p:nvSpPr>
-        <p:spPr/>
-        <p:txBody>
-          <a:bodyPr/>
-          <a:lstStyle/>
-          <a:p>
-            <a:r>
-              <a:rPr lang="en-US" dirty="0"/>
-              <a:t>&lt;SUMMARY&gt;</a:t>
             </a:r>
           </a:p>
         </p:txBody>
@@ -22384,10 +22665,10 @@
       </p:sp>
       <p:pic>
         <p:nvPicPr>
-          <p:cNvPr id="4" name="Picture 3">
+          <p:cNvPr id="7" name="Picture 6" descr="A screenshot of a cell phone&#10;&#10;Description automatically generated">
             <a:extLst>
               <a:ext uri="{FF2B5EF4-FFF2-40B4-BE49-F238E27FC236}">
-                <a16:creationId xmlns:a16="http://schemas.microsoft.com/office/drawing/2014/main" id="{C230CC9A-AA53-4CB2-95F8-89DC600FCAFC}"/>
+                <a16:creationId xmlns:a16="http://schemas.microsoft.com/office/drawing/2014/main" id="{9B2B2316-995C-0046-9A95-D551416D36B2}"/>
               </a:ext>
             </a:extLst>
           </p:cNvPr>
@@ -22397,27 +22678,57 @@
           <p:nvPr/>
         </p:nvPicPr>
         <p:blipFill>
-          <a:blip r:embed="rId3"/>
+          <a:blip r:embed="rId3">
+            <a:extLst>
+              <a:ext uri="{28A0092B-C50C-407E-A947-70E740481C1C}">
+                <a14:useLocalDpi xmlns:a14="http://schemas.microsoft.com/office/drawing/2010/main" val="0"/>
+              </a:ext>
+            </a:extLst>
+          </a:blip>
           <a:stretch>
             <a:fillRect/>
           </a:stretch>
         </p:blipFill>
         <p:spPr>
           <a:xfrm>
-            <a:off x="152400" y="1063228"/>
-            <a:ext cx="5787160" cy="1554480"/>
+            <a:off x="4495800" y="1313134"/>
+            <a:ext cx="4495800" cy="1258616"/>
           </a:xfrm>
           <a:prstGeom prst="rect">
             <a:avLst/>
           </a:prstGeom>
+          <a:noFill/>
+          <a:ln w="9525" cap="flat" cmpd="sng" algn="ctr">
+            <a:solidFill>
+              <a:schemeClr val="accent2"/>
+            </a:solidFill>
+            <a:prstDash val="solid"/>
+            <a:round/>
+            <a:headEnd type="none" w="med" len="med"/>
+            <a:tailEnd type="none" w="med" len="med"/>
+          </a:ln>
         </p:spPr>
+        <p:style>
+          <a:lnRef idx="0">
+            <a:scrgbClr r="0" g="0" b="0"/>
+          </a:lnRef>
+          <a:fillRef idx="0">
+            <a:scrgbClr r="0" g="0" b="0"/>
+          </a:fillRef>
+          <a:effectRef idx="0">
+            <a:scrgbClr r="0" g="0" b="0"/>
+          </a:effectRef>
+          <a:fontRef idx="minor">
+            <a:schemeClr val="accent2"/>
+          </a:fontRef>
+        </p:style>
       </p:pic>
       <p:pic>
         <p:nvPicPr>
-          <p:cNvPr id="5" name="Picture 4">
+          <p:cNvPr id="14" name="Picture 13" descr="A screenshot of a cell phone&#10;&#10;Description automatically generated">
             <a:extLst>
               <a:ext uri="{FF2B5EF4-FFF2-40B4-BE49-F238E27FC236}">
-                <a16:creationId xmlns:a16="http://schemas.microsoft.com/office/drawing/2014/main" id="{EEC5FDBD-EA7A-4924-8D84-94C46331C6D1}"/>
+                <a16:creationId xmlns:a16="http://schemas.microsoft.com/office/drawing/2014/main" id="{ECE1F50D-8F1A-F644-9916-959807B6A368}"/>
               </a:ext>
             </a:extLst>
           </p:cNvPr>
@@ -22427,27 +22738,187 @@
           <p:nvPr/>
         </p:nvPicPr>
         <p:blipFill>
-          <a:blip r:embed="rId4"/>
+          <a:blip r:embed="rId4">
+            <a:extLst>
+              <a:ext uri="{28A0092B-C50C-407E-A947-70E740481C1C}">
+                <a14:useLocalDpi xmlns:a14="http://schemas.microsoft.com/office/drawing/2010/main" val="0"/>
+              </a:ext>
+            </a:extLst>
+          </a:blip>
           <a:stretch>
             <a:fillRect/>
           </a:stretch>
         </p:blipFill>
         <p:spPr>
           <a:xfrm>
-            <a:off x="4114800" y="1063228"/>
-            <a:ext cx="5755946" cy="1554480"/>
+            <a:off x="132346" y="1313134"/>
+            <a:ext cx="4287254" cy="1261872"/>
           </a:xfrm>
           <a:prstGeom prst="rect">
             <a:avLst/>
           </a:prstGeom>
+          <a:noFill/>
+          <a:ln w="9525" cap="flat" cmpd="sng" algn="ctr">
+            <a:solidFill>
+              <a:schemeClr val="accent2"/>
+            </a:solidFill>
+            <a:prstDash val="solid"/>
+            <a:round/>
+            <a:headEnd type="none" w="med" len="med"/>
+            <a:tailEnd type="none" w="med" len="med"/>
+          </a:ln>
         </p:spPr>
+        <p:style>
+          <a:lnRef idx="0">
+            <a:scrgbClr r="0" g="0" b="0"/>
+          </a:lnRef>
+          <a:fillRef idx="0">
+            <a:scrgbClr r="0" g="0" b="0"/>
+          </a:fillRef>
+          <a:effectRef idx="0">
+            <a:scrgbClr r="0" g="0" b="0"/>
+          </a:effectRef>
+          <a:fontRef idx="minor">
+            <a:schemeClr val="accent2"/>
+          </a:fontRef>
+        </p:style>
       </p:pic>
+      <p:sp>
+        <p:nvSpPr>
+          <p:cNvPr id="15" name="TextBox 14">
+            <a:extLst>
+              <a:ext uri="{FF2B5EF4-FFF2-40B4-BE49-F238E27FC236}">
+                <a16:creationId xmlns:a16="http://schemas.microsoft.com/office/drawing/2014/main" id="{904BA7C6-EE02-0142-BAC4-820A40CD345B}"/>
+              </a:ext>
+            </a:extLst>
+          </p:cNvPr>
+          <p:cNvSpPr txBox="1"/>
+          <p:nvPr/>
+        </p:nvSpPr>
+        <p:spPr>
+          <a:xfrm>
+            <a:off x="2059012" y="971550"/>
+            <a:ext cx="673582" cy="369332"/>
+          </a:xfrm>
+          <a:prstGeom prst="rect">
+            <a:avLst/>
+          </a:prstGeom>
+          <a:noFill/>
+        </p:spPr>
+        <p:txBody>
+          <a:bodyPr wrap="none" rtlCol="0">
+            <a:spAutoFit/>
+          </a:bodyPr>
+          <a:lstStyle/>
+          <a:p>
+            <a:pPr marL="0" marR="0" lvl="0" indent="0" algn="l" defTabSz="914400" rtl="0" eaLnBrk="1" fontAlgn="auto" latinLnBrk="0" hangingPunct="1">
+              <a:lnSpc>
+                <a:spcPct val="100000"/>
+              </a:lnSpc>
+              <a:spcBef>
+                <a:spcPts val="0"/>
+              </a:spcBef>
+              <a:spcAft>
+                <a:spcPts val="0"/>
+              </a:spcAft>
+              <a:buClrTx/>
+              <a:buSzTx/>
+              <a:buFontTx/>
+              <a:buNone/>
+              <a:tabLst/>
+              <a:defRPr/>
+            </a:pPr>
+            <a:r>
+              <a:rPr kumimoji="0" lang="en-US" sz="1800" b="0" i="0" u="none" strike="noStrike" kern="1200" cap="none" spc="0" normalizeH="0" baseline="0" noProof="0" dirty="0">
+                <a:ln>
+                  <a:noFill/>
+                </a:ln>
+                <a:solidFill>
+                  <a:srgbClr val="494C4F"/>
+                </a:solidFill>
+                <a:effectLst/>
+                <a:uLnTx/>
+                <a:uFillTx/>
+                <a:latin typeface="Times" pitchFamily="2" charset="0"/>
+                <a:ea typeface="+mn-ea"/>
+                <a:cs typeface="+mn-cs"/>
+              </a:rPr>
+              <a:t>Beer </a:t>
+            </a:r>
+          </a:p>
+        </p:txBody>
+      </p:sp>
+      <p:sp>
+        <p:nvSpPr>
+          <p:cNvPr id="16" name="TextBox 15">
+            <a:extLst>
+              <a:ext uri="{FF2B5EF4-FFF2-40B4-BE49-F238E27FC236}">
+                <a16:creationId xmlns:a16="http://schemas.microsoft.com/office/drawing/2014/main" id="{85C4878F-559B-F444-B846-111CBFA6BC92}"/>
+              </a:ext>
+            </a:extLst>
+          </p:cNvPr>
+          <p:cNvSpPr txBox="1"/>
+          <p:nvPr/>
+        </p:nvSpPr>
+        <p:spPr>
+          <a:xfrm>
+            <a:off x="6543139" y="971550"/>
+            <a:ext cx="1117807" cy="369332"/>
+          </a:xfrm>
+          <a:prstGeom prst="rect">
+            <a:avLst/>
+          </a:prstGeom>
+          <a:noFill/>
+        </p:spPr>
+        <p:txBody>
+          <a:bodyPr wrap="none" rtlCol="0">
+            <a:spAutoFit/>
+          </a:bodyPr>
+          <a:lstStyle/>
+          <a:p>
+            <a:pPr marL="0" marR="0" lvl="0" indent="0" algn="l" defTabSz="914400" rtl="0" eaLnBrk="1" fontAlgn="auto" latinLnBrk="0" hangingPunct="1">
+              <a:lnSpc>
+                <a:spcPct val="100000"/>
+              </a:lnSpc>
+              <a:spcBef>
+                <a:spcPts val="0"/>
+              </a:spcBef>
+              <a:spcAft>
+                <a:spcPts val="0"/>
+              </a:spcAft>
+              <a:buClrTx/>
+              <a:buSzTx/>
+              <a:buFontTx/>
+              <a:buNone/>
+              <a:tabLst/>
+              <a:defRPr/>
+            </a:pPr>
+            <a:r>
+              <a:rPr kumimoji="0" lang="en-US" sz="1800" b="0" i="0" u="none" strike="noStrike" kern="1200" cap="none" spc="0" normalizeH="0" baseline="0" noProof="0" dirty="0">
+                <a:ln>
+                  <a:noFill/>
+                </a:ln>
+                <a:solidFill>
+                  <a:srgbClr val="494C4F"/>
+                </a:solidFill>
+                <a:effectLst/>
+                <a:uLnTx/>
+                <a:uFillTx/>
+                <a:latin typeface="Times" pitchFamily="2" charset="0"/>
+                <a:ea typeface="+mn-ea"/>
+                <a:cs typeface="+mn-cs"/>
+              </a:rPr>
+              <a:t>Breweries</a:t>
+            </a:r>
+          </a:p>
+        </p:txBody>
+      </p:sp>
       <p:pic>
         <p:nvPicPr>
-          <p:cNvPr id="6" name="Picture 5">
+          <p:cNvPr id="18" name="Picture 17" descr="A screenshot of a cell phone&#10;&#10;Description automatically generated">
             <a:extLst>
               <a:ext uri="{FF2B5EF4-FFF2-40B4-BE49-F238E27FC236}">
-                <a16:creationId xmlns:a16="http://schemas.microsoft.com/office/drawing/2014/main" id="{99CA9CC8-D41E-4EC2-9AD9-88EAA1C3F8F8}"/>
+                <a16:creationId xmlns:a16="http://schemas.microsoft.com/office/drawing/2014/main" id="{0B3B1B90-924A-2A43-9D08-04E3F0140B87}"/>
               </a:ext>
             </a:extLst>
           </p:cNvPr>
@@ -22457,66 +22928,648 @@
           <p:nvPr/>
         </p:nvPicPr>
         <p:blipFill>
-          <a:blip r:embed="rId4"/>
+          <a:blip r:embed="rId5">
+            <a:extLst>
+              <a:ext uri="{28A0092B-C50C-407E-A947-70E740481C1C}">
+                <a14:useLocalDpi xmlns:a14="http://schemas.microsoft.com/office/drawing/2010/main" val="0"/>
+              </a:ext>
+            </a:extLst>
+          </a:blip>
           <a:stretch>
             <a:fillRect/>
           </a:stretch>
         </p:blipFill>
         <p:spPr>
           <a:xfrm>
-            <a:off x="1905000" y="3028950"/>
-            <a:ext cx="5755946" cy="1554480"/>
+            <a:off x="1371600" y="3181350"/>
+            <a:ext cx="6172200" cy="1484026"/>
           </a:xfrm>
           <a:prstGeom prst="rect">
             <a:avLst/>
           </a:prstGeom>
         </p:spPr>
+        <p:style>
+          <a:lnRef idx="2">
+            <a:schemeClr val="accent3"/>
+          </a:lnRef>
+          <a:fillRef idx="1">
+            <a:schemeClr val="lt1"/>
+          </a:fillRef>
+          <a:effectRef idx="0">
+            <a:schemeClr val="accent3"/>
+          </a:effectRef>
+          <a:fontRef idx="minor">
+            <a:schemeClr val="dk1"/>
+          </a:fontRef>
+        </p:style>
       </p:pic>
       <p:sp>
         <p:nvSpPr>
-          <p:cNvPr id="9" name="TextBox 8">
+          <p:cNvPr id="19" name="Rectangle 18">
             <a:extLst>
               <a:ext uri="{FF2B5EF4-FFF2-40B4-BE49-F238E27FC236}">
-                <a16:creationId xmlns:a16="http://schemas.microsoft.com/office/drawing/2014/main" id="{9DAB8808-38A7-46F2-B73D-F269E6BEEAC4}"/>
+                <a16:creationId xmlns:a16="http://schemas.microsoft.com/office/drawing/2014/main" id="{2304A5A9-7687-5442-8877-C27A8DC66E41}"/>
               </a:ext>
             </a:extLst>
           </p:cNvPr>
-          <p:cNvSpPr txBox="1"/>
+          <p:cNvSpPr/>
           <p:nvPr/>
         </p:nvSpPr>
         <p:spPr>
           <a:xfrm>
-            <a:off x="228600" y="2800350"/>
-            <a:ext cx="1371600" cy="1477328"/>
+            <a:off x="1828800" y="2626644"/>
+            <a:ext cx="152400" cy="249906"/>
           </a:xfrm>
           <a:prstGeom prst="rect">
             <a:avLst/>
           </a:prstGeom>
-          <a:noFill/>
+          <a:solidFill>
+            <a:schemeClr val="accent3"/>
+          </a:solidFill>
+          <a:ln>
+            <a:noFill/>
+          </a:ln>
         </p:spPr>
+        <p:style>
+          <a:lnRef idx="0">
+            <a:scrgbClr r="0" g="0" b="0"/>
+          </a:lnRef>
+          <a:fillRef idx="0">
+            <a:scrgbClr r="0" g="0" b="0"/>
+          </a:fillRef>
+          <a:effectRef idx="0">
+            <a:scrgbClr r="0" g="0" b="0"/>
+          </a:effectRef>
+          <a:fontRef idx="minor">
+            <a:schemeClr val="lt1"/>
+          </a:fontRef>
+        </p:style>
         <p:txBody>
-          <a:bodyPr wrap="square" rtlCol="0">
-            <a:spAutoFit/>
-          </a:bodyPr>
+          <a:bodyPr rtlCol="0" anchor="ctr"/>
           <a:lstStyle/>
           <a:p>
-            <a:r>
-              <a:rPr lang="en-US" dirty="0"/>
-              <a:t>Insert single joined arrow that simulates the merge</a:t>
-            </a:r>
+            <a:pPr marL="0" marR="0" lvl="0" indent="0" algn="ctr" defTabSz="914400" rtl="0" eaLnBrk="1" fontAlgn="auto" latinLnBrk="0" hangingPunct="1">
+              <a:lnSpc>
+                <a:spcPct val="100000"/>
+              </a:lnSpc>
+              <a:spcBef>
+                <a:spcPts val="0"/>
+              </a:spcBef>
+              <a:spcAft>
+                <a:spcPts val="0"/>
+              </a:spcAft>
+              <a:buClrTx/>
+              <a:buSzTx/>
+              <a:buFontTx/>
+              <a:buNone/>
+              <a:tabLst/>
+              <a:defRPr/>
+            </a:pPr>
+            <a:endParaRPr kumimoji="0" lang="en-US" sz="1800" b="0" i="0" u="none" strike="noStrike" kern="1200" cap="none" spc="0" normalizeH="0" baseline="0" noProof="0">
+              <a:ln>
+                <a:noFill/>
+              </a:ln>
+              <a:solidFill>
+                <a:srgbClr val="FFFFFF"/>
+              </a:solidFill>
+              <a:effectLst/>
+              <a:uLnTx/>
+              <a:uFillTx/>
+              <a:latin typeface="Calibri"/>
+              <a:ea typeface="+mn-ea"/>
+              <a:cs typeface="+mn-cs"/>
+            </a:endParaRPr>
+          </a:p>
+        </p:txBody>
+      </p:sp>
+      <p:sp>
+        <p:nvSpPr>
+          <p:cNvPr id="20" name="Rectangle 19">
+            <a:extLst>
+              <a:ext uri="{FF2B5EF4-FFF2-40B4-BE49-F238E27FC236}">
+                <a16:creationId xmlns:a16="http://schemas.microsoft.com/office/drawing/2014/main" id="{C9BEED78-20BF-3A41-BEC2-AA63C84816C4}"/>
+              </a:ext>
+            </a:extLst>
+          </p:cNvPr>
+          <p:cNvSpPr/>
+          <p:nvPr/>
+        </p:nvSpPr>
+        <p:spPr>
+          <a:xfrm>
+            <a:off x="6781800" y="2626644"/>
+            <a:ext cx="152400" cy="249906"/>
+          </a:xfrm>
+          <a:prstGeom prst="rect">
+            <a:avLst/>
+          </a:prstGeom>
+          <a:solidFill>
+            <a:schemeClr val="accent3"/>
+          </a:solidFill>
+          <a:ln>
+            <a:noFill/>
+          </a:ln>
+        </p:spPr>
+        <p:style>
+          <a:lnRef idx="0">
+            <a:scrgbClr r="0" g="0" b="0"/>
+          </a:lnRef>
+          <a:fillRef idx="0">
+            <a:scrgbClr r="0" g="0" b="0"/>
+          </a:fillRef>
+          <a:effectRef idx="0">
+            <a:scrgbClr r="0" g="0" b="0"/>
+          </a:effectRef>
+          <a:fontRef idx="minor">
+            <a:schemeClr val="lt1"/>
+          </a:fontRef>
+        </p:style>
+        <p:txBody>
+          <a:bodyPr rtlCol="0" anchor="ctr"/>
+          <a:lstStyle/>
+          <a:p>
+            <a:pPr marL="0" marR="0" lvl="0" indent="0" algn="ctr" defTabSz="914400" rtl="0" eaLnBrk="1" fontAlgn="auto" latinLnBrk="0" hangingPunct="1">
+              <a:lnSpc>
+                <a:spcPct val="100000"/>
+              </a:lnSpc>
+              <a:spcBef>
+                <a:spcPts val="0"/>
+              </a:spcBef>
+              <a:spcAft>
+                <a:spcPts val="0"/>
+              </a:spcAft>
+              <a:buClrTx/>
+              <a:buSzTx/>
+              <a:buFontTx/>
+              <a:buNone/>
+              <a:tabLst/>
+              <a:defRPr/>
+            </a:pPr>
+            <a:endParaRPr kumimoji="0" lang="en-US" sz="1800" b="0" i="0" u="none" strike="noStrike" kern="1200" cap="none" spc="0" normalizeH="0" baseline="0" noProof="0">
+              <a:ln>
+                <a:noFill/>
+              </a:ln>
+              <a:solidFill>
+                <a:srgbClr val="FFFFFF"/>
+              </a:solidFill>
+              <a:effectLst/>
+              <a:uLnTx/>
+              <a:uFillTx/>
+              <a:latin typeface="Calibri"/>
+              <a:ea typeface="+mn-ea"/>
+              <a:cs typeface="+mn-cs"/>
+            </a:endParaRPr>
+          </a:p>
+        </p:txBody>
+      </p:sp>
+      <p:sp>
+        <p:nvSpPr>
+          <p:cNvPr id="21" name="Rectangle 20">
+            <a:extLst>
+              <a:ext uri="{FF2B5EF4-FFF2-40B4-BE49-F238E27FC236}">
+                <a16:creationId xmlns:a16="http://schemas.microsoft.com/office/drawing/2014/main" id="{4F2BF60A-B906-4B49-97A3-66ED59940B68}"/>
+              </a:ext>
+            </a:extLst>
+          </p:cNvPr>
+          <p:cNvSpPr/>
+          <p:nvPr/>
+        </p:nvSpPr>
+        <p:spPr>
+          <a:xfrm rot="5400000">
+            <a:off x="4329677" y="348227"/>
+            <a:ext cx="103646" cy="5105400"/>
+          </a:xfrm>
+          <a:prstGeom prst="rect">
+            <a:avLst/>
+          </a:prstGeom>
+          <a:solidFill>
+            <a:schemeClr val="accent3"/>
+          </a:solidFill>
+          <a:ln>
+            <a:noFill/>
+          </a:ln>
+        </p:spPr>
+        <p:style>
+          <a:lnRef idx="0">
+            <a:scrgbClr r="0" g="0" b="0"/>
+          </a:lnRef>
+          <a:fillRef idx="0">
+            <a:scrgbClr r="0" g="0" b="0"/>
+          </a:fillRef>
+          <a:effectRef idx="0">
+            <a:scrgbClr r="0" g="0" b="0"/>
+          </a:effectRef>
+          <a:fontRef idx="minor">
+            <a:schemeClr val="lt1"/>
+          </a:fontRef>
+        </p:style>
+        <p:txBody>
+          <a:bodyPr rtlCol="0" anchor="ctr"/>
+          <a:lstStyle/>
+          <a:p>
+            <a:pPr marL="0" marR="0" lvl="0" indent="0" algn="ctr" defTabSz="914400" rtl="0" eaLnBrk="1" fontAlgn="auto" latinLnBrk="0" hangingPunct="1">
+              <a:lnSpc>
+                <a:spcPct val="100000"/>
+              </a:lnSpc>
+              <a:spcBef>
+                <a:spcPts val="0"/>
+              </a:spcBef>
+              <a:spcAft>
+                <a:spcPts val="0"/>
+              </a:spcAft>
+              <a:buClrTx/>
+              <a:buSzTx/>
+              <a:buFontTx/>
+              <a:buNone/>
+              <a:tabLst/>
+              <a:defRPr/>
+            </a:pPr>
+            <a:endParaRPr kumimoji="0" lang="en-US" sz="1800" b="0" i="0" u="none" strike="noStrike" kern="1200" cap="none" spc="0" normalizeH="0" baseline="0" noProof="0">
+              <a:ln>
+                <a:noFill/>
+              </a:ln>
+              <a:solidFill>
+                <a:srgbClr val="FFFFFF"/>
+              </a:solidFill>
+              <a:effectLst/>
+              <a:uLnTx/>
+              <a:uFillTx/>
+              <a:latin typeface="Calibri"/>
+              <a:ea typeface="+mn-ea"/>
+              <a:cs typeface="+mn-cs"/>
+            </a:endParaRPr>
+          </a:p>
+        </p:txBody>
+      </p:sp>
+      <p:sp>
+        <p:nvSpPr>
+          <p:cNvPr id="22" name="Down Arrow 21">
+            <a:extLst>
+              <a:ext uri="{FF2B5EF4-FFF2-40B4-BE49-F238E27FC236}">
+                <a16:creationId xmlns:a16="http://schemas.microsoft.com/office/drawing/2014/main" id="{DA4A7877-B261-BC47-8CDE-0E37A651FFA1}"/>
+              </a:ext>
+            </a:extLst>
+          </p:cNvPr>
+          <p:cNvSpPr/>
+          <p:nvPr/>
+        </p:nvSpPr>
+        <p:spPr>
+          <a:xfrm>
+            <a:off x="4191000" y="2876550"/>
+            <a:ext cx="228600" cy="228600"/>
+          </a:xfrm>
+          <a:prstGeom prst="downArrow">
+            <a:avLst/>
+          </a:prstGeom>
+          <a:solidFill>
+            <a:schemeClr val="accent3"/>
+          </a:solidFill>
+          <a:ln>
+            <a:noFill/>
+          </a:ln>
+        </p:spPr>
+        <p:style>
+          <a:lnRef idx="0">
+            <a:scrgbClr r="0" g="0" b="0"/>
+          </a:lnRef>
+          <a:fillRef idx="0">
+            <a:scrgbClr r="0" g="0" b="0"/>
+          </a:fillRef>
+          <a:effectRef idx="0">
+            <a:scrgbClr r="0" g="0" b="0"/>
+          </a:effectRef>
+          <a:fontRef idx="minor">
+            <a:schemeClr val="lt1"/>
+          </a:fontRef>
+        </p:style>
+        <p:txBody>
+          <a:bodyPr rtlCol="0" anchor="ctr"/>
+          <a:lstStyle/>
+          <a:p>
+            <a:pPr marL="0" marR="0" lvl="0" indent="0" algn="ctr" defTabSz="914400" rtl="0" eaLnBrk="1" fontAlgn="auto" latinLnBrk="0" hangingPunct="1">
+              <a:lnSpc>
+                <a:spcPct val="100000"/>
+              </a:lnSpc>
+              <a:spcBef>
+                <a:spcPts val="0"/>
+              </a:spcBef>
+              <a:spcAft>
+                <a:spcPts val="0"/>
+              </a:spcAft>
+              <a:buClrTx/>
+              <a:buSzTx/>
+              <a:buFontTx/>
+              <a:buNone/>
+              <a:tabLst/>
+              <a:defRPr/>
+            </a:pPr>
+            <a:endParaRPr kumimoji="0" lang="en-US" sz="1800" b="0" i="0" u="none" strike="noStrike" kern="1200" cap="none" spc="0" normalizeH="0" baseline="0" noProof="0">
+              <a:ln>
+                <a:noFill/>
+              </a:ln>
+              <a:solidFill>
+                <a:srgbClr val="FFFFFF"/>
+              </a:solidFill>
+              <a:effectLst/>
+              <a:uLnTx/>
+              <a:uFillTx/>
+              <a:latin typeface="Calibri"/>
+              <a:ea typeface="+mn-ea"/>
+              <a:cs typeface="+mn-cs"/>
+            </a:endParaRPr>
           </a:p>
         </p:txBody>
       </p:sp>
     </p:spTree>
     <p:extLst>
       <p:ext uri="{BB962C8B-B14F-4D97-AF65-F5344CB8AC3E}">
-        <p14:creationId xmlns:p14="http://schemas.microsoft.com/office/powerpoint/2010/main" val="2460916010"/>
+        <p14:creationId xmlns:p14="http://schemas.microsoft.com/office/powerpoint/2010/main" val="2475493359"/>
       </p:ext>
     </p:extLst>
   </p:cSld>
   <p:clrMapOvr>
     <a:masterClrMapping/>
   </p:clrMapOvr>
+  <p:timing>
+    <p:tnLst>
+      <p:par>
+        <p:cTn id="1" dur="indefinite" restart="never" nodeType="tmRoot">
+          <p:childTnLst>
+            <p:seq concurrent="1" nextAc="seek">
+              <p:cTn id="2" dur="indefinite" nodeType="mainSeq">
+                <p:childTnLst>
+                  <p:par>
+                    <p:cTn id="3" fill="hold">
+                      <p:stCondLst>
+                        <p:cond delay="indefinite"/>
+                      </p:stCondLst>
+                      <p:childTnLst>
+                        <p:par>
+                          <p:cTn id="4" fill="hold">
+                            <p:stCondLst>
+                              <p:cond delay="0"/>
+                            </p:stCondLst>
+                            <p:childTnLst>
+                              <p:par>
+                                <p:cTn id="5" presetID="53" presetClass="entr" presetSubtype="16" fill="hold" nodeType="clickEffect">
+                                  <p:stCondLst>
+                                    <p:cond delay="0"/>
+                                  </p:stCondLst>
+                                  <p:childTnLst>
+                                    <p:set>
+                                      <p:cBhvr>
+                                        <p:cTn id="6" dur="1" fill="hold">
+                                          <p:stCondLst>
+                                            <p:cond delay="0"/>
+                                          </p:stCondLst>
+                                        </p:cTn>
+                                        <p:tgtEl>
+                                          <p:spTgt spid="14"/>
+                                        </p:tgtEl>
+                                        <p:attrNameLst>
+                                          <p:attrName>style.visibility</p:attrName>
+                                        </p:attrNameLst>
+                                      </p:cBhvr>
+                                      <p:to>
+                                        <p:strVal val="visible"/>
+                                      </p:to>
+                                    </p:set>
+                                    <p:anim calcmode="lin" valueType="num">
+                                      <p:cBhvr>
+                                        <p:cTn id="7" dur="500" fill="hold"/>
+                                        <p:tgtEl>
+                                          <p:spTgt spid="14"/>
+                                        </p:tgtEl>
+                                        <p:attrNameLst>
+                                          <p:attrName>ppt_w</p:attrName>
+                                        </p:attrNameLst>
+                                      </p:cBhvr>
+                                      <p:tavLst>
+                                        <p:tav tm="0">
+                                          <p:val>
+                                            <p:fltVal val="0"/>
+                                          </p:val>
+                                        </p:tav>
+                                        <p:tav tm="100000">
+                                          <p:val>
+                                            <p:strVal val="#ppt_w"/>
+                                          </p:val>
+                                        </p:tav>
+                                      </p:tavLst>
+                                    </p:anim>
+                                    <p:anim calcmode="lin" valueType="num">
+                                      <p:cBhvr>
+                                        <p:cTn id="8" dur="500" fill="hold"/>
+                                        <p:tgtEl>
+                                          <p:spTgt spid="14"/>
+                                        </p:tgtEl>
+                                        <p:attrNameLst>
+                                          <p:attrName>ppt_h</p:attrName>
+                                        </p:attrNameLst>
+                                      </p:cBhvr>
+                                      <p:tavLst>
+                                        <p:tav tm="0">
+                                          <p:val>
+                                            <p:fltVal val="0"/>
+                                          </p:val>
+                                        </p:tav>
+                                        <p:tav tm="100000">
+                                          <p:val>
+                                            <p:strVal val="#ppt_h"/>
+                                          </p:val>
+                                        </p:tav>
+                                      </p:tavLst>
+                                    </p:anim>
+                                    <p:animEffect transition="in" filter="fade">
+                                      <p:cBhvr>
+                                        <p:cTn id="9" dur="500"/>
+                                        <p:tgtEl>
+                                          <p:spTgt spid="14"/>
+                                        </p:tgtEl>
+                                      </p:cBhvr>
+                                    </p:animEffect>
+                                  </p:childTnLst>
+                                </p:cTn>
+                              </p:par>
+                            </p:childTnLst>
+                          </p:cTn>
+                        </p:par>
+                      </p:childTnLst>
+                    </p:cTn>
+                  </p:par>
+                  <p:par>
+                    <p:cTn id="10" fill="hold">
+                      <p:stCondLst>
+                        <p:cond delay="indefinite"/>
+                      </p:stCondLst>
+                      <p:childTnLst>
+                        <p:par>
+                          <p:cTn id="11" fill="hold">
+                            <p:stCondLst>
+                              <p:cond delay="0"/>
+                            </p:stCondLst>
+                            <p:childTnLst>
+                              <p:par>
+                                <p:cTn id="12" presetID="53" presetClass="entr" presetSubtype="16" fill="hold" nodeType="clickEffect">
+                                  <p:stCondLst>
+                                    <p:cond delay="0"/>
+                                  </p:stCondLst>
+                                  <p:childTnLst>
+                                    <p:set>
+                                      <p:cBhvr>
+                                        <p:cTn id="13" dur="1" fill="hold">
+                                          <p:stCondLst>
+                                            <p:cond delay="0"/>
+                                          </p:stCondLst>
+                                        </p:cTn>
+                                        <p:tgtEl>
+                                          <p:spTgt spid="7"/>
+                                        </p:tgtEl>
+                                        <p:attrNameLst>
+                                          <p:attrName>style.visibility</p:attrName>
+                                        </p:attrNameLst>
+                                      </p:cBhvr>
+                                      <p:to>
+                                        <p:strVal val="visible"/>
+                                      </p:to>
+                                    </p:set>
+                                    <p:anim calcmode="lin" valueType="num">
+                                      <p:cBhvr>
+                                        <p:cTn id="14" dur="500" fill="hold"/>
+                                        <p:tgtEl>
+                                          <p:spTgt spid="7"/>
+                                        </p:tgtEl>
+                                        <p:attrNameLst>
+                                          <p:attrName>ppt_w</p:attrName>
+                                        </p:attrNameLst>
+                                      </p:cBhvr>
+                                      <p:tavLst>
+                                        <p:tav tm="0">
+                                          <p:val>
+                                            <p:fltVal val="0"/>
+                                          </p:val>
+                                        </p:tav>
+                                        <p:tav tm="100000">
+                                          <p:val>
+                                            <p:strVal val="#ppt_w"/>
+                                          </p:val>
+                                        </p:tav>
+                                      </p:tavLst>
+                                    </p:anim>
+                                    <p:anim calcmode="lin" valueType="num">
+                                      <p:cBhvr>
+                                        <p:cTn id="15" dur="500" fill="hold"/>
+                                        <p:tgtEl>
+                                          <p:spTgt spid="7"/>
+                                        </p:tgtEl>
+                                        <p:attrNameLst>
+                                          <p:attrName>ppt_h</p:attrName>
+                                        </p:attrNameLst>
+                                      </p:cBhvr>
+                                      <p:tavLst>
+                                        <p:tav tm="0">
+                                          <p:val>
+                                            <p:fltVal val="0"/>
+                                          </p:val>
+                                        </p:tav>
+                                        <p:tav tm="100000">
+                                          <p:val>
+                                            <p:strVal val="#ppt_h"/>
+                                          </p:val>
+                                        </p:tav>
+                                      </p:tavLst>
+                                    </p:anim>
+                                    <p:animEffect transition="in" filter="fade">
+                                      <p:cBhvr>
+                                        <p:cTn id="16" dur="500"/>
+                                        <p:tgtEl>
+                                          <p:spTgt spid="7"/>
+                                        </p:tgtEl>
+                                      </p:cBhvr>
+                                    </p:animEffect>
+                                  </p:childTnLst>
+                                </p:cTn>
+                              </p:par>
+                            </p:childTnLst>
+                          </p:cTn>
+                        </p:par>
+                      </p:childTnLst>
+                    </p:cTn>
+                  </p:par>
+                  <p:par>
+                    <p:cTn id="17" fill="hold">
+                      <p:stCondLst>
+                        <p:cond delay="indefinite"/>
+                      </p:stCondLst>
+                      <p:childTnLst>
+                        <p:par>
+                          <p:cTn id="18" fill="hold">
+                            <p:stCondLst>
+                              <p:cond delay="0"/>
+                            </p:stCondLst>
+                            <p:childTnLst>
+                              <p:par>
+                                <p:cTn id="19" presetID="22" presetClass="entr" presetSubtype="4" fill="hold" nodeType="clickEffect">
+                                  <p:stCondLst>
+                                    <p:cond delay="0"/>
+                                  </p:stCondLst>
+                                  <p:childTnLst>
+                                    <p:set>
+                                      <p:cBhvr>
+                                        <p:cTn id="20" dur="1" fill="hold">
+                                          <p:stCondLst>
+                                            <p:cond delay="0"/>
+                                          </p:stCondLst>
+                                        </p:cTn>
+                                        <p:tgtEl>
+                                          <p:spTgt spid="18"/>
+                                        </p:tgtEl>
+                                        <p:attrNameLst>
+                                          <p:attrName>style.visibility</p:attrName>
+                                        </p:attrNameLst>
+                                      </p:cBhvr>
+                                      <p:to>
+                                        <p:strVal val="visible"/>
+                                      </p:to>
+                                    </p:set>
+                                    <p:animEffect transition="in" filter="wipe(down)">
+                                      <p:cBhvr>
+                                        <p:cTn id="21" dur="500"/>
+                                        <p:tgtEl>
+                                          <p:spTgt spid="18"/>
+                                        </p:tgtEl>
+                                      </p:cBhvr>
+                                    </p:animEffect>
+                                  </p:childTnLst>
+                                </p:cTn>
+                              </p:par>
+                            </p:childTnLst>
+                          </p:cTn>
+                        </p:par>
+                      </p:childTnLst>
+                    </p:cTn>
+                  </p:par>
+                </p:childTnLst>
+              </p:cTn>
+              <p:prevCondLst>
+                <p:cond evt="onPrev" delay="0">
+                  <p:tgtEl>
+                    <p:sldTgt/>
+                  </p:tgtEl>
+                </p:cond>
+              </p:prevCondLst>
+              <p:nextCondLst>
+                <p:cond evt="onNext" delay="0">
+                  <p:tgtEl>
+                    <p:sldTgt/>
+                  </p:tgtEl>
+                </p:cond>
+              </p:nextCondLst>
+            </p:seq>
+          </p:childTnLst>
+        </p:cTn>
+      </p:par>
+    </p:tnLst>
+  </p:timing>
 </p:sld>
 </file>
 
@@ -22537,51 +23590,6 @@
           <a:chExt cx="0" cy="0"/>
         </a:xfrm>
       </p:grpSpPr>
-      <p:pic>
-        <p:nvPicPr>
-          <p:cNvPr id="1026" name="Picture 2">
-            <a:extLst>
-              <a:ext uri="{FF2B5EF4-FFF2-40B4-BE49-F238E27FC236}">
-                <a16:creationId xmlns:a16="http://schemas.microsoft.com/office/drawing/2014/main" id="{5A51FBB7-2072-4C55-AD88-FD27BA8B63AA}"/>
-              </a:ext>
-            </a:extLst>
-          </p:cNvPr>
-          <p:cNvPicPr>
-            <a:picLocks noChangeAspect="1" noChangeArrowheads="1"/>
-          </p:cNvPicPr>
-          <p:nvPr/>
-        </p:nvPicPr>
-        <p:blipFill rotWithShape="1">
-          <a:blip r:embed="rId3">
-            <a:extLst>
-              <a:ext uri="{28A0092B-C50C-407E-A947-70E740481C1C}">
-                <a14:useLocalDpi xmlns:a14="http://schemas.microsoft.com/office/drawing/2010/main" val="0"/>
-              </a:ext>
-            </a:extLst>
-          </a:blip>
-          <a:srcRect l="6923" t="6410" r="8462"/>
-          <a:stretch/>
-        </p:blipFill>
-        <p:spPr bwMode="auto">
-          <a:xfrm>
-            <a:off x="2057400" y="1063228"/>
-            <a:ext cx="5029200" cy="3337560"/>
-          </a:xfrm>
-          <a:prstGeom prst="rect">
-            <a:avLst/>
-          </a:prstGeom>
-          <a:noFill/>
-          <a:extLst>
-            <a:ext uri="{909E8E84-426E-40DD-AFC4-6F175D3DCCD1}">
-              <a14:hiddenFill xmlns:a14="http://schemas.microsoft.com/office/drawing/2010/main">
-                <a:solidFill>
-                  <a:srgbClr val="FFFFFF"/>
-                </a:solidFill>
-              </a14:hiddenFill>
-            </a:ext>
-          </a:extLst>
-        </p:spPr>
-      </p:pic>
       <p:sp>
         <p:nvSpPr>
           <p:cNvPr id="2" name="Title 1">
@@ -22612,16 +23620,920 @@
           </a:p>
         </p:txBody>
       </p:sp>
+      <p:pic>
+        <p:nvPicPr>
+          <p:cNvPr id="4" name="Picture 2">
+            <a:extLst>
+              <a:ext uri="{FF2B5EF4-FFF2-40B4-BE49-F238E27FC236}">
+                <a16:creationId xmlns:a16="http://schemas.microsoft.com/office/drawing/2014/main" id="{EDA0E03F-363B-4503-A343-80113864BCD8}"/>
+              </a:ext>
+            </a:extLst>
+          </p:cNvPr>
+          <p:cNvPicPr>
+            <a:picLocks noChangeAspect="1" noChangeArrowheads="1"/>
+          </p:cNvPicPr>
+          <p:nvPr/>
+        </p:nvPicPr>
+        <p:blipFill rotWithShape="1">
+          <a:blip r:embed="rId3" cstate="print">
+            <a:extLst>
+              <a:ext uri="{28A0092B-C50C-407E-A947-70E740481C1C}">
+                <a14:useLocalDpi xmlns:a14="http://schemas.microsoft.com/office/drawing/2010/main" val="0"/>
+              </a:ext>
+            </a:extLst>
+          </a:blip>
+          <a:srcRect l="6923" t="6410" r="8462"/>
+          <a:stretch/>
+        </p:blipFill>
+        <p:spPr bwMode="auto">
+          <a:xfrm>
+            <a:off x="304800" y="1063228"/>
+            <a:ext cx="4454732" cy="2956322"/>
+          </a:xfrm>
+          <a:prstGeom prst="rect">
+            <a:avLst/>
+          </a:prstGeom>
+          <a:noFill/>
+          <a:extLst>
+            <a:ext uri="{909E8E84-426E-40DD-AFC4-6F175D3DCCD1}">
+              <a14:hiddenFill xmlns:a14="http://schemas.microsoft.com/office/drawing/2010/main">
+                <a:solidFill>
+                  <a:srgbClr val="FFFFFF"/>
+                </a:solidFill>
+              </a14:hiddenFill>
+            </a:ext>
+          </a:extLst>
+        </p:spPr>
+      </p:pic>
+      <p:grpSp>
+        <p:nvGrpSpPr>
+          <p:cNvPr id="5" name="Group 4">
+            <a:extLst>
+              <a:ext uri="{FF2B5EF4-FFF2-40B4-BE49-F238E27FC236}">
+                <a16:creationId xmlns:a16="http://schemas.microsoft.com/office/drawing/2014/main" id="{EBE66353-2D02-44C7-8798-C93B9385FBD6}"/>
+              </a:ext>
+            </a:extLst>
+          </p:cNvPr>
+          <p:cNvGrpSpPr/>
+          <p:nvPr/>
+        </p:nvGrpSpPr>
+        <p:grpSpPr>
+          <a:xfrm>
+            <a:off x="0" y="3333750"/>
+            <a:ext cx="1786328" cy="1155671"/>
+            <a:chOff x="463758" y="3304304"/>
+            <a:chExt cx="1786328" cy="1155671"/>
+          </a:xfrm>
+        </p:grpSpPr>
+        <p:pic>
+          <p:nvPicPr>
+            <p:cNvPr id="6" name="Picture 5" descr="A picture containing drawing, food&#10;&#10;Description automatically generated">
+              <a:extLst>
+                <a:ext uri="{FF2B5EF4-FFF2-40B4-BE49-F238E27FC236}">
+                  <a16:creationId xmlns:a16="http://schemas.microsoft.com/office/drawing/2014/main" id="{4AC0E741-C84A-4726-BCB9-86F5E4C011BE}"/>
+                </a:ext>
+              </a:extLst>
+            </p:cNvPr>
+            <p:cNvPicPr>
+              <a:picLocks noChangeAspect="1"/>
+            </p:cNvPicPr>
+            <p:nvPr/>
+          </p:nvPicPr>
+          <p:blipFill>
+            <a:blip r:embed="rId4">
+              <a:extLst>
+                <a:ext uri="{28A0092B-C50C-407E-A947-70E740481C1C}">
+                  <a14:useLocalDpi xmlns:a14="http://schemas.microsoft.com/office/drawing/2010/main" val="0"/>
+                </a:ext>
+              </a:extLst>
+            </a:blip>
+            <a:stretch>
+              <a:fillRect/>
+            </a:stretch>
+          </p:blipFill>
+          <p:spPr>
+            <a:xfrm>
+              <a:off x="463758" y="3304304"/>
+              <a:ext cx="1786328" cy="1155671"/>
+            </a:xfrm>
+            <a:prstGeom prst="rect">
+              <a:avLst/>
+            </a:prstGeom>
+          </p:spPr>
+        </p:pic>
+        <p:sp>
+          <p:nvSpPr>
+            <p:cNvPr id="7" name="TextBox 6">
+              <a:extLst>
+                <a:ext uri="{FF2B5EF4-FFF2-40B4-BE49-F238E27FC236}">
+                  <a16:creationId xmlns:a16="http://schemas.microsoft.com/office/drawing/2014/main" id="{A3483700-B4AE-4D36-BA36-1DE8B1794718}"/>
+                </a:ext>
+              </a:extLst>
+            </p:cNvPr>
+            <p:cNvSpPr txBox="1"/>
+            <p:nvPr/>
+          </p:nvSpPr>
+          <p:spPr>
+            <a:xfrm>
+              <a:off x="1339745" y="3666696"/>
+              <a:ext cx="342900" cy="215444"/>
+            </a:xfrm>
+            <a:prstGeom prst="rect">
+              <a:avLst/>
+            </a:prstGeom>
+            <a:noFill/>
+          </p:spPr>
+          <p:txBody>
+            <a:bodyPr wrap="square" rtlCol="0">
+              <a:spAutoFit/>
+            </a:bodyPr>
+            <a:lstStyle/>
+            <a:p>
+              <a:pPr marL="0" marR="0" lvl="0" indent="0" algn="l" defTabSz="914400" rtl="0" eaLnBrk="1" fontAlgn="auto" latinLnBrk="0" hangingPunct="1">
+                <a:lnSpc>
+                  <a:spcPct val="100000"/>
+                </a:lnSpc>
+                <a:spcBef>
+                  <a:spcPts val="0"/>
+                </a:spcBef>
+                <a:spcAft>
+                  <a:spcPts val="0"/>
+                </a:spcAft>
+                <a:buClrTx/>
+                <a:buSzTx/>
+                <a:buFontTx/>
+                <a:buNone/>
+                <a:tabLst/>
+                <a:defRPr/>
+              </a:pPr>
+              <a:r>
+                <a:rPr kumimoji="0" lang="en-US" sz="800" b="0" i="0" u="none" strike="noStrike" kern="1200" cap="none" spc="0" normalizeH="0" baseline="0" noProof="0" dirty="0">
+                  <a:ln>
+                    <a:noFill/>
+                  </a:ln>
+                  <a:solidFill>
+                    <a:srgbClr val="494C4F"/>
+                  </a:solidFill>
+                  <a:effectLst/>
+                  <a:uLnTx/>
+                  <a:uFillTx/>
+                  <a:latin typeface="Calibri"/>
+                  <a:ea typeface="+mn-ea"/>
+                  <a:cs typeface="+mn-cs"/>
+                </a:rPr>
+                <a:t>AK</a:t>
+              </a:r>
+            </a:p>
+          </p:txBody>
+        </p:sp>
+      </p:grpSp>
+      <p:grpSp>
+        <p:nvGrpSpPr>
+          <p:cNvPr id="8" name="Group 7">
+            <a:extLst>
+              <a:ext uri="{FF2B5EF4-FFF2-40B4-BE49-F238E27FC236}">
+                <a16:creationId xmlns:a16="http://schemas.microsoft.com/office/drawing/2014/main" id="{099554DF-8A97-4F23-B719-E4DB7A7D15D0}"/>
+              </a:ext>
+            </a:extLst>
+          </p:cNvPr>
+          <p:cNvGrpSpPr/>
+          <p:nvPr/>
+        </p:nvGrpSpPr>
+        <p:grpSpPr>
+          <a:xfrm>
+            <a:off x="1883451" y="3856822"/>
+            <a:ext cx="956872" cy="632599"/>
+            <a:chOff x="2377815" y="3751637"/>
+            <a:chExt cx="956872" cy="632599"/>
+          </a:xfrm>
+        </p:grpSpPr>
+        <p:pic>
+          <p:nvPicPr>
+            <p:cNvPr id="9" name="Picture 8" descr="A picture containing drawing, food&#10;&#10;Description automatically generated">
+              <a:extLst>
+                <a:ext uri="{FF2B5EF4-FFF2-40B4-BE49-F238E27FC236}">
+                  <a16:creationId xmlns:a16="http://schemas.microsoft.com/office/drawing/2014/main" id="{66146DFE-8544-41E8-B596-4D3C898188D9}"/>
+                </a:ext>
+              </a:extLst>
+            </p:cNvPr>
+            <p:cNvPicPr>
+              <a:picLocks noChangeAspect="1"/>
+            </p:cNvPicPr>
+            <p:nvPr/>
+          </p:nvPicPr>
+          <p:blipFill>
+            <a:blip r:embed="rId5">
+              <a:extLst>
+                <a:ext uri="{28A0092B-C50C-407E-A947-70E740481C1C}">
+                  <a14:useLocalDpi xmlns:a14="http://schemas.microsoft.com/office/drawing/2010/main" val="0"/>
+                </a:ext>
+              </a:extLst>
+            </a:blip>
+            <a:stretch>
+              <a:fillRect/>
+            </a:stretch>
+          </p:blipFill>
+          <p:spPr>
+            <a:xfrm>
+              <a:off x="2377815" y="3751637"/>
+              <a:ext cx="956872" cy="632599"/>
+            </a:xfrm>
+            <a:prstGeom prst="rect">
+              <a:avLst/>
+            </a:prstGeom>
+          </p:spPr>
+        </p:pic>
+        <p:sp>
+          <p:nvSpPr>
+            <p:cNvPr id="10" name="TextBox 9">
+              <a:extLst>
+                <a:ext uri="{FF2B5EF4-FFF2-40B4-BE49-F238E27FC236}">
+                  <a16:creationId xmlns:a16="http://schemas.microsoft.com/office/drawing/2014/main" id="{DE0C415E-776F-46E4-9821-0880206D3FF2}"/>
+                </a:ext>
+              </a:extLst>
+            </p:cNvPr>
+            <p:cNvSpPr txBox="1"/>
+            <p:nvPr/>
+          </p:nvSpPr>
+          <p:spPr>
+            <a:xfrm>
+              <a:off x="2884045" y="3960214"/>
+              <a:ext cx="342900" cy="215444"/>
+            </a:xfrm>
+            <a:prstGeom prst="rect">
+              <a:avLst/>
+            </a:prstGeom>
+            <a:noFill/>
+          </p:spPr>
+          <p:txBody>
+            <a:bodyPr wrap="square" rtlCol="0">
+              <a:spAutoFit/>
+            </a:bodyPr>
+            <a:lstStyle/>
+            <a:p>
+              <a:pPr marL="0" marR="0" lvl="0" indent="0" algn="l" defTabSz="914400" rtl="0" eaLnBrk="1" fontAlgn="auto" latinLnBrk="0" hangingPunct="1">
+                <a:lnSpc>
+                  <a:spcPct val="100000"/>
+                </a:lnSpc>
+                <a:spcBef>
+                  <a:spcPts val="0"/>
+                </a:spcBef>
+                <a:spcAft>
+                  <a:spcPts val="0"/>
+                </a:spcAft>
+                <a:buClrTx/>
+                <a:buSzTx/>
+                <a:buFontTx/>
+                <a:buNone/>
+                <a:tabLst/>
+                <a:defRPr/>
+              </a:pPr>
+              <a:r>
+                <a:rPr kumimoji="0" lang="en-US" sz="800" b="0" i="0" u="none" strike="noStrike" kern="1200" cap="none" spc="0" normalizeH="0" baseline="0" noProof="0" dirty="0">
+                  <a:ln>
+                    <a:noFill/>
+                  </a:ln>
+                  <a:solidFill>
+                    <a:srgbClr val="494C4F"/>
+                  </a:solidFill>
+                  <a:effectLst/>
+                  <a:uLnTx/>
+                  <a:uFillTx/>
+                  <a:latin typeface="Calibri"/>
+                  <a:ea typeface="+mn-ea"/>
+                  <a:cs typeface="+mn-cs"/>
+                </a:rPr>
+                <a:t>HI</a:t>
+              </a:r>
+            </a:p>
+          </p:txBody>
+        </p:sp>
+      </p:grpSp>
+      <p:sp>
+        <p:nvSpPr>
+          <p:cNvPr id="12" name="TextBox 11">
+            <a:extLst>
+              <a:ext uri="{FF2B5EF4-FFF2-40B4-BE49-F238E27FC236}">
+                <a16:creationId xmlns:a16="http://schemas.microsoft.com/office/drawing/2014/main" id="{E9C739FB-FCAC-4C35-A802-BA59270850A7}"/>
+              </a:ext>
+            </a:extLst>
+          </p:cNvPr>
+          <p:cNvSpPr txBox="1"/>
+          <p:nvPr/>
+        </p:nvSpPr>
+        <p:spPr>
+          <a:xfrm>
+            <a:off x="2283527" y="2865971"/>
+            <a:ext cx="274434" cy="200055"/>
+          </a:xfrm>
+          <a:prstGeom prst="rect">
+            <a:avLst/>
+          </a:prstGeom>
+          <a:noFill/>
+        </p:spPr>
+        <p:txBody>
+          <a:bodyPr wrap="none" rtlCol="0">
+            <a:spAutoFit/>
+          </a:bodyPr>
+          <a:lstStyle/>
+          <a:p>
+            <a:pPr marL="0" marR="0" lvl="0" indent="0" algn="l" defTabSz="914400" rtl="0" eaLnBrk="1" fontAlgn="auto" latinLnBrk="0" hangingPunct="1">
+              <a:lnSpc>
+                <a:spcPct val="100000"/>
+              </a:lnSpc>
+              <a:spcBef>
+                <a:spcPts val="0"/>
+              </a:spcBef>
+              <a:spcAft>
+                <a:spcPts val="0"/>
+              </a:spcAft>
+              <a:buClrTx/>
+              <a:buSzTx/>
+              <a:buFontTx/>
+              <a:buNone/>
+              <a:tabLst/>
+              <a:defRPr/>
+            </a:pPr>
+            <a:r>
+              <a:rPr kumimoji="0" lang="en-US" sz="700" b="0" i="0" u="none" strike="noStrike" kern="1200" cap="none" spc="0" normalizeH="0" baseline="0" noProof="0" dirty="0">
+                <a:ln>
+                  <a:noFill/>
+                </a:ln>
+                <a:solidFill>
+                  <a:srgbClr val="FF0000"/>
+                </a:solidFill>
+                <a:effectLst/>
+                <a:uLnTx/>
+                <a:uFillTx/>
+                <a:latin typeface="Calibri"/>
+                <a:ea typeface="+mn-ea"/>
+                <a:cs typeface="+mn-cs"/>
+              </a:rPr>
+              <a:t>28</a:t>
+            </a:r>
+          </a:p>
+        </p:txBody>
+      </p:sp>
+      <p:sp>
+        <p:nvSpPr>
+          <p:cNvPr id="14" name="TextBox 13">
+            <a:extLst>
+              <a:ext uri="{FF2B5EF4-FFF2-40B4-BE49-F238E27FC236}">
+                <a16:creationId xmlns:a16="http://schemas.microsoft.com/office/drawing/2014/main" id="{2F068543-6D36-4D1D-9D4E-0FD9E20F49DE}"/>
+              </a:ext>
+            </a:extLst>
+          </p:cNvPr>
+          <p:cNvSpPr txBox="1"/>
+          <p:nvPr/>
+        </p:nvSpPr>
+        <p:spPr>
+          <a:xfrm>
+            <a:off x="760179" y="2416022"/>
+            <a:ext cx="274434" cy="200055"/>
+          </a:xfrm>
+          <a:prstGeom prst="rect">
+            <a:avLst/>
+          </a:prstGeom>
+          <a:noFill/>
+        </p:spPr>
+        <p:txBody>
+          <a:bodyPr wrap="none" rtlCol="0">
+            <a:spAutoFit/>
+          </a:bodyPr>
+          <a:lstStyle/>
+          <a:p>
+            <a:pPr marL="0" marR="0" lvl="0" indent="0" algn="l" defTabSz="914400" rtl="0" eaLnBrk="1" fontAlgn="auto" latinLnBrk="0" hangingPunct="1">
+              <a:lnSpc>
+                <a:spcPct val="100000"/>
+              </a:lnSpc>
+              <a:spcBef>
+                <a:spcPts val="0"/>
+              </a:spcBef>
+              <a:spcAft>
+                <a:spcPts val="0"/>
+              </a:spcAft>
+              <a:buClrTx/>
+              <a:buSzTx/>
+              <a:buFontTx/>
+              <a:buNone/>
+              <a:tabLst/>
+              <a:defRPr/>
+            </a:pPr>
+            <a:r>
+              <a:rPr kumimoji="0" lang="en-US" sz="700" b="0" i="0" u="none" strike="noStrike" kern="1200" cap="none" spc="0" normalizeH="0" baseline="0" noProof="0" dirty="0">
+                <a:ln>
+                  <a:noFill/>
+                </a:ln>
+                <a:solidFill>
+                  <a:srgbClr val="FF0000"/>
+                </a:solidFill>
+                <a:effectLst/>
+                <a:uLnTx/>
+                <a:uFillTx/>
+                <a:latin typeface="Calibri"/>
+                <a:ea typeface="+mn-ea"/>
+                <a:cs typeface="+mn-cs"/>
+              </a:rPr>
+              <a:t>39</a:t>
+            </a:r>
+          </a:p>
+        </p:txBody>
+      </p:sp>
+      <p:sp>
+        <p:nvSpPr>
+          <p:cNvPr id="15" name="TextBox 14">
+            <a:extLst>
+              <a:ext uri="{FF2B5EF4-FFF2-40B4-BE49-F238E27FC236}">
+                <a16:creationId xmlns:a16="http://schemas.microsoft.com/office/drawing/2014/main" id="{3EB8C113-62EB-4383-BF2F-8E1274F9B96B}"/>
+              </a:ext>
+            </a:extLst>
+          </p:cNvPr>
+          <p:cNvSpPr txBox="1"/>
+          <p:nvPr/>
+        </p:nvSpPr>
+        <p:spPr>
+          <a:xfrm>
+            <a:off x="1850374" y="2159520"/>
+            <a:ext cx="274434" cy="200055"/>
+          </a:xfrm>
+          <a:prstGeom prst="rect">
+            <a:avLst/>
+          </a:prstGeom>
+          <a:noFill/>
+        </p:spPr>
+        <p:txBody>
+          <a:bodyPr wrap="none" rtlCol="0">
+            <a:spAutoFit/>
+          </a:bodyPr>
+          <a:lstStyle/>
+          <a:p>
+            <a:pPr marL="0" marR="0" lvl="0" indent="0" algn="l" defTabSz="914400" rtl="0" eaLnBrk="1" fontAlgn="auto" latinLnBrk="0" hangingPunct="1">
+              <a:lnSpc>
+                <a:spcPct val="100000"/>
+              </a:lnSpc>
+              <a:spcBef>
+                <a:spcPts val="0"/>
+              </a:spcBef>
+              <a:spcAft>
+                <a:spcPts val="0"/>
+              </a:spcAft>
+              <a:buClrTx/>
+              <a:buSzTx/>
+              <a:buFontTx/>
+              <a:buNone/>
+              <a:tabLst/>
+              <a:defRPr/>
+            </a:pPr>
+            <a:r>
+              <a:rPr kumimoji="0" lang="en-US" sz="700" b="0" i="0" u="none" strike="noStrike" kern="1200" cap="none" spc="0" normalizeH="0" baseline="0" noProof="0" dirty="0">
+                <a:ln>
+                  <a:noFill/>
+                </a:ln>
+                <a:solidFill>
+                  <a:srgbClr val="FF0000"/>
+                </a:solidFill>
+                <a:effectLst/>
+                <a:uLnTx/>
+                <a:uFillTx/>
+                <a:latin typeface="Calibri"/>
+                <a:ea typeface="+mn-ea"/>
+                <a:cs typeface="+mn-cs"/>
+              </a:rPr>
+              <a:t>47</a:t>
+            </a:r>
+            <a:endParaRPr kumimoji="0" lang="en-US" sz="600" b="0" i="0" u="none" strike="noStrike" kern="1200" cap="none" spc="0" normalizeH="0" baseline="0" noProof="0" dirty="0">
+              <a:ln>
+                <a:noFill/>
+              </a:ln>
+              <a:solidFill>
+                <a:srgbClr val="FF0000"/>
+              </a:solidFill>
+              <a:effectLst/>
+              <a:uLnTx/>
+              <a:uFillTx/>
+              <a:latin typeface="Calibri"/>
+              <a:ea typeface="+mn-ea"/>
+              <a:cs typeface="+mn-cs"/>
+            </a:endParaRPr>
+          </a:p>
+        </p:txBody>
+      </p:sp>
+      <p:pic>
+        <p:nvPicPr>
+          <p:cNvPr id="13" name="Picture 12" descr="A picture containing implement, pencil&#10;&#10;Description automatically generated">
+            <a:extLst>
+              <a:ext uri="{FF2B5EF4-FFF2-40B4-BE49-F238E27FC236}">
+                <a16:creationId xmlns:a16="http://schemas.microsoft.com/office/drawing/2014/main" id="{41430A5D-0B98-F942-89E4-1D72B40662D6}"/>
+              </a:ext>
+            </a:extLst>
+          </p:cNvPr>
+          <p:cNvPicPr>
+            <a:picLocks noChangeAspect="1"/>
+          </p:cNvPicPr>
+          <p:nvPr/>
+        </p:nvPicPr>
+        <p:blipFill>
+          <a:blip r:embed="rId6">
+            <a:extLst>
+              <a:ext uri="{28A0092B-C50C-407E-A947-70E740481C1C}">
+                <a14:useLocalDpi xmlns:a14="http://schemas.microsoft.com/office/drawing/2010/main" val="0"/>
+              </a:ext>
+            </a:extLst>
+          </a:blip>
+          <a:stretch>
+            <a:fillRect/>
+          </a:stretch>
+        </p:blipFill>
+        <p:spPr>
+          <a:xfrm>
+            <a:off x="4691200" y="1022473"/>
+            <a:ext cx="4300400" cy="2616077"/>
+          </a:xfrm>
+          <a:prstGeom prst="rect">
+            <a:avLst/>
+          </a:prstGeom>
+        </p:spPr>
+      </p:pic>
     </p:spTree>
     <p:extLst>
       <p:ext uri="{BB962C8B-B14F-4D97-AF65-F5344CB8AC3E}">
-        <p14:creationId xmlns:p14="http://schemas.microsoft.com/office/powerpoint/2010/main" val="3849262026"/>
+        <p14:creationId xmlns:p14="http://schemas.microsoft.com/office/powerpoint/2010/main" val="1478177033"/>
       </p:ext>
     </p:extLst>
   </p:cSld>
   <p:clrMapOvr>
     <a:masterClrMapping/>
   </p:clrMapOvr>
+  <p:timing>
+    <p:tnLst>
+      <p:par>
+        <p:cTn id="1" dur="indefinite" restart="never" nodeType="tmRoot">
+          <p:childTnLst>
+            <p:seq concurrent="1" nextAc="seek">
+              <p:cTn id="2" dur="indefinite" nodeType="mainSeq">
+                <p:childTnLst>
+                  <p:par>
+                    <p:cTn id="3" fill="hold">
+                      <p:stCondLst>
+                        <p:cond delay="indefinite"/>
+                      </p:stCondLst>
+                      <p:childTnLst>
+                        <p:par>
+                          <p:cTn id="4" fill="hold">
+                            <p:stCondLst>
+                              <p:cond delay="0"/>
+                            </p:stCondLst>
+                            <p:childTnLst>
+                              <p:par>
+                                <p:cTn id="5" presetID="5" presetClass="entr" presetSubtype="10" fill="hold" nodeType="clickEffect">
+                                  <p:stCondLst>
+                                    <p:cond delay="0"/>
+                                  </p:stCondLst>
+                                  <p:childTnLst>
+                                    <p:set>
+                                      <p:cBhvr>
+                                        <p:cTn id="6" dur="1" fill="hold">
+                                          <p:stCondLst>
+                                            <p:cond delay="0"/>
+                                          </p:stCondLst>
+                                        </p:cTn>
+                                        <p:tgtEl>
+                                          <p:spTgt spid="5"/>
+                                        </p:tgtEl>
+                                        <p:attrNameLst>
+                                          <p:attrName>style.visibility</p:attrName>
+                                        </p:attrNameLst>
+                                      </p:cBhvr>
+                                      <p:to>
+                                        <p:strVal val="visible"/>
+                                      </p:to>
+                                    </p:set>
+                                    <p:animEffect transition="in" filter="checkerboard(across)">
+                                      <p:cBhvr>
+                                        <p:cTn id="7" dur="500"/>
+                                        <p:tgtEl>
+                                          <p:spTgt spid="5"/>
+                                        </p:tgtEl>
+                                      </p:cBhvr>
+                                    </p:animEffect>
+                                  </p:childTnLst>
+                                </p:cTn>
+                              </p:par>
+                              <p:par>
+                                <p:cTn id="8" presetID="5" presetClass="entr" presetSubtype="10" fill="hold" nodeType="withEffect">
+                                  <p:stCondLst>
+                                    <p:cond delay="0"/>
+                                  </p:stCondLst>
+                                  <p:childTnLst>
+                                    <p:set>
+                                      <p:cBhvr>
+                                        <p:cTn id="9" dur="1" fill="hold">
+                                          <p:stCondLst>
+                                            <p:cond delay="0"/>
+                                          </p:stCondLst>
+                                        </p:cTn>
+                                        <p:tgtEl>
+                                          <p:spTgt spid="8"/>
+                                        </p:tgtEl>
+                                        <p:attrNameLst>
+                                          <p:attrName>style.visibility</p:attrName>
+                                        </p:attrNameLst>
+                                      </p:cBhvr>
+                                      <p:to>
+                                        <p:strVal val="visible"/>
+                                      </p:to>
+                                    </p:set>
+                                    <p:animEffect transition="in" filter="checkerboard(across)">
+                                      <p:cBhvr>
+                                        <p:cTn id="10" dur="500"/>
+                                        <p:tgtEl>
+                                          <p:spTgt spid="8"/>
+                                        </p:tgtEl>
+                                      </p:cBhvr>
+                                    </p:animEffect>
+                                  </p:childTnLst>
+                                </p:cTn>
+                              </p:par>
+                              <p:par>
+                                <p:cTn id="11" presetID="5" presetClass="entr" presetSubtype="10" fill="hold" nodeType="withEffect">
+                                  <p:stCondLst>
+                                    <p:cond delay="0"/>
+                                  </p:stCondLst>
+                                  <p:childTnLst>
+                                    <p:set>
+                                      <p:cBhvr>
+                                        <p:cTn id="12" dur="1" fill="hold">
+                                          <p:stCondLst>
+                                            <p:cond delay="0"/>
+                                          </p:stCondLst>
+                                        </p:cTn>
+                                        <p:tgtEl>
+                                          <p:spTgt spid="4"/>
+                                        </p:tgtEl>
+                                        <p:attrNameLst>
+                                          <p:attrName>style.visibility</p:attrName>
+                                        </p:attrNameLst>
+                                      </p:cBhvr>
+                                      <p:to>
+                                        <p:strVal val="visible"/>
+                                      </p:to>
+                                    </p:set>
+                                    <p:animEffect transition="in" filter="checkerboard(across)">
+                                      <p:cBhvr>
+                                        <p:cTn id="13" dur="500"/>
+                                        <p:tgtEl>
+                                          <p:spTgt spid="4"/>
+                                        </p:tgtEl>
+                                      </p:cBhvr>
+                                    </p:animEffect>
+                                  </p:childTnLst>
+                                </p:cTn>
+                              </p:par>
+                            </p:childTnLst>
+                          </p:cTn>
+                        </p:par>
+                      </p:childTnLst>
+                    </p:cTn>
+                  </p:par>
+                  <p:par>
+                    <p:cTn id="14" fill="hold">
+                      <p:stCondLst>
+                        <p:cond delay="indefinite"/>
+                      </p:stCondLst>
+                      <p:childTnLst>
+                        <p:par>
+                          <p:cTn id="15" fill="hold">
+                            <p:stCondLst>
+                              <p:cond delay="0"/>
+                            </p:stCondLst>
+                            <p:childTnLst>
+                              <p:par>
+                                <p:cTn id="16" presetID="18" presetClass="entr" presetSubtype="12" fill="hold" nodeType="clickEffect">
+                                  <p:stCondLst>
+                                    <p:cond delay="0"/>
+                                  </p:stCondLst>
+                                  <p:childTnLst>
+                                    <p:set>
+                                      <p:cBhvr>
+                                        <p:cTn id="17" dur="1" fill="hold">
+                                          <p:stCondLst>
+                                            <p:cond delay="0"/>
+                                          </p:stCondLst>
+                                        </p:cTn>
+                                        <p:tgtEl>
+                                          <p:spTgt spid="13"/>
+                                        </p:tgtEl>
+                                        <p:attrNameLst>
+                                          <p:attrName>style.visibility</p:attrName>
+                                        </p:attrNameLst>
+                                      </p:cBhvr>
+                                      <p:to>
+                                        <p:strVal val="visible"/>
+                                      </p:to>
+                                    </p:set>
+                                    <p:animEffect transition="in" filter="strips(downLeft)">
+                                      <p:cBhvr>
+                                        <p:cTn id="18" dur="500"/>
+                                        <p:tgtEl>
+                                          <p:spTgt spid="13"/>
+                                        </p:tgtEl>
+                                      </p:cBhvr>
+                                    </p:animEffect>
+                                  </p:childTnLst>
+                                </p:cTn>
+                              </p:par>
+                            </p:childTnLst>
+                          </p:cTn>
+                        </p:par>
+                      </p:childTnLst>
+                    </p:cTn>
+                  </p:par>
+                  <p:par>
+                    <p:cTn id="19" fill="hold">
+                      <p:stCondLst>
+                        <p:cond delay="indefinite"/>
+                      </p:stCondLst>
+                      <p:childTnLst>
+                        <p:par>
+                          <p:cTn id="20" fill="hold">
+                            <p:stCondLst>
+                              <p:cond delay="0"/>
+                            </p:stCondLst>
+                            <p:childTnLst>
+                              <p:par>
+                                <p:cTn id="21" presetID="5" presetClass="entr" presetSubtype="10" fill="hold" grpId="0" nodeType="clickEffect">
+                                  <p:stCondLst>
+                                    <p:cond delay="0"/>
+                                  </p:stCondLst>
+                                  <p:childTnLst>
+                                    <p:set>
+                                      <p:cBhvr>
+                                        <p:cTn id="22" dur="1" fill="hold">
+                                          <p:stCondLst>
+                                            <p:cond delay="0"/>
+                                          </p:stCondLst>
+                                        </p:cTn>
+                                        <p:tgtEl>
+                                          <p:spTgt spid="15"/>
+                                        </p:tgtEl>
+                                        <p:attrNameLst>
+                                          <p:attrName>style.visibility</p:attrName>
+                                        </p:attrNameLst>
+                                      </p:cBhvr>
+                                      <p:to>
+                                        <p:strVal val="visible"/>
+                                      </p:to>
+                                    </p:set>
+                                    <p:animEffect transition="in" filter="checkerboard(across)">
+                                      <p:cBhvr>
+                                        <p:cTn id="23" dur="500"/>
+                                        <p:tgtEl>
+                                          <p:spTgt spid="15"/>
+                                        </p:tgtEl>
+                                      </p:cBhvr>
+                                    </p:animEffect>
+                                  </p:childTnLst>
+                                </p:cTn>
+                              </p:par>
+                            </p:childTnLst>
+                          </p:cTn>
+                        </p:par>
+                      </p:childTnLst>
+                    </p:cTn>
+                  </p:par>
+                  <p:par>
+                    <p:cTn id="24" fill="hold">
+                      <p:stCondLst>
+                        <p:cond delay="indefinite"/>
+                      </p:stCondLst>
+                      <p:childTnLst>
+                        <p:par>
+                          <p:cTn id="25" fill="hold">
+                            <p:stCondLst>
+                              <p:cond delay="0"/>
+                            </p:stCondLst>
+                            <p:childTnLst>
+                              <p:par>
+                                <p:cTn id="26" presetID="5" presetClass="entr" presetSubtype="10" fill="hold" grpId="0" nodeType="clickEffect">
+                                  <p:stCondLst>
+                                    <p:cond delay="0"/>
+                                  </p:stCondLst>
+                                  <p:childTnLst>
+                                    <p:set>
+                                      <p:cBhvr>
+                                        <p:cTn id="27" dur="1" fill="hold">
+                                          <p:stCondLst>
+                                            <p:cond delay="0"/>
+                                          </p:stCondLst>
+                                        </p:cTn>
+                                        <p:tgtEl>
+                                          <p:spTgt spid="14"/>
+                                        </p:tgtEl>
+                                        <p:attrNameLst>
+                                          <p:attrName>style.visibility</p:attrName>
+                                        </p:attrNameLst>
+                                      </p:cBhvr>
+                                      <p:to>
+                                        <p:strVal val="visible"/>
+                                      </p:to>
+                                    </p:set>
+                                    <p:animEffect transition="in" filter="checkerboard(across)">
+                                      <p:cBhvr>
+                                        <p:cTn id="28" dur="500"/>
+                                        <p:tgtEl>
+                                          <p:spTgt spid="14"/>
+                                        </p:tgtEl>
+                                      </p:cBhvr>
+                                    </p:animEffect>
+                                  </p:childTnLst>
+                                </p:cTn>
+                              </p:par>
+                            </p:childTnLst>
+                          </p:cTn>
+                        </p:par>
+                      </p:childTnLst>
+                    </p:cTn>
+                  </p:par>
+                  <p:par>
+                    <p:cTn id="29" fill="hold">
+                      <p:stCondLst>
+                        <p:cond delay="indefinite"/>
+                      </p:stCondLst>
+                      <p:childTnLst>
+                        <p:par>
+                          <p:cTn id="30" fill="hold">
+                            <p:stCondLst>
+                              <p:cond delay="0"/>
+                            </p:stCondLst>
+                            <p:childTnLst>
+                              <p:par>
+                                <p:cTn id="31" presetID="5" presetClass="entr" presetSubtype="10" fill="hold" grpId="0" nodeType="clickEffect">
+                                  <p:stCondLst>
+                                    <p:cond delay="0"/>
+                                  </p:stCondLst>
+                                  <p:childTnLst>
+                                    <p:set>
+                                      <p:cBhvr>
+                                        <p:cTn id="32" dur="1" fill="hold">
+                                          <p:stCondLst>
+                                            <p:cond delay="0"/>
+                                          </p:stCondLst>
+                                        </p:cTn>
+                                        <p:tgtEl>
+                                          <p:spTgt spid="12"/>
+                                        </p:tgtEl>
+                                        <p:attrNameLst>
+                                          <p:attrName>style.visibility</p:attrName>
+                                        </p:attrNameLst>
+                                      </p:cBhvr>
+                                      <p:to>
+                                        <p:strVal val="visible"/>
+                                      </p:to>
+                                    </p:set>
+                                    <p:animEffect transition="in" filter="checkerboard(across)">
+                                      <p:cBhvr>
+                                        <p:cTn id="33" dur="500"/>
+                                        <p:tgtEl>
+                                          <p:spTgt spid="12"/>
+                                        </p:tgtEl>
+                                      </p:cBhvr>
+                                    </p:animEffect>
+                                  </p:childTnLst>
+                                </p:cTn>
+                              </p:par>
+                            </p:childTnLst>
+                          </p:cTn>
+                        </p:par>
+                      </p:childTnLst>
+                    </p:cTn>
+                  </p:par>
+                </p:childTnLst>
+              </p:cTn>
+              <p:prevCondLst>
+                <p:cond evt="onPrev" delay="0">
+                  <p:tgtEl>
+                    <p:sldTgt/>
+                  </p:tgtEl>
+                </p:cond>
+              </p:prevCondLst>
+              <p:nextCondLst>
+                <p:cond evt="onNext" delay="0">
+                  <p:tgtEl>
+                    <p:sldTgt/>
+                  </p:tgtEl>
+                </p:cond>
+              </p:nextCondLst>
+            </p:seq>
+          </p:childTnLst>
+        </p:cTn>
+      </p:par>
+    </p:tnLst>
+    <p:bldLst>
+      <p:bldP spid="12" grpId="0"/>
+      <p:bldP spid="14" grpId="0"/>
+      <p:bldP spid="15" grpId="0"/>
+    </p:bldLst>
+  </p:timing>
 </p:sld>
 </file>
 

--- a/DS6306 Group Project 1.pptx
+++ b/DS6306 Group Project 1.pptx
@@ -157,7 +157,7 @@
 <file path=ppt/revisionInfo.xml><?xml version="1.0" encoding="utf-8"?>
 <p1510:revInfo xmlns:a="http://schemas.openxmlformats.org/drawingml/2006/main" xmlns:r="http://schemas.openxmlformats.org/officeDocument/2006/relationships" xmlns:p1510="http://schemas.microsoft.com/office/powerpoint/2015/10/main">
   <p1510:revLst>
-    <p1510:client id="{0FBDB5B2-C375-467E-96F5-E579F69E02D0}" v="25" dt="2020-02-23T21:49:57.576"/>
+    <p1510:client id="{0FBDB5B2-C375-467E-96F5-E579F69E02D0}" v="38" dt="2020-02-25T03:39:37.508"/>
   </p1510:revLst>
 </p1510:revInfo>
 </file>
@@ -1022,7 +1022,7 @@
   <pc:docChgLst>
     <pc:chgData name="Thad Schwebke" userId="8a3b078b179e4a90" providerId="LiveId" clId="{0FBDB5B2-C375-467E-96F5-E579F69E02D0}"/>
     <pc:docChg chg="custSel addSld delSld modSld sldOrd">
-      <pc:chgData name="Thad Schwebke" userId="8a3b078b179e4a90" providerId="LiveId" clId="{0FBDB5B2-C375-467E-96F5-E579F69E02D0}" dt="2020-02-23T21:50:37.299" v="165" actId="478"/>
+      <pc:chgData name="Thad Schwebke" userId="8a3b078b179e4a90" providerId="LiveId" clId="{0FBDB5B2-C375-467E-96F5-E579F69E02D0}" dt="2020-02-25T03:39:36.232" v="684" actId="20577"/>
       <pc:docMkLst>
         <pc:docMk/>
       </pc:docMkLst>
@@ -1055,15 +1055,39 @@
           <pc:sldMk cId="2460916010" sldId="262"/>
         </pc:sldMkLst>
       </pc:sldChg>
-      <pc:sldChg chg="ord modNotesTx">
-        <pc:chgData name="Thad Schwebke" userId="8a3b078b179e4a90" providerId="LiveId" clId="{0FBDB5B2-C375-467E-96F5-E579F69E02D0}" dt="2020-02-23T01:24:07.162" v="129" actId="20577"/>
+      <pc:sldChg chg="addSp delSp modSp mod ord modNotesTx">
+        <pc:chgData name="Thad Schwebke" userId="8a3b078b179e4a90" providerId="LiveId" clId="{0FBDB5B2-C375-467E-96F5-E579F69E02D0}" dt="2020-02-25T03:31:37.988" v="485" actId="20577"/>
         <pc:sldMkLst>
           <pc:docMk/>
           <pc:sldMk cId="1524816342" sldId="263"/>
         </pc:sldMkLst>
+        <pc:spChg chg="add del mod">
+          <ac:chgData name="Thad Schwebke" userId="8a3b078b179e4a90" providerId="LiveId" clId="{0FBDB5B2-C375-467E-96F5-E579F69E02D0}" dt="2020-02-25T03:27:43.264" v="291" actId="478"/>
+          <ac:spMkLst>
+            <pc:docMk/>
+            <pc:sldMk cId="1524816342" sldId="263"/>
+            <ac:spMk id="3" creationId="{96533901-93C8-44D4-8154-0CFF405F71A4}"/>
+          </ac:spMkLst>
+        </pc:spChg>
+        <pc:spChg chg="add mod">
+          <ac:chgData name="Thad Schwebke" userId="8a3b078b179e4a90" providerId="LiveId" clId="{0FBDB5B2-C375-467E-96F5-E579F69E02D0}" dt="2020-02-25T03:28:08.359" v="296" actId="14100"/>
+          <ac:spMkLst>
+            <pc:docMk/>
+            <pc:sldMk cId="1524816342" sldId="263"/>
+            <ac:spMk id="5" creationId="{2F8E4362-CC47-4CD8-8413-56FAAF57EDD7}"/>
+          </ac:spMkLst>
+        </pc:spChg>
+        <pc:picChg chg="mod">
+          <ac:chgData name="Thad Schwebke" userId="8a3b078b179e4a90" providerId="LiveId" clId="{0FBDB5B2-C375-467E-96F5-E579F69E02D0}" dt="2020-02-25T03:27:34.775" v="289" actId="1076"/>
+          <ac:picMkLst>
+            <pc:docMk/>
+            <pc:sldMk cId="1524816342" sldId="263"/>
+            <ac:picMk id="2052" creationId="{3F980578-2894-40FA-84DA-A9854B43F14E}"/>
+          </ac:picMkLst>
+        </pc:picChg>
       </pc:sldChg>
-      <pc:sldChg chg="modSp mod modNotesTx">
-        <pc:chgData name="Thad Schwebke" userId="8a3b078b179e4a90" providerId="LiveId" clId="{0FBDB5B2-C375-467E-96F5-E579F69E02D0}" dt="2020-02-23T01:24:31.351" v="137" actId="20577"/>
+      <pc:sldChg chg="addSp modSp mod modNotesTx">
+        <pc:chgData name="Thad Schwebke" userId="8a3b078b179e4a90" providerId="LiveId" clId="{0FBDB5B2-C375-467E-96F5-E579F69E02D0}" dt="2020-02-25T03:32:46.065" v="536" actId="20577"/>
         <pc:sldMkLst>
           <pc:docMk/>
           <pc:sldMk cId="2663868610" sldId="264"/>
@@ -1076,16 +1100,24 @@
             <ac:spMk id="2" creationId="{8D8003AF-F773-49EF-8D94-9D7D95CB2D76}"/>
           </ac:spMkLst>
         </pc:spChg>
+        <pc:spChg chg="add mod">
+          <ac:chgData name="Thad Schwebke" userId="8a3b078b179e4a90" providerId="LiveId" clId="{0FBDB5B2-C375-467E-96F5-E579F69E02D0}" dt="2020-02-25T03:32:34.709" v="517" actId="14100"/>
+          <ac:spMkLst>
+            <pc:docMk/>
+            <pc:sldMk cId="2663868610" sldId="264"/>
+            <ac:spMk id="4" creationId="{3982FF18-B5E8-4D31-B52A-FF863C139829}"/>
+          </ac:spMkLst>
+        </pc:spChg>
       </pc:sldChg>
       <pc:sldChg chg="modNotesTx">
-        <pc:chgData name="Thad Schwebke" userId="8a3b078b179e4a90" providerId="LiveId" clId="{0FBDB5B2-C375-467E-96F5-E579F69E02D0}" dt="2020-02-23T01:15:29.545" v="68" actId="20577"/>
+        <pc:chgData name="Thad Schwebke" userId="8a3b078b179e4a90" providerId="LiveId" clId="{0FBDB5B2-C375-467E-96F5-E579F69E02D0}" dt="2020-02-25T03:36:22.310" v="643" actId="20577"/>
         <pc:sldMkLst>
           <pc:docMk/>
           <pc:sldMk cId="245379799" sldId="265"/>
         </pc:sldMkLst>
       </pc:sldChg>
       <pc:sldChg chg="addSp delSp modSp mod modNotesTx">
-        <pc:chgData name="Thad Schwebke" userId="8a3b078b179e4a90" providerId="LiveId" clId="{0FBDB5B2-C375-467E-96F5-E579F69E02D0}" dt="2020-02-23T01:53:31.835" v="161" actId="1037"/>
+        <pc:chgData name="Thad Schwebke" userId="8a3b078b179e4a90" providerId="LiveId" clId="{0FBDB5B2-C375-467E-96F5-E579F69E02D0}" dt="2020-02-25T03:37:36.503" v="682" actId="20577"/>
         <pc:sldMkLst>
           <pc:docMk/>
           <pc:sldMk cId="1387322310" sldId="266"/>
@@ -1139,7 +1171,7 @@
           </ac:picMkLst>
         </pc:picChg>
         <pc:picChg chg="add mod modCrop">
-          <ac:chgData name="Thad Schwebke" userId="8a3b078b179e4a90" providerId="LiveId" clId="{0FBDB5B2-C375-467E-96F5-E579F69E02D0}" dt="2020-02-23T01:53:31.835" v="161" actId="1037"/>
+          <ac:chgData name="Thad Schwebke" userId="8a3b078b179e4a90" providerId="LiveId" clId="{0FBDB5B2-C375-467E-96F5-E579F69E02D0}" dt="2020-02-25T03:37:11.412" v="644" actId="1076"/>
           <ac:picMkLst>
             <pc:docMk/>
             <pc:sldMk cId="1387322310" sldId="266"/>
@@ -1148,21 +1180,28 @@
         </pc:picChg>
       </pc:sldChg>
       <pc:sldChg chg="modNotesTx">
-        <pc:chgData name="Thad Schwebke" userId="8a3b078b179e4a90" providerId="LiveId" clId="{0FBDB5B2-C375-467E-96F5-E579F69E02D0}" dt="2020-02-23T01:15:39.465" v="76" actId="20577"/>
+        <pc:chgData name="Thad Schwebke" userId="8a3b078b179e4a90" providerId="LiveId" clId="{0FBDB5B2-C375-467E-96F5-E579F69E02D0}" dt="2020-02-25T03:39:36.232" v="684" actId="20577"/>
         <pc:sldMkLst>
           <pc:docMk/>
           <pc:sldMk cId="4003640020" sldId="267"/>
         </pc:sldMkLst>
       </pc:sldChg>
       <pc:sldChg chg="modNotesTx">
-        <pc:chgData name="Thad Schwebke" userId="8a3b078b179e4a90" providerId="LiveId" clId="{0FBDB5B2-C375-467E-96F5-E579F69E02D0}" dt="2020-02-23T01:15:22.851" v="55" actId="20577"/>
+        <pc:chgData name="Thad Schwebke" userId="8a3b078b179e4a90" providerId="LiveId" clId="{0FBDB5B2-C375-467E-96F5-E579F69E02D0}" dt="2020-02-25T03:36:16.603" v="641" actId="20577"/>
         <pc:sldMkLst>
           <pc:docMk/>
           <pc:sldMk cId="2005336270" sldId="268"/>
         </pc:sldMkLst>
       </pc:sldChg>
-      <pc:sldChg chg="addSp modSp mod">
-        <pc:chgData name="Thad Schwebke" userId="8a3b078b179e4a90" providerId="LiveId" clId="{0FBDB5B2-C375-467E-96F5-E579F69E02D0}" dt="2020-02-23T01:20:49.328" v="119" actId="20577"/>
+      <pc:sldChg chg="modNotesTx">
+        <pc:chgData name="Thad Schwebke" userId="8a3b078b179e4a90" providerId="LiveId" clId="{0FBDB5B2-C375-467E-96F5-E579F69E02D0}" dt="2020-02-25T03:26:50.384" v="282" actId="20577"/>
+        <pc:sldMkLst>
+          <pc:docMk/>
+          <pc:sldMk cId="832593484" sldId="271"/>
+        </pc:sldMkLst>
+      </pc:sldChg>
+      <pc:sldChg chg="addSp modSp mod modNotesTx">
+        <pc:chgData name="Thad Schwebke" userId="8a3b078b179e4a90" providerId="LiveId" clId="{0FBDB5B2-C375-467E-96F5-E579F69E02D0}" dt="2020-02-25T03:25:57.649" v="240" actId="20577"/>
         <pc:sldMkLst>
           <pc:docMk/>
           <pc:sldMk cId="1538342588" sldId="272"/>
@@ -1176,7 +1215,7 @@
           </ac:spMkLst>
         </pc:spChg>
         <pc:spChg chg="mod">
-          <ac:chgData name="Thad Schwebke" userId="8a3b078b179e4a90" providerId="LiveId" clId="{0FBDB5B2-C375-467E-96F5-E579F69E02D0}" dt="2020-02-23T01:20:49.328" v="119" actId="20577"/>
+          <ac:chgData name="Thad Schwebke" userId="8a3b078b179e4a90" providerId="LiveId" clId="{0FBDB5B2-C375-467E-96F5-E579F69E02D0}" dt="2020-02-25T03:25:44.412" v="199" actId="20577"/>
           <ac:spMkLst>
             <pc:docMk/>
             <pc:sldMk cId="1538342588" sldId="272"/>
@@ -1230,6 +1269,28 @@
             <ac:spMk id="5" creationId="{B7032DA9-3084-428D-B16D-24511F6F7009}"/>
           </ac:spMkLst>
         </pc:spChg>
+      </pc:sldChg>
+      <pc:sldChg chg="modNotesTx">
+        <pc:chgData name="Thad Schwebke" userId="8a3b078b179e4a90" providerId="LiveId" clId="{0FBDB5B2-C375-467E-96F5-E579F69E02D0}" dt="2020-02-25T03:28:55.390" v="339" actId="20577"/>
+        <pc:sldMkLst>
+          <pc:docMk/>
+          <pc:sldMk cId="2475493359" sldId="274"/>
+        </pc:sldMkLst>
+      </pc:sldChg>
+      <pc:sldChg chg="modSp mod modNotesTx">
+        <pc:chgData name="Thad Schwebke" userId="8a3b078b179e4a90" providerId="LiveId" clId="{0FBDB5B2-C375-467E-96F5-E579F69E02D0}" dt="2020-02-25T03:30:46.179" v="427" actId="20577"/>
+        <pc:sldMkLst>
+          <pc:docMk/>
+          <pc:sldMk cId="1478177033" sldId="275"/>
+        </pc:sldMkLst>
+        <pc:picChg chg="mod">
+          <ac:chgData name="Thad Schwebke" userId="8a3b078b179e4a90" providerId="LiveId" clId="{0FBDB5B2-C375-467E-96F5-E579F69E02D0}" dt="2020-02-25T03:29:08.667" v="340" actId="1076"/>
+          <ac:picMkLst>
+            <pc:docMk/>
+            <pc:sldMk cId="1478177033" sldId="275"/>
+            <ac:picMk id="13" creationId="{41430A5D-0B98-F942-89E4-1D72B40662D6}"/>
+          </ac:picMkLst>
+        </pc:picChg>
       </pc:sldChg>
     </pc:docChg>
   </pc:docChgLst>
@@ -1318,7 +1379,7 @@
           <a:p>
             <a:fld id="{4AECD13F-9E93-4C57-A5BD-336347054114}" type="datetimeFigureOut">
               <a:rPr lang="en-US" smtClean="0"/>
-              <a:t>2/23/2020</a:t>
+              <a:t>2/24/2020</a:t>
             </a:fld>
             <a:endParaRPr lang="en-US"/>
           </a:p>
@@ -1483,7 +1544,7 @@
           <a:p>
             <a:fld id="{621D9606-6FF7-49AF-A412-4D6AB767DFC4}" type="datetimeFigureOut">
               <a:rPr lang="en-US" smtClean="0"/>
-              <a:t>2/23/2020</a:t>
+              <a:t>2/24/2020</a:t>
             </a:fld>
             <a:endParaRPr lang="en-US"/>
           </a:p>
@@ -1922,6 +1983,69 @@
             </a:pPr>
             <a:r>
               <a:rPr lang="en-US" dirty="0"/>
+              <a:t>Ask the question why for each chart</a:t>
+            </a:r>
+          </a:p>
+          <a:p>
+            <a:pPr marL="0" marR="0" lvl="0" indent="0" algn="l" defTabSz="914400" rtl="0" eaLnBrk="1" fontAlgn="auto" latinLnBrk="0" hangingPunct="1">
+              <a:lnSpc>
+                <a:spcPct val="100000"/>
+              </a:lnSpc>
+              <a:spcBef>
+                <a:spcPts val="0"/>
+              </a:spcBef>
+              <a:spcAft>
+                <a:spcPts val="0"/>
+              </a:spcAft>
+              <a:buClrTx/>
+              <a:buSzTx/>
+              <a:buFontTx/>
+              <a:buNone/>
+              <a:tabLst/>
+              <a:defRPr/>
+            </a:pPr>
+            <a:endParaRPr lang="en-US" dirty="0"/>
+          </a:p>
+          <a:p>
+            <a:pPr marL="0" marR="0" lvl="0" indent="0" algn="l" defTabSz="914400" rtl="0" eaLnBrk="1" fontAlgn="auto" latinLnBrk="0" hangingPunct="1">
+              <a:lnSpc>
+                <a:spcPct val="100000"/>
+              </a:lnSpc>
+              <a:spcBef>
+                <a:spcPts val="0"/>
+              </a:spcBef>
+              <a:spcAft>
+                <a:spcPts val="0"/>
+              </a:spcAft>
+              <a:buClrTx/>
+              <a:buSzTx/>
+              <a:buFontTx/>
+              <a:buNone/>
+              <a:tabLst/>
+              <a:defRPr/>
+            </a:pPr>
+            <a:endParaRPr lang="en-US" dirty="0"/>
+          </a:p>
+          <a:p>
+            <a:pPr marL="0" marR="0" lvl="0" indent="0" algn="l" defTabSz="914400" rtl="0" eaLnBrk="1" fontAlgn="auto" latinLnBrk="0" hangingPunct="1">
+              <a:lnSpc>
+                <a:spcPct val="100000"/>
+              </a:lnSpc>
+              <a:spcBef>
+                <a:spcPts val="0"/>
+              </a:spcBef>
+              <a:spcAft>
+                <a:spcPts val="0"/>
+              </a:spcAft>
+              <a:buClrTx/>
+              <a:buSzTx/>
+              <a:buFontTx/>
+              <a:buNone/>
+              <a:tabLst/>
+              <a:defRPr/>
+            </a:pPr>
+            <a:r>
+              <a:rPr lang="en-US" dirty="0"/>
               <a:t>Speaker: Thad Schwebke</a:t>
             </a:r>
           </a:p>
@@ -1931,7 +2055,7 @@
           <a:p>
             <a:r>
               <a:rPr lang="en-US" dirty="0"/>
-              <a:t>Notes: The histogram shows that the ABV data is normally distributed, but appears to have some small outliers on both ends. The two box plots illustrate that IPA has a higher overall median ABV at ~.8 ABV, however Other has several outliers that sit above the median (i.e. several greater than .12 ABV). 19.2 ounce beers tend to have the higher ABV, but the 16 ounces has a few outliers on the high side. One could also argue that 8.4 ounce beers has the highest median. The problem with this would be the number of observations that were 8.4 ounces. It appears to be a single observation.</a:t>
+              <a:t>Notes: The distribution of frequencies of the data. A boxplot can give you information regarding the shape, variability, and center (or median) of a statistical data set. The histogram shows that the ABV data is normally distributed, but appears to have some small outliers on both ends. The two box plots illustrate that IPA has a higher overall median ABV at ~.8 ABV, however Other has several outliers that sit above the median (i.e. several greater than .12 ABV). 19.2 ounce beers tend to have the higher ABV, but the 16 ounces has a few outliers on the high side. One could also argue that 8.4 ounce beers has the highest median. The problem with this would be the number of observations that were 8.4 ounces. It appears to be a single observation.</a:t>
             </a:r>
           </a:p>
           <a:p>
@@ -2040,6 +2164,69 @@
               <a:defRPr/>
             </a:pPr>
             <a:r>
+              <a:rPr lang="en-US"/>
+              <a:t>Ask the question why for each chart</a:t>
+            </a:r>
+          </a:p>
+          <a:p>
+            <a:pPr marL="0" marR="0" lvl="0" indent="0" algn="l" defTabSz="914400" rtl="0" eaLnBrk="1" fontAlgn="auto" latinLnBrk="0" hangingPunct="1">
+              <a:lnSpc>
+                <a:spcPct val="100000"/>
+              </a:lnSpc>
+              <a:spcBef>
+                <a:spcPts val="0"/>
+              </a:spcBef>
+              <a:spcAft>
+                <a:spcPts val="0"/>
+              </a:spcAft>
+              <a:buClrTx/>
+              <a:buSzTx/>
+              <a:buFontTx/>
+              <a:buNone/>
+              <a:tabLst/>
+              <a:defRPr/>
+            </a:pPr>
+            <a:endParaRPr lang="en-US" dirty="0"/>
+          </a:p>
+          <a:p>
+            <a:pPr marL="0" marR="0" lvl="0" indent="0" algn="l" defTabSz="914400" rtl="0" eaLnBrk="1" fontAlgn="auto" latinLnBrk="0" hangingPunct="1">
+              <a:lnSpc>
+                <a:spcPct val="100000"/>
+              </a:lnSpc>
+              <a:spcBef>
+                <a:spcPts val="0"/>
+              </a:spcBef>
+              <a:spcAft>
+                <a:spcPts val="0"/>
+              </a:spcAft>
+              <a:buClrTx/>
+              <a:buSzTx/>
+              <a:buFontTx/>
+              <a:buNone/>
+              <a:tabLst/>
+              <a:defRPr/>
+            </a:pPr>
+            <a:endParaRPr lang="en-US" dirty="0"/>
+          </a:p>
+          <a:p>
+            <a:pPr marL="0" marR="0" lvl="0" indent="0" algn="l" defTabSz="914400" rtl="0" eaLnBrk="1" fontAlgn="auto" latinLnBrk="0" hangingPunct="1">
+              <a:lnSpc>
+                <a:spcPct val="100000"/>
+              </a:lnSpc>
+              <a:spcBef>
+                <a:spcPts val="0"/>
+              </a:spcBef>
+              <a:spcAft>
+                <a:spcPts val="0"/>
+              </a:spcAft>
+              <a:buClrTx/>
+              <a:buSzTx/>
+              <a:buFontTx/>
+              <a:buNone/>
+              <a:tabLst/>
+              <a:defRPr/>
+            </a:pPr>
+            <a:r>
               <a:rPr lang="en-US" dirty="0"/>
               <a:t>Speaker: Thad Schwebke</a:t>
             </a:r>
@@ -2050,7 +2237,34 @@
           <a:p>
             <a:r>
               <a:rPr lang="en-US" dirty="0"/>
-              <a:t>Notes: The dot plot illustrates what appears to  be a positive linear relationship between the ABB and IBU. The addition of the trend line somewhat confirms the presence of a positive linear relationship between the ABV and IBU. More analysis would be needed to confirm.</a:t>
+              <a:t>Notes: Scatter plots show how much one variable is affected by another. The relationship between two variables is called their correlation. The scatter plot illustrates what appears to  be a positive linear relationship between the ABB and IBU. The addition of the trend line somewhat confirms the presence of a positive linear relationship between the ABV and IBU. More analysis would be needed to confirm.</a:t>
+            </a:r>
+          </a:p>
+          <a:p>
+            <a:endParaRPr lang="en-US" dirty="0"/>
+          </a:p>
+          <a:p>
+            <a:r>
+              <a:rPr lang="en-US" dirty="0"/>
+              <a:t>Visualizing the relationship between multiple variables </a:t>
+            </a:r>
+          </a:p>
+          <a:p>
+            <a:r>
+              <a:rPr lang="en-US" dirty="0"/>
+              <a:t>•Scatterplots correlation coefficients are also providing in the same panel.</a:t>
+            </a:r>
+          </a:p>
+          <a:p>
+            <a:r>
+              <a:rPr lang="en-US" dirty="0"/>
+              <a:t>•Density plots for every numeric continuous variable help us to identify skewness, kurtosis and distribution information.</a:t>
+            </a:r>
+          </a:p>
+          <a:p>
+            <a:r>
+              <a:rPr lang="en-US" dirty="0"/>
+              <a:t>•Box plots are used to represent statistical summary for categorical and respective numeric variable.</a:t>
             </a:r>
           </a:p>
           <a:p>
@@ -2137,6 +2351,15 @@
         <p:txBody>
           <a:bodyPr/>
           <a:lstStyle/>
+          <a:p>
+            <a:r>
+              <a:rPr lang="en-US" dirty="0"/>
+              <a:t>Clean up bullet points to be more crisp</a:t>
+            </a:r>
+          </a:p>
+          <a:p>
+            <a:endParaRPr lang="en-US" dirty="0"/>
+          </a:p>
           <a:p>
             <a:r>
               <a:rPr lang="en-US" dirty="0"/>
@@ -2286,6 +2509,15 @@
           <a:p>
             <a:r>
               <a:rPr lang="en-US" dirty="0"/>
+              <a:t>Reduce to main points not whole data set</a:t>
+            </a:r>
+          </a:p>
+          <a:p>
+            <a:endParaRPr lang="en-US" dirty="0"/>
+          </a:p>
+          <a:p>
+            <a:r>
+              <a:rPr lang="en-US" dirty="0"/>
               <a:t>Speaker: Rajesh</a:t>
             </a:r>
           </a:p>
@@ -2379,6 +2611,15 @@
         <p:txBody>
           <a:bodyPr/>
           <a:lstStyle/>
+          <a:p>
+            <a:r>
+              <a:rPr lang="en-US" dirty="0"/>
+              <a:t>Stretch, highlight, and add text. Add factoid about non-alcoholic beers especially for bud</a:t>
+            </a:r>
+          </a:p>
+          <a:p>
+            <a:endParaRPr lang="en-US" dirty="0"/>
+          </a:p>
           <a:p>
             <a:r>
               <a:rPr lang="en-US" dirty="0"/>
@@ -2529,6 +2770,15 @@
         <p:txBody>
           <a:bodyPr/>
           <a:lstStyle/>
+          <a:p>
+            <a:r>
+              <a:rPr lang="en-US" dirty="0"/>
+              <a:t>CUT</a:t>
+            </a:r>
+          </a:p>
+          <a:p>
+            <a:endParaRPr lang="en-US" dirty="0"/>
+          </a:p>
           <a:p>
             <a:r>
               <a:rPr lang="en-US" dirty="0"/>
@@ -2716,6 +2966,18 @@
           <a:p>
             <a:r>
               <a:rPr lang="en-US" dirty="0"/>
+              <a:t>Highlight real stand out information. Factoids from the data and supporting points</a:t>
+            </a:r>
+          </a:p>
+          <a:p>
+            <a:endParaRPr lang="en-US" dirty="0"/>
+          </a:p>
+          <a:p>
+            <a:endParaRPr lang="en-US" dirty="0"/>
+          </a:p>
+          <a:p>
+            <a:r>
+              <a:rPr lang="en-US" dirty="0"/>
               <a:t>Speaker: Kris</a:t>
             </a:r>
           </a:p>
@@ -2890,6 +3152,18 @@
           <a:p>
             <a:r>
               <a:rPr lang="en-US" dirty="0"/>
+              <a:t>Sort the data by values and add highlights</a:t>
+            </a:r>
+          </a:p>
+          <a:p>
+            <a:endParaRPr lang="en-US" dirty="0"/>
+          </a:p>
+          <a:p>
+            <a:endParaRPr lang="en-US" dirty="0"/>
+          </a:p>
+          <a:p>
+            <a:r>
+              <a:rPr lang="en-US" dirty="0"/>
               <a:t>Speaker: Kris</a:t>
             </a:r>
           </a:p>
@@ -2922,7 +3196,7 @@
                 <a:ea typeface="+mn-ea"/>
                 <a:cs typeface="+mn-cs"/>
               </a:rPr>
-              <a:t>Kentucky has the highest median at 0.062 ABV and Utah has the lowest at 0.04 ABV. </a:t>
+              <a:t>West Virginia has the highest median at 0.062 ABV and Utah has the lowest at 0.04 ABV. </a:t>
             </a:r>
           </a:p>
           <a:p>
@@ -3046,6 +3320,15 @@
           <a:p>
             <a:r>
               <a:rPr lang="en-US" dirty="0"/>
+              <a:t>Change titles to include MAX. callout the specific beers, get rid of matrix. Why?</a:t>
+            </a:r>
+          </a:p>
+          <a:p>
+            <a:endParaRPr lang="en-US" dirty="0"/>
+          </a:p>
+          <a:p>
+            <a:r>
+              <a:rPr lang="en-US" dirty="0"/>
               <a:t>Speaker: Thad Schwebke</a:t>
             </a:r>
           </a:p>
@@ -3166,6 +3449,35 @@
         <p:txBody>
           <a:bodyPr/>
           <a:lstStyle/>
+          <a:p>
+            <a:pPr marL="0" marR="0" lvl="0" indent="0" algn="l" defTabSz="914400" rtl="0" eaLnBrk="1" fontAlgn="auto" latinLnBrk="0" hangingPunct="1">
+              <a:lnSpc>
+                <a:spcPct val="100000"/>
+              </a:lnSpc>
+              <a:spcBef>
+                <a:spcPts val="0"/>
+              </a:spcBef>
+              <a:spcAft>
+                <a:spcPts val="0"/>
+              </a:spcAft>
+              <a:buClrTx/>
+              <a:buSzTx/>
+              <a:buFontTx/>
+              <a:buNone/>
+              <a:tabLst/>
+              <a:defRPr/>
+            </a:pPr>
+            <a:r>
+              <a:rPr lang="en-US" dirty="0"/>
+              <a:t>Change titles to include MAX. callout the specific beers, get rid of matrix. Why?</a:t>
+            </a:r>
+          </a:p>
+          <a:p>
+            <a:endParaRPr lang="en-US" dirty="0"/>
+          </a:p>
+          <a:p>
+            <a:endParaRPr lang="en-US" dirty="0"/>
+          </a:p>
           <a:p>
             <a:r>
               <a:rPr lang="en-US" dirty="0"/>
@@ -3463,7 +3775,7 @@
             <a:fld id="{FFF30096-E2FA-4C53-8FFA-C198FACBBC31}" type="datetimeFigureOut">
               <a:rPr lang="en-US" smtClean="0"/>
               <a:pPr/>
-              <a:t>2/23/2020</a:t>
+              <a:t>2/24/2020</a:t>
             </a:fld>
             <a:endParaRPr lang="en-US" dirty="0"/>
           </a:p>
@@ -10722,7 +11034,7 @@
             <a:fld id="{FFF30096-E2FA-4C53-8FFA-C198FACBBC31}" type="datetimeFigureOut">
               <a:rPr lang="en-US" smtClean="0"/>
               <a:pPr/>
-              <a:t>2/23/2020</a:t>
+              <a:t>2/24/2020</a:t>
             </a:fld>
             <a:endParaRPr lang="en-US" dirty="0"/>
           </a:p>
@@ -18396,7 +18708,7 @@
             <a:fld id="{FFF30096-E2FA-4C53-8FFA-C198FACBBC31}" type="datetimeFigureOut">
               <a:rPr lang="en-US" smtClean="0"/>
               <a:pPr/>
-              <a:t>2/23/2020</a:t>
+              <a:t>2/24/2020</a:t>
             </a:fld>
             <a:endParaRPr lang="en-US" dirty="0"/>
           </a:p>
@@ -18652,7 +18964,7 @@
             <a:fld id="{FFF30096-E2FA-4C53-8FFA-C198FACBBC31}" type="datetimeFigureOut">
               <a:rPr lang="en-US" smtClean="0"/>
               <a:pPr/>
-              <a:t>2/23/2020</a:t>
+              <a:t>2/24/2020</a:t>
             </a:fld>
             <a:endParaRPr lang="en-US" dirty="0"/>
           </a:p>
@@ -20426,7 +20738,7 @@
             <a:fld id="{FFF30096-E2FA-4C53-8FFA-C198FACBBC31}" type="datetimeFigureOut">
               <a:rPr lang="en-US" smtClean="0"/>
               <a:pPr/>
-              <a:t>2/23/2020</a:t>
+              <a:t>2/24/2020</a:t>
             </a:fld>
             <a:endParaRPr lang="en-US" dirty="0"/>
           </a:p>
@@ -20801,7 +21113,7 @@
             <a:fld id="{FFF30096-E2FA-4C53-8FFA-C198FACBBC31}" type="datetimeFigureOut">
               <a:rPr lang="en-US" smtClean="0"/>
               <a:pPr/>
-              <a:t>2/23/2020</a:t>
+              <a:t>2/24/2020</a:t>
             </a:fld>
             <a:endParaRPr lang="en-US"/>
           </a:p>
@@ -21419,7 +21731,7 @@
         </p:blipFill>
         <p:spPr>
           <a:xfrm>
-            <a:off x="6123530" y="1330778"/>
+            <a:off x="6126482" y="1330778"/>
             <a:ext cx="3017520" cy="1925576"/>
           </a:xfrm>
           <a:prstGeom prst="rect">
@@ -21722,10 +22034,7 @@
             </a:r>
           </a:p>
           <a:p>
-            <a:r>
-              <a:rPr lang="en-US" dirty="0"/>
-              <a:t>Questions:</a:t>
-            </a:r>
+            <a:endParaRPr lang="en-US" dirty="0"/>
           </a:p>
           <a:p>
             <a:pPr marL="342900" indent="-342900">
@@ -22582,7 +22891,7 @@
         </p:blipFill>
         <p:spPr bwMode="auto">
           <a:xfrm>
-            <a:off x="4724400" y="1094221"/>
+            <a:off x="9144000" y="2404486"/>
             <a:ext cx="4206240" cy="2620530"/>
           </a:xfrm>
           <a:prstGeom prst="rect">
@@ -22605,6 +22914,58 @@
           </a:extLst>
         </p:spPr>
       </p:pic>
+      <p:sp>
+        <p:nvSpPr>
+          <p:cNvPr id="5" name="Rectangle 4">
+            <a:extLst>
+              <a:ext uri="{FF2B5EF4-FFF2-40B4-BE49-F238E27FC236}">
+                <a16:creationId xmlns:a16="http://schemas.microsoft.com/office/drawing/2014/main" id="{2F8E4362-CC47-4CD8-8413-56FAAF57EDD7}"/>
+              </a:ext>
+            </a:extLst>
+          </p:cNvPr>
+          <p:cNvSpPr/>
+          <p:nvPr/>
+        </p:nvSpPr>
+        <p:spPr>
+          <a:xfrm>
+            <a:off x="914400" y="3028950"/>
+            <a:ext cx="3444240" cy="609600"/>
+          </a:xfrm>
+          <a:prstGeom prst="rect">
+            <a:avLst/>
+          </a:prstGeom>
+          <a:noFill/>
+          <a:ln>
+            <a:solidFill>
+              <a:srgbClr val="92D050"/>
+            </a:solidFill>
+          </a:ln>
+        </p:spPr>
+        <p:style>
+          <a:lnRef idx="2">
+            <a:schemeClr val="accent1">
+              <a:shade val="50000"/>
+            </a:schemeClr>
+          </a:lnRef>
+          <a:fillRef idx="1">
+            <a:schemeClr val="accent1"/>
+          </a:fillRef>
+          <a:effectRef idx="0">
+            <a:schemeClr val="accent1"/>
+          </a:effectRef>
+          <a:fontRef idx="minor">
+            <a:schemeClr val="lt1"/>
+          </a:fontRef>
+        </p:style>
+        <p:txBody>
+          <a:bodyPr rtlCol="0" anchor="ctr"/>
+          <a:lstStyle/>
+          <a:p>
+            <a:pPr algn="ctr"/>
+            <a:endParaRPr lang="en-US"/>
+          </a:p>
+        </p:txBody>
+      </p:sp>
     </p:spTree>
     <p:extLst>
       <p:ext uri="{BB962C8B-B14F-4D97-AF65-F5344CB8AC3E}">
@@ -24146,7 +24507,7 @@
         </p:blipFill>
         <p:spPr>
           <a:xfrm>
-            <a:off x="4691200" y="1022473"/>
+            <a:off x="9144000" y="1047351"/>
             <a:ext cx="4300400" cy="2616077"/>
           </a:xfrm>
           <a:prstGeom prst="rect">
@@ -24636,6 +24997,58 @@
           </a:extLst>
         </p:spPr>
       </p:pic>
+      <p:sp>
+        <p:nvSpPr>
+          <p:cNvPr id="4" name="Rectangle 3">
+            <a:extLst>
+              <a:ext uri="{FF2B5EF4-FFF2-40B4-BE49-F238E27FC236}">
+                <a16:creationId xmlns:a16="http://schemas.microsoft.com/office/drawing/2014/main" id="{3982FF18-B5E8-4D31-B52A-FF863C139829}"/>
+              </a:ext>
+            </a:extLst>
+          </p:cNvPr>
+          <p:cNvSpPr/>
+          <p:nvPr/>
+        </p:nvSpPr>
+        <p:spPr>
+          <a:xfrm>
+            <a:off x="5543550" y="247650"/>
+            <a:ext cx="1771650" cy="114300"/>
+          </a:xfrm>
+          <a:prstGeom prst="rect">
+            <a:avLst/>
+          </a:prstGeom>
+          <a:noFill/>
+          <a:ln>
+            <a:solidFill>
+              <a:srgbClr val="92D050"/>
+            </a:solidFill>
+          </a:ln>
+        </p:spPr>
+        <p:style>
+          <a:lnRef idx="2">
+            <a:schemeClr val="accent1">
+              <a:shade val="50000"/>
+            </a:schemeClr>
+          </a:lnRef>
+          <a:fillRef idx="1">
+            <a:schemeClr val="accent1"/>
+          </a:fillRef>
+          <a:effectRef idx="0">
+            <a:schemeClr val="accent1"/>
+          </a:effectRef>
+          <a:fontRef idx="minor">
+            <a:schemeClr val="lt1"/>
+          </a:fontRef>
+        </p:style>
+        <p:txBody>
+          <a:bodyPr rtlCol="0" anchor="ctr"/>
+          <a:lstStyle/>
+          <a:p>
+            <a:pPr algn="ctr"/>
+            <a:endParaRPr lang="en-US"/>
+          </a:p>
+        </p:txBody>
+      </p:sp>
     </p:spTree>
     <p:extLst>
       <p:ext uri="{BB962C8B-B14F-4D97-AF65-F5344CB8AC3E}">

--- a/DS6306 Group Project 1.pptx
+++ b/DS6306 Group Project 1.pptx
@@ -157,1144 +157,9 @@
 <file path=ppt/revisionInfo.xml><?xml version="1.0" encoding="utf-8"?>
 <p1510:revInfo xmlns:a="http://schemas.openxmlformats.org/drawingml/2006/main" xmlns:r="http://schemas.openxmlformats.org/officeDocument/2006/relationships" xmlns:p1510="http://schemas.microsoft.com/office/powerpoint/2015/10/main">
   <p1510:revLst>
-    <p1510:client id="{0FBDB5B2-C375-467E-96F5-E579F69E02D0}" v="38" dt="2020-02-25T03:39:37.508"/>
+    <p1510:client id="{0FBDB5B2-C375-467E-96F5-E579F69E02D0}" v="108" dt="2020-02-28T19:36:54.396"/>
   </p1510:revLst>
 </p1510:revInfo>
-</file>
-
-<file path=ppt/changesInfos/changesInfo1.xml><?xml version="1.0" encoding="utf-8"?>
-<pc:chgInfo xmlns:a="http://schemas.openxmlformats.org/drawingml/2006/main" xmlns:r="http://schemas.openxmlformats.org/officeDocument/2006/relationships" xmlns:ac="http://schemas.microsoft.com/office/drawing/2013/main/command" xmlns:pc="http://schemas.microsoft.com/office/powerpoint/2013/main/command">
-  <pc:docChgLst>
-    <pc:chgData name="Thad Schwebke" userId="8a3b078b179e4a90" providerId="LiveId" clId="{61374EC2-74A0-4B7E-A59A-1715CE5DD16C}"/>
-    <pc:docChg chg="undo custSel addSld delSld modSld sldOrd">
-      <pc:chgData name="Thad Schwebke" userId="8a3b078b179e4a90" providerId="LiveId" clId="{61374EC2-74A0-4B7E-A59A-1715CE5DD16C}" dt="2020-02-22T03:05:59.869" v="3491" actId="20577"/>
-      <pc:docMkLst>
-        <pc:docMk/>
-      </pc:docMkLst>
-      <pc:sldChg chg="modSp modTransition">
-        <pc:chgData name="Thad Schwebke" userId="8a3b078b179e4a90" providerId="LiveId" clId="{61374EC2-74A0-4B7E-A59A-1715CE5DD16C}" dt="2020-02-21T14:32:23.721" v="1282"/>
-        <pc:sldMkLst>
-          <pc:docMk/>
-          <pc:sldMk cId="4148444099" sldId="256"/>
-        </pc:sldMkLst>
-        <pc:spChg chg="mod">
-          <ac:chgData name="Thad Schwebke" userId="8a3b078b179e4a90" providerId="LiveId" clId="{61374EC2-74A0-4B7E-A59A-1715CE5DD16C}" dt="2020-02-21T11:15:48.145" v="633" actId="20577"/>
-          <ac:spMkLst>
-            <pc:docMk/>
-            <pc:sldMk cId="4148444099" sldId="256"/>
-            <ac:spMk id="2" creationId="{00000000-0000-0000-0000-000000000000}"/>
-          </ac:spMkLst>
-        </pc:spChg>
-        <pc:spChg chg="mod">
-          <ac:chgData name="Thad Schwebke" userId="8a3b078b179e4a90" providerId="LiveId" clId="{61374EC2-74A0-4B7E-A59A-1715CE5DD16C}" dt="2020-02-21T11:15:58.081" v="650" actId="20577"/>
-          <ac:spMkLst>
-            <pc:docMk/>
-            <pc:sldMk cId="4148444099" sldId="256"/>
-            <ac:spMk id="3" creationId="{00000000-0000-0000-0000-000000000000}"/>
-          </ac:spMkLst>
-        </pc:spChg>
-      </pc:sldChg>
-      <pc:sldChg chg="del">
-        <pc:chgData name="Thad Schwebke" userId="8a3b078b179e4a90" providerId="LiveId" clId="{61374EC2-74A0-4B7E-A59A-1715CE5DD16C}" dt="2020-02-21T11:17:09.040" v="661" actId="47"/>
-        <pc:sldMkLst>
-          <pc:docMk/>
-          <pc:sldMk cId="3772737477" sldId="257"/>
-        </pc:sldMkLst>
-      </pc:sldChg>
-      <pc:sldChg chg="del">
-        <pc:chgData name="Thad Schwebke" userId="8a3b078b179e4a90" providerId="LiveId" clId="{61374EC2-74A0-4B7E-A59A-1715CE5DD16C}" dt="2020-02-21T11:17:09.040" v="661" actId="47"/>
-        <pc:sldMkLst>
-          <pc:docMk/>
-          <pc:sldMk cId="2425098261" sldId="258"/>
-        </pc:sldMkLst>
-      </pc:sldChg>
-      <pc:sldChg chg="del">
-        <pc:chgData name="Thad Schwebke" userId="8a3b078b179e4a90" providerId="LiveId" clId="{61374EC2-74A0-4B7E-A59A-1715CE5DD16C}" dt="2020-02-21T11:17:09.040" v="661" actId="47"/>
-        <pc:sldMkLst>
-          <pc:docMk/>
-          <pc:sldMk cId="3956584900" sldId="259"/>
-        </pc:sldMkLst>
-      </pc:sldChg>
-      <pc:sldChg chg="modSp del ord">
-        <pc:chgData name="Thad Schwebke" userId="8a3b078b179e4a90" providerId="LiveId" clId="{61374EC2-74A0-4B7E-A59A-1715CE5DD16C}" dt="2020-02-21T11:17:09.040" v="661" actId="47"/>
-        <pc:sldMkLst>
-          <pc:docMk/>
-          <pc:sldMk cId="2858501048" sldId="260"/>
-        </pc:sldMkLst>
-        <pc:spChg chg="mod">
-          <ac:chgData name="Thad Schwebke" userId="8a3b078b179e4a90" providerId="LiveId" clId="{61374EC2-74A0-4B7E-A59A-1715CE5DD16C}" dt="2020-02-21T11:16:42.367" v="660" actId="20577"/>
-          <ac:spMkLst>
-            <pc:docMk/>
-            <pc:sldMk cId="2858501048" sldId="260"/>
-            <ac:spMk id="2" creationId="{746EE3F0-D9B7-45B3-8CCE-FC38C8A8890A}"/>
-          </ac:spMkLst>
-        </pc:spChg>
-      </pc:sldChg>
-      <pc:sldChg chg="addSp delSp modSp add modNotesTx">
-        <pc:chgData name="Thad Schwebke" userId="8a3b078b179e4a90" providerId="LiveId" clId="{61374EC2-74A0-4B7E-A59A-1715CE5DD16C}" dt="2020-02-22T03:05:59.869" v="3491" actId="20577"/>
-        <pc:sldMkLst>
-          <pc:docMk/>
-          <pc:sldMk cId="3849262026" sldId="261"/>
-        </pc:sldMkLst>
-        <pc:spChg chg="mod">
-          <ac:chgData name="Thad Schwebke" userId="8a3b078b179e4a90" providerId="LiveId" clId="{61374EC2-74A0-4B7E-A59A-1715CE5DD16C}" dt="2020-02-20T19:45:56.304" v="20" actId="20577"/>
-          <ac:spMkLst>
-            <pc:docMk/>
-            <pc:sldMk cId="3849262026" sldId="261"/>
-            <ac:spMk id="2" creationId="{30070F79-AB20-47CA-BB52-E5CAEB8DF287}"/>
-          </ac:spMkLst>
-        </pc:spChg>
-        <pc:spChg chg="add del">
-          <ac:chgData name="Thad Schwebke" userId="8a3b078b179e4a90" providerId="LiveId" clId="{61374EC2-74A0-4B7E-A59A-1715CE5DD16C}" dt="2020-02-21T14:29:26.008" v="1271"/>
-          <ac:spMkLst>
-            <pc:docMk/>
-            <pc:sldMk cId="3849262026" sldId="261"/>
-            <ac:spMk id="3" creationId="{18DCE02B-93FE-4214-9687-AE2DFB74E68C}"/>
-          </ac:spMkLst>
-        </pc:spChg>
-        <pc:spChg chg="del">
-          <ac:chgData name="Thad Schwebke" userId="8a3b078b179e4a90" providerId="LiveId" clId="{61374EC2-74A0-4B7E-A59A-1715CE5DD16C}" dt="2020-02-20T19:50:41.008" v="173" actId="478"/>
-          <ac:spMkLst>
-            <pc:docMk/>
-            <pc:sldMk cId="3849262026" sldId="261"/>
-            <ac:spMk id="3" creationId="{6891D4FA-95B5-434E-9A49-0EB803F21D5B}"/>
-          </ac:spMkLst>
-        </pc:spChg>
-        <pc:spChg chg="add del">
-          <ac:chgData name="Thad Schwebke" userId="8a3b078b179e4a90" providerId="LiveId" clId="{61374EC2-74A0-4B7E-A59A-1715CE5DD16C}" dt="2020-02-21T14:29:42.472" v="1277"/>
-          <ac:spMkLst>
-            <pc:docMk/>
-            <pc:sldMk cId="3849262026" sldId="261"/>
-            <ac:spMk id="4" creationId="{E9A05B11-0F56-4AE5-B068-F67C6833040E}"/>
-          </ac:spMkLst>
-        </pc:spChg>
-        <pc:spChg chg="add del mod">
-          <ac:chgData name="Thad Schwebke" userId="8a3b078b179e4a90" providerId="LiveId" clId="{61374EC2-74A0-4B7E-A59A-1715CE5DD16C}" dt="2020-02-21T14:29:47.495" v="1281" actId="478"/>
-          <ac:spMkLst>
-            <pc:docMk/>
-            <pc:sldMk cId="3849262026" sldId="261"/>
-            <ac:spMk id="5" creationId="{FD335EB1-3900-4747-9EEA-41A3AF0CFA02}"/>
-          </ac:spMkLst>
-        </pc:spChg>
-        <pc:picChg chg="add mod">
-          <ac:chgData name="Thad Schwebke" userId="8a3b078b179e4a90" providerId="LiveId" clId="{61374EC2-74A0-4B7E-A59A-1715CE5DD16C}" dt="2020-02-22T02:29:31.267" v="1308" actId="1076"/>
-          <ac:picMkLst>
-            <pc:docMk/>
-            <pc:sldMk cId="3849262026" sldId="261"/>
-            <ac:picMk id="1026" creationId="{5A51FBB7-2072-4C55-AD88-FD27BA8B63AA}"/>
-          </ac:picMkLst>
-        </pc:picChg>
-        <pc:picChg chg="add del">
-          <ac:chgData name="Thad Schwebke" userId="8a3b078b179e4a90" providerId="LiveId" clId="{61374EC2-74A0-4B7E-A59A-1715CE5DD16C}" dt="2020-02-20T19:50:38.395" v="172"/>
-          <ac:picMkLst>
-            <pc:docMk/>
-            <pc:sldMk cId="3849262026" sldId="261"/>
-            <ac:picMk id="1026" creationId="{8FFB4ADB-A112-4D38-9265-F5B95D51FEEB}"/>
-          </ac:picMkLst>
-        </pc:picChg>
-        <pc:picChg chg="add del mod">
-          <ac:chgData name="Thad Schwebke" userId="8a3b078b179e4a90" providerId="LiveId" clId="{61374EC2-74A0-4B7E-A59A-1715CE5DD16C}" dt="2020-02-22T02:28:23.678" v="1283" actId="478"/>
-          <ac:picMkLst>
-            <pc:docMk/>
-            <pc:sldMk cId="3849262026" sldId="261"/>
-            <ac:picMk id="1028" creationId="{E017A456-F2C0-441A-B31D-CB4C5A8464A1}"/>
-          </ac:picMkLst>
-        </pc:picChg>
-        <pc:picChg chg="add del mod">
-          <ac:chgData name="Thad Schwebke" userId="8a3b078b179e4a90" providerId="LiveId" clId="{61374EC2-74A0-4B7E-A59A-1715CE5DD16C}" dt="2020-02-21T14:29:45.360" v="1280" actId="478"/>
-          <ac:picMkLst>
-            <pc:docMk/>
-            <pc:sldMk cId="3849262026" sldId="261"/>
-            <ac:picMk id="1030" creationId="{080E6660-4F3B-4ECD-A425-68EF0418EE8D}"/>
-          </ac:picMkLst>
-        </pc:picChg>
-      </pc:sldChg>
-      <pc:sldChg chg="addSp delSp modSp add mod modNotesTx">
-        <pc:chgData name="Thad Schwebke" userId="8a3b078b179e4a90" providerId="LiveId" clId="{61374EC2-74A0-4B7E-A59A-1715CE5DD16C}" dt="2020-02-22T03:01:21.157" v="2979" actId="20577"/>
-        <pc:sldMkLst>
-          <pc:docMk/>
-          <pc:sldMk cId="2460916010" sldId="262"/>
-        </pc:sldMkLst>
-        <pc:spChg chg="mod">
-          <ac:chgData name="Thad Schwebke" userId="8a3b078b179e4a90" providerId="LiveId" clId="{61374EC2-74A0-4B7E-A59A-1715CE5DD16C}" dt="2020-02-20T19:46:10" v="42" actId="20577"/>
-          <ac:spMkLst>
-            <pc:docMk/>
-            <pc:sldMk cId="2460916010" sldId="262"/>
-            <ac:spMk id="2" creationId="{6FE82648-CE36-4A2B-B3C3-9EBD346029FA}"/>
-          </ac:spMkLst>
-        </pc:spChg>
-        <pc:spChg chg="add del mod">
-          <ac:chgData name="Thad Schwebke" userId="8a3b078b179e4a90" providerId="LiveId" clId="{61374EC2-74A0-4B7E-A59A-1715CE5DD16C}" dt="2020-02-21T03:13:11.622" v="336" actId="478"/>
-          <ac:spMkLst>
-            <pc:docMk/>
-            <pc:sldMk cId="2460916010" sldId="262"/>
-            <ac:spMk id="3" creationId="{79F601A8-7436-4B0E-BFDD-83ABA6D9DF8F}"/>
-          </ac:spMkLst>
-        </pc:spChg>
-        <pc:spChg chg="del">
-          <ac:chgData name="Thad Schwebke" userId="8a3b078b179e4a90" providerId="LiveId" clId="{61374EC2-74A0-4B7E-A59A-1715CE5DD16C}" dt="2020-02-20T19:52:55.269" v="185" actId="478"/>
-          <ac:spMkLst>
-            <pc:docMk/>
-            <pc:sldMk cId="2460916010" sldId="262"/>
-            <ac:spMk id="3" creationId="{F77C66F3-455E-43B8-91AC-5BA43D05E23D}"/>
-          </ac:spMkLst>
-        </pc:spChg>
-        <pc:spChg chg="add del mod">
-          <ac:chgData name="Thad Schwebke" userId="8a3b078b179e4a90" providerId="LiveId" clId="{61374EC2-74A0-4B7E-A59A-1715CE5DD16C}" dt="2020-02-21T03:12:29.683" v="333" actId="478"/>
-          <ac:spMkLst>
-            <pc:docMk/>
-            <pc:sldMk cId="2460916010" sldId="262"/>
-            <ac:spMk id="7" creationId="{772AA0AE-ED91-4756-879B-CA129422E89E}"/>
-          </ac:spMkLst>
-        </pc:spChg>
-        <pc:spChg chg="add del mod">
-          <ac:chgData name="Thad Schwebke" userId="8a3b078b179e4a90" providerId="LiveId" clId="{61374EC2-74A0-4B7E-A59A-1715CE5DD16C}" dt="2020-02-21T03:13:12.579" v="337" actId="478"/>
-          <ac:spMkLst>
-            <pc:docMk/>
-            <pc:sldMk cId="2460916010" sldId="262"/>
-            <ac:spMk id="8" creationId="{0EBF7CEC-20DD-4AA2-9A31-0846D189D05C}"/>
-          </ac:spMkLst>
-        </pc:spChg>
-        <pc:spChg chg="add mod">
-          <ac:chgData name="Thad Schwebke" userId="8a3b078b179e4a90" providerId="LiveId" clId="{61374EC2-74A0-4B7E-A59A-1715CE5DD16C}" dt="2020-02-21T03:13:39.022" v="390" actId="14100"/>
-          <ac:spMkLst>
-            <pc:docMk/>
-            <pc:sldMk cId="2460916010" sldId="262"/>
-            <ac:spMk id="9" creationId="{9DAB8808-38A7-46F2-B73D-F269E6BEEAC4}"/>
-          </ac:spMkLst>
-        </pc:spChg>
-        <pc:spChg chg="add del mod">
-          <ac:chgData name="Thad Schwebke" userId="8a3b078b179e4a90" providerId="LiveId" clId="{61374EC2-74A0-4B7E-A59A-1715CE5DD16C}" dt="2020-02-22T02:29:49.668" v="1309" actId="478"/>
-          <ac:spMkLst>
-            <pc:docMk/>
-            <pc:sldMk cId="2460916010" sldId="262"/>
-            <ac:spMk id="10" creationId="{A973A35B-416D-479B-8384-685CCE1BDDDC}"/>
-          </ac:spMkLst>
-        </pc:spChg>
-        <pc:picChg chg="add mod">
-          <ac:chgData name="Thad Schwebke" userId="8a3b078b179e4a90" providerId="LiveId" clId="{61374EC2-74A0-4B7E-A59A-1715CE5DD16C}" dt="2020-02-20T19:53:41.815" v="192" actId="14100"/>
-          <ac:picMkLst>
-            <pc:docMk/>
-            <pc:sldMk cId="2460916010" sldId="262"/>
-            <ac:picMk id="4" creationId="{C230CC9A-AA53-4CB2-95F8-89DC600FCAFC}"/>
-          </ac:picMkLst>
-        </pc:picChg>
-        <pc:picChg chg="add mod">
-          <ac:chgData name="Thad Schwebke" userId="8a3b078b179e4a90" providerId="LiveId" clId="{61374EC2-74A0-4B7E-A59A-1715CE5DD16C}" dt="2020-02-21T03:11:40.565" v="319" actId="1076"/>
-          <ac:picMkLst>
-            <pc:docMk/>
-            <pc:sldMk cId="2460916010" sldId="262"/>
-            <ac:picMk id="5" creationId="{EEC5FDBD-EA7A-4924-8D84-94C46331C6D1}"/>
-          </ac:picMkLst>
-        </pc:picChg>
-        <pc:picChg chg="add mod">
-          <ac:chgData name="Thad Schwebke" userId="8a3b078b179e4a90" providerId="LiveId" clId="{61374EC2-74A0-4B7E-A59A-1715CE5DD16C}" dt="2020-02-21T03:11:46.304" v="321" actId="1076"/>
-          <ac:picMkLst>
-            <pc:docMk/>
-            <pc:sldMk cId="2460916010" sldId="262"/>
-            <ac:picMk id="6" creationId="{99CA9CC8-D41E-4EC2-9AD9-88EAA1C3F8F8}"/>
-          </ac:picMkLst>
-        </pc:picChg>
-      </pc:sldChg>
-      <pc:sldChg chg="addSp delSp modSp add mod modNotesTx">
-        <pc:chgData name="Thad Schwebke" userId="8a3b078b179e4a90" providerId="LiveId" clId="{61374EC2-74A0-4B7E-A59A-1715CE5DD16C}" dt="2020-02-22T02:58:11.723" v="2660" actId="20577"/>
-        <pc:sldMkLst>
-          <pc:docMk/>
-          <pc:sldMk cId="1524816342" sldId="263"/>
-        </pc:sldMkLst>
-        <pc:spChg chg="mod">
-          <ac:chgData name="Thad Schwebke" userId="8a3b078b179e4a90" providerId="LiveId" clId="{61374EC2-74A0-4B7E-A59A-1715CE5DD16C}" dt="2020-02-20T19:46:51.604" v="56" actId="20577"/>
-          <ac:spMkLst>
-            <pc:docMk/>
-            <pc:sldMk cId="1524816342" sldId="263"/>
-            <ac:spMk id="2" creationId="{C4752280-F4DF-4EFB-B55C-9788B7D62FEC}"/>
-          </ac:spMkLst>
-        </pc:spChg>
-        <pc:spChg chg="del">
-          <ac:chgData name="Thad Schwebke" userId="8a3b078b179e4a90" providerId="LiveId" clId="{61374EC2-74A0-4B7E-A59A-1715CE5DD16C}" dt="2020-02-20T19:54:15.045" v="195" actId="478"/>
-          <ac:spMkLst>
-            <pc:docMk/>
-            <pc:sldMk cId="1524816342" sldId="263"/>
-            <ac:spMk id="3" creationId="{D29DCA66-FB83-4DFA-97A8-C248E181AC83}"/>
-          </ac:spMkLst>
-        </pc:spChg>
-        <pc:spChg chg="add del mod">
-          <ac:chgData name="Thad Schwebke" userId="8a3b078b179e4a90" providerId="LiveId" clId="{61374EC2-74A0-4B7E-A59A-1715CE5DD16C}" dt="2020-02-22T02:29:55.317" v="1311" actId="478"/>
-          <ac:spMkLst>
-            <pc:docMk/>
-            <pc:sldMk cId="1524816342" sldId="263"/>
-            <ac:spMk id="3" creationId="{E0C1BD30-36F1-4EDD-B318-8835C7630909}"/>
-          </ac:spMkLst>
-        </pc:spChg>
-        <pc:picChg chg="add mod">
-          <ac:chgData name="Thad Schwebke" userId="8a3b078b179e4a90" providerId="LiveId" clId="{61374EC2-74A0-4B7E-A59A-1715CE5DD16C}" dt="2020-02-22T02:32:37.366" v="1342" actId="208"/>
-          <ac:picMkLst>
-            <pc:docMk/>
-            <pc:sldMk cId="1524816342" sldId="263"/>
-            <ac:picMk id="4" creationId="{C38FB1BA-CEF8-4704-8F2C-9584129155BE}"/>
-          </ac:picMkLst>
-        </pc:picChg>
-        <pc:picChg chg="add del mod">
-          <ac:chgData name="Thad Schwebke" userId="8a3b078b179e4a90" providerId="LiveId" clId="{61374EC2-74A0-4B7E-A59A-1715CE5DD16C}" dt="2020-02-22T02:29:53.690" v="1310" actId="478"/>
-          <ac:picMkLst>
-            <pc:docMk/>
-            <pc:sldMk cId="1524816342" sldId="263"/>
-            <ac:picMk id="2050" creationId="{6B4D342B-1CE4-42CA-B4E5-AC259B77E274}"/>
-          </ac:picMkLst>
-        </pc:picChg>
-        <pc:picChg chg="add mod">
-          <ac:chgData name="Thad Schwebke" userId="8a3b078b179e4a90" providerId="LiveId" clId="{61374EC2-74A0-4B7E-A59A-1715CE5DD16C}" dt="2020-02-22T02:32:35.611" v="1341" actId="208"/>
-          <ac:picMkLst>
-            <pc:docMk/>
-            <pc:sldMk cId="1524816342" sldId="263"/>
-            <ac:picMk id="2052" creationId="{3F980578-2894-40FA-84DA-A9854B43F14E}"/>
-          </ac:picMkLst>
-        </pc:picChg>
-        <pc:picChg chg="add del mod">
-          <ac:chgData name="Thad Schwebke" userId="8a3b078b179e4a90" providerId="LiveId" clId="{61374EC2-74A0-4B7E-A59A-1715CE5DD16C}" dt="2020-02-21T03:18:49.360" v="478" actId="478"/>
-          <ac:picMkLst>
-            <pc:docMk/>
-            <pc:sldMk cId="1524816342" sldId="263"/>
-            <ac:picMk id="2052" creationId="{A89BA44E-8930-4916-8A10-D0C07545B071}"/>
-          </ac:picMkLst>
-        </pc:picChg>
-        <pc:picChg chg="add del mod">
-          <ac:chgData name="Thad Schwebke" userId="8a3b078b179e4a90" providerId="LiveId" clId="{61374EC2-74A0-4B7E-A59A-1715CE5DD16C}" dt="2020-02-21T03:18:51.458" v="479" actId="478"/>
-          <ac:picMkLst>
-            <pc:docMk/>
-            <pc:sldMk cId="1524816342" sldId="263"/>
-            <ac:picMk id="2054" creationId="{5C03E47F-4871-4A2E-89CF-8DFD8B87C3C8}"/>
-          </ac:picMkLst>
-        </pc:picChg>
-      </pc:sldChg>
-      <pc:sldChg chg="addSp delSp modSp add mod modNotesTx">
-        <pc:chgData name="Thad Schwebke" userId="8a3b078b179e4a90" providerId="LiveId" clId="{61374EC2-74A0-4B7E-A59A-1715CE5DD16C}" dt="2020-02-22T02:54:55.193" v="2307" actId="6549"/>
-        <pc:sldMkLst>
-          <pc:docMk/>
-          <pc:sldMk cId="2663868610" sldId="264"/>
-        </pc:sldMkLst>
-        <pc:spChg chg="mod">
-          <ac:chgData name="Thad Schwebke" userId="8a3b078b179e4a90" providerId="LiveId" clId="{61374EC2-74A0-4B7E-A59A-1715CE5DD16C}" dt="2020-02-22T02:34:18.967" v="1382" actId="1076"/>
-          <ac:spMkLst>
-            <pc:docMk/>
-            <pc:sldMk cId="2663868610" sldId="264"/>
-            <ac:spMk id="2" creationId="{8D8003AF-F773-49EF-8D94-9D7D95CB2D76}"/>
-          </ac:spMkLst>
-        </pc:spChg>
-        <pc:spChg chg="del">
-          <ac:chgData name="Thad Schwebke" userId="8a3b078b179e4a90" providerId="LiveId" clId="{61374EC2-74A0-4B7E-A59A-1715CE5DD16C}" dt="2020-02-20T19:57:13.801" v="219" actId="478"/>
-          <ac:spMkLst>
-            <pc:docMk/>
-            <pc:sldMk cId="2663868610" sldId="264"/>
-            <ac:spMk id="3" creationId="{1B6B94C2-C3E1-443F-9BE4-87A8CD46E4EA}"/>
-          </ac:spMkLst>
-        </pc:spChg>
-        <pc:spChg chg="add del mod ord">
-          <ac:chgData name="Thad Schwebke" userId="8a3b078b179e4a90" providerId="LiveId" clId="{61374EC2-74A0-4B7E-A59A-1715CE5DD16C}" dt="2020-02-22T02:32:55.477" v="1345" actId="478"/>
-          <ac:spMkLst>
-            <pc:docMk/>
-            <pc:sldMk cId="2663868610" sldId="264"/>
-            <ac:spMk id="4" creationId="{1040D74A-13E6-4708-89E3-2D0C88DEC3FD}"/>
-          </ac:spMkLst>
-        </pc:spChg>
-        <pc:spChg chg="add del mod">
-          <ac:chgData name="Thad Schwebke" userId="8a3b078b179e4a90" providerId="LiveId" clId="{61374EC2-74A0-4B7E-A59A-1715CE5DD16C}" dt="2020-02-22T02:33:54.653" v="1374" actId="478"/>
-          <ac:spMkLst>
-            <pc:docMk/>
-            <pc:sldMk cId="2663868610" sldId="264"/>
-            <ac:spMk id="6" creationId="{5EFDF754-A1EA-4B1A-88CB-CF1928210E76}"/>
-          </ac:spMkLst>
-        </pc:spChg>
-        <pc:picChg chg="add del mod">
-          <ac:chgData name="Thad Schwebke" userId="8a3b078b179e4a90" providerId="LiveId" clId="{61374EC2-74A0-4B7E-A59A-1715CE5DD16C}" dt="2020-02-22T02:33:32.306" v="1371"/>
-          <ac:picMkLst>
-            <pc:docMk/>
-            <pc:sldMk cId="2663868610" sldId="264"/>
-            <ac:picMk id="3" creationId="{F2F98783-97DB-4433-8E83-80FDDFE047EA}"/>
-          </ac:picMkLst>
-        </pc:picChg>
-        <pc:picChg chg="add mod">
-          <ac:chgData name="Thad Schwebke" userId="8a3b078b179e4a90" providerId="LiveId" clId="{61374EC2-74A0-4B7E-A59A-1715CE5DD16C}" dt="2020-02-22T02:34:24.930" v="1383" actId="1038"/>
-          <ac:picMkLst>
-            <pc:docMk/>
-            <pc:sldMk cId="2663868610" sldId="264"/>
-            <ac:picMk id="5" creationId="{6602F371-6279-4F6C-8C92-3AA295A07975}"/>
-          </ac:picMkLst>
-        </pc:picChg>
-        <pc:picChg chg="add del mod">
-          <ac:chgData name="Thad Schwebke" userId="8a3b078b179e4a90" providerId="LiveId" clId="{61374EC2-74A0-4B7E-A59A-1715CE5DD16C}" dt="2020-02-22T02:32:52.172" v="1343" actId="478"/>
-          <ac:picMkLst>
-            <pc:docMk/>
-            <pc:sldMk cId="2663868610" sldId="264"/>
-            <ac:picMk id="3074" creationId="{EF08CE2D-A0D2-427F-8A6F-85928E59E1B9}"/>
-          </ac:picMkLst>
-        </pc:picChg>
-        <pc:picChg chg="add del mod">
-          <ac:chgData name="Thad Schwebke" userId="8a3b078b179e4a90" providerId="LiveId" clId="{61374EC2-74A0-4B7E-A59A-1715CE5DD16C}" dt="2020-02-22T02:32:53.138" v="1344" actId="478"/>
-          <ac:picMkLst>
-            <pc:docMk/>
-            <pc:sldMk cId="2663868610" sldId="264"/>
-            <ac:picMk id="3076" creationId="{301B551B-9E50-4712-B9C3-D6AD4B68E124}"/>
-          </ac:picMkLst>
-        </pc:picChg>
-      </pc:sldChg>
-      <pc:sldChg chg="addSp delSp modSp add mod modNotesTx">
-        <pc:chgData name="Thad Schwebke" userId="8a3b078b179e4a90" providerId="LiveId" clId="{61374EC2-74A0-4B7E-A59A-1715CE5DD16C}" dt="2020-02-22T02:49:15.523" v="2185" actId="20577"/>
-        <pc:sldMkLst>
-          <pc:docMk/>
-          <pc:sldMk cId="245379799" sldId="265"/>
-        </pc:sldMkLst>
-        <pc:spChg chg="mod">
-          <ac:chgData name="Thad Schwebke" userId="8a3b078b179e4a90" providerId="LiveId" clId="{61374EC2-74A0-4B7E-A59A-1715CE5DD16C}" dt="2020-02-20T19:59:35.860" v="271" actId="20577"/>
-          <ac:spMkLst>
-            <pc:docMk/>
-            <pc:sldMk cId="245379799" sldId="265"/>
-            <ac:spMk id="2" creationId="{300BBF5E-404A-4162-BF76-30A21C5CD566}"/>
-          </ac:spMkLst>
-        </pc:spChg>
-        <pc:spChg chg="del">
-          <ac:chgData name="Thad Schwebke" userId="8a3b078b179e4a90" providerId="LiveId" clId="{61374EC2-74A0-4B7E-A59A-1715CE5DD16C}" dt="2020-02-20T19:58:22.310" v="260" actId="478"/>
-          <ac:spMkLst>
-            <pc:docMk/>
-            <pc:sldMk cId="245379799" sldId="265"/>
-            <ac:spMk id="3" creationId="{8ED2079A-8CB0-4E3F-B102-92CC89EAFC2D}"/>
-          </ac:spMkLst>
-        </pc:spChg>
-        <pc:spChg chg="add del">
-          <ac:chgData name="Thad Schwebke" userId="8a3b078b179e4a90" providerId="LiveId" clId="{61374EC2-74A0-4B7E-A59A-1715CE5DD16C}" dt="2020-02-22T02:36:10.654" v="1407" actId="478"/>
-          <ac:spMkLst>
-            <pc:docMk/>
-            <pc:sldMk cId="245379799" sldId="265"/>
-            <ac:spMk id="5" creationId="{795DAF57-4036-45BE-9C09-2ADDDCF3D3F1}"/>
-          </ac:spMkLst>
-        </pc:spChg>
-        <pc:picChg chg="add del mod">
-          <ac:chgData name="Thad Schwebke" userId="8a3b078b179e4a90" providerId="LiveId" clId="{61374EC2-74A0-4B7E-A59A-1715CE5DD16C}" dt="2020-02-20T19:59:38.100" v="272" actId="478"/>
-          <ac:picMkLst>
-            <pc:docMk/>
-            <pc:sldMk cId="245379799" sldId="265"/>
-            <ac:picMk id="4098" creationId="{37C2A593-B898-4EE4-8A54-BFB6793E9642}"/>
-          </ac:picMkLst>
-        </pc:picChg>
-        <pc:picChg chg="add del mod">
-          <ac:chgData name="Thad Schwebke" userId="8a3b078b179e4a90" providerId="LiveId" clId="{61374EC2-74A0-4B7E-A59A-1715CE5DD16C}" dt="2020-02-20T19:59:38.768" v="273" actId="478"/>
-          <ac:picMkLst>
-            <pc:docMk/>
-            <pc:sldMk cId="245379799" sldId="265"/>
-            <ac:picMk id="4100" creationId="{B7D44B16-60CE-4BD6-B53D-9D925B4FCE2C}"/>
-          </ac:picMkLst>
-        </pc:picChg>
-        <pc:picChg chg="add del mod">
-          <ac:chgData name="Thad Schwebke" userId="8a3b078b179e4a90" providerId="LiveId" clId="{61374EC2-74A0-4B7E-A59A-1715CE5DD16C}" dt="2020-02-22T02:36:07.738" v="1405" actId="478"/>
-          <ac:picMkLst>
-            <pc:docMk/>
-            <pc:sldMk cId="245379799" sldId="265"/>
-            <ac:picMk id="4102" creationId="{DC4704CB-E1D7-492E-B379-31EF9A6B3E40}"/>
-          </ac:picMkLst>
-        </pc:picChg>
-        <pc:picChg chg="add del mod">
-          <ac:chgData name="Thad Schwebke" userId="8a3b078b179e4a90" providerId="LiveId" clId="{61374EC2-74A0-4B7E-A59A-1715CE5DD16C}" dt="2020-02-22T02:36:08.538" v="1406" actId="478"/>
-          <ac:picMkLst>
-            <pc:docMk/>
-            <pc:sldMk cId="245379799" sldId="265"/>
-            <ac:picMk id="4104" creationId="{8D5FAA0D-F3B8-492D-BC13-8C22D49C3AAB}"/>
-          </ac:picMkLst>
-        </pc:picChg>
-        <pc:picChg chg="add mod">
-          <ac:chgData name="Thad Schwebke" userId="8a3b078b179e4a90" providerId="LiveId" clId="{61374EC2-74A0-4B7E-A59A-1715CE5DD16C}" dt="2020-02-22T02:36:51.108" v="1417" actId="1038"/>
-          <ac:picMkLst>
-            <pc:docMk/>
-            <pc:sldMk cId="245379799" sldId="265"/>
-            <ac:picMk id="5122" creationId="{E734F5E3-6122-4A2E-8281-C1C4D2757A27}"/>
-          </ac:picMkLst>
-        </pc:picChg>
-        <pc:picChg chg="add mod">
-          <ac:chgData name="Thad Schwebke" userId="8a3b078b179e4a90" providerId="LiveId" clId="{61374EC2-74A0-4B7E-A59A-1715CE5DD16C}" dt="2020-02-22T02:36:51.108" v="1417" actId="1038"/>
-          <ac:picMkLst>
-            <pc:docMk/>
-            <pc:sldMk cId="245379799" sldId="265"/>
-            <ac:picMk id="5124" creationId="{C3F5B074-1700-48C5-A864-2001055CE578}"/>
-          </ac:picMkLst>
-        </pc:picChg>
-      </pc:sldChg>
-      <pc:sldChg chg="addSp delSp modSp add modNotesTx">
-        <pc:chgData name="Thad Schwebke" userId="8a3b078b179e4a90" providerId="LiveId" clId="{61374EC2-74A0-4B7E-A59A-1715CE5DD16C}" dt="2020-02-22T02:48:12.562" v="2150" actId="20577"/>
-        <pc:sldMkLst>
-          <pc:docMk/>
-          <pc:sldMk cId="1387322310" sldId="266"/>
-        </pc:sldMkLst>
-        <pc:spChg chg="mod">
-          <ac:chgData name="Thad Schwebke" userId="8a3b078b179e4a90" providerId="LiveId" clId="{61374EC2-74A0-4B7E-A59A-1715CE5DD16C}" dt="2020-02-20T19:49:00.229" v="138" actId="20577"/>
-          <ac:spMkLst>
-            <pc:docMk/>
-            <pc:sldMk cId="1387322310" sldId="266"/>
-            <ac:spMk id="2" creationId="{C06565CC-4BFD-4A68-874A-74D0DB174AB6}"/>
-          </ac:spMkLst>
-        </pc:spChg>
-        <pc:spChg chg="del">
-          <ac:chgData name="Thad Schwebke" userId="8a3b078b179e4a90" providerId="LiveId" clId="{61374EC2-74A0-4B7E-A59A-1715CE5DD16C}" dt="2020-02-20T20:00:23.904" v="280" actId="478"/>
-          <ac:spMkLst>
-            <pc:docMk/>
-            <pc:sldMk cId="1387322310" sldId="266"/>
-            <ac:spMk id="3" creationId="{0CF637A0-081D-43B0-A4B2-31BAB32BDDEA}"/>
-          </ac:spMkLst>
-        </pc:spChg>
-        <pc:picChg chg="add mod">
-          <ac:chgData name="Thad Schwebke" userId="8a3b078b179e4a90" providerId="LiveId" clId="{61374EC2-74A0-4B7E-A59A-1715CE5DD16C}" dt="2020-02-22T02:38:53.438" v="1445" actId="1036"/>
-          <ac:picMkLst>
-            <pc:docMk/>
-            <pc:sldMk cId="1387322310" sldId="266"/>
-            <ac:picMk id="3" creationId="{97515110-706C-47E2-88B3-AC0B994668BC}"/>
-          </ac:picMkLst>
-        </pc:picChg>
-        <pc:picChg chg="add mod">
-          <ac:chgData name="Thad Schwebke" userId="8a3b078b179e4a90" providerId="LiveId" clId="{61374EC2-74A0-4B7E-A59A-1715CE5DD16C}" dt="2020-02-22T02:38:53.438" v="1445" actId="1036"/>
-          <ac:picMkLst>
-            <pc:docMk/>
-            <pc:sldMk cId="1387322310" sldId="266"/>
-            <ac:picMk id="4" creationId="{B799D4B9-F900-4582-ADFB-B49222040E6C}"/>
-          </ac:picMkLst>
-        </pc:picChg>
-        <pc:picChg chg="add mod">
-          <ac:chgData name="Thad Schwebke" userId="8a3b078b179e4a90" providerId="LiveId" clId="{61374EC2-74A0-4B7E-A59A-1715CE5DD16C}" dt="2020-02-22T02:38:53.438" v="1445" actId="1036"/>
-          <ac:picMkLst>
-            <pc:docMk/>
-            <pc:sldMk cId="1387322310" sldId="266"/>
-            <ac:picMk id="5" creationId="{068001B8-EC24-4C74-AD27-D943820B9371}"/>
-          </ac:picMkLst>
-        </pc:picChg>
-        <pc:picChg chg="add del mod">
-          <ac:chgData name="Thad Schwebke" userId="8a3b078b179e4a90" providerId="LiveId" clId="{61374EC2-74A0-4B7E-A59A-1715CE5DD16C}" dt="2020-02-22T02:37:04.201" v="1418" actId="478"/>
-          <ac:picMkLst>
-            <pc:docMk/>
-            <pc:sldMk cId="1387322310" sldId="266"/>
-            <ac:picMk id="6146" creationId="{3335A281-4CFE-41EE-804B-865AD0E3FCE3}"/>
-          </ac:picMkLst>
-        </pc:picChg>
-        <pc:picChg chg="add del mod">
-          <ac:chgData name="Thad Schwebke" userId="8a3b078b179e4a90" providerId="LiveId" clId="{61374EC2-74A0-4B7E-A59A-1715CE5DD16C}" dt="2020-02-22T02:37:04.201" v="1418" actId="478"/>
-          <ac:picMkLst>
-            <pc:docMk/>
-            <pc:sldMk cId="1387322310" sldId="266"/>
-            <ac:picMk id="6148" creationId="{9FDE31C4-2DFE-4C52-9439-236749EADC64}"/>
-          </ac:picMkLst>
-        </pc:picChg>
-        <pc:picChg chg="add del mod">
-          <ac:chgData name="Thad Schwebke" userId="8a3b078b179e4a90" providerId="LiveId" clId="{61374EC2-74A0-4B7E-A59A-1715CE5DD16C}" dt="2020-02-22T02:37:04.201" v="1418" actId="478"/>
-          <ac:picMkLst>
-            <pc:docMk/>
-            <pc:sldMk cId="1387322310" sldId="266"/>
-            <ac:picMk id="6150" creationId="{51AF7C21-823B-435E-92A3-BF4ED773E3AE}"/>
-          </ac:picMkLst>
-        </pc:picChg>
-        <pc:picChg chg="add del mod">
-          <ac:chgData name="Thad Schwebke" userId="8a3b078b179e4a90" providerId="LiveId" clId="{61374EC2-74A0-4B7E-A59A-1715CE5DD16C}" dt="2020-02-21T03:39:53.887" v="601" actId="478"/>
-          <ac:picMkLst>
-            <pc:docMk/>
-            <pc:sldMk cId="1387322310" sldId="266"/>
-            <ac:picMk id="6152" creationId="{18ED6B64-2B80-43EA-AB33-141AAF2B927F}"/>
-          </ac:picMkLst>
-        </pc:picChg>
-        <pc:picChg chg="add del mod">
-          <ac:chgData name="Thad Schwebke" userId="8a3b078b179e4a90" providerId="LiveId" clId="{61374EC2-74A0-4B7E-A59A-1715CE5DD16C}" dt="2020-02-21T03:39:55.136" v="602" actId="478"/>
-          <ac:picMkLst>
-            <pc:docMk/>
-            <pc:sldMk cId="1387322310" sldId="266"/>
-            <ac:picMk id="6154" creationId="{C8CC0FFF-20BC-46E8-AF23-CDE7DAD2C5C7}"/>
-          </ac:picMkLst>
-        </pc:picChg>
-        <pc:picChg chg="add del mod">
-          <ac:chgData name="Thad Schwebke" userId="8a3b078b179e4a90" providerId="LiveId" clId="{61374EC2-74A0-4B7E-A59A-1715CE5DD16C}" dt="2020-02-20T20:02:57.560" v="305" actId="21"/>
-          <ac:picMkLst>
-            <pc:docMk/>
-            <pc:sldMk cId="1387322310" sldId="266"/>
-            <ac:picMk id="6156" creationId="{18A1BB64-8E0D-4070-8ECA-9656C24B0E25}"/>
-          </ac:picMkLst>
-        </pc:picChg>
-        <pc:picChg chg="add del mod">
-          <ac:chgData name="Thad Schwebke" userId="8a3b078b179e4a90" providerId="LiveId" clId="{61374EC2-74A0-4B7E-A59A-1715CE5DD16C}" dt="2020-02-20T20:02:57.560" v="305" actId="21"/>
-          <ac:picMkLst>
-            <pc:docMk/>
-            <pc:sldMk cId="1387322310" sldId="266"/>
-            <ac:picMk id="6158" creationId="{192C2930-B3D7-4619-9D09-1D97F62AFF71}"/>
-          </ac:picMkLst>
-        </pc:picChg>
-      </pc:sldChg>
-      <pc:sldChg chg="addSp delSp modSp add modNotesTx">
-        <pc:chgData name="Thad Schwebke" userId="8a3b078b179e4a90" providerId="LiveId" clId="{61374EC2-74A0-4B7E-A59A-1715CE5DD16C}" dt="2020-02-22T02:42:13.358" v="1535" actId="20577"/>
-        <pc:sldMkLst>
-          <pc:docMk/>
-          <pc:sldMk cId="4003640020" sldId="267"/>
-        </pc:sldMkLst>
-        <pc:spChg chg="mod">
-          <ac:chgData name="Thad Schwebke" userId="8a3b078b179e4a90" providerId="LiveId" clId="{61374EC2-74A0-4B7E-A59A-1715CE5DD16C}" dt="2020-02-20T19:49:21.839" v="170" actId="20577"/>
-          <ac:spMkLst>
-            <pc:docMk/>
-            <pc:sldMk cId="4003640020" sldId="267"/>
-            <ac:spMk id="2" creationId="{48B828A6-A73B-4DEA-BD33-B6CEB6EA43D6}"/>
-          </ac:spMkLst>
-        </pc:spChg>
-        <pc:spChg chg="del">
-          <ac:chgData name="Thad Schwebke" userId="8a3b078b179e4a90" providerId="LiveId" clId="{61374EC2-74A0-4B7E-A59A-1715CE5DD16C}" dt="2020-02-20T20:03:02.440" v="306" actId="478"/>
-          <ac:spMkLst>
-            <pc:docMk/>
-            <pc:sldMk cId="4003640020" sldId="267"/>
-            <ac:spMk id="3" creationId="{5223D254-6223-4630-B5D3-129B0D1889C4}"/>
-          </ac:spMkLst>
-        </pc:spChg>
-        <pc:picChg chg="add mod">
-          <ac:chgData name="Thad Schwebke" userId="8a3b078b179e4a90" providerId="LiveId" clId="{61374EC2-74A0-4B7E-A59A-1715CE5DD16C}" dt="2020-02-22T02:39:40.923" v="1457" actId="1036"/>
-          <ac:picMkLst>
-            <pc:docMk/>
-            <pc:sldMk cId="4003640020" sldId="267"/>
-            <ac:picMk id="3" creationId="{426D0047-F4A1-4D2A-A497-54A8F7000D42}"/>
-          </ac:picMkLst>
-        </pc:picChg>
-        <pc:picChg chg="add del mod">
-          <ac:chgData name="Thad Schwebke" userId="8a3b078b179e4a90" providerId="LiveId" clId="{61374EC2-74A0-4B7E-A59A-1715CE5DD16C}" dt="2020-02-21T03:39:42.106" v="598" actId="478"/>
-          <ac:picMkLst>
-            <pc:docMk/>
-            <pc:sldMk cId="4003640020" sldId="267"/>
-            <ac:picMk id="4" creationId="{F77260D3-94A3-4A4A-ADAB-DEEE5AC49ED7}"/>
-          </ac:picMkLst>
-        </pc:picChg>
-        <pc:picChg chg="add del mod">
-          <ac:chgData name="Thad Schwebke" userId="8a3b078b179e4a90" providerId="LiveId" clId="{61374EC2-74A0-4B7E-A59A-1715CE5DD16C}" dt="2020-02-21T03:39:33.872" v="596" actId="478"/>
-          <ac:picMkLst>
-            <pc:docMk/>
-            <pc:sldMk cId="4003640020" sldId="267"/>
-            <ac:picMk id="5" creationId="{393656D6-1FBA-42DD-8361-40FE09EB67D0}"/>
-          </ac:picMkLst>
-        </pc:picChg>
-        <pc:picChg chg="add del mod">
-          <ac:chgData name="Thad Schwebke" userId="8a3b078b179e4a90" providerId="LiveId" clId="{61374EC2-74A0-4B7E-A59A-1715CE5DD16C}" dt="2020-02-21T03:39:29.652" v="595" actId="478"/>
-          <ac:picMkLst>
-            <pc:docMk/>
-            <pc:sldMk cId="4003640020" sldId="267"/>
-            <ac:picMk id="7170" creationId="{BBAD26E0-A698-4AAD-A69E-7F36F696A625}"/>
-          </ac:picMkLst>
-        </pc:picChg>
-        <pc:picChg chg="add mod">
-          <ac:chgData name="Thad Schwebke" userId="8a3b078b179e4a90" providerId="LiveId" clId="{61374EC2-74A0-4B7E-A59A-1715CE5DD16C}" dt="2020-02-22T02:39:40.923" v="1457" actId="1036"/>
-          <ac:picMkLst>
-            <pc:docMk/>
-            <pc:sldMk cId="4003640020" sldId="267"/>
-            <ac:picMk id="7170" creationId="{D6BF28F4-4E5D-4BBC-8668-5BC49F61C8C6}"/>
-          </ac:picMkLst>
-        </pc:picChg>
-        <pc:picChg chg="add del mod">
-          <ac:chgData name="Thad Schwebke" userId="8a3b078b179e4a90" providerId="LiveId" clId="{61374EC2-74A0-4B7E-A59A-1715CE5DD16C}" dt="2020-02-22T02:39:04.171" v="1447" actId="478"/>
-          <ac:picMkLst>
-            <pc:docMk/>
-            <pc:sldMk cId="4003640020" sldId="267"/>
-            <ac:picMk id="7172" creationId="{777ECB40-D891-4E83-BE68-2E0CF9FE5CD9}"/>
-          </ac:picMkLst>
-        </pc:picChg>
-        <pc:picChg chg="add del mod">
-          <ac:chgData name="Thad Schwebke" userId="8a3b078b179e4a90" providerId="LiveId" clId="{61374EC2-74A0-4B7E-A59A-1715CE5DD16C}" dt="2020-02-22T02:39:03.421" v="1446" actId="478"/>
-          <ac:picMkLst>
-            <pc:docMk/>
-            <pc:sldMk cId="4003640020" sldId="267"/>
-            <ac:picMk id="7174" creationId="{7B1566E3-2F05-4B81-A115-ACCCDE6ED0AD}"/>
-          </ac:picMkLst>
-        </pc:picChg>
-      </pc:sldChg>
-      <pc:sldChg chg="addSp delSp modSp add mod ord modNotesTx">
-        <pc:chgData name="Thad Schwebke" userId="8a3b078b179e4a90" providerId="LiveId" clId="{61374EC2-74A0-4B7E-A59A-1715CE5DD16C}" dt="2020-02-22T02:51:06.322" v="2223" actId="20577"/>
-        <pc:sldMkLst>
-          <pc:docMk/>
-          <pc:sldMk cId="2005336270" sldId="268"/>
-        </pc:sldMkLst>
-        <pc:spChg chg="mod">
-          <ac:chgData name="Thad Schwebke" userId="8a3b078b179e4a90" providerId="LiveId" clId="{61374EC2-74A0-4B7E-A59A-1715CE5DD16C}" dt="2020-02-20T19:59:29.246" v="268" actId="6549"/>
-          <ac:spMkLst>
-            <pc:docMk/>
-            <pc:sldMk cId="2005336270" sldId="268"/>
-            <ac:spMk id="2" creationId="{300BBF5E-404A-4162-BF76-30A21C5CD566}"/>
-          </ac:spMkLst>
-        </pc:spChg>
-        <pc:spChg chg="add del mod">
-          <ac:chgData name="Thad Schwebke" userId="8a3b078b179e4a90" providerId="LiveId" clId="{61374EC2-74A0-4B7E-A59A-1715CE5DD16C}" dt="2020-02-22T02:35:08.661" v="1390" actId="478"/>
-          <ac:spMkLst>
-            <pc:docMk/>
-            <pc:sldMk cId="2005336270" sldId="268"/>
-            <ac:spMk id="3" creationId="{158BCD5C-C95C-42D4-A773-75F775D87EE5}"/>
-          </ac:spMkLst>
-        </pc:spChg>
-        <pc:picChg chg="add mod">
-          <ac:chgData name="Thad Schwebke" userId="8a3b078b179e4a90" providerId="LiveId" clId="{61374EC2-74A0-4B7E-A59A-1715CE5DD16C}" dt="2020-02-22T02:35:58.423" v="1404" actId="1037"/>
-          <ac:picMkLst>
-            <pc:docMk/>
-            <pc:sldMk cId="2005336270" sldId="268"/>
-            <ac:picMk id="4" creationId="{CD3765AA-58E2-42FE-9E6E-A875BCB1D73F}"/>
-          </ac:picMkLst>
-        </pc:picChg>
-        <pc:picChg chg="add mod">
-          <ac:chgData name="Thad Schwebke" userId="8a3b078b179e4a90" providerId="LiveId" clId="{61374EC2-74A0-4B7E-A59A-1715CE5DD16C}" dt="2020-02-22T02:35:58.423" v="1404" actId="1037"/>
-          <ac:picMkLst>
-            <pc:docMk/>
-            <pc:sldMk cId="2005336270" sldId="268"/>
-            <ac:picMk id="5" creationId="{28B18D85-1151-450B-8AFF-D3E3FCE62C14}"/>
-          </ac:picMkLst>
-        </pc:picChg>
-        <pc:picChg chg="del">
-          <ac:chgData name="Thad Schwebke" userId="8a3b078b179e4a90" providerId="LiveId" clId="{61374EC2-74A0-4B7E-A59A-1715CE5DD16C}" dt="2020-02-22T02:35:05.744" v="1388" actId="478"/>
-          <ac:picMkLst>
-            <pc:docMk/>
-            <pc:sldMk cId="2005336270" sldId="268"/>
-            <ac:picMk id="4098" creationId="{37C2A593-B898-4EE4-8A54-BFB6793E9642}"/>
-          </ac:picMkLst>
-        </pc:picChg>
-        <pc:picChg chg="del">
-          <ac:chgData name="Thad Schwebke" userId="8a3b078b179e4a90" providerId="LiveId" clId="{61374EC2-74A0-4B7E-A59A-1715CE5DD16C}" dt="2020-02-22T02:35:06.538" v="1389" actId="478"/>
-          <ac:picMkLst>
-            <pc:docMk/>
-            <pc:sldMk cId="2005336270" sldId="268"/>
-            <ac:picMk id="4100" creationId="{B7D44B16-60CE-4BD6-B53D-9D925B4FCE2C}"/>
-          </ac:picMkLst>
-        </pc:picChg>
-      </pc:sldChg>
-      <pc:sldChg chg="addSp delSp add del">
-        <pc:chgData name="Thad Schwebke" userId="8a3b078b179e4a90" providerId="LiveId" clId="{61374EC2-74A0-4B7E-A59A-1715CE5DD16C}" dt="2020-02-21T11:17:24.695" v="665"/>
-        <pc:sldMkLst>
-          <pc:docMk/>
-          <pc:sldMk cId="2076363951" sldId="269"/>
-        </pc:sldMkLst>
-        <pc:spChg chg="add del">
-          <ac:chgData name="Thad Schwebke" userId="8a3b078b179e4a90" providerId="LiveId" clId="{61374EC2-74A0-4B7E-A59A-1715CE5DD16C}" dt="2020-02-21T11:17:23.496" v="664" actId="478"/>
-          <ac:spMkLst>
-            <pc:docMk/>
-            <pc:sldMk cId="2076363951" sldId="269"/>
-            <ac:spMk id="7" creationId="{3C4FF3C3-E231-493F-9AD6-2080CD005525}"/>
-          </ac:spMkLst>
-        </pc:spChg>
-        <pc:spChg chg="add del">
-          <ac:chgData name="Thad Schwebke" userId="8a3b078b179e4a90" providerId="LiveId" clId="{61374EC2-74A0-4B7E-A59A-1715CE5DD16C}" dt="2020-02-21T11:17:23.496" v="664" actId="478"/>
-          <ac:spMkLst>
-            <pc:docMk/>
-            <pc:sldMk cId="2076363951" sldId="269"/>
-            <ac:spMk id="8" creationId="{817D9A1C-F995-49CF-9144-827BC8826C19}"/>
-          </ac:spMkLst>
-        </pc:spChg>
-      </pc:sldChg>
-      <pc:sldChg chg="add del">
-        <pc:chgData name="Thad Schwebke" userId="8a3b078b179e4a90" providerId="LiveId" clId="{61374EC2-74A0-4B7E-A59A-1715CE5DD16C}" dt="2020-02-21T11:17:36.737" v="668" actId="47"/>
-        <pc:sldMkLst>
-          <pc:docMk/>
-          <pc:sldMk cId="3279829877" sldId="269"/>
-        </pc:sldMkLst>
-      </pc:sldChg>
-      <pc:sldChg chg="modSp add del">
-        <pc:chgData name="Thad Schwebke" userId="8a3b078b179e4a90" providerId="LiveId" clId="{61374EC2-74A0-4B7E-A59A-1715CE5DD16C}" dt="2020-02-21T11:30:29.826" v="1250" actId="47"/>
-        <pc:sldMkLst>
-          <pc:docMk/>
-          <pc:sldMk cId="3328509361" sldId="270"/>
-        </pc:sldMkLst>
-        <pc:spChg chg="mod">
-          <ac:chgData name="Thad Schwebke" userId="8a3b078b179e4a90" providerId="LiveId" clId="{61374EC2-74A0-4B7E-A59A-1715CE5DD16C}" dt="2020-02-21T11:20:01.059" v="796" actId="20577"/>
-          <ac:spMkLst>
-            <pc:docMk/>
-            <pc:sldMk cId="3328509361" sldId="270"/>
-            <ac:spMk id="2" creationId="{006E9E57-AA0B-4A73-96A9-2A10F0C4C9C2}"/>
-          </ac:spMkLst>
-        </pc:spChg>
-        <pc:spChg chg="mod">
-          <ac:chgData name="Thad Schwebke" userId="8a3b078b179e4a90" providerId="LiveId" clId="{61374EC2-74A0-4B7E-A59A-1715CE5DD16C}" dt="2020-02-21T11:28:57.655" v="1229" actId="20577"/>
-          <ac:spMkLst>
-            <pc:docMk/>
-            <pc:sldMk cId="3328509361" sldId="270"/>
-            <ac:spMk id="3" creationId="{B58960E6-62F2-4CE8-A634-98F979CAD2EC}"/>
-          </ac:spMkLst>
-        </pc:spChg>
-        <pc:spChg chg="mod">
-          <ac:chgData name="Thad Schwebke" userId="8a3b078b179e4a90" providerId="LiveId" clId="{61374EC2-74A0-4B7E-A59A-1715CE5DD16C}" dt="2020-02-21T11:21:38.102" v="866" actId="20577"/>
-          <ac:spMkLst>
-            <pc:docMk/>
-            <pc:sldMk cId="3328509361" sldId="270"/>
-            <ac:spMk id="4" creationId="{C37B7804-918B-424E-9C73-00428C94F96C}"/>
-          </ac:spMkLst>
-        </pc:spChg>
-      </pc:sldChg>
-      <pc:sldChg chg="addSp modSp add mod ord">
-        <pc:chgData name="Thad Schwebke" userId="8a3b078b179e4a90" providerId="LiveId" clId="{61374EC2-74A0-4B7E-A59A-1715CE5DD16C}" dt="2020-02-22T02:34:45.542" v="1387" actId="1076"/>
-        <pc:sldMkLst>
-          <pc:docMk/>
-          <pc:sldMk cId="832593484" sldId="271"/>
-        </pc:sldMkLst>
-        <pc:spChg chg="mod">
-          <ac:chgData name="Thad Schwebke" userId="8a3b078b179e4a90" providerId="LiveId" clId="{61374EC2-74A0-4B7E-A59A-1715CE5DD16C}" dt="2020-02-21T11:30:23.467" v="1249" actId="20577"/>
-          <ac:spMkLst>
-            <pc:docMk/>
-            <pc:sldMk cId="832593484" sldId="271"/>
-            <ac:spMk id="2" creationId="{006E9E57-AA0B-4A73-96A9-2A10F0C4C9C2}"/>
-          </ac:spMkLst>
-        </pc:spChg>
-        <pc:spChg chg="mod">
-          <ac:chgData name="Thad Schwebke" userId="8a3b078b179e4a90" providerId="LiveId" clId="{61374EC2-74A0-4B7E-A59A-1715CE5DD16C}" dt="2020-02-21T11:29:46.557" v="1235" actId="14100"/>
-          <ac:spMkLst>
-            <pc:docMk/>
-            <pc:sldMk cId="832593484" sldId="271"/>
-            <ac:spMk id="3" creationId="{B58960E6-62F2-4CE8-A634-98F979CAD2EC}"/>
-          </ac:spMkLst>
-        </pc:spChg>
-        <pc:spChg chg="mod">
-          <ac:chgData name="Thad Schwebke" userId="8a3b078b179e4a90" providerId="LiveId" clId="{61374EC2-74A0-4B7E-A59A-1715CE5DD16C}" dt="2020-02-21T11:29:27.528" v="1234" actId="14100"/>
-          <ac:spMkLst>
-            <pc:docMk/>
-            <pc:sldMk cId="832593484" sldId="271"/>
-            <ac:spMk id="4" creationId="{C37B7804-918B-424E-9C73-00428C94F96C}"/>
-          </ac:spMkLst>
-        </pc:spChg>
-        <pc:spChg chg="add mod">
-          <ac:chgData name="Thad Schwebke" userId="8a3b078b179e4a90" providerId="LiveId" clId="{61374EC2-74A0-4B7E-A59A-1715CE5DD16C}" dt="2020-02-21T11:29:53.992" v="1236" actId="14100"/>
-          <ac:spMkLst>
-            <pc:docMk/>
-            <pc:sldMk cId="832593484" sldId="271"/>
-            <ac:spMk id="5" creationId="{5915C85E-29AE-47CD-89A4-B1323DFF0C60}"/>
-          </ac:spMkLst>
-        </pc:spChg>
-        <pc:spChg chg="add mod">
-          <ac:chgData name="Thad Schwebke" userId="8a3b078b179e4a90" providerId="LiveId" clId="{61374EC2-74A0-4B7E-A59A-1715CE5DD16C}" dt="2020-02-21T11:30:03.001" v="1237" actId="255"/>
-          <ac:spMkLst>
-            <pc:docMk/>
-            <pc:sldMk cId="832593484" sldId="271"/>
-            <ac:spMk id="6" creationId="{F4756E6D-8370-4FE1-BB7E-D014C95F1E33}"/>
-          </ac:spMkLst>
-        </pc:spChg>
-        <pc:spChg chg="add mod">
-          <ac:chgData name="Thad Schwebke" userId="8a3b078b179e4a90" providerId="LiveId" clId="{61374EC2-74A0-4B7E-A59A-1715CE5DD16C}" dt="2020-02-22T02:34:45.542" v="1387" actId="1076"/>
-          <ac:spMkLst>
-            <pc:docMk/>
-            <pc:sldMk cId="832593484" sldId="271"/>
-            <ac:spMk id="7" creationId="{AF4AE53E-754B-4B0C-BE55-1F3777C60B36}"/>
-          </ac:spMkLst>
-        </pc:spChg>
-      </pc:sldChg>
-      <pc:sldChg chg="addSp delSp modSp add ord modTransition modNotesTx">
-        <pc:chgData name="Thad Schwebke" userId="8a3b078b179e4a90" providerId="LiveId" clId="{61374EC2-74A0-4B7E-A59A-1715CE5DD16C}" dt="2020-02-21T14:32:23.721" v="1282"/>
-        <pc:sldMkLst>
-          <pc:docMk/>
-          <pc:sldMk cId="1538342588" sldId="272"/>
-        </pc:sldMkLst>
-        <pc:spChg chg="del">
-          <ac:chgData name="Thad Schwebke" userId="8a3b078b179e4a90" providerId="LiveId" clId="{61374EC2-74A0-4B7E-A59A-1715CE5DD16C}" dt="2020-02-21T11:22:01.674" v="868"/>
-          <ac:spMkLst>
-            <pc:docMk/>
-            <pc:sldMk cId="1538342588" sldId="272"/>
-            <ac:spMk id="2" creationId="{5521DA25-A85D-4458-B029-DD80ABA6F85B}"/>
-          </ac:spMkLst>
-        </pc:spChg>
-        <pc:spChg chg="del">
-          <ac:chgData name="Thad Schwebke" userId="8a3b078b179e4a90" providerId="LiveId" clId="{61374EC2-74A0-4B7E-A59A-1715CE5DD16C}" dt="2020-02-21T11:22:01.674" v="868"/>
-          <ac:spMkLst>
-            <pc:docMk/>
-            <pc:sldMk cId="1538342588" sldId="272"/>
-            <ac:spMk id="3" creationId="{E530716D-4857-4DE2-8501-66966E9AD535}"/>
-          </ac:spMkLst>
-        </pc:spChg>
-        <pc:spChg chg="del">
-          <ac:chgData name="Thad Schwebke" userId="8a3b078b179e4a90" providerId="LiveId" clId="{61374EC2-74A0-4B7E-A59A-1715CE5DD16C}" dt="2020-02-21T11:22:01.674" v="868"/>
-          <ac:spMkLst>
-            <pc:docMk/>
-            <pc:sldMk cId="1538342588" sldId="272"/>
-            <ac:spMk id="4" creationId="{87A4573C-F2E2-4AD9-A62D-A16506B0F9E4}"/>
-          </ac:spMkLst>
-        </pc:spChg>
-        <pc:spChg chg="add mod">
-          <ac:chgData name="Thad Schwebke" userId="8a3b078b179e4a90" providerId="LiveId" clId="{61374EC2-74A0-4B7E-A59A-1715CE5DD16C}" dt="2020-02-21T11:23:59.532" v="909" actId="20577"/>
-          <ac:spMkLst>
-            <pc:docMk/>
-            <pc:sldMk cId="1538342588" sldId="272"/>
-            <ac:spMk id="5" creationId="{C79313BA-83AF-4722-9CE5-CFA1492E019B}"/>
-          </ac:spMkLst>
-        </pc:spChg>
-        <pc:spChg chg="add mod">
-          <ac:chgData name="Thad Schwebke" userId="8a3b078b179e4a90" providerId="LiveId" clId="{61374EC2-74A0-4B7E-A59A-1715CE5DD16C}" dt="2020-02-21T11:28:09.095" v="1216" actId="20577"/>
-          <ac:spMkLst>
-            <pc:docMk/>
-            <pc:sldMk cId="1538342588" sldId="272"/>
-            <ac:spMk id="6" creationId="{68F030ED-4EC5-440E-B58F-AC0D6E56493D}"/>
-          </ac:spMkLst>
-        </pc:spChg>
-      </pc:sldChg>
-    </pc:docChg>
-  </pc:docChgLst>
-  <pc:docChgLst>
-    <pc:chgData name="Thad Schwebke" userId="8a3b078b179e4a90" providerId="LiveId" clId="{0FBDB5B2-C375-467E-96F5-E579F69E02D0}"/>
-    <pc:docChg chg="custSel addSld delSld modSld sldOrd">
-      <pc:chgData name="Thad Schwebke" userId="8a3b078b179e4a90" providerId="LiveId" clId="{0FBDB5B2-C375-467E-96F5-E579F69E02D0}" dt="2020-02-25T03:39:36.232" v="684" actId="20577"/>
-      <pc:docMkLst>
-        <pc:docMk/>
-      </pc:docMkLst>
-      <pc:sldChg chg="addSp modNotesTx">
-        <pc:chgData name="Thad Schwebke" userId="8a3b078b179e4a90" providerId="LiveId" clId="{0FBDB5B2-C375-467E-96F5-E579F69E02D0}" dt="2020-02-23T01:14:31.504" v="16" actId="20577"/>
-        <pc:sldMkLst>
-          <pc:docMk/>
-          <pc:sldMk cId="4148444099" sldId="256"/>
-        </pc:sldMkLst>
-        <pc:spChg chg="add">
-          <ac:chgData name="Thad Schwebke" userId="8a3b078b179e4a90" providerId="LiveId" clId="{0FBDB5B2-C375-467E-96F5-E579F69E02D0}" dt="2020-02-23T01:00:55.347" v="1"/>
-          <ac:spMkLst>
-            <pc:docMk/>
-            <pc:sldMk cId="4148444099" sldId="256"/>
-            <ac:spMk id="4" creationId="{1786843A-C7BE-4899-9F6A-ABE1B8AF1D00}"/>
-          </ac:spMkLst>
-        </pc:spChg>
-      </pc:sldChg>
-      <pc:sldChg chg="del modNotesTx">
-        <pc:chgData name="Thad Schwebke" userId="8a3b078b179e4a90" providerId="LiveId" clId="{0FBDB5B2-C375-467E-96F5-E579F69E02D0}" dt="2020-02-23T21:49:40.627" v="163" actId="47"/>
-        <pc:sldMkLst>
-          <pc:docMk/>
-          <pc:sldMk cId="3849262026" sldId="261"/>
-        </pc:sldMkLst>
-      </pc:sldChg>
-      <pc:sldChg chg="del ord modNotesTx">
-        <pc:chgData name="Thad Schwebke" userId="8a3b078b179e4a90" providerId="LiveId" clId="{0FBDB5B2-C375-467E-96F5-E579F69E02D0}" dt="2020-02-23T21:49:16.841" v="162" actId="47"/>
-        <pc:sldMkLst>
-          <pc:docMk/>
-          <pc:sldMk cId="2460916010" sldId="262"/>
-        </pc:sldMkLst>
-      </pc:sldChg>
-      <pc:sldChg chg="addSp delSp modSp mod ord modNotesTx">
-        <pc:chgData name="Thad Schwebke" userId="8a3b078b179e4a90" providerId="LiveId" clId="{0FBDB5B2-C375-467E-96F5-E579F69E02D0}" dt="2020-02-25T03:31:37.988" v="485" actId="20577"/>
-        <pc:sldMkLst>
-          <pc:docMk/>
-          <pc:sldMk cId="1524816342" sldId="263"/>
-        </pc:sldMkLst>
-        <pc:spChg chg="add del mod">
-          <ac:chgData name="Thad Schwebke" userId="8a3b078b179e4a90" providerId="LiveId" clId="{0FBDB5B2-C375-467E-96F5-E579F69E02D0}" dt="2020-02-25T03:27:43.264" v="291" actId="478"/>
-          <ac:spMkLst>
-            <pc:docMk/>
-            <pc:sldMk cId="1524816342" sldId="263"/>
-            <ac:spMk id="3" creationId="{96533901-93C8-44D4-8154-0CFF405F71A4}"/>
-          </ac:spMkLst>
-        </pc:spChg>
-        <pc:spChg chg="add mod">
-          <ac:chgData name="Thad Schwebke" userId="8a3b078b179e4a90" providerId="LiveId" clId="{0FBDB5B2-C375-467E-96F5-E579F69E02D0}" dt="2020-02-25T03:28:08.359" v="296" actId="14100"/>
-          <ac:spMkLst>
-            <pc:docMk/>
-            <pc:sldMk cId="1524816342" sldId="263"/>
-            <ac:spMk id="5" creationId="{2F8E4362-CC47-4CD8-8413-56FAAF57EDD7}"/>
-          </ac:spMkLst>
-        </pc:spChg>
-        <pc:picChg chg="mod">
-          <ac:chgData name="Thad Schwebke" userId="8a3b078b179e4a90" providerId="LiveId" clId="{0FBDB5B2-C375-467E-96F5-E579F69E02D0}" dt="2020-02-25T03:27:34.775" v="289" actId="1076"/>
-          <ac:picMkLst>
-            <pc:docMk/>
-            <pc:sldMk cId="1524816342" sldId="263"/>
-            <ac:picMk id="2052" creationId="{3F980578-2894-40FA-84DA-A9854B43F14E}"/>
-          </ac:picMkLst>
-        </pc:picChg>
-      </pc:sldChg>
-      <pc:sldChg chg="addSp modSp mod modNotesTx">
-        <pc:chgData name="Thad Schwebke" userId="8a3b078b179e4a90" providerId="LiveId" clId="{0FBDB5B2-C375-467E-96F5-E579F69E02D0}" dt="2020-02-25T03:32:46.065" v="536" actId="20577"/>
-        <pc:sldMkLst>
-          <pc:docMk/>
-          <pc:sldMk cId="2663868610" sldId="264"/>
-        </pc:sldMkLst>
-        <pc:spChg chg="mod">
-          <ac:chgData name="Thad Schwebke" userId="8a3b078b179e4a90" providerId="LiveId" clId="{0FBDB5B2-C375-467E-96F5-E579F69E02D0}" dt="2020-02-23T01:24:31.351" v="137" actId="20577"/>
-          <ac:spMkLst>
-            <pc:docMk/>
-            <pc:sldMk cId="2663868610" sldId="264"/>
-            <ac:spMk id="2" creationId="{8D8003AF-F773-49EF-8D94-9D7D95CB2D76}"/>
-          </ac:spMkLst>
-        </pc:spChg>
-        <pc:spChg chg="add mod">
-          <ac:chgData name="Thad Schwebke" userId="8a3b078b179e4a90" providerId="LiveId" clId="{0FBDB5B2-C375-467E-96F5-E579F69E02D0}" dt="2020-02-25T03:32:34.709" v="517" actId="14100"/>
-          <ac:spMkLst>
-            <pc:docMk/>
-            <pc:sldMk cId="2663868610" sldId="264"/>
-            <ac:spMk id="4" creationId="{3982FF18-B5E8-4D31-B52A-FF863C139829}"/>
-          </ac:spMkLst>
-        </pc:spChg>
-      </pc:sldChg>
-      <pc:sldChg chg="modNotesTx">
-        <pc:chgData name="Thad Schwebke" userId="8a3b078b179e4a90" providerId="LiveId" clId="{0FBDB5B2-C375-467E-96F5-E579F69E02D0}" dt="2020-02-25T03:36:22.310" v="643" actId="20577"/>
-        <pc:sldMkLst>
-          <pc:docMk/>
-          <pc:sldMk cId="245379799" sldId="265"/>
-        </pc:sldMkLst>
-      </pc:sldChg>
-      <pc:sldChg chg="addSp delSp modSp mod modNotesTx">
-        <pc:chgData name="Thad Schwebke" userId="8a3b078b179e4a90" providerId="LiveId" clId="{0FBDB5B2-C375-467E-96F5-E579F69E02D0}" dt="2020-02-25T03:37:36.503" v="682" actId="20577"/>
-        <pc:sldMkLst>
-          <pc:docMk/>
-          <pc:sldMk cId="1387322310" sldId="266"/>
-        </pc:sldMkLst>
-        <pc:picChg chg="mod">
-          <ac:chgData name="Thad Schwebke" userId="8a3b078b179e4a90" providerId="LiveId" clId="{0FBDB5B2-C375-467E-96F5-E579F69E02D0}" dt="2020-02-23T01:52:55.694" v="155" actId="408"/>
-          <ac:picMkLst>
-            <pc:docMk/>
-            <pc:sldMk cId="1387322310" sldId="266"/>
-            <ac:picMk id="3" creationId="{97515110-706C-47E2-88B3-AC0B994668BC}"/>
-          </ac:picMkLst>
-        </pc:picChg>
-        <pc:picChg chg="del">
-          <ac:chgData name="Thad Schwebke" userId="8a3b078b179e4a90" providerId="LiveId" clId="{0FBDB5B2-C375-467E-96F5-E579F69E02D0}" dt="2020-02-23T01:49:41.570" v="143" actId="478"/>
-          <ac:picMkLst>
-            <pc:docMk/>
-            <pc:sldMk cId="1387322310" sldId="266"/>
-            <ac:picMk id="4" creationId="{B799D4B9-F900-4582-ADFB-B49222040E6C}"/>
-          </ac:picMkLst>
-        </pc:picChg>
-        <pc:picChg chg="del">
-          <ac:chgData name="Thad Schwebke" userId="8a3b078b179e4a90" providerId="LiveId" clId="{0FBDB5B2-C375-467E-96F5-E579F69E02D0}" dt="2020-02-23T01:36:33.330" v="138" actId="478"/>
-          <ac:picMkLst>
-            <pc:docMk/>
-            <pc:sldMk cId="1387322310" sldId="266"/>
-            <ac:picMk id="5" creationId="{068001B8-EC24-4C74-AD27-D943820B9371}"/>
-          </ac:picMkLst>
-        </pc:picChg>
-        <pc:picChg chg="add del mod">
-          <ac:chgData name="Thad Schwebke" userId="8a3b078b179e4a90" providerId="LiveId" clId="{0FBDB5B2-C375-467E-96F5-E579F69E02D0}" dt="2020-02-23T01:49:40.759" v="142" actId="478"/>
-          <ac:picMkLst>
-            <pc:docMk/>
-            <pc:sldMk cId="1387322310" sldId="266"/>
-            <ac:picMk id="6" creationId="{469F831E-4B15-45B1-B649-D5C733A8ECF7}"/>
-          </ac:picMkLst>
-        </pc:picChg>
-        <pc:picChg chg="add del mod">
-          <ac:chgData name="Thad Schwebke" userId="8a3b078b179e4a90" providerId="LiveId" clId="{0FBDB5B2-C375-467E-96F5-E579F69E02D0}" dt="2020-02-23T01:51:36.499" v="147" actId="478"/>
-          <ac:picMkLst>
-            <pc:docMk/>
-            <pc:sldMk cId="1387322310" sldId="266"/>
-            <ac:picMk id="7" creationId="{8070E6F5-AF52-47FC-B045-3CB15A4A9280}"/>
-          </ac:picMkLst>
-        </pc:picChg>
-        <pc:picChg chg="add mod modCrop">
-          <ac:chgData name="Thad Schwebke" userId="8a3b078b179e4a90" providerId="LiveId" clId="{0FBDB5B2-C375-467E-96F5-E579F69E02D0}" dt="2020-02-23T01:53:31.835" v="161" actId="1037"/>
-          <ac:picMkLst>
-            <pc:docMk/>
-            <pc:sldMk cId="1387322310" sldId="266"/>
-            <ac:picMk id="8" creationId="{A2050579-567E-467D-BA78-666F5E6A2BCC}"/>
-          </ac:picMkLst>
-        </pc:picChg>
-        <pc:picChg chg="add mod modCrop">
-          <ac:chgData name="Thad Schwebke" userId="8a3b078b179e4a90" providerId="LiveId" clId="{0FBDB5B2-C375-467E-96F5-E579F69E02D0}" dt="2020-02-25T03:37:11.412" v="644" actId="1076"/>
-          <ac:picMkLst>
-            <pc:docMk/>
-            <pc:sldMk cId="1387322310" sldId="266"/>
-            <ac:picMk id="9" creationId="{CEF6DE8A-D187-45D0-B3BA-CA964FA58107}"/>
-          </ac:picMkLst>
-        </pc:picChg>
-      </pc:sldChg>
-      <pc:sldChg chg="modNotesTx">
-        <pc:chgData name="Thad Schwebke" userId="8a3b078b179e4a90" providerId="LiveId" clId="{0FBDB5B2-C375-467E-96F5-E579F69E02D0}" dt="2020-02-25T03:39:36.232" v="684" actId="20577"/>
-        <pc:sldMkLst>
-          <pc:docMk/>
-          <pc:sldMk cId="4003640020" sldId="267"/>
-        </pc:sldMkLst>
-      </pc:sldChg>
-      <pc:sldChg chg="modNotesTx">
-        <pc:chgData name="Thad Schwebke" userId="8a3b078b179e4a90" providerId="LiveId" clId="{0FBDB5B2-C375-467E-96F5-E579F69E02D0}" dt="2020-02-25T03:36:16.603" v="641" actId="20577"/>
-        <pc:sldMkLst>
-          <pc:docMk/>
-          <pc:sldMk cId="2005336270" sldId="268"/>
-        </pc:sldMkLst>
-      </pc:sldChg>
-      <pc:sldChg chg="modNotesTx">
-        <pc:chgData name="Thad Schwebke" userId="8a3b078b179e4a90" providerId="LiveId" clId="{0FBDB5B2-C375-467E-96F5-E579F69E02D0}" dt="2020-02-25T03:26:50.384" v="282" actId="20577"/>
-        <pc:sldMkLst>
-          <pc:docMk/>
-          <pc:sldMk cId="832593484" sldId="271"/>
-        </pc:sldMkLst>
-      </pc:sldChg>
-      <pc:sldChg chg="addSp modSp mod modNotesTx">
-        <pc:chgData name="Thad Schwebke" userId="8a3b078b179e4a90" providerId="LiveId" clId="{0FBDB5B2-C375-467E-96F5-E579F69E02D0}" dt="2020-02-25T03:25:57.649" v="240" actId="20577"/>
-        <pc:sldMkLst>
-          <pc:docMk/>
-          <pc:sldMk cId="1538342588" sldId="272"/>
-        </pc:sldMkLst>
-        <pc:spChg chg="add">
-          <ac:chgData name="Thad Schwebke" userId="8a3b078b179e4a90" providerId="LiveId" clId="{0FBDB5B2-C375-467E-96F5-E579F69E02D0}" dt="2020-02-23T01:00:52.801" v="0"/>
-          <ac:spMkLst>
-            <pc:docMk/>
-            <pc:sldMk cId="1538342588" sldId="272"/>
-            <ac:spMk id="4" creationId="{4A1A627B-5081-4CE6-86BF-BC90159E460D}"/>
-          </ac:spMkLst>
-        </pc:spChg>
-        <pc:spChg chg="mod">
-          <ac:chgData name="Thad Schwebke" userId="8a3b078b179e4a90" providerId="LiveId" clId="{0FBDB5B2-C375-467E-96F5-E579F69E02D0}" dt="2020-02-25T03:25:44.412" v="199" actId="20577"/>
-          <ac:spMkLst>
-            <pc:docMk/>
-            <pc:sldMk cId="1538342588" sldId="272"/>
-            <ac:spMk id="6" creationId="{68F030ED-4EC5-440E-B58F-AC0D6E56493D}"/>
-          </ac:spMkLst>
-        </pc:spChg>
-      </pc:sldChg>
-      <pc:sldChg chg="addSp delSp modSp add mod">
-        <pc:chgData name="Thad Schwebke" userId="8a3b078b179e4a90" providerId="LiveId" clId="{0FBDB5B2-C375-467E-96F5-E579F69E02D0}" dt="2020-02-23T21:50:37.299" v="165" actId="478"/>
-        <pc:sldMkLst>
-          <pc:docMk/>
-          <pc:sldMk cId="3664237376" sldId="273"/>
-        </pc:sldMkLst>
-        <pc:spChg chg="del">
-          <ac:chgData name="Thad Schwebke" userId="8a3b078b179e4a90" providerId="LiveId" clId="{0FBDB5B2-C375-467E-96F5-E579F69E02D0}" dt="2020-02-23T01:16:51.852" v="90"/>
-          <ac:spMkLst>
-            <pc:docMk/>
-            <pc:sldMk cId="3664237376" sldId="273"/>
-            <ac:spMk id="2" creationId="{017A87FA-EFDD-4DF4-BA04-35493DDBAB2C}"/>
-          </ac:spMkLst>
-        </pc:spChg>
-        <pc:spChg chg="add del mod">
-          <ac:chgData name="Thad Schwebke" userId="8a3b078b179e4a90" providerId="LiveId" clId="{0FBDB5B2-C375-467E-96F5-E579F69E02D0}" dt="2020-02-23T21:50:37.299" v="165" actId="478"/>
-          <ac:spMkLst>
-            <pc:docMk/>
-            <pc:sldMk cId="3664237376" sldId="273"/>
-            <ac:spMk id="3" creationId="{842779C3-2E28-4420-9B17-E0AC7E94E6E7}"/>
-          </ac:spMkLst>
-        </pc:spChg>
-        <pc:spChg chg="del">
-          <ac:chgData name="Thad Schwebke" userId="8a3b078b179e4a90" providerId="LiveId" clId="{0FBDB5B2-C375-467E-96F5-E579F69E02D0}" dt="2020-02-23T01:16:51.852" v="90"/>
-          <ac:spMkLst>
-            <pc:docMk/>
-            <pc:sldMk cId="3664237376" sldId="273"/>
-            <ac:spMk id="3" creationId="{C5446198-E342-472C-8425-34CEB9975E57}"/>
-          </ac:spMkLst>
-        </pc:spChg>
-        <pc:spChg chg="add mod">
-          <ac:chgData name="Thad Schwebke" userId="8a3b078b179e4a90" providerId="LiveId" clId="{0FBDB5B2-C375-467E-96F5-E579F69E02D0}" dt="2020-02-23T01:16:57.863" v="100" actId="20577"/>
-          <ac:spMkLst>
-            <pc:docMk/>
-            <pc:sldMk cId="3664237376" sldId="273"/>
-            <ac:spMk id="4" creationId="{F04C7EA7-2EE2-4009-AA46-75A05E66E1FF}"/>
-          </ac:spMkLst>
-        </pc:spChg>
-        <pc:spChg chg="add del mod">
-          <ac:chgData name="Thad Schwebke" userId="8a3b078b179e4a90" providerId="LiveId" clId="{0FBDB5B2-C375-467E-96F5-E579F69E02D0}" dt="2020-02-23T21:50:35.248" v="164" actId="478"/>
-          <ac:spMkLst>
-            <pc:docMk/>
-            <pc:sldMk cId="3664237376" sldId="273"/>
-            <ac:spMk id="5" creationId="{B7032DA9-3084-428D-B16D-24511F6F7009}"/>
-          </ac:spMkLst>
-        </pc:spChg>
-      </pc:sldChg>
-      <pc:sldChg chg="modNotesTx">
-        <pc:chgData name="Thad Schwebke" userId="8a3b078b179e4a90" providerId="LiveId" clId="{0FBDB5B2-C375-467E-96F5-E579F69E02D0}" dt="2020-02-25T03:28:55.390" v="339" actId="20577"/>
-        <pc:sldMkLst>
-          <pc:docMk/>
-          <pc:sldMk cId="2475493359" sldId="274"/>
-        </pc:sldMkLst>
-      </pc:sldChg>
-      <pc:sldChg chg="modSp mod modNotesTx">
-        <pc:chgData name="Thad Schwebke" userId="8a3b078b179e4a90" providerId="LiveId" clId="{0FBDB5B2-C375-467E-96F5-E579F69E02D0}" dt="2020-02-25T03:30:46.179" v="427" actId="20577"/>
-        <pc:sldMkLst>
-          <pc:docMk/>
-          <pc:sldMk cId="1478177033" sldId="275"/>
-        </pc:sldMkLst>
-        <pc:picChg chg="mod">
-          <ac:chgData name="Thad Schwebke" userId="8a3b078b179e4a90" providerId="LiveId" clId="{0FBDB5B2-C375-467E-96F5-E579F69E02D0}" dt="2020-02-25T03:29:08.667" v="340" actId="1076"/>
-          <ac:picMkLst>
-            <pc:docMk/>
-            <pc:sldMk cId="1478177033" sldId="275"/>
-            <ac:picMk id="13" creationId="{41430A5D-0B98-F942-89E4-1D72B40662D6}"/>
-          </ac:picMkLst>
-        </pc:picChg>
-      </pc:sldChg>
-    </pc:docChg>
-  </pc:docChgLst>
-</pc:chgInfo>
 </file>
 
 <file path=ppt/handoutMasters/handoutMaster1.xml><?xml version="1.0" encoding="utf-8"?>
@@ -1379,7 +244,7 @@
           <a:p>
             <a:fld id="{4AECD13F-9E93-4C57-A5BD-336347054114}" type="datetimeFigureOut">
               <a:rPr lang="en-US" smtClean="0"/>
-              <a:t>2/24/2020</a:t>
+              <a:t>2/28/2020</a:t>
             </a:fld>
             <a:endParaRPr lang="en-US"/>
           </a:p>
@@ -1544,7 +409,7 @@
           <a:p>
             <a:fld id="{621D9606-6FF7-49AF-A412-4D6AB767DFC4}" type="datetimeFigureOut">
               <a:rPr lang="en-US" smtClean="0"/>
-              <a:t>2/24/2020</a:t>
+              <a:t>2/28/2020</a:t>
             </a:fld>
             <a:endParaRPr lang="en-US"/>
           </a:p>
@@ -3775,7 +2640,7 @@
             <a:fld id="{FFF30096-E2FA-4C53-8FFA-C198FACBBC31}" type="datetimeFigureOut">
               <a:rPr lang="en-US" smtClean="0"/>
               <a:pPr/>
-              <a:t>2/24/2020</a:t>
+              <a:t>2/28/2020</a:t>
             </a:fld>
             <a:endParaRPr lang="en-US" dirty="0"/>
           </a:p>
@@ -11034,7 +9899,7 @@
             <a:fld id="{FFF30096-E2FA-4C53-8FFA-C198FACBBC31}" type="datetimeFigureOut">
               <a:rPr lang="en-US" smtClean="0"/>
               <a:pPr/>
-              <a:t>2/24/2020</a:t>
+              <a:t>2/28/2020</a:t>
             </a:fld>
             <a:endParaRPr lang="en-US" dirty="0"/>
           </a:p>
@@ -18708,7 +17573,7 @@
             <a:fld id="{FFF30096-E2FA-4C53-8FFA-C198FACBBC31}" type="datetimeFigureOut">
               <a:rPr lang="en-US" smtClean="0"/>
               <a:pPr/>
-              <a:t>2/24/2020</a:t>
+              <a:t>2/28/2020</a:t>
             </a:fld>
             <a:endParaRPr lang="en-US" dirty="0"/>
           </a:p>
@@ -18964,7 +17829,7 @@
             <a:fld id="{FFF30096-E2FA-4C53-8FFA-C198FACBBC31}" type="datetimeFigureOut">
               <a:rPr lang="en-US" smtClean="0"/>
               <a:pPr/>
-              <a:t>2/24/2020</a:t>
+              <a:t>2/28/2020</a:t>
             </a:fld>
             <a:endParaRPr lang="en-US" dirty="0"/>
           </a:p>
@@ -20738,7 +19603,7 @@
             <a:fld id="{FFF30096-E2FA-4C53-8FFA-C198FACBBC31}" type="datetimeFigureOut">
               <a:rPr lang="en-US" smtClean="0"/>
               <a:pPr/>
-              <a:t>2/24/2020</a:t>
+              <a:t>2/28/2020</a:t>
             </a:fld>
             <a:endParaRPr lang="en-US" dirty="0"/>
           </a:p>
@@ -21113,7 +19978,7 @@
             <a:fld id="{FFF30096-E2FA-4C53-8FFA-C198FACBBC31}" type="datetimeFigureOut">
               <a:rPr lang="en-US" smtClean="0"/>
               <a:pPr/>
-              <a:t>2/24/2020</a:t>
+              <a:t>2/28/2020</a:t>
             </a:fld>
             <a:endParaRPr lang="en-US"/>
           </a:p>
@@ -21649,7 +20514,7 @@
           <p:nvPr/>
         </p:nvPicPr>
         <p:blipFill>
-          <a:blip r:embed="rId3">
+          <a:blip r:embed="rId3" cstate="print">
             <a:extLst>
               <a:ext uri="{28A0092B-C50C-407E-A947-70E740481C1C}">
                 <a14:useLocalDpi xmlns:a14="http://schemas.microsoft.com/office/drawing/2010/main" val="0"/>
@@ -21663,7 +20528,7 @@
         </p:blipFill>
         <p:spPr bwMode="auto">
           <a:xfrm>
-            <a:off x="0" y="1330779"/>
+            <a:off x="0" y="971550"/>
             <a:ext cx="3017520" cy="2155371"/>
           </a:xfrm>
           <a:prstGeom prst="rect">
@@ -21683,60 +20548,96 @@
       </p:pic>
       <p:pic>
         <p:nvPicPr>
-          <p:cNvPr id="8" name="Picture 7">
+          <p:cNvPr id="4098" name="Picture 2">
             <a:extLst>
               <a:ext uri="{FF2B5EF4-FFF2-40B4-BE49-F238E27FC236}">
-                <a16:creationId xmlns:a16="http://schemas.microsoft.com/office/drawing/2014/main" id="{A2050579-567E-467D-BA78-666F5E6A2BCC}"/>
+                <a16:creationId xmlns:a16="http://schemas.microsoft.com/office/drawing/2014/main" id="{FE3D050B-9CE8-4528-B023-3317C9BBC97A}"/>
               </a:ext>
             </a:extLst>
           </p:cNvPr>
           <p:cNvPicPr>
-            <a:picLocks noChangeAspect="1"/>
+            <a:picLocks noChangeAspect="1" noChangeArrowheads="1"/>
           </p:cNvPicPr>
           <p:nvPr/>
         </p:nvPicPr>
-        <p:blipFill rotWithShape="1">
-          <a:blip r:embed="rId4"/>
-          <a:srcRect l="2428"/>
-          <a:stretch/>
+        <p:blipFill>
+          <a:blip r:embed="rId4" cstate="print">
+            <a:extLst>
+              <a:ext uri="{28A0092B-C50C-407E-A947-70E740481C1C}">
+                <a14:useLocalDpi xmlns:a14="http://schemas.microsoft.com/office/drawing/2010/main" val="0"/>
+              </a:ext>
+            </a:extLst>
+          </a:blip>
+          <a:srcRect/>
+          <a:stretch>
+            <a:fillRect/>
+          </a:stretch>
         </p:blipFill>
-        <p:spPr>
+        <p:spPr bwMode="auto">
           <a:xfrm>
-            <a:off x="3048000" y="1330778"/>
-            <a:ext cx="3017520" cy="1908674"/>
+            <a:off x="3048000" y="971550"/>
+            <a:ext cx="3017520" cy="2155371"/>
           </a:xfrm>
           <a:prstGeom prst="rect">
             <a:avLst/>
           </a:prstGeom>
+          <a:noFill/>
+          <a:extLst>
+            <a:ext uri="{909E8E84-426E-40DD-AFC4-6F175D3DCCD1}">
+              <a14:hiddenFill xmlns:a14="http://schemas.microsoft.com/office/drawing/2010/main">
+                <a:solidFill>
+                  <a:srgbClr val="FFFFFF"/>
+                </a:solidFill>
+              </a14:hiddenFill>
+            </a:ext>
+          </a:extLst>
         </p:spPr>
       </p:pic>
       <p:pic>
         <p:nvPicPr>
-          <p:cNvPr id="9" name="Picture 8">
+          <p:cNvPr id="4100" name="Picture 4">
             <a:extLst>
               <a:ext uri="{FF2B5EF4-FFF2-40B4-BE49-F238E27FC236}">
-                <a16:creationId xmlns:a16="http://schemas.microsoft.com/office/drawing/2014/main" id="{CEF6DE8A-D187-45D0-B3BA-CA964FA58107}"/>
+                <a16:creationId xmlns:a16="http://schemas.microsoft.com/office/drawing/2014/main" id="{04BC4BD1-9113-4BE2-B116-843787C2FCB4}"/>
               </a:ext>
             </a:extLst>
           </p:cNvPr>
           <p:cNvPicPr>
-            <a:picLocks noChangeAspect="1"/>
+            <a:picLocks noChangeAspect="1" noChangeArrowheads="1"/>
           </p:cNvPicPr>
           <p:nvPr/>
         </p:nvPicPr>
-        <p:blipFill rotWithShape="1">
-          <a:blip r:embed="rId5"/>
-          <a:srcRect l="2428"/>
-          <a:stretch/>
+        <p:blipFill>
+          <a:blip r:embed="rId5" cstate="print">
+            <a:extLst>
+              <a:ext uri="{28A0092B-C50C-407E-A947-70E740481C1C}">
+                <a14:useLocalDpi xmlns:a14="http://schemas.microsoft.com/office/drawing/2010/main" val="0"/>
+              </a:ext>
+            </a:extLst>
+          </a:blip>
+          <a:srcRect/>
+          <a:stretch>
+            <a:fillRect/>
+          </a:stretch>
         </p:blipFill>
-        <p:spPr>
+        <p:spPr bwMode="auto">
           <a:xfrm>
-            <a:off x="6126482" y="1330778"/>
-            <a:ext cx="3017520" cy="1925576"/>
+            <a:off x="6096000" y="971550"/>
+            <a:ext cx="3017520" cy="2155371"/>
           </a:xfrm>
           <a:prstGeom prst="rect">
             <a:avLst/>
           </a:prstGeom>
+          <a:noFill/>
+          <a:extLst>
+            <a:ext uri="{909E8E84-426E-40DD-AFC4-6F175D3DCCD1}">
+              <a14:hiddenFill xmlns:a14="http://schemas.microsoft.com/office/drawing/2010/main">
+                <a:solidFill>
+                  <a:srgbClr val="FFFFFF"/>
+                </a:solidFill>
+              </a14:hiddenFill>
+            </a:ext>
+          </a:extLst>
         </p:spPr>
       </p:pic>
     </p:spTree>
@@ -21799,10 +20700,10 @@
       </p:sp>
       <p:pic>
         <p:nvPicPr>
-          <p:cNvPr id="7170" name="Picture 2">
+          <p:cNvPr id="5122" name="Picture 2">
             <a:extLst>
               <a:ext uri="{FF2B5EF4-FFF2-40B4-BE49-F238E27FC236}">
-                <a16:creationId xmlns:a16="http://schemas.microsoft.com/office/drawing/2014/main" id="{D6BF28F4-4E5D-4BBC-8668-5BC49F61C8C6}"/>
+                <a16:creationId xmlns:a16="http://schemas.microsoft.com/office/drawing/2014/main" id="{035D703A-26DE-45BE-8AC2-A0D6CE4A3612}"/>
               </a:ext>
             </a:extLst>
           </p:cNvPr>
@@ -21812,7 +20713,7 @@
           <p:nvPr/>
         </p:nvPicPr>
         <p:blipFill>
-          <a:blip r:embed="rId3">
+          <a:blip r:embed="rId3" cstate="print">
             <a:extLst>
               <a:ext uri="{28A0092B-C50C-407E-A947-70E740481C1C}">
                 <a14:useLocalDpi xmlns:a14="http://schemas.microsoft.com/office/drawing/2010/main" val="0"/>
@@ -21826,8 +20727,8 @@
         </p:blipFill>
         <p:spPr bwMode="auto">
           <a:xfrm>
-            <a:off x="152400" y="1167493"/>
-            <a:ext cx="4206240" cy="3004457"/>
+            <a:off x="76200" y="1063228"/>
+            <a:ext cx="3200400" cy="3200400"/>
           </a:xfrm>
           <a:prstGeom prst="rect">
             <a:avLst/>
@@ -21846,10 +20747,10 @@
       </p:pic>
       <p:pic>
         <p:nvPicPr>
-          <p:cNvPr id="3" name="Picture 4">
+          <p:cNvPr id="5124" name="Picture 4">
             <a:extLst>
               <a:ext uri="{FF2B5EF4-FFF2-40B4-BE49-F238E27FC236}">
-                <a16:creationId xmlns:a16="http://schemas.microsoft.com/office/drawing/2014/main" id="{426D0047-F4A1-4D2A-A497-54A8F7000D42}"/>
+                <a16:creationId xmlns:a16="http://schemas.microsoft.com/office/drawing/2014/main" id="{3B7B3B42-7FA9-4E7A-87F3-5CA0B2074C14}"/>
               </a:ext>
             </a:extLst>
           </p:cNvPr>
@@ -21859,7 +20760,7 @@
           <p:nvPr/>
         </p:nvPicPr>
         <p:blipFill>
-          <a:blip r:embed="rId4">
+          <a:blip r:embed="rId4" cstate="print">
             <a:extLst>
               <a:ext uri="{28A0092B-C50C-407E-A947-70E740481C1C}">
                 <a14:useLocalDpi xmlns:a14="http://schemas.microsoft.com/office/drawing/2010/main" val="0"/>
@@ -21873,8 +20774,8 @@
         </p:blipFill>
         <p:spPr bwMode="auto">
           <a:xfrm>
-            <a:off x="4785360" y="1167493"/>
-            <a:ext cx="4206240" cy="3004457"/>
+            <a:off x="5839265" y="1063228"/>
+            <a:ext cx="3200400" cy="3200400"/>
           </a:xfrm>
           <a:prstGeom prst="rect">
             <a:avLst/>
@@ -22829,7 +21730,7 @@
           <p:nvPr/>
         </p:nvPicPr>
         <p:blipFill rotWithShape="1">
-          <a:blip r:embed="rId3">
+          <a:blip r:embed="rId3" cstate="print">
             <a:extLst>
               <a:ext uri="{28A0092B-C50C-407E-A947-70E740481C1C}">
                 <a14:useLocalDpi xmlns:a14="http://schemas.microsoft.com/office/drawing/2010/main" val="0"/>
@@ -22879,7 +21780,7 @@
           <p:nvPr/>
         </p:nvPicPr>
         <p:blipFill rotWithShape="1">
-          <a:blip r:embed="rId4">
+          <a:blip r:embed="rId4" cstate="print">
             <a:extLst>
               <a:ext uri="{28A0092B-C50C-407E-A947-70E740481C1C}">
                 <a14:useLocalDpi xmlns:a14="http://schemas.microsoft.com/office/drawing/2010/main" val="0"/>
@@ -23039,7 +21940,7 @@
           <p:nvPr/>
         </p:nvPicPr>
         <p:blipFill>
-          <a:blip r:embed="rId3">
+          <a:blip r:embed="rId3" cstate="print">
             <a:extLst>
               <a:ext uri="{28A0092B-C50C-407E-A947-70E740481C1C}">
                 <a14:useLocalDpi xmlns:a14="http://schemas.microsoft.com/office/drawing/2010/main" val="0"/>
@@ -23099,7 +22000,7 @@
           <p:nvPr/>
         </p:nvPicPr>
         <p:blipFill>
-          <a:blip r:embed="rId4">
+          <a:blip r:embed="rId4" cstate="print">
             <a:extLst>
               <a:ext uri="{28A0092B-C50C-407E-A947-70E740481C1C}">
                 <a14:useLocalDpi xmlns:a14="http://schemas.microsoft.com/office/drawing/2010/main" val="0"/>
@@ -23289,7 +22190,7 @@
           <p:nvPr/>
         </p:nvPicPr>
         <p:blipFill>
-          <a:blip r:embed="rId5">
+          <a:blip r:embed="rId5" cstate="print">
             <a:extLst>
               <a:ext uri="{28A0092B-C50C-407E-A947-70E740481C1C}">
                 <a14:useLocalDpi xmlns:a14="http://schemas.microsoft.com/office/drawing/2010/main" val="0"/>
@@ -24494,7 +23395,7 @@
           <p:nvPr/>
         </p:nvPicPr>
         <p:blipFill>
-          <a:blip r:embed="rId6">
+          <a:blip r:embed="rId6" cstate="print">
             <a:extLst>
               <a:ext uri="{28A0092B-C50C-407E-A947-70E740481C1C}">
                 <a14:useLocalDpi xmlns:a14="http://schemas.microsoft.com/office/drawing/2010/main" val="0"/>
@@ -24933,8 +23834,8 @@
         </p:nvSpPr>
         <p:spPr>
           <a:xfrm>
-            <a:off x="1371600" y="361950"/>
-            <a:ext cx="3810000" cy="857250"/>
+            <a:off x="990600" y="33959"/>
+            <a:ext cx="4343400" cy="857250"/>
           </a:xfrm>
         </p:spPr>
         <p:txBody>
@@ -24945,17 +23846,17 @@
           <a:p>
             <a:r>
               <a:rPr lang="en-US" dirty="0"/>
-              <a:t>Median ABV and IBU by State</a:t>
+              <a:t>Median ABV and IBU</a:t>
             </a:r>
           </a:p>
         </p:txBody>
       </p:sp>
       <p:pic>
         <p:nvPicPr>
-          <p:cNvPr id="5" name="Picture 4">
+          <p:cNvPr id="1026" name="Picture 2">
             <a:extLst>
               <a:ext uri="{FF2B5EF4-FFF2-40B4-BE49-F238E27FC236}">
-                <a16:creationId xmlns:a16="http://schemas.microsoft.com/office/drawing/2014/main" id="{6602F371-6279-4F6C-8C92-3AA295A07975}"/>
+                <a16:creationId xmlns:a16="http://schemas.microsoft.com/office/drawing/2014/main" id="{798AE132-0579-4BB2-9021-4F70F37B58AC}"/>
               </a:ext>
             </a:extLst>
           </p:cNvPr>
@@ -24965,7 +23866,7 @@
           <p:nvPr/>
         </p:nvPicPr>
         <p:blipFill>
-          <a:blip r:embed="rId3">
+          <a:blip r:embed="rId3" cstate="print">
             <a:extLst>
               <a:ext uri="{28A0092B-C50C-407E-A947-70E740481C1C}">
                 <a14:useLocalDpi xmlns:a14="http://schemas.microsoft.com/office/drawing/2010/main" val="0"/>
@@ -24979,8 +23880,8 @@
         </p:blipFill>
         <p:spPr bwMode="auto">
           <a:xfrm>
-            <a:off x="5543550" y="0"/>
-            <a:ext cx="3600450" cy="5143500"/>
+            <a:off x="5577840" y="33959"/>
+            <a:ext cx="3566160" cy="5094514"/>
           </a:xfrm>
           <a:prstGeom prst="rect">
             <a:avLst/>
@@ -24997,58 +23898,6 @@
           </a:extLst>
         </p:spPr>
       </p:pic>
-      <p:sp>
-        <p:nvSpPr>
-          <p:cNvPr id="4" name="Rectangle 3">
-            <a:extLst>
-              <a:ext uri="{FF2B5EF4-FFF2-40B4-BE49-F238E27FC236}">
-                <a16:creationId xmlns:a16="http://schemas.microsoft.com/office/drawing/2014/main" id="{3982FF18-B5E8-4D31-B52A-FF863C139829}"/>
-              </a:ext>
-            </a:extLst>
-          </p:cNvPr>
-          <p:cNvSpPr/>
-          <p:nvPr/>
-        </p:nvSpPr>
-        <p:spPr>
-          <a:xfrm>
-            <a:off x="5543550" y="247650"/>
-            <a:ext cx="1771650" cy="114300"/>
-          </a:xfrm>
-          <a:prstGeom prst="rect">
-            <a:avLst/>
-          </a:prstGeom>
-          <a:noFill/>
-          <a:ln>
-            <a:solidFill>
-              <a:srgbClr val="92D050"/>
-            </a:solidFill>
-          </a:ln>
-        </p:spPr>
-        <p:style>
-          <a:lnRef idx="2">
-            <a:schemeClr val="accent1">
-              <a:shade val="50000"/>
-            </a:schemeClr>
-          </a:lnRef>
-          <a:fillRef idx="1">
-            <a:schemeClr val="accent1"/>
-          </a:fillRef>
-          <a:effectRef idx="0">
-            <a:schemeClr val="accent1"/>
-          </a:effectRef>
-          <a:fontRef idx="minor">
-            <a:schemeClr val="lt1"/>
-          </a:fontRef>
-        </p:style>
-        <p:txBody>
-          <a:bodyPr rtlCol="0" anchor="ctr"/>
-          <a:lstStyle/>
-          <a:p>
-            <a:pPr algn="ctr"/>
-            <a:endParaRPr lang="en-US"/>
-          </a:p>
-        </p:txBody>
-      </p:sp>
     </p:spTree>
     <p:extLst>
       <p:ext uri="{BB962C8B-B14F-4D97-AF65-F5344CB8AC3E}">
@@ -25079,6 +23928,53 @@
           <a:chExt cx="0" cy="0"/>
         </a:xfrm>
       </p:grpSpPr>
+      <p:pic>
+        <p:nvPicPr>
+          <p:cNvPr id="2052" name="Picture 4">
+            <a:extLst>
+              <a:ext uri="{FF2B5EF4-FFF2-40B4-BE49-F238E27FC236}">
+                <a16:creationId xmlns:a16="http://schemas.microsoft.com/office/drawing/2014/main" id="{4B62D1B6-6275-46B8-BA1E-F765D23D5452}"/>
+              </a:ext>
+            </a:extLst>
+          </p:cNvPr>
+          <p:cNvPicPr>
+            <a:picLocks noChangeAspect="1" noChangeArrowheads="1"/>
+          </p:cNvPicPr>
+          <p:nvPr/>
+        </p:nvPicPr>
+        <p:blipFill>
+          <a:blip r:embed="rId3" cstate="print">
+            <a:extLst>
+              <a:ext uri="{28A0092B-C50C-407E-A947-70E740481C1C}">
+                <a14:useLocalDpi xmlns:a14="http://schemas.microsoft.com/office/drawing/2010/main" val="0"/>
+              </a:ext>
+            </a:extLst>
+          </a:blip>
+          <a:srcRect/>
+          <a:stretch>
+            <a:fillRect/>
+          </a:stretch>
+        </p:blipFill>
+        <p:spPr bwMode="auto">
+          <a:xfrm>
+            <a:off x="5791200" y="795969"/>
+            <a:ext cx="3200400" cy="2286000"/>
+          </a:xfrm>
+          <a:prstGeom prst="rect">
+            <a:avLst/>
+          </a:prstGeom>
+          <a:noFill/>
+          <a:extLst>
+            <a:ext uri="{909E8E84-426E-40DD-AFC4-6F175D3DCCD1}">
+              <a14:hiddenFill xmlns:a14="http://schemas.microsoft.com/office/drawing/2010/main">
+                <a:solidFill>
+                  <a:srgbClr val="FFFFFF"/>
+                </a:solidFill>
+              </a14:hiddenFill>
+            </a:ext>
+          </a:extLst>
+        </p:spPr>
+      </p:pic>
       <p:sp>
         <p:nvSpPr>
           <p:cNvPr id="2" name="Title 1">
@@ -25102,17 +23998,17 @@
           <a:p>
             <a:r>
               <a:rPr lang="en-US" dirty="0"/>
-              <a:t>Top IBU</a:t>
+              <a:t>IBU Max</a:t>
             </a:r>
           </a:p>
         </p:txBody>
       </p:sp>
       <p:pic>
         <p:nvPicPr>
-          <p:cNvPr id="4" name="Picture 2">
+          <p:cNvPr id="2050" name="Picture 2">
             <a:extLst>
               <a:ext uri="{FF2B5EF4-FFF2-40B4-BE49-F238E27FC236}">
-                <a16:creationId xmlns:a16="http://schemas.microsoft.com/office/drawing/2014/main" id="{CD3765AA-58E2-42FE-9E6E-A875BCB1D73F}"/>
+                <a16:creationId xmlns:a16="http://schemas.microsoft.com/office/drawing/2014/main" id="{92A24FA1-5B1D-4145-BD4F-BBB189240858}"/>
               </a:ext>
             </a:extLst>
           </p:cNvPr>
@@ -25122,7 +24018,7 @@
           <p:nvPr/>
         </p:nvPicPr>
         <p:blipFill>
-          <a:blip r:embed="rId3">
+          <a:blip r:embed="rId4" cstate="print">
             <a:extLst>
               <a:ext uri="{28A0092B-C50C-407E-A947-70E740481C1C}">
                 <a14:useLocalDpi xmlns:a14="http://schemas.microsoft.com/office/drawing/2010/main" val="0"/>
@@ -25136,55 +24032,8 @@
         </p:blipFill>
         <p:spPr bwMode="auto">
           <a:xfrm>
-            <a:off x="152400" y="1200150"/>
-            <a:ext cx="4206240" cy="3004457"/>
-          </a:xfrm>
-          <a:prstGeom prst="rect">
-            <a:avLst/>
-          </a:prstGeom>
-          <a:noFill/>
-          <a:extLst>
-            <a:ext uri="{909E8E84-426E-40DD-AFC4-6F175D3DCCD1}">
-              <a14:hiddenFill xmlns:a14="http://schemas.microsoft.com/office/drawing/2010/main">
-                <a:solidFill>
-                  <a:srgbClr val="FFFFFF"/>
-                </a:solidFill>
-              </a14:hiddenFill>
-            </a:ext>
-          </a:extLst>
-        </p:spPr>
-      </p:pic>
-      <p:pic>
-        <p:nvPicPr>
-          <p:cNvPr id="5" name="Picture 4">
-            <a:extLst>
-              <a:ext uri="{FF2B5EF4-FFF2-40B4-BE49-F238E27FC236}">
-                <a16:creationId xmlns:a16="http://schemas.microsoft.com/office/drawing/2014/main" id="{28B18D85-1151-450B-8AFF-D3E3FCE62C14}"/>
-              </a:ext>
-            </a:extLst>
-          </p:cNvPr>
-          <p:cNvPicPr>
-            <a:picLocks noChangeAspect="1" noChangeArrowheads="1"/>
-          </p:cNvPicPr>
-          <p:nvPr/>
-        </p:nvPicPr>
-        <p:blipFill>
-          <a:blip r:embed="rId4">
-            <a:extLst>
-              <a:ext uri="{28A0092B-C50C-407E-A947-70E740481C1C}">
-                <a14:useLocalDpi xmlns:a14="http://schemas.microsoft.com/office/drawing/2010/main" val="0"/>
-              </a:ext>
-            </a:extLst>
-          </a:blip>
-          <a:srcRect/>
-          <a:stretch>
-            <a:fillRect/>
-          </a:stretch>
-        </p:blipFill>
-        <p:spPr bwMode="auto">
-          <a:xfrm>
-            <a:off x="4724400" y="1200150"/>
-            <a:ext cx="4206240" cy="3004457"/>
+            <a:off x="133643" y="795969"/>
+            <a:ext cx="3200400" cy="2286000"/>
           </a:xfrm>
           <a:prstGeom prst="rect">
             <a:avLst/>
@@ -25254,17 +24103,17 @@
           <a:p>
             <a:r>
               <a:rPr lang="en-US" dirty="0"/>
-              <a:t>Top ABV</a:t>
+              <a:t>Max ABV</a:t>
             </a:r>
           </a:p>
         </p:txBody>
       </p:sp>
       <p:pic>
         <p:nvPicPr>
-          <p:cNvPr id="5122" name="Picture 2">
+          <p:cNvPr id="3074" name="Picture 2">
             <a:extLst>
               <a:ext uri="{FF2B5EF4-FFF2-40B4-BE49-F238E27FC236}">
-                <a16:creationId xmlns:a16="http://schemas.microsoft.com/office/drawing/2014/main" id="{E734F5E3-6122-4A2E-8281-C1C4D2757A27}"/>
+                <a16:creationId xmlns:a16="http://schemas.microsoft.com/office/drawing/2014/main" id="{6A239805-E564-4A1E-95AE-1CCC35D14497}"/>
               </a:ext>
             </a:extLst>
           </p:cNvPr>
@@ -25274,7 +24123,7 @@
           <p:nvPr/>
         </p:nvPicPr>
         <p:blipFill>
-          <a:blip r:embed="rId3">
+          <a:blip r:embed="rId3" cstate="print">
             <a:extLst>
               <a:ext uri="{28A0092B-C50C-407E-A947-70E740481C1C}">
                 <a14:useLocalDpi xmlns:a14="http://schemas.microsoft.com/office/drawing/2010/main" val="0"/>
@@ -25288,8 +24137,8 @@
         </p:blipFill>
         <p:spPr bwMode="auto">
           <a:xfrm>
-            <a:off x="252029" y="1061238"/>
-            <a:ext cx="4206240" cy="3004457"/>
+            <a:off x="152400" y="895350"/>
+            <a:ext cx="3200400" cy="2286000"/>
           </a:xfrm>
           <a:prstGeom prst="rect">
             <a:avLst/>
@@ -25308,10 +24157,10 @@
       </p:pic>
       <p:pic>
         <p:nvPicPr>
-          <p:cNvPr id="5124" name="Picture 4">
+          <p:cNvPr id="3076" name="Picture 4">
             <a:extLst>
               <a:ext uri="{FF2B5EF4-FFF2-40B4-BE49-F238E27FC236}">
-                <a16:creationId xmlns:a16="http://schemas.microsoft.com/office/drawing/2014/main" id="{C3F5B074-1700-48C5-A864-2001055CE578}"/>
+                <a16:creationId xmlns:a16="http://schemas.microsoft.com/office/drawing/2014/main" id="{B17C4DF4-EEA8-4DC3-936B-7E7AC51D1088}"/>
               </a:ext>
             </a:extLst>
           </p:cNvPr>
@@ -25321,7 +24170,7 @@
           <p:nvPr/>
         </p:nvPicPr>
         <p:blipFill>
-          <a:blip r:embed="rId4">
+          <a:blip r:embed="rId4" cstate="print">
             <a:extLst>
               <a:ext uri="{28A0092B-C50C-407E-A947-70E740481C1C}">
                 <a14:useLocalDpi xmlns:a14="http://schemas.microsoft.com/office/drawing/2010/main" val="0"/>
@@ -25335,8 +24184,8 @@
         </p:blipFill>
         <p:spPr bwMode="auto">
           <a:xfrm>
-            <a:off x="4632960" y="1061238"/>
-            <a:ext cx="4206240" cy="3004457"/>
+            <a:off x="5781040" y="895350"/>
+            <a:ext cx="3200400" cy="2286000"/>
           </a:xfrm>
           <a:prstGeom prst="rect">
             <a:avLst/>
